--- a/source/lessons/lsn20/Lsn20.pptx
+++ b/source/lessons/lsn20/Lsn20.pptx
@@ -1645,7 +1645,7 @@
           <a:p>
             <a:fld id="{834513E8-165F-4932-9E2D-FD497CB9A4FD}" type="datetimeFigureOut">
               <a:rPr lang="en-US" smtClean="0"/>
-              <a:t>6/5/2018</a:t>
+              <a:t>7/10/2018</a:t>
             </a:fld>
             <a:endParaRPr lang="en-US"/>
           </a:p>
@@ -1763,7 +1763,7 @@
           <a:p>
             <a:fld id="{834513E8-165F-4932-9E2D-FD497CB9A4FD}" type="datetimeFigureOut">
               <a:rPr lang="en-US" smtClean="0"/>
-              <a:t>6/5/2018</a:t>
+              <a:t>7/10/2018</a:t>
             </a:fld>
             <a:endParaRPr lang="en-US"/>
           </a:p>
@@ -1858,7 +1858,7 @@
           <a:p>
             <a:fld id="{834513E8-165F-4932-9E2D-FD497CB9A4FD}" type="datetimeFigureOut">
               <a:rPr lang="en-US" smtClean="0"/>
-              <a:t>6/5/2018</a:t>
+              <a:t>7/10/2018</a:t>
             </a:fld>
             <a:endParaRPr lang="en-US"/>
           </a:p>
@@ -2135,7 +2135,7 @@
           <a:p>
             <a:fld id="{834513E8-165F-4932-9E2D-FD497CB9A4FD}" type="datetimeFigureOut">
               <a:rPr lang="en-US" smtClean="0"/>
-              <a:t>6/5/2018</a:t>
+              <a:t>7/10/2018</a:t>
             </a:fld>
             <a:endParaRPr lang="en-US"/>
           </a:p>
@@ -2388,7 +2388,7 @@
           <a:p>
             <a:fld id="{834513E8-165F-4932-9E2D-FD497CB9A4FD}" type="datetimeFigureOut">
               <a:rPr lang="en-US" smtClean="0"/>
-              <a:t>6/5/2018</a:t>
+              <a:t>7/10/2018</a:t>
             </a:fld>
             <a:endParaRPr lang="en-US"/>
           </a:p>
@@ -2558,7 +2558,7 @@
           <a:p>
             <a:fld id="{834513E8-165F-4932-9E2D-FD497CB9A4FD}" type="datetimeFigureOut">
               <a:rPr lang="en-US" smtClean="0"/>
-              <a:t>6/5/2018</a:t>
+              <a:t>7/10/2018</a:t>
             </a:fld>
             <a:endParaRPr lang="en-US"/>
           </a:p>
@@ -2738,7 +2738,7 @@
           <a:p>
             <a:fld id="{834513E8-165F-4932-9E2D-FD497CB9A4FD}" type="datetimeFigureOut">
               <a:rPr lang="en-US" smtClean="0"/>
-              <a:t>6/5/2018</a:t>
+              <a:t>7/10/2018</a:t>
             </a:fld>
             <a:endParaRPr lang="en-US"/>
           </a:p>
@@ -3850,7 +3850,7 @@
           <a:p>
             <a:fld id="{834513E8-165F-4932-9E2D-FD497CB9A4FD}" type="datetimeFigureOut">
               <a:rPr lang="en-US" smtClean="0"/>
-              <a:t>6/5/2018</a:t>
+              <a:t>7/10/2018</a:t>
             </a:fld>
             <a:endParaRPr lang="en-US"/>
           </a:p>
@@ -4020,7 +4020,7 @@
           <a:p>
             <a:fld id="{834513E8-165F-4932-9E2D-FD497CB9A4FD}" type="datetimeFigureOut">
               <a:rPr lang="en-US" smtClean="0"/>
-              <a:t>6/5/2018</a:t>
+              <a:t>7/10/2018</a:t>
             </a:fld>
             <a:endParaRPr lang="en-US"/>
           </a:p>
@@ -4266,7 +4266,7 @@
           <a:p>
             <a:fld id="{834513E8-165F-4932-9E2D-FD497CB9A4FD}" type="datetimeFigureOut">
               <a:rPr lang="en-US" smtClean="0"/>
-              <a:t>6/5/2018</a:t>
+              <a:t>7/10/2018</a:t>
             </a:fld>
             <a:endParaRPr lang="en-US"/>
           </a:p>
@@ -4498,7 +4498,7 @@
           <a:p>
             <a:fld id="{834513E8-165F-4932-9E2D-FD497CB9A4FD}" type="datetimeFigureOut">
               <a:rPr lang="en-US" smtClean="0"/>
-              <a:t>6/5/2018</a:t>
+              <a:t>7/10/2018</a:t>
             </a:fld>
             <a:endParaRPr lang="en-US"/>
           </a:p>
@@ -6316,7 +6316,7 @@
           <a:p>
             <a:fld id="{834513E8-165F-4932-9E2D-FD497CB9A4FD}" type="datetimeFigureOut">
               <a:rPr lang="en-US" smtClean="0"/>
-              <a:t>6/5/2018</a:t>
+              <a:t>7/10/2018</a:t>
             </a:fld>
             <a:endParaRPr lang="en-US"/>
           </a:p>
@@ -8305,15 +8305,7 @@
                   <a:srgbClr val="FF0000"/>
                 </a:solidFill>
               </a:rPr>
-              <a:t>Generally poor form, unless you are writing compilers or </a:t>
-            </a:r>
-            <a:r>
-              <a:rPr lang="en-US" dirty="0" smtClean="0">
-                <a:solidFill>
-                  <a:srgbClr val="FF0000"/>
-                </a:solidFill>
-              </a:rPr>
-              <a:t>SW tools</a:t>
+              <a:t>Generally poor form, unless you are writing compilers or SW tools</a:t>
             </a:r>
             <a:endParaRPr lang="en-US" dirty="0">
               <a:solidFill>
@@ -8502,11 +8494,7 @@
             </a:r>
             <a:r>
               <a:rPr lang="en-US" sz="1600" dirty="0" smtClean="0"/>
-              <a:t>and can produce very difficult bugs to </a:t>
-            </a:r>
-            <a:r>
-              <a:rPr lang="en-US" sz="1600" dirty="0" smtClean="0"/>
-              <a:t>find</a:t>
+              <a:t>and can produce very difficult bugs to find</a:t>
             </a:r>
           </a:p>
           <a:p>
@@ -8515,7 +8503,6 @@
               <a:rPr lang="en-US" sz="1200" dirty="0" smtClean="0"/>
               <a:t>Is this a problem? uint8_t == int16_t</a:t>
             </a:r>
-            <a:endParaRPr lang="en-US" sz="1200" dirty="0" smtClean="0"/>
           </a:p>
           <a:p>
             <a:r>
@@ -10825,13 +10812,6 @@
               </a:rPr>
               <a:t>B |= BIT2;</a:t>
             </a:r>
-            <a:endParaRPr lang="en-US" sz="1400" b="1" dirty="0" smtClean="0">
-              <a:solidFill>
-                <a:schemeClr val="accent2"/>
-              </a:solidFill>
-              <a:latin typeface="Courier New" pitchFamily="49" charset="0"/>
-              <a:cs typeface="Courier New" pitchFamily="49" charset="0"/>
-            </a:endParaRPr>
           </a:p>
           <a:p>
             <a:pPr marL="0" indent="0">
@@ -13876,12 +13856,50 @@
               <a:buChar char="•"/>
             </a:pPr>
             <a:r>
-              <a:rPr lang="en-US" smtClean="0">
+              <a:rPr lang="en-US" dirty="0" smtClean="0">
                 <a:solidFill>
                   <a:srgbClr val="0070C0"/>
                 </a:solidFill>
               </a:rPr>
-              <a:t>Intro to C</a:t>
+              <a:t>Intro </a:t>
+            </a:r>
+            <a:r>
+              <a:rPr lang="en-US" dirty="0" smtClean="0">
+                <a:solidFill>
+                  <a:srgbClr val="0070C0"/>
+                </a:solidFill>
+              </a:rPr>
+              <a:t>to </a:t>
+            </a:r>
+            <a:r>
+              <a:rPr lang="en-US" dirty="0" smtClean="0">
+                <a:solidFill>
+                  <a:srgbClr val="0070C0"/>
+                </a:solidFill>
+              </a:rPr>
+              <a:t>C</a:t>
+            </a:r>
+          </a:p>
+          <a:p>
+            <a:pPr marL="800100" lvl="1" indent="-342900" algn="l">
+              <a:buFont typeface="Arial" panose="020B0604020202020204" pitchFamily="34" charset="0"/>
+              <a:buChar char="•"/>
+            </a:pPr>
+            <a:r>
+              <a:rPr lang="en-US" sz="2000" dirty="0" smtClean="0">
+                <a:solidFill>
+                  <a:srgbClr val="0070C0"/>
+                </a:solidFill>
+              </a:rPr>
+              <a:t>Program </a:t>
+            </a:r>
+            <a:r>
+              <a:rPr lang="en-US" sz="2000" smtClean="0">
+                <a:solidFill>
+                  <a:srgbClr val="0070C0"/>
+                </a:solidFill>
+              </a:rPr>
+              <a:t>flow control</a:t>
             </a:r>
             <a:endParaRPr lang="en-US" sz="2000" dirty="0" smtClean="0">
               <a:solidFill>
@@ -17496,33 +17514,8 @@
                 <a:latin typeface="inherit"/>
                 <a:cs typeface="Arial" pitchFamily="34" charset="0"/>
               </a:rPr>
-              <a:t>Variable </a:t>
-            </a:r>
-            <a:r>
-              <a:rPr kumimoji="0" lang="en-US" sz="1800" b="1" i="0" u="none" strike="noStrike" cap="none" normalizeH="0" baseline="0" dirty="0" smtClean="0">
-                <a:ln>
-                  <a:noFill/>
-                </a:ln>
-                <a:solidFill>
-                  <a:schemeClr val="accent2"/>
-                </a:solidFill>
-                <a:effectLst/>
-                <a:latin typeface="inherit"/>
-                <a:cs typeface="Arial" pitchFamily="34" charset="0"/>
-              </a:rPr>
-              <a:t>Types</a:t>
-            </a:r>
-            <a:endParaRPr kumimoji="0" lang="en-US" sz="1800" b="1" i="0" u="none" strike="noStrike" cap="none" normalizeH="0" baseline="0" dirty="0" smtClean="0">
-              <a:ln>
-                <a:noFill/>
-              </a:ln>
-              <a:solidFill>
-                <a:schemeClr val="accent2"/>
-              </a:solidFill>
-              <a:effectLst/>
-              <a:latin typeface="inherit"/>
-              <a:cs typeface="Arial" pitchFamily="34" charset="0"/>
-            </a:endParaRPr>
+              <a:t>Variable Types</a:t>
+            </a:r>
           </a:p>
         </p:txBody>
       </p:sp>
@@ -18688,11 +18681,7 @@
           <a:p>
             <a:r>
               <a:rPr lang="en-US" dirty="0" smtClean="0"/>
-              <a:t>#include &lt;m</a:t>
-            </a:r>
-            <a:r>
-              <a:rPr lang="en-US" dirty="0" smtClean="0"/>
-              <a:t>sp430.h&gt;</a:t>
+              <a:t>#include &lt;msp430.h&gt;</a:t>
             </a:r>
             <a:endParaRPr lang="en-US" dirty="0"/>
           </a:p>

--- a/source/lessons/lsn20/Lsn20.pptx
+++ b/source/lessons/lsn20/Lsn20.pptx
@@ -1645,7 +1645,7 @@
           <a:p>
             <a:fld id="{834513E8-165F-4932-9E2D-FD497CB9A4FD}" type="datetimeFigureOut">
               <a:rPr lang="en-US" smtClean="0"/>
-              <a:t>7/10/2018</a:t>
+              <a:t>7/16/2018</a:t>
             </a:fld>
             <a:endParaRPr lang="en-US"/>
           </a:p>
@@ -1763,7 +1763,7 @@
           <a:p>
             <a:fld id="{834513E8-165F-4932-9E2D-FD497CB9A4FD}" type="datetimeFigureOut">
               <a:rPr lang="en-US" smtClean="0"/>
-              <a:t>7/10/2018</a:t>
+              <a:t>7/16/2018</a:t>
             </a:fld>
             <a:endParaRPr lang="en-US"/>
           </a:p>
@@ -1858,7 +1858,7 @@
           <a:p>
             <a:fld id="{834513E8-165F-4932-9E2D-FD497CB9A4FD}" type="datetimeFigureOut">
               <a:rPr lang="en-US" smtClean="0"/>
-              <a:t>7/10/2018</a:t>
+              <a:t>7/16/2018</a:t>
             </a:fld>
             <a:endParaRPr lang="en-US"/>
           </a:p>
@@ -2135,7 +2135,7 @@
           <a:p>
             <a:fld id="{834513E8-165F-4932-9E2D-FD497CB9A4FD}" type="datetimeFigureOut">
               <a:rPr lang="en-US" smtClean="0"/>
-              <a:t>7/10/2018</a:t>
+              <a:t>7/16/2018</a:t>
             </a:fld>
             <a:endParaRPr lang="en-US"/>
           </a:p>
@@ -2388,7 +2388,7 @@
           <a:p>
             <a:fld id="{834513E8-165F-4932-9E2D-FD497CB9A4FD}" type="datetimeFigureOut">
               <a:rPr lang="en-US" smtClean="0"/>
-              <a:t>7/10/2018</a:t>
+              <a:t>7/16/2018</a:t>
             </a:fld>
             <a:endParaRPr lang="en-US"/>
           </a:p>
@@ -2558,7 +2558,7 @@
           <a:p>
             <a:fld id="{834513E8-165F-4932-9E2D-FD497CB9A4FD}" type="datetimeFigureOut">
               <a:rPr lang="en-US" smtClean="0"/>
-              <a:t>7/10/2018</a:t>
+              <a:t>7/16/2018</a:t>
             </a:fld>
             <a:endParaRPr lang="en-US"/>
           </a:p>
@@ -2738,7 +2738,7 @@
           <a:p>
             <a:fld id="{834513E8-165F-4932-9E2D-FD497CB9A4FD}" type="datetimeFigureOut">
               <a:rPr lang="en-US" smtClean="0"/>
-              <a:t>7/10/2018</a:t>
+              <a:t>7/16/2018</a:t>
             </a:fld>
             <a:endParaRPr lang="en-US"/>
           </a:p>
@@ -3850,7 +3850,7 @@
           <a:p>
             <a:fld id="{834513E8-165F-4932-9E2D-FD497CB9A4FD}" type="datetimeFigureOut">
               <a:rPr lang="en-US" smtClean="0"/>
-              <a:t>7/10/2018</a:t>
+              <a:t>7/16/2018</a:t>
             </a:fld>
             <a:endParaRPr lang="en-US"/>
           </a:p>
@@ -4020,7 +4020,7 @@
           <a:p>
             <a:fld id="{834513E8-165F-4932-9E2D-FD497CB9A4FD}" type="datetimeFigureOut">
               <a:rPr lang="en-US" smtClean="0"/>
-              <a:t>7/10/2018</a:t>
+              <a:t>7/16/2018</a:t>
             </a:fld>
             <a:endParaRPr lang="en-US"/>
           </a:p>
@@ -4266,7 +4266,7 @@
           <a:p>
             <a:fld id="{834513E8-165F-4932-9E2D-FD497CB9A4FD}" type="datetimeFigureOut">
               <a:rPr lang="en-US" smtClean="0"/>
-              <a:t>7/10/2018</a:t>
+              <a:t>7/16/2018</a:t>
             </a:fld>
             <a:endParaRPr lang="en-US"/>
           </a:p>
@@ -4498,7 +4498,7 @@
           <a:p>
             <a:fld id="{834513E8-165F-4932-9E2D-FD497CB9A4FD}" type="datetimeFigureOut">
               <a:rPr lang="en-US" smtClean="0"/>
-              <a:t>7/10/2018</a:t>
+              <a:t>7/16/2018</a:t>
             </a:fld>
             <a:endParaRPr lang="en-US"/>
           </a:p>
@@ -6316,7 +6316,7 @@
           <a:p>
             <a:fld id="{834513E8-165F-4932-9E2D-FD497CB9A4FD}" type="datetimeFigureOut">
               <a:rPr lang="en-US" smtClean="0"/>
-              <a:t>7/10/2018</a:t>
+              <a:t>7/16/2018</a:t>
             </a:fld>
             <a:endParaRPr lang="en-US"/>
           </a:p>
@@ -10701,7 +10701,9 @@
           </a:xfrm>
         </p:spPr>
         <p:txBody>
-          <a:bodyPr/>
+          <a:bodyPr>
+            <a:normAutofit lnSpcReduction="10000"/>
+          </a:bodyPr>
           <a:lstStyle/>
           <a:p>
             <a:pPr marL="0" indent="0">
@@ -11040,14 +11042,24 @@
               <a:t>UCSWRST; </a:t>
             </a:r>
             <a:r>
+              <a:rPr lang="en-US" sz="1400" dirty="0">
+                <a:solidFill>
+                  <a:schemeClr val="accent2"/>
+                </a:solidFill>
+                <a:latin typeface="Courier New" pitchFamily="49" charset="0"/>
+                <a:cs typeface="Courier New" pitchFamily="49" charset="0"/>
+              </a:rPr>
+              <a:t> </a:t>
+            </a:r>
+            <a:r>
               <a:rPr lang="en-US" sz="1400" b="1" dirty="0" smtClean="0">
                 <a:solidFill>
-                  <a:schemeClr val="accent2"/>
-                </a:solidFill>
-                <a:latin typeface="Courier New" pitchFamily="49" charset="0"/>
-                <a:cs typeface="Courier New" pitchFamily="49" charset="0"/>
-              </a:rPr>
-              <a:t>       </a:t>
+                  <a:srgbClr val="00B050"/>
+                </a:solidFill>
+                <a:latin typeface="Courier New" pitchFamily="49" charset="0"/>
+                <a:cs typeface="Courier New" pitchFamily="49" charset="0"/>
+              </a:rPr>
+              <a:t>// </a:t>
             </a:r>
             <a:r>
               <a:rPr lang="en-US" sz="1400" b="1" dirty="0" smtClean="0">
@@ -11057,7 +11069,7 @@
                 <a:latin typeface="Courier New" pitchFamily="49" charset="0"/>
                 <a:cs typeface="Courier New" pitchFamily="49" charset="0"/>
               </a:rPr>
-              <a:t>// disable </a:t>
+              <a:t>disable </a:t>
             </a:r>
             <a:r>
               <a:rPr lang="en-US" sz="1400" b="1" dirty="0">
@@ -13861,23 +13873,7 @@
                   <a:srgbClr val="0070C0"/>
                 </a:solidFill>
               </a:rPr>
-              <a:t>Intro </a:t>
-            </a:r>
-            <a:r>
-              <a:rPr lang="en-US" dirty="0" smtClean="0">
-                <a:solidFill>
-                  <a:srgbClr val="0070C0"/>
-                </a:solidFill>
-              </a:rPr>
-              <a:t>to </a:t>
-            </a:r>
-            <a:r>
-              <a:rPr lang="en-US" dirty="0" smtClean="0">
-                <a:solidFill>
-                  <a:srgbClr val="0070C0"/>
-                </a:solidFill>
-              </a:rPr>
-              <a:t>C</a:t>
+              <a:t>Intro to C</a:t>
             </a:r>
           </a:p>
           <a:p>
@@ -15555,7 +15551,17 @@
                 <a:latin typeface="Courier New" pitchFamily="49" charset="0"/>
                 <a:cs typeface="Courier New" pitchFamily="49" charset="0"/>
               </a:rPr>
-              <a:t>Name:&lt;Your Name&gt;</a:t>
+              <a:t>Name:&lt;Your </a:t>
+            </a:r>
+            <a:r>
+              <a:rPr lang="en-US" sz="1000" b="1" dirty="0" smtClean="0">
+                <a:solidFill>
+                  <a:srgbClr val="00B050"/>
+                </a:solidFill>
+                <a:latin typeface="Courier New" pitchFamily="49" charset="0"/>
+                <a:cs typeface="Courier New" pitchFamily="49" charset="0"/>
+              </a:rPr>
+              <a:t>Name&gt;</a:t>
             </a:r>
           </a:p>
           <a:p>
@@ -15563,6 +15569,36 @@
               <a:buNone/>
             </a:pPr>
             <a:r>
+              <a:rPr lang="en-US" sz="1000" b="1" dirty="0" smtClean="0">
+                <a:solidFill>
+                  <a:srgbClr val="00B050"/>
+                </a:solidFill>
+                <a:latin typeface="Courier New" pitchFamily="49" charset="0"/>
+                <a:cs typeface="Courier New" pitchFamily="49" charset="0"/>
+              </a:rPr>
+              <a:t>&lt;</a:t>
+            </a:r>
+            <a:r>
+              <a:rPr lang="en-US" sz="1000" dirty="0" smtClean="0">
+                <a:solidFill>
+                  <a:srgbClr val="00B050"/>
+                </a:solidFill>
+                <a:latin typeface="Courier New" pitchFamily="49" charset="0"/>
+                <a:cs typeface="Courier New" pitchFamily="49" charset="0"/>
+              </a:rPr>
+              <a:t>Lab#</a:t>
+            </a:r>
+            <a:r>
+              <a:rPr lang="en-US" sz="1000" b="1" dirty="0" smtClean="0">
+                <a:solidFill>
+                  <a:srgbClr val="00B050"/>
+                </a:solidFill>
+                <a:latin typeface="Courier New" pitchFamily="49" charset="0"/>
+                <a:cs typeface="Courier New" pitchFamily="49" charset="0"/>
+              </a:rPr>
+              <a:t> </a:t>
+            </a:r>
+            <a:r>
               <a:rPr lang="en-US" sz="1000" b="1" dirty="0">
                 <a:solidFill>
                   <a:srgbClr val="00B050"/>
@@ -15570,52 +15606,7 @@
                 <a:latin typeface="Courier New" pitchFamily="49" charset="0"/>
                 <a:cs typeface="Courier New" pitchFamily="49" charset="0"/>
               </a:rPr>
-              <a:t>Date:&lt;The date you stated working on the file&gt;</a:t>
-            </a:r>
-          </a:p>
-          <a:p>
-            <a:pPr marL="400050" lvl="1" indent="0">
-              <a:buNone/>
-            </a:pPr>
-            <a:r>
-              <a:rPr lang="en-US" sz="1000" b="1" dirty="0">
-                <a:solidFill>
-                  <a:srgbClr val="00B050"/>
-                </a:solidFill>
-                <a:latin typeface="Courier New" pitchFamily="49" charset="0"/>
-                <a:cs typeface="Courier New" pitchFamily="49" charset="0"/>
-              </a:rPr>
-              <a:t>Course: &lt;The course's name&gt;</a:t>
-            </a:r>
-          </a:p>
-          <a:p>
-            <a:pPr marL="400050" lvl="1" indent="0">
-              <a:buNone/>
-            </a:pPr>
-            <a:r>
-              <a:rPr lang="en-US" sz="1000" b="1" dirty="0">
-                <a:solidFill>
-                  <a:srgbClr val="00B050"/>
-                </a:solidFill>
-                <a:latin typeface="Courier New" pitchFamily="49" charset="0"/>
-                <a:cs typeface="Courier New" pitchFamily="49" charset="0"/>
-              </a:rPr>
-              <a:t>File:&lt;This file's name&gt;</a:t>
-            </a:r>
-          </a:p>
-          <a:p>
-            <a:pPr marL="400050" lvl="1" indent="0">
-              <a:buNone/>
-            </a:pPr>
-            <a:r>
-              <a:rPr lang="en-US" sz="1000" b="1" dirty="0">
-                <a:solidFill>
-                  <a:srgbClr val="00B050"/>
-                </a:solidFill>
-                <a:latin typeface="Courier New" pitchFamily="49" charset="0"/>
-                <a:cs typeface="Courier New" pitchFamily="49" charset="0"/>
-              </a:rPr>
-              <a:t>HW: &lt;HW# and name&gt;</a:t>
+              <a:t>and name&gt;</a:t>
             </a:r>
           </a:p>
           <a:p>
@@ -15858,8 +15849,8 @@
         </p:nvSpPr>
         <p:spPr bwMode="auto">
           <a:xfrm>
-            <a:off x="930166" y="5391807"/>
-            <a:ext cx="7401910" cy="748862"/>
+            <a:off x="1584434" y="5249918"/>
+            <a:ext cx="6345622" cy="748862"/>
           </a:xfrm>
           <a:prstGeom prst="rect">
             <a:avLst/>
@@ -15906,6 +15897,15 @@
               <a:tabLst/>
             </a:pPr>
             <a:r>
+              <a:rPr lang="en-US" sz="1600" dirty="0" smtClean="0">
+                <a:solidFill>
+                  <a:schemeClr val="bg1"/>
+                </a:solidFill>
+                <a:latin typeface="Arial" charset="0"/>
+              </a:rPr>
+              <a:t>In accordance with the Faculty Operating Instruction, y</a:t>
+            </a:r>
+            <a:r>
               <a:rPr kumimoji="0" lang="en-US" sz="1600" b="0" i="0" u="none" strike="noStrike" cap="none" normalizeH="0" baseline="0" dirty="0" smtClean="0">
                 <a:ln>
                   <a:noFill/>
@@ -15916,7 +15916,20 @@
                 <a:effectLst/>
                 <a:latin typeface="Arial" charset="0"/>
               </a:rPr>
-              <a:t>Your code is LATE (25% per day) if you do not have this </a:t>
+              <a:t>our </a:t>
+            </a:r>
+            <a:r>
+              <a:rPr kumimoji="0" lang="en-US" sz="1600" b="0" i="0" u="none" strike="noStrike" cap="none" normalizeH="0" baseline="0" dirty="0" smtClean="0">
+                <a:ln>
+                  <a:noFill/>
+                </a:ln>
+                <a:solidFill>
+                  <a:schemeClr val="bg1"/>
+                </a:solidFill>
+                <a:effectLst/>
+                <a:latin typeface="Arial" charset="0"/>
+              </a:rPr>
+              <a:t>code is LATE (25% per day) if you do not have this </a:t>
             </a:r>
             <a:r>
               <a:rPr lang="en-US" sz="1600" dirty="0" smtClean="0">

--- a/source/lessons/lsn20/Lsn20.pptx
+++ b/source/lessons/lsn20/Lsn20.pptx
@@ -1645,7 +1645,7 @@
           <a:p>
             <a:fld id="{834513E8-165F-4932-9E2D-FD497CB9A4FD}" type="datetimeFigureOut">
               <a:rPr lang="en-US" smtClean="0"/>
-              <a:t>7/16/2018</a:t>
+              <a:t>7/23/2018</a:t>
             </a:fld>
             <a:endParaRPr lang="en-US"/>
           </a:p>
@@ -1763,7 +1763,7 @@
           <a:p>
             <a:fld id="{834513E8-165F-4932-9E2D-FD497CB9A4FD}" type="datetimeFigureOut">
               <a:rPr lang="en-US" smtClean="0"/>
-              <a:t>7/16/2018</a:t>
+              <a:t>7/23/2018</a:t>
             </a:fld>
             <a:endParaRPr lang="en-US"/>
           </a:p>
@@ -1858,7 +1858,7 @@
           <a:p>
             <a:fld id="{834513E8-165F-4932-9E2D-FD497CB9A4FD}" type="datetimeFigureOut">
               <a:rPr lang="en-US" smtClean="0"/>
-              <a:t>7/16/2018</a:t>
+              <a:t>7/23/2018</a:t>
             </a:fld>
             <a:endParaRPr lang="en-US"/>
           </a:p>
@@ -2135,7 +2135,7 @@
           <a:p>
             <a:fld id="{834513E8-165F-4932-9E2D-FD497CB9A4FD}" type="datetimeFigureOut">
               <a:rPr lang="en-US" smtClean="0"/>
-              <a:t>7/16/2018</a:t>
+              <a:t>7/23/2018</a:t>
             </a:fld>
             <a:endParaRPr lang="en-US"/>
           </a:p>
@@ -2388,7 +2388,7 @@
           <a:p>
             <a:fld id="{834513E8-165F-4932-9E2D-FD497CB9A4FD}" type="datetimeFigureOut">
               <a:rPr lang="en-US" smtClean="0"/>
-              <a:t>7/16/2018</a:t>
+              <a:t>7/23/2018</a:t>
             </a:fld>
             <a:endParaRPr lang="en-US"/>
           </a:p>
@@ -2558,7 +2558,7 @@
           <a:p>
             <a:fld id="{834513E8-165F-4932-9E2D-FD497CB9A4FD}" type="datetimeFigureOut">
               <a:rPr lang="en-US" smtClean="0"/>
-              <a:t>7/16/2018</a:t>
+              <a:t>7/23/2018</a:t>
             </a:fld>
             <a:endParaRPr lang="en-US"/>
           </a:p>
@@ -2738,7 +2738,7 @@
           <a:p>
             <a:fld id="{834513E8-165F-4932-9E2D-FD497CB9A4FD}" type="datetimeFigureOut">
               <a:rPr lang="en-US" smtClean="0"/>
-              <a:t>7/16/2018</a:t>
+              <a:t>7/23/2018</a:t>
             </a:fld>
             <a:endParaRPr lang="en-US"/>
           </a:p>
@@ -3850,7 +3850,7 @@
           <a:p>
             <a:fld id="{834513E8-165F-4932-9E2D-FD497CB9A4FD}" type="datetimeFigureOut">
               <a:rPr lang="en-US" smtClean="0"/>
-              <a:t>7/16/2018</a:t>
+              <a:t>7/23/2018</a:t>
             </a:fld>
             <a:endParaRPr lang="en-US"/>
           </a:p>
@@ -4020,7 +4020,7 @@
           <a:p>
             <a:fld id="{834513E8-165F-4932-9E2D-FD497CB9A4FD}" type="datetimeFigureOut">
               <a:rPr lang="en-US" smtClean="0"/>
-              <a:t>7/16/2018</a:t>
+              <a:t>7/23/2018</a:t>
             </a:fld>
             <a:endParaRPr lang="en-US"/>
           </a:p>
@@ -4266,7 +4266,7 @@
           <a:p>
             <a:fld id="{834513E8-165F-4932-9E2D-FD497CB9A4FD}" type="datetimeFigureOut">
               <a:rPr lang="en-US" smtClean="0"/>
-              <a:t>7/16/2018</a:t>
+              <a:t>7/23/2018</a:t>
             </a:fld>
             <a:endParaRPr lang="en-US"/>
           </a:p>
@@ -4498,7 +4498,7 @@
           <a:p>
             <a:fld id="{834513E8-165F-4932-9E2D-FD497CB9A4FD}" type="datetimeFigureOut">
               <a:rPr lang="en-US" smtClean="0"/>
-              <a:t>7/16/2018</a:t>
+              <a:t>7/23/2018</a:t>
             </a:fld>
             <a:endParaRPr lang="en-US"/>
           </a:p>
@@ -6316,7 +6316,7 @@
           <a:p>
             <a:fld id="{834513E8-165F-4932-9E2D-FD497CB9A4FD}" type="datetimeFigureOut">
               <a:rPr lang="en-US" smtClean="0"/>
-              <a:t>7/16/2018</a:t>
+              <a:t>7/23/2018</a:t>
             </a:fld>
             <a:endParaRPr lang="en-US"/>
           </a:p>
@@ -7521,7 +7521,19 @@
           <a:p>
             <a:r>
               <a:rPr lang="en-US" sz="1800" dirty="0"/>
-              <a:t>static volatile </a:t>
+              <a:t>static </a:t>
+            </a:r>
+            <a:r>
+              <a:rPr lang="en-US" sz="1800" dirty="0">
+                <a:solidFill>
+                  <a:srgbClr val="FF0000"/>
+                </a:solidFill>
+              </a:rPr>
+              <a:t>volatile</a:t>
+            </a:r>
+            <a:r>
+              <a:rPr lang="en-US" sz="1800" dirty="0"/>
+              <a:t> </a:t>
             </a:r>
             <a:r>
               <a:rPr lang="en-US" sz="1800" dirty="0" err="1"/>
@@ -7741,8 +7753,16 @@
           <a:lstStyle/>
           <a:p>
             <a:r>
+              <a:rPr lang="en-US" sz="2000" dirty="0" smtClean="0">
+                <a:solidFill>
+                  <a:srgbClr val="FF0000"/>
+                </a:solidFill>
+              </a:rPr>
+              <a:t>Volatile</a:t>
+            </a:r>
+            <a:r>
               <a:rPr lang="en-US" sz="2000" dirty="0" smtClean="0"/>
-              <a:t>Volatile is an important key word in embedded applications talking to memory mapped IO</a:t>
+              <a:t> is an important key word in embedded applications talking to memory mapped IO</a:t>
             </a:r>
             <a:endParaRPr lang="en-US" sz="2000" dirty="0"/>
           </a:p>
@@ -11059,17 +11079,7 @@
                 <a:latin typeface="Courier New" pitchFamily="49" charset="0"/>
                 <a:cs typeface="Courier New" pitchFamily="49" charset="0"/>
               </a:rPr>
-              <a:t>// </a:t>
-            </a:r>
-            <a:r>
-              <a:rPr lang="en-US" sz="1400" b="1" dirty="0" smtClean="0">
-                <a:solidFill>
-                  <a:srgbClr val="00B050"/>
-                </a:solidFill>
-                <a:latin typeface="Courier New" pitchFamily="49" charset="0"/>
-                <a:cs typeface="Courier New" pitchFamily="49" charset="0"/>
-              </a:rPr>
-              <a:t>disable </a:t>
+              <a:t>// disable </a:t>
             </a:r>
             <a:r>
               <a:rPr lang="en-US" sz="1400" b="1" dirty="0">
@@ -15916,20 +15926,7 @@
                 <a:effectLst/>
                 <a:latin typeface="Arial" charset="0"/>
               </a:rPr>
-              <a:t>our </a:t>
-            </a:r>
-            <a:r>
-              <a:rPr kumimoji="0" lang="en-US" sz="1600" b="0" i="0" u="none" strike="noStrike" cap="none" normalizeH="0" baseline="0" dirty="0" smtClean="0">
-                <a:ln>
-                  <a:noFill/>
-                </a:ln>
-                <a:solidFill>
-                  <a:schemeClr val="bg1"/>
-                </a:solidFill>
-                <a:effectLst/>
-                <a:latin typeface="Arial" charset="0"/>
-              </a:rPr>
-              <a:t>code is LATE (25% per day) if you do not have this </a:t>
+              <a:t>our code is LATE (25% per day) if you do not have this </a:t>
             </a:r>
             <a:r>
               <a:rPr lang="en-US" sz="1600" dirty="0" smtClean="0">

--- a/source/lessons/lsn20/Lsn20.pptx
+++ b/source/lessons/lsn20/Lsn20.pptx
@@ -7,10 +7,10 @@
     <p:sldMasterId id="2147483667" r:id="rId3"/>
   </p:sldMasterIdLst>
   <p:notesMasterIdLst>
-    <p:notesMasterId r:id="rId27"/>
+    <p:notesMasterId r:id="rId28"/>
   </p:notesMasterIdLst>
   <p:handoutMasterIdLst>
-    <p:handoutMasterId r:id="rId28"/>
+    <p:handoutMasterId r:id="rId29"/>
   </p:handoutMasterIdLst>
   <p:sldIdLst>
     <p:sldId id="352" r:id="rId4"/>
@@ -20,22 +20,23 @@
     <p:sldId id="366" r:id="rId8"/>
     <p:sldId id="372" r:id="rId9"/>
     <p:sldId id="367" r:id="rId10"/>
-    <p:sldId id="368" r:id="rId11"/>
-    <p:sldId id="369" r:id="rId12"/>
-    <p:sldId id="370" r:id="rId13"/>
-    <p:sldId id="371" r:id="rId14"/>
-    <p:sldId id="373" r:id="rId15"/>
-    <p:sldId id="374" r:id="rId16"/>
-    <p:sldId id="375" r:id="rId17"/>
-    <p:sldId id="376" r:id="rId18"/>
-    <p:sldId id="383" r:id="rId19"/>
-    <p:sldId id="377" r:id="rId20"/>
-    <p:sldId id="378" r:id="rId21"/>
-    <p:sldId id="379" r:id="rId22"/>
-    <p:sldId id="380" r:id="rId23"/>
-    <p:sldId id="381" r:id="rId24"/>
-    <p:sldId id="382" r:id="rId25"/>
-    <p:sldId id="353" r:id="rId26"/>
+    <p:sldId id="384" r:id="rId11"/>
+    <p:sldId id="368" r:id="rId12"/>
+    <p:sldId id="369" r:id="rId13"/>
+    <p:sldId id="370" r:id="rId14"/>
+    <p:sldId id="371" r:id="rId15"/>
+    <p:sldId id="373" r:id="rId16"/>
+    <p:sldId id="374" r:id="rId17"/>
+    <p:sldId id="375" r:id="rId18"/>
+    <p:sldId id="376" r:id="rId19"/>
+    <p:sldId id="383" r:id="rId20"/>
+    <p:sldId id="377" r:id="rId21"/>
+    <p:sldId id="378" r:id="rId22"/>
+    <p:sldId id="379" r:id="rId23"/>
+    <p:sldId id="380" r:id="rId24"/>
+    <p:sldId id="381" r:id="rId25"/>
+    <p:sldId id="382" r:id="rId26"/>
+    <p:sldId id="353" r:id="rId27"/>
   </p:sldIdLst>
   <p:sldSz cx="9144000" cy="6858000" type="screen4x3"/>
   <p:notesSz cx="7010400" cy="9296400"/>
@@ -1645,7 +1646,7 @@
           <a:p>
             <a:fld id="{834513E8-165F-4932-9E2D-FD497CB9A4FD}" type="datetimeFigureOut">
               <a:rPr lang="en-US" smtClean="0"/>
-              <a:t>7/23/2018</a:t>
+              <a:t>10/1/2018</a:t>
             </a:fld>
             <a:endParaRPr lang="en-US"/>
           </a:p>
@@ -1763,7 +1764,7 @@
           <a:p>
             <a:fld id="{834513E8-165F-4932-9E2D-FD497CB9A4FD}" type="datetimeFigureOut">
               <a:rPr lang="en-US" smtClean="0"/>
-              <a:t>7/23/2018</a:t>
+              <a:t>10/1/2018</a:t>
             </a:fld>
             <a:endParaRPr lang="en-US"/>
           </a:p>
@@ -1858,7 +1859,7 @@
           <a:p>
             <a:fld id="{834513E8-165F-4932-9E2D-FD497CB9A4FD}" type="datetimeFigureOut">
               <a:rPr lang="en-US" smtClean="0"/>
-              <a:t>7/23/2018</a:t>
+              <a:t>10/1/2018</a:t>
             </a:fld>
             <a:endParaRPr lang="en-US"/>
           </a:p>
@@ -2135,7 +2136,7 @@
           <a:p>
             <a:fld id="{834513E8-165F-4932-9E2D-FD497CB9A4FD}" type="datetimeFigureOut">
               <a:rPr lang="en-US" smtClean="0"/>
-              <a:t>7/23/2018</a:t>
+              <a:t>10/1/2018</a:t>
             </a:fld>
             <a:endParaRPr lang="en-US"/>
           </a:p>
@@ -2388,7 +2389,7 @@
           <a:p>
             <a:fld id="{834513E8-165F-4932-9E2D-FD497CB9A4FD}" type="datetimeFigureOut">
               <a:rPr lang="en-US" smtClean="0"/>
-              <a:t>7/23/2018</a:t>
+              <a:t>10/1/2018</a:t>
             </a:fld>
             <a:endParaRPr lang="en-US"/>
           </a:p>
@@ -2558,7 +2559,7 @@
           <a:p>
             <a:fld id="{834513E8-165F-4932-9E2D-FD497CB9A4FD}" type="datetimeFigureOut">
               <a:rPr lang="en-US" smtClean="0"/>
-              <a:t>7/23/2018</a:t>
+              <a:t>10/1/2018</a:t>
             </a:fld>
             <a:endParaRPr lang="en-US"/>
           </a:p>
@@ -2738,7 +2739,7 @@
           <a:p>
             <a:fld id="{834513E8-165F-4932-9E2D-FD497CB9A4FD}" type="datetimeFigureOut">
               <a:rPr lang="en-US" smtClean="0"/>
-              <a:t>7/23/2018</a:t>
+              <a:t>10/1/2018</a:t>
             </a:fld>
             <a:endParaRPr lang="en-US"/>
           </a:p>
@@ -3850,7 +3851,7 @@
           <a:p>
             <a:fld id="{834513E8-165F-4932-9E2D-FD497CB9A4FD}" type="datetimeFigureOut">
               <a:rPr lang="en-US" smtClean="0"/>
-              <a:t>7/23/2018</a:t>
+              <a:t>10/1/2018</a:t>
             </a:fld>
             <a:endParaRPr lang="en-US"/>
           </a:p>
@@ -4020,7 +4021,7 @@
           <a:p>
             <a:fld id="{834513E8-165F-4932-9E2D-FD497CB9A4FD}" type="datetimeFigureOut">
               <a:rPr lang="en-US" smtClean="0"/>
-              <a:t>7/23/2018</a:t>
+              <a:t>10/1/2018</a:t>
             </a:fld>
             <a:endParaRPr lang="en-US"/>
           </a:p>
@@ -4266,7 +4267,7 @@
           <a:p>
             <a:fld id="{834513E8-165F-4932-9E2D-FD497CB9A4FD}" type="datetimeFigureOut">
               <a:rPr lang="en-US" smtClean="0"/>
-              <a:t>7/23/2018</a:t>
+              <a:t>10/1/2018</a:t>
             </a:fld>
             <a:endParaRPr lang="en-US"/>
           </a:p>
@@ -4498,7 +4499,7 @@
           <a:p>
             <a:fld id="{834513E8-165F-4932-9E2D-FD497CB9A4FD}" type="datetimeFigureOut">
               <a:rPr lang="en-US" smtClean="0"/>
-              <a:t>7/23/2018</a:t>
+              <a:t>10/1/2018</a:t>
             </a:fld>
             <a:endParaRPr lang="en-US"/>
           </a:p>
@@ -6316,7 +6317,7 @@
           <a:p>
             <a:fld id="{834513E8-165F-4932-9E2D-FD497CB9A4FD}" type="datetimeFigureOut">
               <a:rPr lang="en-US" smtClean="0"/>
-              <a:t>7/23/2018</a:t>
+              <a:t>10/1/2018</a:t>
             </a:fld>
             <a:endParaRPr lang="en-US"/>
           </a:p>
@@ -7351,6 +7352,381 @@
           <a:p>
             <a:r>
               <a:rPr lang="en-US" dirty="0" smtClean="0"/>
+              <a:t>So now you can write this</a:t>
+            </a:r>
+            <a:endParaRPr lang="en-US" dirty="0"/>
+          </a:p>
+        </p:txBody>
+      </p:sp>
+      <p:sp>
+        <p:nvSpPr>
+          <p:cNvPr id="3" name="Content Placeholder 2"/>
+          <p:cNvSpPr>
+            <a:spLocks noGrp="1"/>
+          </p:cNvSpPr>
+          <p:nvPr>
+            <p:ph idx="1"/>
+          </p:nvPr>
+        </p:nvSpPr>
+        <p:spPr/>
+        <p:txBody>
+          <a:bodyPr>
+            <a:normAutofit fontScale="62500" lnSpcReduction="20000"/>
+          </a:bodyPr>
+          <a:lstStyle/>
+          <a:p>
+            <a:pPr marL="0" indent="0">
+              <a:buNone/>
+            </a:pPr>
+            <a:r>
+              <a:rPr lang="en-US" b="1" dirty="0">
+                <a:solidFill>
+                  <a:srgbClr val="0070C0"/>
+                </a:solidFill>
+              </a:rPr>
+              <a:t>#include &lt;msp430.h&gt; </a:t>
+            </a:r>
+          </a:p>
+          <a:p>
+            <a:pPr marL="0" indent="0">
+              <a:buNone/>
+            </a:pPr>
+            <a:r>
+              <a:rPr lang="en-US" b="1" dirty="0">
+                <a:solidFill>
+                  <a:srgbClr val="0070C0"/>
+                </a:solidFill>
+              </a:rPr>
+              <a:t>#include &lt;</a:t>
+            </a:r>
+            <a:r>
+              <a:rPr lang="en-US" b="1" dirty="0" err="1">
+                <a:solidFill>
+                  <a:srgbClr val="0070C0"/>
+                </a:solidFill>
+              </a:rPr>
+              <a:t>stdint.h</a:t>
+            </a:r>
+            <a:r>
+              <a:rPr lang="en-US" b="1" dirty="0">
+                <a:solidFill>
+                  <a:srgbClr val="0070C0"/>
+                </a:solidFill>
+              </a:rPr>
+              <a:t>&gt;</a:t>
+            </a:r>
+          </a:p>
+          <a:p>
+            <a:pPr marL="0" indent="0">
+              <a:buNone/>
+            </a:pPr>
+            <a:r>
+              <a:rPr lang="en-US" b="1" dirty="0">
+                <a:solidFill>
+                  <a:srgbClr val="0070C0"/>
+                </a:solidFill>
+              </a:rPr>
+              <a:t>#include &lt;</a:t>
+            </a:r>
+            <a:r>
+              <a:rPr lang="en-US" b="1" dirty="0" err="1">
+                <a:solidFill>
+                  <a:srgbClr val="0070C0"/>
+                </a:solidFill>
+              </a:rPr>
+              <a:t>stdbool.h</a:t>
+            </a:r>
+            <a:r>
+              <a:rPr lang="en-US" b="1" dirty="0">
+                <a:solidFill>
+                  <a:srgbClr val="0070C0"/>
+                </a:solidFill>
+              </a:rPr>
+              <a:t>&gt;</a:t>
+            </a:r>
+          </a:p>
+          <a:p>
+            <a:pPr marL="0" indent="0">
+              <a:buNone/>
+            </a:pPr>
+            <a:endParaRPr lang="en-US" dirty="0"/>
+          </a:p>
+          <a:p>
+            <a:pPr marL="0" indent="0">
+              <a:buNone/>
+            </a:pPr>
+            <a:r>
+              <a:rPr lang="en-US" dirty="0">
+                <a:solidFill>
+                  <a:srgbClr val="00B050"/>
+                </a:solidFill>
+              </a:rPr>
+              <a:t>/*</a:t>
+            </a:r>
+          </a:p>
+          <a:p>
+            <a:pPr marL="0" indent="0">
+              <a:buNone/>
+            </a:pPr>
+            <a:r>
+              <a:rPr lang="en-US" dirty="0">
+                <a:solidFill>
+                  <a:srgbClr val="00B050"/>
+                </a:solidFill>
+              </a:rPr>
+              <a:t> * </a:t>
+            </a:r>
+            <a:r>
+              <a:rPr lang="en-US" dirty="0" err="1">
+                <a:solidFill>
+                  <a:srgbClr val="00B050"/>
+                </a:solidFill>
+              </a:rPr>
+              <a:t>main.c</a:t>
+            </a:r>
+            <a:endParaRPr lang="en-US" dirty="0">
+              <a:solidFill>
+                <a:srgbClr val="00B050"/>
+              </a:solidFill>
+            </a:endParaRPr>
+          </a:p>
+          <a:p>
+            <a:pPr marL="0" indent="0">
+              <a:buNone/>
+            </a:pPr>
+            <a:r>
+              <a:rPr lang="en-US" dirty="0">
+                <a:solidFill>
+                  <a:srgbClr val="00B050"/>
+                </a:solidFill>
+              </a:rPr>
+              <a:t> */</a:t>
+            </a:r>
+          </a:p>
+          <a:p>
+            <a:pPr marL="0" indent="0">
+              <a:buNone/>
+            </a:pPr>
+            <a:r>
+              <a:rPr lang="en-US" b="1" dirty="0" smtClean="0"/>
+              <a:t>void main(void</a:t>
+            </a:r>
+            <a:r>
+              <a:rPr lang="en-US" b="1" dirty="0"/>
+              <a:t>) {</a:t>
+            </a:r>
+          </a:p>
+          <a:p>
+            <a:pPr marL="0" indent="0">
+              <a:buNone/>
+            </a:pPr>
+            <a:r>
+              <a:rPr lang="en-US" dirty="0"/>
+              <a:t>    WDTCTL = WDTPW | WDTHOLD</a:t>
+            </a:r>
+            <a:r>
+              <a:rPr lang="en-US" dirty="0" smtClean="0"/>
+              <a:t>; </a:t>
+            </a:r>
+            <a:r>
+              <a:rPr lang="en-US" dirty="0" smtClean="0">
+                <a:solidFill>
+                  <a:srgbClr val="00B050"/>
+                </a:solidFill>
+              </a:rPr>
+              <a:t>// </a:t>
+            </a:r>
+            <a:r>
+              <a:rPr lang="en-US" dirty="0">
+                <a:solidFill>
+                  <a:srgbClr val="00B050"/>
+                </a:solidFill>
+              </a:rPr>
+              <a:t>Stop </a:t>
+            </a:r>
+            <a:r>
+              <a:rPr lang="en-US" u="sng" dirty="0">
+                <a:solidFill>
+                  <a:srgbClr val="00B050"/>
+                </a:solidFill>
+              </a:rPr>
+              <a:t>watchdog timer</a:t>
+            </a:r>
+          </a:p>
+          <a:p>
+            <a:pPr marL="0" indent="0">
+              <a:buNone/>
+            </a:pPr>
+            <a:r>
+              <a:rPr lang="en-US" dirty="0"/>
+              <a:t>    </a:t>
+            </a:r>
+            <a:endParaRPr lang="en-US" dirty="0" smtClean="0"/>
+          </a:p>
+          <a:p>
+            <a:pPr marL="0" indent="0">
+              <a:buNone/>
+            </a:pPr>
+            <a:r>
+              <a:rPr lang="en-US" dirty="0"/>
+              <a:t> </a:t>
+            </a:r>
+            <a:r>
+              <a:rPr lang="en-US" dirty="0" smtClean="0"/>
+              <a:t>   uint8_t </a:t>
+            </a:r>
+            <a:r>
+              <a:rPr lang="en-US" dirty="0"/>
+              <a:t>bob = 0;</a:t>
+            </a:r>
+          </a:p>
+          <a:p>
+            <a:pPr marL="0" indent="0">
+              <a:buNone/>
+            </a:pPr>
+            <a:r>
+              <a:rPr lang="en-US" dirty="0"/>
+              <a:t>    bool run = true;</a:t>
+            </a:r>
+          </a:p>
+          <a:p>
+            <a:pPr marL="0" indent="0">
+              <a:buNone/>
+            </a:pPr>
+            <a:endParaRPr lang="en-US" dirty="0"/>
+          </a:p>
+          <a:p>
+            <a:pPr marL="0" indent="0">
+              <a:buNone/>
+            </a:pPr>
+            <a:r>
+              <a:rPr lang="en-US" dirty="0"/>
+              <a:t>    </a:t>
+            </a:r>
+            <a:r>
+              <a:rPr lang="en-US" b="1" dirty="0"/>
+              <a:t>while(run){</a:t>
+            </a:r>
+          </a:p>
+          <a:p>
+            <a:pPr marL="0" indent="0">
+              <a:buNone/>
+            </a:pPr>
+            <a:r>
+              <a:rPr lang="en-US" dirty="0"/>
+              <a:t>    </a:t>
+            </a:r>
+            <a:r>
+              <a:rPr lang="en-US" dirty="0" smtClean="0"/>
+              <a:t>    bob </a:t>
+            </a:r>
+            <a:r>
+              <a:rPr lang="en-US" dirty="0"/>
+              <a:t>+= 1;</a:t>
+            </a:r>
+          </a:p>
+          <a:p>
+            <a:pPr marL="0" indent="0">
+              <a:buNone/>
+            </a:pPr>
+            <a:r>
+              <a:rPr lang="en-US" dirty="0"/>
+              <a:t>    }</a:t>
+            </a:r>
+          </a:p>
+          <a:p>
+            <a:pPr marL="0" indent="0">
+              <a:buNone/>
+            </a:pPr>
+            <a:endParaRPr lang="en-US" dirty="0"/>
+          </a:p>
+          <a:p>
+            <a:pPr marL="0" indent="0">
+              <a:buNone/>
+            </a:pPr>
+            <a:r>
+              <a:rPr lang="en-US" b="1" dirty="0" smtClean="0"/>
+              <a:t>    while(true){;} </a:t>
+            </a:r>
+            <a:r>
+              <a:rPr lang="en-US" b="1" dirty="0" smtClean="0">
+                <a:solidFill>
+                  <a:srgbClr val="00B050"/>
+                </a:solidFill>
+              </a:rPr>
+              <a:t>// CPU trap</a:t>
+            </a:r>
+            <a:endParaRPr lang="en-US" b="1" dirty="0">
+              <a:solidFill>
+                <a:srgbClr val="00B050"/>
+              </a:solidFill>
+            </a:endParaRPr>
+          </a:p>
+          <a:p>
+            <a:pPr marL="0" indent="0">
+              <a:buNone/>
+            </a:pPr>
+            <a:r>
+              <a:rPr lang="en-US" dirty="0"/>
+              <a:t>}</a:t>
+            </a:r>
+          </a:p>
+        </p:txBody>
+      </p:sp>
+    </p:spTree>
+    <p:extLst>
+      <p:ext uri="{BB962C8B-B14F-4D97-AF65-F5344CB8AC3E}">
+        <p14:creationId xmlns:p14="http://schemas.microsoft.com/office/powerpoint/2010/main" val="2009241739"/>
+      </p:ext>
+    </p:extLst>
+  </p:cSld>
+  <p:clrMapOvr>
+    <a:masterClrMapping/>
+  </p:clrMapOvr>
+  <p:timing>
+    <p:tnLst>
+      <p:par>
+        <p:cTn id="1" dur="indefinite" restart="never" nodeType="tmRoot"/>
+      </p:par>
+    </p:tnLst>
+  </p:timing>
+</p:sld>
+</file>
+
+<file path=ppt/slides/slide11.xml><?xml version="1.0" encoding="utf-8"?>
+<p:sld xmlns:a="http://schemas.openxmlformats.org/drawingml/2006/main" xmlns:r="http://schemas.openxmlformats.org/officeDocument/2006/relationships" xmlns:p="http://schemas.openxmlformats.org/presentationml/2006/main">
+  <p:cSld>
+    <p:spTree>
+      <p:nvGrpSpPr>
+        <p:cNvPr id="1" name=""/>
+        <p:cNvGrpSpPr/>
+        <p:nvPr/>
+      </p:nvGrpSpPr>
+      <p:grpSpPr>
+        <a:xfrm>
+          <a:off x="0" y="0"/>
+          <a:ext cx="0" cy="0"/>
+          <a:chOff x="0" y="0"/>
+          <a:chExt cx="0" cy="0"/>
+        </a:xfrm>
+      </p:grpSpPr>
+      <p:sp>
+        <p:nvSpPr>
+          <p:cNvPr id="2" name="Title 1"/>
+          <p:cNvSpPr>
+            <a:spLocks noGrp="1"/>
+          </p:cNvSpPr>
+          <p:nvPr>
+            <p:ph type="title"/>
+          </p:nvPr>
+        </p:nvSpPr>
+        <p:spPr/>
+        <p:txBody>
+          <a:bodyPr/>
+          <a:lstStyle/>
+          <a:p>
+            <a:r>
+              <a:rPr lang="en-US" dirty="0" smtClean="0"/>
               <a:t>Volatile</a:t>
             </a:r>
             <a:endParaRPr lang="en-US" dirty="0"/>
@@ -7788,7 +8164,7 @@
 </p:sld>
 </file>
 
-<file path=ppt/slides/slide11.xml><?xml version="1.0" encoding="utf-8"?>
+<file path=ppt/slides/slide12.xml><?xml version="1.0" encoding="utf-8"?>
 <p:sld xmlns:a="http://schemas.openxmlformats.org/drawingml/2006/main" xmlns:r="http://schemas.openxmlformats.org/officeDocument/2006/relationships" xmlns:p="http://schemas.openxmlformats.org/presentationml/2006/main">
   <p:cSld>
     <p:spTree>
@@ -7899,7 +8275,29 @@
               <a:rPr lang="en-US" sz="1400" dirty="0"/>
               <a:t>each instant </a:t>
             </a:r>
-            <a:endParaRPr lang="en-US" sz="1400" dirty="0" smtClean="0"/>
+            <a:r>
+              <a:rPr lang="en-US" sz="1400" dirty="0" smtClean="0"/>
+              <a:t>… think copy/paste</a:t>
+            </a:r>
+          </a:p>
+          <a:p>
+            <a:pPr lvl="1">
+              <a:buFontTx/>
+              <a:buChar char="-"/>
+            </a:pPr>
+            <a:r>
+              <a:rPr lang="en-US" sz="1000" dirty="0" smtClean="0">
+                <a:solidFill>
+                  <a:srgbClr val="FF0000"/>
+                </a:solidFill>
+              </a:rPr>
+              <a:t>This is the source of a lot of errors!</a:t>
+            </a:r>
+            <a:endParaRPr lang="en-US" sz="1000" dirty="0" smtClean="0">
+              <a:solidFill>
+                <a:srgbClr val="FF0000"/>
+              </a:solidFill>
+            </a:endParaRPr>
           </a:p>
           <a:p>
             <a:pPr>
@@ -8240,7 +8638,7 @@
         </p:nvSpPr>
         <p:spPr bwMode="auto">
           <a:xfrm>
-            <a:off x="3198928" y="3216004"/>
+            <a:off x="3198076" y="3425554"/>
             <a:ext cx="217714" cy="653143"/>
           </a:xfrm>
           <a:prstGeom prst="rightBrace">
@@ -8305,7 +8703,7 @@
         </p:nvSpPr>
         <p:spPr>
           <a:xfrm>
-            <a:off x="3415790" y="3149152"/>
+            <a:off x="3414512" y="3336626"/>
             <a:ext cx="5024846" cy="830997"/>
           </a:xfrm>
           <a:prstGeom prst="rect">
@@ -8339,234 +8737,6 @@
     <p:extLst>
       <p:ext uri="{BB962C8B-B14F-4D97-AF65-F5344CB8AC3E}">
         <p14:creationId xmlns:p14="http://schemas.microsoft.com/office/powerpoint/2010/main" val="786246660"/>
-      </p:ext>
-    </p:extLst>
-  </p:cSld>
-  <p:clrMapOvr>
-    <a:masterClrMapping/>
-  </p:clrMapOvr>
-  <p:timing>
-    <p:tnLst>
-      <p:par>
-        <p:cTn id="1" dur="indefinite" restart="never" nodeType="tmRoot"/>
-      </p:par>
-    </p:tnLst>
-  </p:timing>
-</p:sld>
-</file>
-
-<file path=ppt/slides/slide12.xml><?xml version="1.0" encoding="utf-8"?>
-<p:sld xmlns:a="http://schemas.openxmlformats.org/drawingml/2006/main" xmlns:r="http://schemas.openxmlformats.org/officeDocument/2006/relationships" xmlns:p="http://schemas.openxmlformats.org/presentationml/2006/main">
-  <p:cSld>
-    <p:spTree>
-      <p:nvGrpSpPr>
-        <p:cNvPr id="1" name=""/>
-        <p:cNvGrpSpPr/>
-        <p:nvPr/>
-      </p:nvGrpSpPr>
-      <p:grpSpPr>
-        <a:xfrm>
-          <a:off x="0" y="0"/>
-          <a:ext cx="0" cy="0"/>
-          <a:chOff x="0" y="0"/>
-          <a:chExt cx="0" cy="0"/>
-        </a:xfrm>
-      </p:grpSpPr>
-      <p:sp>
-        <p:nvSpPr>
-          <p:cNvPr id="4" name="Title 3"/>
-          <p:cNvSpPr>
-            <a:spLocks noGrp="1"/>
-          </p:cNvSpPr>
-          <p:nvPr>
-            <p:ph type="title"/>
-          </p:nvPr>
-        </p:nvSpPr>
-        <p:spPr/>
-        <p:txBody>
-          <a:bodyPr/>
-          <a:lstStyle/>
-          <a:p>
-            <a:r>
-              <a:rPr lang="en-US" dirty="0" smtClean="0"/>
-              <a:t>Constants vs Macros (#define)</a:t>
-            </a:r>
-            <a:endParaRPr lang="en-US" dirty="0"/>
-          </a:p>
-        </p:txBody>
-      </p:sp>
-      <p:sp>
-        <p:nvSpPr>
-          <p:cNvPr id="5" name="Content Placeholder 4"/>
-          <p:cNvSpPr>
-            <a:spLocks noGrp="1"/>
-          </p:cNvSpPr>
-          <p:nvPr>
-            <p:ph sz="half" idx="1"/>
-          </p:nvPr>
-        </p:nvSpPr>
-        <p:spPr>
-          <a:xfrm>
-            <a:off x="662152" y="1615966"/>
-            <a:ext cx="3810000" cy="4724400"/>
-          </a:xfrm>
-        </p:spPr>
-        <p:txBody>
-          <a:bodyPr/>
-          <a:lstStyle/>
-          <a:p>
-            <a:pPr marL="0" indent="0">
-              <a:buNone/>
-            </a:pPr>
-            <a:r>
-              <a:rPr lang="en-US" sz="1600" b="1" dirty="0" err="1"/>
-              <a:t>c</a:t>
-            </a:r>
-            <a:r>
-              <a:rPr lang="en-US" sz="1600" b="1" dirty="0" err="1" smtClean="0"/>
-              <a:t>onst</a:t>
-            </a:r>
-            <a:endParaRPr lang="en-US" sz="1600" b="1" dirty="0" smtClean="0"/>
-          </a:p>
-          <a:p>
-            <a:r>
-              <a:rPr lang="en-US" sz="1600" dirty="0" smtClean="0"/>
-              <a:t>Tells the compiler the variable (or pointer) can not be modified</a:t>
-            </a:r>
-          </a:p>
-          <a:p>
-            <a:r>
-              <a:rPr lang="en-US" sz="1600" dirty="0"/>
-              <a:t>P</a:t>
-            </a:r>
-            <a:r>
-              <a:rPr lang="en-US" sz="1600" dirty="0" smtClean="0"/>
-              <a:t>roperly </a:t>
-            </a:r>
-            <a:r>
-              <a:rPr lang="en-US" sz="1600" dirty="0"/>
-              <a:t>scoped / identifier clash issues handled </a:t>
-            </a:r>
-            <a:r>
-              <a:rPr lang="en-US" sz="1600" dirty="0" smtClean="0"/>
-              <a:t>nicely</a:t>
-            </a:r>
-          </a:p>
-          <a:p>
-            <a:r>
-              <a:rPr lang="en-US" sz="1600" dirty="0" smtClean="0"/>
-              <a:t>Depending on how it is used may not consume RAM</a:t>
-            </a:r>
-            <a:endParaRPr lang="en-US" sz="1600" dirty="0"/>
-          </a:p>
-          <a:p>
-            <a:r>
-              <a:rPr lang="en-US" sz="1600" dirty="0" smtClean="0"/>
-              <a:t>The compiler can check you are using it correctly (i.e. data type) and throw a warning or error if you are not</a:t>
-            </a:r>
-            <a:endParaRPr lang="en-US" sz="1600" dirty="0"/>
-          </a:p>
-          <a:p>
-            <a:endParaRPr lang="en-US" sz="1600" dirty="0"/>
-          </a:p>
-        </p:txBody>
-      </p:sp>
-      <p:sp>
-        <p:nvSpPr>
-          <p:cNvPr id="6" name="Content Placeholder 5"/>
-          <p:cNvSpPr>
-            <a:spLocks noGrp="1"/>
-          </p:cNvSpPr>
-          <p:nvPr>
-            <p:ph sz="half" idx="2"/>
-          </p:nvPr>
-        </p:nvSpPr>
-        <p:spPr>
-          <a:xfrm>
-            <a:off x="4640317" y="1615966"/>
-            <a:ext cx="3810000" cy="4724400"/>
-          </a:xfrm>
-        </p:spPr>
-        <p:txBody>
-          <a:bodyPr/>
-          <a:lstStyle/>
-          <a:p>
-            <a:pPr marL="0" indent="0">
-              <a:buNone/>
-            </a:pPr>
-            <a:r>
-              <a:rPr lang="en-US" sz="1600" b="1" dirty="0" smtClean="0"/>
-              <a:t>#define</a:t>
-            </a:r>
-          </a:p>
-          <a:p>
-            <a:r>
-              <a:rPr lang="en-US" sz="1600" dirty="0" smtClean="0"/>
-              <a:t>It acts like a </a:t>
-            </a:r>
-            <a:r>
-              <a:rPr lang="en-US" sz="1600" dirty="0" smtClean="0">
-                <a:solidFill>
-                  <a:schemeClr val="accent2"/>
-                </a:solidFill>
-              </a:rPr>
-              <a:t>global copy/paste </a:t>
-            </a:r>
-            <a:r>
-              <a:rPr lang="en-US" sz="1600" dirty="0" smtClean="0"/>
-              <a:t>and can produce very difficult bugs to find</a:t>
-            </a:r>
-          </a:p>
-          <a:p>
-            <a:pPr lvl="1"/>
-            <a:r>
-              <a:rPr lang="en-US" sz="1200" dirty="0" smtClean="0"/>
-              <a:t>Is this a problem? uint8_t == int16_t</a:t>
-            </a:r>
-          </a:p>
-          <a:p>
-            <a:r>
-              <a:rPr lang="en-US" sz="1600" dirty="0" smtClean="0"/>
-              <a:t>"</a:t>
-            </a:r>
-            <a:r>
-              <a:rPr lang="en-US" sz="1600" dirty="0"/>
-              <a:t>global" scope / more prone to conflicting usages, which can produce hard-to-resolve compilation issues and unexpected run-time results rather than sane error </a:t>
-            </a:r>
-            <a:r>
-              <a:rPr lang="en-US" sz="1600" dirty="0" smtClean="0"/>
-              <a:t>messages</a:t>
-            </a:r>
-          </a:p>
-          <a:p>
-            <a:r>
-              <a:rPr lang="en-US" sz="1600" dirty="0" smtClean="0"/>
-              <a:t>Compiler assumes it is </a:t>
-            </a:r>
-            <a:r>
-              <a:rPr lang="en-US" sz="1600" dirty="0" err="1" smtClean="0"/>
-              <a:t>untyped</a:t>
-            </a:r>
-            <a:r>
-              <a:rPr lang="en-US" sz="1600" dirty="0" smtClean="0"/>
-              <a:t> and some compilers will allow comparisons between defines and unsigned </a:t>
-            </a:r>
-            <a:r>
-              <a:rPr lang="en-US" sz="1600" dirty="0" err="1" smtClean="0"/>
-              <a:t>ints</a:t>
-            </a:r>
-            <a:r>
-              <a:rPr lang="en-US" sz="1600" dirty="0" smtClean="0"/>
-              <a:t> (which you may not want)</a:t>
-            </a:r>
-            <a:endParaRPr lang="en-US" sz="1600" dirty="0"/>
-          </a:p>
-        </p:txBody>
-      </p:sp>
-    </p:spTree>
-    <p:extLst>
-      <p:ext uri="{BB962C8B-B14F-4D97-AF65-F5344CB8AC3E}">
-        <p14:creationId xmlns:p14="http://schemas.microsoft.com/office/powerpoint/2010/main" val="554007471"/>
       </p:ext>
     </p:extLst>
   </p:cSld>
@@ -8602,7 +8772,7 @@
       </p:grpSpPr>
       <p:sp>
         <p:nvSpPr>
-          <p:cNvPr id="2" name="Title 1"/>
+          <p:cNvPr id="4" name="Title 3"/>
           <p:cNvSpPr>
             <a:spLocks noGrp="1"/>
           </p:cNvSpPr>
@@ -8616,8 +8786,8 @@
           <a:lstStyle/>
           <a:p>
             <a:r>
-              <a:rPr lang="en-US" b="1" dirty="0" smtClean="0"/>
-              <a:t>C Language:  Operators</a:t>
+              <a:rPr lang="en-US" dirty="0" smtClean="0"/>
+              <a:t>Constants vs Macros (#define)</a:t>
             </a:r>
             <a:endParaRPr lang="en-US" dirty="0"/>
           </a:p>
@@ -8625,18 +8795,18 @@
       </p:sp>
       <p:sp>
         <p:nvSpPr>
-          <p:cNvPr id="3" name="Content Placeholder 2"/>
+          <p:cNvPr id="5" name="Content Placeholder 4"/>
           <p:cNvSpPr>
             <a:spLocks noGrp="1"/>
           </p:cNvSpPr>
           <p:nvPr>
-            <p:ph idx="1"/>
+            <p:ph sz="half" idx="1"/>
           </p:nvPr>
         </p:nvSpPr>
         <p:spPr>
           <a:xfrm>
-            <a:off x="348339" y="1446769"/>
-            <a:ext cx="8625728" cy="5035231"/>
+            <a:off x="662152" y="1615966"/>
+            <a:ext cx="3810000" cy="4724400"/>
           </a:xfrm>
         </p:spPr>
         <p:txBody>
@@ -8647,624 +8817,154 @@
               <a:buNone/>
             </a:pPr>
             <a:r>
-              <a:rPr lang="en-US" sz="1400" b="1" dirty="0"/>
-              <a:t>Assignment, Arithmetic </a:t>
-            </a:r>
-            <a:r>
-              <a:rPr lang="en-US" sz="1400" b="1" dirty="0" smtClean="0"/>
-              <a:t>Operators</a:t>
-            </a:r>
-          </a:p>
+              <a:rPr lang="en-US" sz="1600" b="1" dirty="0" err="1"/>
+              <a:t>c</a:t>
+            </a:r>
+            <a:r>
+              <a:rPr lang="en-US" sz="1600" b="1" dirty="0" err="1" smtClean="0"/>
+              <a:t>onst</a:t>
+            </a:r>
+            <a:endParaRPr lang="en-US" sz="1600" b="1" dirty="0" smtClean="0"/>
+          </a:p>
+          <a:p>
+            <a:r>
+              <a:rPr lang="en-US" sz="1600" dirty="0" smtClean="0"/>
+              <a:t>Tells the compiler the variable (or pointer) can not be modified</a:t>
+            </a:r>
+          </a:p>
+          <a:p>
+            <a:r>
+              <a:rPr lang="en-US" sz="1600" dirty="0"/>
+              <a:t>P</a:t>
+            </a:r>
+            <a:r>
+              <a:rPr lang="en-US" sz="1600" dirty="0" smtClean="0"/>
+              <a:t>roperly </a:t>
+            </a:r>
+            <a:r>
+              <a:rPr lang="en-US" sz="1600" dirty="0"/>
+              <a:t>scoped / identifier clash issues handled </a:t>
+            </a:r>
+            <a:r>
+              <a:rPr lang="en-US" sz="1600" dirty="0" smtClean="0"/>
+              <a:t>nicely</a:t>
+            </a:r>
+          </a:p>
+          <a:p>
+            <a:r>
+              <a:rPr lang="en-US" sz="1600" dirty="0" smtClean="0"/>
+              <a:t>Depending on how it is used may not consume RAM</a:t>
+            </a:r>
+            <a:endParaRPr lang="en-US" sz="1600" dirty="0"/>
+          </a:p>
+          <a:p>
+            <a:r>
+              <a:rPr lang="en-US" sz="1600" dirty="0" smtClean="0"/>
+              <a:t>The compiler can check you are using it correctly (i.e. data type) and throw a warning or error if you are not</a:t>
+            </a:r>
+            <a:endParaRPr lang="en-US" sz="1600" dirty="0"/>
+          </a:p>
+          <a:p>
+            <a:endParaRPr lang="en-US" sz="1600" dirty="0"/>
+          </a:p>
+        </p:txBody>
+      </p:sp>
+      <p:sp>
+        <p:nvSpPr>
+          <p:cNvPr id="6" name="Content Placeholder 5"/>
+          <p:cNvSpPr>
+            <a:spLocks noGrp="1"/>
+          </p:cNvSpPr>
+          <p:nvPr>
+            <p:ph sz="half" idx="2"/>
+          </p:nvPr>
+        </p:nvSpPr>
+        <p:spPr>
+          <a:xfrm>
+            <a:off x="4640317" y="1615966"/>
+            <a:ext cx="3810000" cy="4724400"/>
+          </a:xfrm>
+        </p:spPr>
+        <p:txBody>
+          <a:bodyPr/>
+          <a:lstStyle/>
           <a:p>
             <a:pPr marL="0" indent="0">
               <a:buNone/>
             </a:pPr>
-            <a:endParaRPr lang="en-US" sz="1400" b="1" dirty="0" smtClean="0">
-              <a:solidFill>
-                <a:schemeClr val="accent2"/>
-              </a:solidFill>
-              <a:latin typeface="Courier New" pitchFamily="49" charset="0"/>
-              <a:cs typeface="Courier New" pitchFamily="49" charset="0"/>
-            </a:endParaRPr>
-          </a:p>
-          <a:p>
-            <a:pPr marL="0" indent="0">
-              <a:buNone/>
-            </a:pPr>
-            <a:r>
-              <a:rPr lang="en-US" sz="1400" b="1" dirty="0">
+            <a:r>
+              <a:rPr lang="en-US" sz="1600" b="1" dirty="0" smtClean="0"/>
+              <a:t>#define</a:t>
+            </a:r>
+          </a:p>
+          <a:p>
+            <a:r>
+              <a:rPr lang="en-US" sz="1600" dirty="0" smtClean="0"/>
+              <a:t>It acts like a </a:t>
+            </a:r>
+            <a:r>
+              <a:rPr lang="en-US" sz="1600" dirty="0" smtClean="0">
                 <a:solidFill>
                   <a:schemeClr val="accent2"/>
                 </a:solidFill>
-                <a:latin typeface="Courier New" pitchFamily="49" charset="0"/>
-                <a:cs typeface="Courier New" pitchFamily="49" charset="0"/>
-              </a:rPr>
-              <a:t>char </a:t>
-            </a:r>
-            <a:r>
-              <a:rPr lang="en-US" sz="1400" b="1" dirty="0" err="1">
-                <a:solidFill>
-                  <a:schemeClr val="accent2"/>
-                </a:solidFill>
-                <a:latin typeface="Courier New" pitchFamily="49" charset="0"/>
-                <a:cs typeface="Courier New" pitchFamily="49" charset="0"/>
-              </a:rPr>
-              <a:t>myVar</a:t>
-            </a:r>
-            <a:r>
-              <a:rPr lang="en-US" sz="1400" b="1" dirty="0">
-                <a:solidFill>
-                  <a:schemeClr val="accent2"/>
-                </a:solidFill>
-                <a:latin typeface="Courier New" pitchFamily="49" charset="0"/>
-                <a:cs typeface="Courier New" pitchFamily="49" charset="0"/>
-              </a:rPr>
-              <a:t>, a, b;  </a:t>
-            </a:r>
-            <a:r>
-              <a:rPr lang="en-US" sz="1400" b="1" dirty="0">
-                <a:solidFill>
-                  <a:srgbClr val="00B050"/>
-                </a:solidFill>
-                <a:latin typeface="Courier New" pitchFamily="49" charset="0"/>
-                <a:cs typeface="Courier New" pitchFamily="49" charset="0"/>
-              </a:rPr>
-              <a:t>// variable </a:t>
-            </a:r>
-            <a:r>
-              <a:rPr lang="en-US" sz="1400" b="1" dirty="0" smtClean="0">
-                <a:solidFill>
-                  <a:srgbClr val="00B050"/>
-                </a:solidFill>
-                <a:latin typeface="Courier New" pitchFamily="49" charset="0"/>
-                <a:cs typeface="Courier New" pitchFamily="49" charset="0"/>
-              </a:rPr>
-              <a:t>declaration, </a:t>
-            </a:r>
-            <a:r>
-              <a:rPr lang="en-US" sz="1400" b="1" dirty="0" err="1" smtClean="0">
-                <a:solidFill>
-                  <a:srgbClr val="00B050"/>
-                </a:solidFill>
-                <a:latin typeface="Courier New" pitchFamily="49" charset="0"/>
-                <a:cs typeface="Courier New" pitchFamily="49" charset="0"/>
-              </a:rPr>
-              <a:t>gcc</a:t>
-            </a:r>
-            <a:r>
-              <a:rPr lang="en-US" sz="1400" b="1" dirty="0" smtClean="0">
-                <a:solidFill>
-                  <a:srgbClr val="00B050"/>
-                </a:solidFill>
-                <a:latin typeface="Courier New" pitchFamily="49" charset="0"/>
-                <a:cs typeface="Courier New" pitchFamily="49" charset="0"/>
-              </a:rPr>
-              <a:t> sets their value to 0</a:t>
-            </a:r>
-            <a:endParaRPr lang="en-US" sz="1400" b="1" dirty="0">
-              <a:solidFill>
-                <a:srgbClr val="00B050"/>
-              </a:solidFill>
-              <a:latin typeface="Courier New" pitchFamily="49" charset="0"/>
-              <a:cs typeface="Courier New" pitchFamily="49" charset="0"/>
-            </a:endParaRPr>
-          </a:p>
-          <a:p>
-            <a:pPr marL="0" indent="0">
-              <a:buNone/>
-            </a:pPr>
-            <a:endParaRPr lang="en-US" sz="1400" b="1" dirty="0">
-              <a:solidFill>
-                <a:schemeClr val="accent2"/>
-              </a:solidFill>
-              <a:latin typeface="Courier New" pitchFamily="49" charset="0"/>
-              <a:cs typeface="Courier New" pitchFamily="49" charset="0"/>
-            </a:endParaRPr>
-          </a:p>
-          <a:p>
-            <a:pPr marL="0" indent="0">
-              <a:buNone/>
-            </a:pPr>
-            <a:r>
-              <a:rPr lang="en-US" sz="1400" b="1" dirty="0" err="1">
-                <a:solidFill>
-                  <a:schemeClr val="accent2"/>
-                </a:solidFill>
-                <a:latin typeface="Courier New" pitchFamily="49" charset="0"/>
-                <a:cs typeface="Courier New" pitchFamily="49" charset="0"/>
-              </a:rPr>
-              <a:t>myVar</a:t>
-            </a:r>
-            <a:r>
-              <a:rPr lang="en-US" sz="1400" b="1" dirty="0">
-                <a:solidFill>
-                  <a:schemeClr val="accent2"/>
-                </a:solidFill>
-                <a:latin typeface="Courier New" pitchFamily="49" charset="0"/>
-                <a:cs typeface="Courier New" pitchFamily="49" charset="0"/>
-              </a:rPr>
-              <a:t> = a;  </a:t>
-            </a:r>
-            <a:r>
-              <a:rPr lang="en-US" sz="1400" b="1" dirty="0">
-                <a:solidFill>
-                  <a:srgbClr val="00B050"/>
-                </a:solidFill>
-                <a:latin typeface="Courier New" pitchFamily="49" charset="0"/>
-                <a:cs typeface="Courier New" pitchFamily="49" charset="0"/>
-              </a:rPr>
-              <a:t>// assignment - note, all </a:t>
-            </a:r>
-            <a:r>
-              <a:rPr lang="en-US" sz="1400" b="1" dirty="0" err="1">
-                <a:solidFill>
-                  <a:srgbClr val="00B050"/>
-                </a:solidFill>
-                <a:latin typeface="Courier New" pitchFamily="49" charset="0"/>
-                <a:cs typeface="Courier New" pitchFamily="49" charset="0"/>
-              </a:rPr>
-              <a:t>vars</a:t>
-            </a:r>
-            <a:r>
-              <a:rPr lang="en-US" sz="1400" b="1" dirty="0">
-                <a:solidFill>
-                  <a:srgbClr val="00B050"/>
-                </a:solidFill>
-                <a:latin typeface="Courier New" pitchFamily="49" charset="0"/>
-                <a:cs typeface="Courier New" pitchFamily="49" charset="0"/>
-              </a:rPr>
-              <a:t> have undefined values at this point</a:t>
-            </a:r>
-          </a:p>
-          <a:p>
-            <a:pPr marL="0" indent="0">
-              <a:buNone/>
-            </a:pPr>
-            <a:endParaRPr lang="en-US" sz="1400" b="1" dirty="0">
-              <a:solidFill>
-                <a:schemeClr val="accent2"/>
-              </a:solidFill>
-              <a:latin typeface="Courier New" pitchFamily="49" charset="0"/>
-              <a:cs typeface="Courier New" pitchFamily="49" charset="0"/>
-            </a:endParaRPr>
-          </a:p>
-          <a:p>
-            <a:pPr marL="0" indent="0">
-              <a:buNone/>
-            </a:pPr>
-            <a:r>
-              <a:rPr lang="en-US" sz="1400" b="1" dirty="0" err="1">
-                <a:solidFill>
-                  <a:schemeClr val="accent2"/>
-                </a:solidFill>
-                <a:latin typeface="Courier New" pitchFamily="49" charset="0"/>
-                <a:cs typeface="Courier New" pitchFamily="49" charset="0"/>
-              </a:rPr>
-              <a:t>myVar</a:t>
-            </a:r>
-            <a:r>
-              <a:rPr lang="en-US" sz="1400" b="1" dirty="0">
-                <a:solidFill>
-                  <a:schemeClr val="accent2"/>
-                </a:solidFill>
-                <a:latin typeface="Courier New" pitchFamily="49" charset="0"/>
-                <a:cs typeface="Courier New" pitchFamily="49" charset="0"/>
-              </a:rPr>
-              <a:t> = a + b;  </a:t>
-            </a:r>
-            <a:r>
-              <a:rPr lang="en-US" sz="1400" b="1" dirty="0">
-                <a:solidFill>
-                  <a:srgbClr val="00B050"/>
-                </a:solidFill>
-                <a:latin typeface="Courier New" pitchFamily="49" charset="0"/>
-                <a:cs typeface="Courier New" pitchFamily="49" charset="0"/>
-              </a:rPr>
-              <a:t>// addition</a:t>
-            </a:r>
-          </a:p>
-          <a:p>
-            <a:pPr marL="0" indent="0">
-              <a:buNone/>
-            </a:pPr>
-            <a:r>
-              <a:rPr lang="en-US" sz="1400" b="1" dirty="0" err="1">
-                <a:solidFill>
-                  <a:schemeClr val="accent2"/>
-                </a:solidFill>
-                <a:latin typeface="Courier New" pitchFamily="49" charset="0"/>
-                <a:cs typeface="Courier New" pitchFamily="49" charset="0"/>
-              </a:rPr>
-              <a:t>myVar</a:t>
-            </a:r>
-            <a:r>
-              <a:rPr lang="en-US" sz="1400" b="1" dirty="0">
-                <a:solidFill>
-                  <a:schemeClr val="accent2"/>
-                </a:solidFill>
-                <a:latin typeface="Courier New" pitchFamily="49" charset="0"/>
-                <a:cs typeface="Courier New" pitchFamily="49" charset="0"/>
-              </a:rPr>
-              <a:t> = a - b;  </a:t>
-            </a:r>
-            <a:r>
-              <a:rPr lang="en-US" sz="1400" b="1" dirty="0">
-                <a:solidFill>
-                  <a:srgbClr val="00B050"/>
-                </a:solidFill>
-                <a:latin typeface="Courier New" pitchFamily="49" charset="0"/>
-                <a:cs typeface="Courier New" pitchFamily="49" charset="0"/>
-              </a:rPr>
-              <a:t>// subtraction</a:t>
-            </a:r>
-          </a:p>
-          <a:p>
-            <a:pPr marL="0" indent="0">
-              <a:buNone/>
-            </a:pPr>
-            <a:r>
-              <a:rPr lang="en-US" sz="1400" b="1" dirty="0" err="1">
-                <a:solidFill>
-                  <a:schemeClr val="accent2"/>
-                </a:solidFill>
-                <a:latin typeface="Courier New" pitchFamily="49" charset="0"/>
-                <a:cs typeface="Courier New" pitchFamily="49" charset="0"/>
-              </a:rPr>
-              <a:t>myVar</a:t>
-            </a:r>
-            <a:r>
-              <a:rPr lang="en-US" sz="1400" b="1" dirty="0">
-                <a:solidFill>
-                  <a:schemeClr val="accent2"/>
-                </a:solidFill>
-                <a:latin typeface="Courier New" pitchFamily="49" charset="0"/>
-                <a:cs typeface="Courier New" pitchFamily="49" charset="0"/>
-              </a:rPr>
-              <a:t> = a * b;  </a:t>
-            </a:r>
-            <a:r>
-              <a:rPr lang="en-US" sz="1400" b="1" dirty="0">
-                <a:solidFill>
-                  <a:srgbClr val="00B050"/>
-                </a:solidFill>
-                <a:latin typeface="Courier New" pitchFamily="49" charset="0"/>
-                <a:cs typeface="Courier New" pitchFamily="49" charset="0"/>
-              </a:rPr>
-              <a:t>// multiplication</a:t>
-            </a:r>
-          </a:p>
-          <a:p>
-            <a:pPr marL="0" indent="0">
-              <a:buNone/>
-            </a:pPr>
-            <a:r>
-              <a:rPr lang="en-US" sz="1400" b="1" dirty="0" err="1">
-                <a:solidFill>
-                  <a:schemeClr val="accent2"/>
-                </a:solidFill>
-                <a:latin typeface="Courier New" pitchFamily="49" charset="0"/>
-                <a:cs typeface="Courier New" pitchFamily="49" charset="0"/>
-              </a:rPr>
-              <a:t>myVar</a:t>
-            </a:r>
-            <a:r>
-              <a:rPr lang="en-US" sz="1400" b="1" dirty="0">
-                <a:solidFill>
-                  <a:schemeClr val="accent2"/>
-                </a:solidFill>
-                <a:latin typeface="Courier New" pitchFamily="49" charset="0"/>
-                <a:cs typeface="Courier New" pitchFamily="49" charset="0"/>
-              </a:rPr>
-              <a:t> = a / b;  </a:t>
-            </a:r>
-            <a:r>
-              <a:rPr lang="en-US" sz="1400" b="1" dirty="0">
-                <a:solidFill>
-                  <a:srgbClr val="00B050"/>
-                </a:solidFill>
-                <a:latin typeface="Courier New" pitchFamily="49" charset="0"/>
-                <a:cs typeface="Courier New" pitchFamily="49" charset="0"/>
-              </a:rPr>
-              <a:t>// division</a:t>
-            </a:r>
-          </a:p>
-          <a:p>
-            <a:pPr marL="0" indent="0">
-              <a:buNone/>
-            </a:pPr>
-            <a:endParaRPr lang="en-US" sz="1400" b="1" dirty="0">
-              <a:solidFill>
-                <a:schemeClr val="accent2"/>
-              </a:solidFill>
-              <a:latin typeface="Courier New" pitchFamily="49" charset="0"/>
-              <a:cs typeface="Courier New" pitchFamily="49" charset="0"/>
-            </a:endParaRPr>
-          </a:p>
-          <a:p>
-            <a:pPr marL="0" indent="0">
-              <a:buNone/>
-            </a:pPr>
-            <a:r>
-              <a:rPr lang="en-US" sz="1400" b="1" dirty="0" err="1">
-                <a:solidFill>
-                  <a:schemeClr val="accent2"/>
-                </a:solidFill>
-                <a:latin typeface="Courier New" pitchFamily="49" charset="0"/>
-                <a:cs typeface="Courier New" pitchFamily="49" charset="0"/>
-              </a:rPr>
-              <a:t>myVar</a:t>
-            </a:r>
-            <a:r>
-              <a:rPr lang="en-US" sz="1400" b="1" dirty="0">
-                <a:solidFill>
-                  <a:schemeClr val="accent2"/>
-                </a:solidFill>
-                <a:latin typeface="Courier New" pitchFamily="49" charset="0"/>
-                <a:cs typeface="Courier New" pitchFamily="49" charset="0"/>
-              </a:rPr>
-              <a:t> = a % b;  </a:t>
-            </a:r>
-            <a:r>
-              <a:rPr lang="en-US" sz="1400" b="1" dirty="0">
-                <a:solidFill>
-                  <a:srgbClr val="00B050"/>
-                </a:solidFill>
-                <a:latin typeface="Courier New" pitchFamily="49" charset="0"/>
-                <a:cs typeface="Courier New" pitchFamily="49" charset="0"/>
-              </a:rPr>
-              <a:t>// modulus (remainder)</a:t>
-            </a:r>
-          </a:p>
-          <a:p>
-            <a:pPr marL="0" indent="0">
-              <a:buNone/>
-            </a:pPr>
-            <a:endParaRPr lang="en-US" sz="1400" b="1" dirty="0">
-              <a:solidFill>
-                <a:schemeClr val="accent2"/>
-              </a:solidFill>
-              <a:latin typeface="Courier New" pitchFamily="49" charset="0"/>
-              <a:cs typeface="Courier New" pitchFamily="49" charset="0"/>
-            </a:endParaRPr>
-          </a:p>
-          <a:p>
-            <a:pPr marL="0" indent="0">
-              <a:buNone/>
-            </a:pPr>
-            <a:r>
-              <a:rPr lang="en-US" sz="1400" b="1" dirty="0" err="1">
-                <a:solidFill>
-                  <a:schemeClr val="accent2"/>
-                </a:solidFill>
-                <a:latin typeface="Courier New" pitchFamily="49" charset="0"/>
-                <a:cs typeface="Courier New" pitchFamily="49" charset="0"/>
-              </a:rPr>
-              <a:t>myVar</a:t>
-            </a:r>
-            <a:r>
-              <a:rPr lang="en-US" sz="1400" b="1" dirty="0">
-                <a:solidFill>
-                  <a:schemeClr val="accent2"/>
-                </a:solidFill>
-                <a:latin typeface="Courier New" pitchFamily="49" charset="0"/>
-                <a:cs typeface="Courier New" pitchFamily="49" charset="0"/>
-              </a:rPr>
-              <a:t>++;        </a:t>
-            </a:r>
-            <a:r>
-              <a:rPr lang="en-US" sz="1400" b="1" dirty="0">
-                <a:solidFill>
-                  <a:srgbClr val="00B050"/>
-                </a:solidFill>
-                <a:latin typeface="Courier New" pitchFamily="49" charset="0"/>
-                <a:cs typeface="Courier New" pitchFamily="49" charset="0"/>
-              </a:rPr>
-              <a:t>// increment</a:t>
-            </a:r>
-          </a:p>
-          <a:p>
-            <a:pPr marL="0" indent="0">
-              <a:buNone/>
-            </a:pPr>
-            <a:r>
-              <a:rPr lang="en-US" sz="1400" b="1" dirty="0" err="1">
-                <a:solidFill>
-                  <a:schemeClr val="accent2"/>
-                </a:solidFill>
-                <a:latin typeface="Courier New" pitchFamily="49" charset="0"/>
-                <a:cs typeface="Courier New" pitchFamily="49" charset="0"/>
-              </a:rPr>
-              <a:t>myVar</a:t>
-            </a:r>
-            <a:r>
-              <a:rPr lang="en-US" sz="1400" b="1" dirty="0">
-                <a:solidFill>
-                  <a:schemeClr val="accent2"/>
-                </a:solidFill>
-                <a:latin typeface="Courier New" pitchFamily="49" charset="0"/>
-                <a:cs typeface="Courier New" pitchFamily="49" charset="0"/>
-              </a:rPr>
-              <a:t>--;        </a:t>
-            </a:r>
-            <a:r>
-              <a:rPr lang="en-US" sz="1400" b="1" dirty="0">
-                <a:solidFill>
-                  <a:srgbClr val="00B050"/>
-                </a:solidFill>
-                <a:latin typeface="Courier New" pitchFamily="49" charset="0"/>
-                <a:cs typeface="Courier New" pitchFamily="49" charset="0"/>
-              </a:rPr>
-              <a:t>// decrement</a:t>
-            </a:r>
-          </a:p>
-          <a:p>
-            <a:pPr marL="0" indent="0">
-              <a:buNone/>
-            </a:pPr>
-            <a:endParaRPr lang="en-US" sz="1400" b="1" dirty="0">
-              <a:solidFill>
-                <a:schemeClr val="accent2"/>
-              </a:solidFill>
-              <a:latin typeface="Courier New" pitchFamily="49" charset="0"/>
-              <a:cs typeface="Courier New" pitchFamily="49" charset="0"/>
-            </a:endParaRPr>
-          </a:p>
-          <a:p>
-            <a:pPr marL="0" indent="0">
-              <a:buNone/>
-            </a:pPr>
-            <a:r>
-              <a:rPr lang="en-US" sz="1400" b="1" dirty="0" err="1">
-                <a:solidFill>
-                  <a:schemeClr val="accent2"/>
-                </a:solidFill>
-                <a:latin typeface="Courier New" pitchFamily="49" charset="0"/>
-                <a:cs typeface="Courier New" pitchFamily="49" charset="0"/>
-              </a:rPr>
-              <a:t>myVar</a:t>
-            </a:r>
-            <a:r>
-              <a:rPr lang="en-US" sz="1400" b="1" dirty="0">
-                <a:solidFill>
-                  <a:schemeClr val="accent2"/>
-                </a:solidFill>
-                <a:latin typeface="Courier New" pitchFamily="49" charset="0"/>
-                <a:cs typeface="Courier New" pitchFamily="49" charset="0"/>
-              </a:rPr>
-              <a:t> += a;     </a:t>
-            </a:r>
-            <a:r>
-              <a:rPr lang="en-US" sz="1400" b="1" dirty="0">
-                <a:solidFill>
-                  <a:srgbClr val="00B050"/>
-                </a:solidFill>
-                <a:latin typeface="Courier New" pitchFamily="49" charset="0"/>
-                <a:cs typeface="Courier New" pitchFamily="49" charset="0"/>
-              </a:rPr>
-              <a:t>// </a:t>
-            </a:r>
-            <a:r>
-              <a:rPr lang="en-US" sz="1400" b="1" dirty="0" err="1">
-                <a:solidFill>
-                  <a:srgbClr val="00B050"/>
-                </a:solidFill>
-                <a:latin typeface="Courier New" pitchFamily="49" charset="0"/>
-                <a:cs typeface="Courier New" pitchFamily="49" charset="0"/>
-              </a:rPr>
-              <a:t>myVar</a:t>
-            </a:r>
-            <a:r>
-              <a:rPr lang="en-US" sz="1400" b="1" dirty="0">
-                <a:solidFill>
-                  <a:srgbClr val="00B050"/>
-                </a:solidFill>
-                <a:latin typeface="Courier New" pitchFamily="49" charset="0"/>
-                <a:cs typeface="Courier New" pitchFamily="49" charset="0"/>
-              </a:rPr>
-              <a:t> = </a:t>
-            </a:r>
-            <a:r>
-              <a:rPr lang="en-US" sz="1400" b="1" dirty="0" err="1">
-                <a:solidFill>
-                  <a:srgbClr val="00B050"/>
-                </a:solidFill>
-                <a:latin typeface="Courier New" pitchFamily="49" charset="0"/>
-                <a:cs typeface="Courier New" pitchFamily="49" charset="0"/>
-              </a:rPr>
-              <a:t>myVar</a:t>
-            </a:r>
-            <a:r>
-              <a:rPr lang="en-US" sz="1400" b="1" dirty="0">
-                <a:solidFill>
-                  <a:srgbClr val="00B050"/>
-                </a:solidFill>
-                <a:latin typeface="Courier New" pitchFamily="49" charset="0"/>
-                <a:cs typeface="Courier New" pitchFamily="49" charset="0"/>
-              </a:rPr>
-              <a:t> + a</a:t>
-            </a:r>
-          </a:p>
-          <a:p>
-            <a:pPr marL="0" indent="0">
-              <a:buNone/>
-            </a:pPr>
-            <a:r>
-              <a:rPr lang="en-US" sz="1400" b="1" dirty="0" err="1">
-                <a:solidFill>
-                  <a:schemeClr val="accent2"/>
-                </a:solidFill>
-                <a:latin typeface="Courier New" pitchFamily="49" charset="0"/>
-                <a:cs typeface="Courier New" pitchFamily="49" charset="0"/>
-              </a:rPr>
-              <a:t>myVar</a:t>
-            </a:r>
-            <a:r>
-              <a:rPr lang="en-US" sz="1400" b="1" dirty="0">
-                <a:solidFill>
-                  <a:schemeClr val="accent2"/>
-                </a:solidFill>
-                <a:latin typeface="Courier New" pitchFamily="49" charset="0"/>
-                <a:cs typeface="Courier New" pitchFamily="49" charset="0"/>
-              </a:rPr>
-              <a:t> -= a;     </a:t>
-            </a:r>
-            <a:r>
-              <a:rPr lang="en-US" sz="1400" b="1" dirty="0">
-                <a:solidFill>
-                  <a:srgbClr val="00B050"/>
-                </a:solidFill>
-                <a:latin typeface="Courier New" pitchFamily="49" charset="0"/>
-                <a:cs typeface="Courier New" pitchFamily="49" charset="0"/>
-              </a:rPr>
-              <a:t>// </a:t>
-            </a:r>
-            <a:r>
-              <a:rPr lang="en-US" sz="1400" b="1" dirty="0" err="1">
-                <a:solidFill>
-                  <a:srgbClr val="00B050"/>
-                </a:solidFill>
-                <a:latin typeface="Courier New" pitchFamily="49" charset="0"/>
-                <a:cs typeface="Courier New" pitchFamily="49" charset="0"/>
-              </a:rPr>
-              <a:t>myVar</a:t>
-            </a:r>
-            <a:r>
-              <a:rPr lang="en-US" sz="1400" b="1" dirty="0">
-                <a:solidFill>
-                  <a:srgbClr val="00B050"/>
-                </a:solidFill>
-                <a:latin typeface="Courier New" pitchFamily="49" charset="0"/>
-                <a:cs typeface="Courier New" pitchFamily="49" charset="0"/>
-              </a:rPr>
-              <a:t> = </a:t>
-            </a:r>
-            <a:r>
-              <a:rPr lang="en-US" sz="1400" b="1" dirty="0" err="1">
-                <a:solidFill>
-                  <a:srgbClr val="00B050"/>
-                </a:solidFill>
-                <a:latin typeface="Courier New" pitchFamily="49" charset="0"/>
-                <a:cs typeface="Courier New" pitchFamily="49" charset="0"/>
-              </a:rPr>
-              <a:t>myVar</a:t>
-            </a:r>
-            <a:r>
-              <a:rPr lang="en-US" sz="1400" b="1" dirty="0">
-                <a:solidFill>
-                  <a:srgbClr val="00B050"/>
-                </a:solidFill>
-                <a:latin typeface="Courier New" pitchFamily="49" charset="0"/>
-                <a:cs typeface="Courier New" pitchFamily="49" charset="0"/>
-              </a:rPr>
-              <a:t> - a</a:t>
-            </a:r>
+              </a:rPr>
+              <a:t>global copy/paste </a:t>
+            </a:r>
+            <a:r>
+              <a:rPr lang="en-US" sz="1600" dirty="0" smtClean="0"/>
+              <a:t>and can produce very difficult bugs to find</a:t>
+            </a:r>
+          </a:p>
+          <a:p>
+            <a:pPr lvl="1"/>
+            <a:r>
+              <a:rPr lang="en-US" sz="1200" dirty="0" smtClean="0"/>
+              <a:t>Is this a problem? uint8_t == int16_t</a:t>
+            </a:r>
+          </a:p>
+          <a:p>
+            <a:r>
+              <a:rPr lang="en-US" sz="1600" dirty="0" smtClean="0"/>
+              <a:t>"</a:t>
+            </a:r>
+            <a:r>
+              <a:rPr lang="en-US" sz="1600" dirty="0"/>
+              <a:t>global" scope / more prone to conflicting usages, which can produce hard-to-resolve compilation issues and unexpected run-time results rather than sane error </a:t>
+            </a:r>
+            <a:r>
+              <a:rPr lang="en-US" sz="1600" dirty="0" smtClean="0"/>
+              <a:t>messages</a:t>
+            </a:r>
+          </a:p>
+          <a:p>
+            <a:r>
+              <a:rPr lang="en-US" sz="1600" dirty="0" smtClean="0"/>
+              <a:t>Compiler assumes it is </a:t>
+            </a:r>
+            <a:r>
+              <a:rPr lang="en-US" sz="1600" dirty="0" err="1" smtClean="0"/>
+              <a:t>untyped</a:t>
+            </a:r>
+            <a:r>
+              <a:rPr lang="en-US" sz="1600" dirty="0" smtClean="0"/>
+              <a:t> and some compilers will allow comparisons between defines and unsigned </a:t>
+            </a:r>
+            <a:r>
+              <a:rPr lang="en-US" sz="1600" dirty="0" err="1" smtClean="0"/>
+              <a:t>ints</a:t>
+            </a:r>
+            <a:r>
+              <a:rPr lang="en-US" sz="1600" dirty="0" smtClean="0"/>
+              <a:t> (which you may not want)</a:t>
+            </a:r>
+            <a:endParaRPr lang="en-US" sz="1600" dirty="0"/>
           </a:p>
         </p:txBody>
       </p:sp>
     </p:spTree>
     <p:extLst>
       <p:ext uri="{BB962C8B-B14F-4D97-AF65-F5344CB8AC3E}">
-        <p14:creationId xmlns:p14="http://schemas.microsoft.com/office/powerpoint/2010/main" val="225650935"/>
+        <p14:creationId xmlns:p14="http://schemas.microsoft.com/office/powerpoint/2010/main" val="554007471"/>
       </p:ext>
     </p:extLst>
   </p:cSld>
@@ -9333,6 +9033,701 @@
         </p:nvSpPr>
         <p:spPr>
           <a:xfrm>
+            <a:off x="348339" y="1446769"/>
+            <a:ext cx="8625728" cy="5035231"/>
+          </a:xfrm>
+        </p:spPr>
+        <p:txBody>
+          <a:bodyPr/>
+          <a:lstStyle/>
+          <a:p>
+            <a:pPr marL="0" indent="0">
+              <a:buNone/>
+            </a:pPr>
+            <a:r>
+              <a:rPr lang="en-US" sz="1400" b="1" dirty="0"/>
+              <a:t>Assignment, Arithmetic </a:t>
+            </a:r>
+            <a:r>
+              <a:rPr lang="en-US" sz="1400" b="1" dirty="0" smtClean="0"/>
+              <a:t>Operators</a:t>
+            </a:r>
+          </a:p>
+          <a:p>
+            <a:pPr marL="0" indent="0">
+              <a:buNone/>
+            </a:pPr>
+            <a:endParaRPr lang="en-US" sz="1400" b="1" dirty="0" smtClean="0">
+              <a:solidFill>
+                <a:schemeClr val="accent2"/>
+              </a:solidFill>
+              <a:latin typeface="Courier New" pitchFamily="49" charset="0"/>
+              <a:cs typeface="Courier New" pitchFamily="49" charset="0"/>
+            </a:endParaRPr>
+          </a:p>
+          <a:p>
+            <a:pPr marL="0" indent="0">
+              <a:buNone/>
+            </a:pPr>
+            <a:r>
+              <a:rPr lang="en-US" sz="1400" b="1" dirty="0">
+                <a:solidFill>
+                  <a:schemeClr val="accent2"/>
+                </a:solidFill>
+                <a:latin typeface="Courier New" pitchFamily="49" charset="0"/>
+                <a:cs typeface="Courier New" pitchFamily="49" charset="0"/>
+              </a:rPr>
+              <a:t>char </a:t>
+            </a:r>
+            <a:r>
+              <a:rPr lang="en-US" sz="1400" b="1" dirty="0" err="1">
+                <a:solidFill>
+                  <a:schemeClr val="accent2"/>
+                </a:solidFill>
+                <a:latin typeface="Courier New" pitchFamily="49" charset="0"/>
+                <a:cs typeface="Courier New" pitchFamily="49" charset="0"/>
+              </a:rPr>
+              <a:t>myVar</a:t>
+            </a:r>
+            <a:r>
+              <a:rPr lang="en-US" sz="1400" b="1" dirty="0">
+                <a:solidFill>
+                  <a:schemeClr val="accent2"/>
+                </a:solidFill>
+                <a:latin typeface="Courier New" pitchFamily="49" charset="0"/>
+                <a:cs typeface="Courier New" pitchFamily="49" charset="0"/>
+              </a:rPr>
+              <a:t>, a, b;  </a:t>
+            </a:r>
+            <a:r>
+              <a:rPr lang="en-US" sz="1400" b="1" dirty="0">
+                <a:solidFill>
+                  <a:srgbClr val="00B050"/>
+                </a:solidFill>
+                <a:latin typeface="Courier New" pitchFamily="49" charset="0"/>
+                <a:cs typeface="Courier New" pitchFamily="49" charset="0"/>
+              </a:rPr>
+              <a:t>// variable </a:t>
+            </a:r>
+            <a:r>
+              <a:rPr lang="en-US" sz="1400" b="1" dirty="0" smtClean="0">
+                <a:solidFill>
+                  <a:srgbClr val="00B050"/>
+                </a:solidFill>
+                <a:latin typeface="Courier New" pitchFamily="49" charset="0"/>
+                <a:cs typeface="Courier New" pitchFamily="49" charset="0"/>
+              </a:rPr>
+              <a:t>declaration, </a:t>
+            </a:r>
+            <a:r>
+              <a:rPr lang="en-US" sz="1400" b="1" dirty="0" err="1" smtClean="0">
+                <a:solidFill>
+                  <a:srgbClr val="00B050"/>
+                </a:solidFill>
+                <a:latin typeface="Courier New" pitchFamily="49" charset="0"/>
+                <a:cs typeface="Courier New" pitchFamily="49" charset="0"/>
+              </a:rPr>
+              <a:t>gcc</a:t>
+            </a:r>
+            <a:r>
+              <a:rPr lang="en-US" sz="1400" b="1" dirty="0" smtClean="0">
+                <a:solidFill>
+                  <a:srgbClr val="00B050"/>
+                </a:solidFill>
+                <a:latin typeface="Courier New" pitchFamily="49" charset="0"/>
+                <a:cs typeface="Courier New" pitchFamily="49" charset="0"/>
+              </a:rPr>
+              <a:t> sets their value to 0</a:t>
+            </a:r>
+            <a:endParaRPr lang="en-US" sz="1400" b="1" dirty="0">
+              <a:solidFill>
+                <a:srgbClr val="00B050"/>
+              </a:solidFill>
+              <a:latin typeface="Courier New" pitchFamily="49" charset="0"/>
+              <a:cs typeface="Courier New" pitchFamily="49" charset="0"/>
+            </a:endParaRPr>
+          </a:p>
+          <a:p>
+            <a:pPr marL="0" indent="0">
+              <a:buNone/>
+            </a:pPr>
+            <a:endParaRPr lang="en-US" sz="1400" b="1" dirty="0">
+              <a:solidFill>
+                <a:schemeClr val="accent2"/>
+              </a:solidFill>
+              <a:latin typeface="Courier New" pitchFamily="49" charset="0"/>
+              <a:cs typeface="Courier New" pitchFamily="49" charset="0"/>
+            </a:endParaRPr>
+          </a:p>
+          <a:p>
+            <a:pPr marL="0" indent="0">
+              <a:buNone/>
+            </a:pPr>
+            <a:r>
+              <a:rPr lang="en-US" sz="1400" b="1" dirty="0" err="1">
+                <a:solidFill>
+                  <a:schemeClr val="accent2"/>
+                </a:solidFill>
+                <a:latin typeface="Courier New" pitchFamily="49" charset="0"/>
+                <a:cs typeface="Courier New" pitchFamily="49" charset="0"/>
+              </a:rPr>
+              <a:t>myVar</a:t>
+            </a:r>
+            <a:r>
+              <a:rPr lang="en-US" sz="1400" b="1" dirty="0">
+                <a:solidFill>
+                  <a:schemeClr val="accent2"/>
+                </a:solidFill>
+                <a:latin typeface="Courier New" pitchFamily="49" charset="0"/>
+                <a:cs typeface="Courier New" pitchFamily="49" charset="0"/>
+              </a:rPr>
+              <a:t> = a;  </a:t>
+            </a:r>
+            <a:r>
+              <a:rPr lang="en-US" sz="1400" b="1" dirty="0" smtClean="0">
+                <a:solidFill>
+                  <a:schemeClr val="accent2"/>
+                </a:solidFill>
+                <a:latin typeface="Courier New" pitchFamily="49" charset="0"/>
+                <a:cs typeface="Courier New" pitchFamily="49" charset="0"/>
+              </a:rPr>
+              <a:t>    </a:t>
+            </a:r>
+            <a:r>
+              <a:rPr lang="en-US" sz="1400" b="1" dirty="0" smtClean="0">
+                <a:solidFill>
+                  <a:srgbClr val="00B050"/>
+                </a:solidFill>
+                <a:latin typeface="Courier New" pitchFamily="49" charset="0"/>
+                <a:cs typeface="Courier New" pitchFamily="49" charset="0"/>
+              </a:rPr>
+              <a:t>// assignment</a:t>
+            </a:r>
+            <a:endParaRPr lang="en-US" sz="1400" b="1" dirty="0">
+              <a:solidFill>
+                <a:srgbClr val="00B050"/>
+              </a:solidFill>
+              <a:latin typeface="Courier New" pitchFamily="49" charset="0"/>
+              <a:cs typeface="Courier New" pitchFamily="49" charset="0"/>
+            </a:endParaRPr>
+          </a:p>
+          <a:p>
+            <a:pPr marL="0" indent="0">
+              <a:buNone/>
+            </a:pPr>
+            <a:endParaRPr lang="en-US" sz="1400" b="1" dirty="0">
+              <a:solidFill>
+                <a:schemeClr val="accent2"/>
+              </a:solidFill>
+              <a:latin typeface="Courier New" pitchFamily="49" charset="0"/>
+              <a:cs typeface="Courier New" pitchFamily="49" charset="0"/>
+            </a:endParaRPr>
+          </a:p>
+          <a:p>
+            <a:pPr marL="0" indent="0">
+              <a:buNone/>
+            </a:pPr>
+            <a:r>
+              <a:rPr lang="en-US" sz="1400" b="1" dirty="0" err="1">
+                <a:solidFill>
+                  <a:schemeClr val="accent2"/>
+                </a:solidFill>
+                <a:latin typeface="Courier New" pitchFamily="49" charset="0"/>
+                <a:cs typeface="Courier New" pitchFamily="49" charset="0"/>
+              </a:rPr>
+              <a:t>myVar</a:t>
+            </a:r>
+            <a:r>
+              <a:rPr lang="en-US" sz="1400" b="1" dirty="0">
+                <a:solidFill>
+                  <a:schemeClr val="accent2"/>
+                </a:solidFill>
+                <a:latin typeface="Courier New" pitchFamily="49" charset="0"/>
+                <a:cs typeface="Courier New" pitchFamily="49" charset="0"/>
+              </a:rPr>
+              <a:t> = a + b;  </a:t>
+            </a:r>
+            <a:r>
+              <a:rPr lang="en-US" sz="1400" b="1" dirty="0">
+                <a:solidFill>
+                  <a:srgbClr val="00B050"/>
+                </a:solidFill>
+                <a:latin typeface="Courier New" pitchFamily="49" charset="0"/>
+                <a:cs typeface="Courier New" pitchFamily="49" charset="0"/>
+              </a:rPr>
+              <a:t>// addition</a:t>
+            </a:r>
+          </a:p>
+          <a:p>
+            <a:pPr marL="0" indent="0">
+              <a:buNone/>
+            </a:pPr>
+            <a:r>
+              <a:rPr lang="en-US" sz="1400" b="1" dirty="0" err="1">
+                <a:solidFill>
+                  <a:schemeClr val="accent2"/>
+                </a:solidFill>
+                <a:latin typeface="Courier New" pitchFamily="49" charset="0"/>
+                <a:cs typeface="Courier New" pitchFamily="49" charset="0"/>
+              </a:rPr>
+              <a:t>myVar</a:t>
+            </a:r>
+            <a:r>
+              <a:rPr lang="en-US" sz="1400" b="1" dirty="0">
+                <a:solidFill>
+                  <a:schemeClr val="accent2"/>
+                </a:solidFill>
+                <a:latin typeface="Courier New" pitchFamily="49" charset="0"/>
+                <a:cs typeface="Courier New" pitchFamily="49" charset="0"/>
+              </a:rPr>
+              <a:t> = a - b;  </a:t>
+            </a:r>
+            <a:r>
+              <a:rPr lang="en-US" sz="1400" b="1" dirty="0">
+                <a:solidFill>
+                  <a:srgbClr val="00B050"/>
+                </a:solidFill>
+                <a:latin typeface="Courier New" pitchFamily="49" charset="0"/>
+                <a:cs typeface="Courier New" pitchFamily="49" charset="0"/>
+              </a:rPr>
+              <a:t>// subtraction</a:t>
+            </a:r>
+          </a:p>
+          <a:p>
+            <a:pPr marL="0" indent="0">
+              <a:buNone/>
+            </a:pPr>
+            <a:r>
+              <a:rPr lang="en-US" sz="1400" b="1" dirty="0" err="1">
+                <a:solidFill>
+                  <a:schemeClr val="accent2"/>
+                </a:solidFill>
+                <a:latin typeface="Courier New" pitchFamily="49" charset="0"/>
+                <a:cs typeface="Courier New" pitchFamily="49" charset="0"/>
+              </a:rPr>
+              <a:t>myVar</a:t>
+            </a:r>
+            <a:r>
+              <a:rPr lang="en-US" sz="1400" b="1" dirty="0">
+                <a:solidFill>
+                  <a:schemeClr val="accent2"/>
+                </a:solidFill>
+                <a:latin typeface="Courier New" pitchFamily="49" charset="0"/>
+                <a:cs typeface="Courier New" pitchFamily="49" charset="0"/>
+              </a:rPr>
+              <a:t> = a * b;  </a:t>
+            </a:r>
+            <a:r>
+              <a:rPr lang="en-US" sz="1400" b="1" dirty="0">
+                <a:solidFill>
+                  <a:srgbClr val="00B050"/>
+                </a:solidFill>
+                <a:latin typeface="Courier New" pitchFamily="49" charset="0"/>
+                <a:cs typeface="Courier New" pitchFamily="49" charset="0"/>
+              </a:rPr>
+              <a:t>// multiplication</a:t>
+            </a:r>
+          </a:p>
+          <a:p>
+            <a:pPr marL="0" indent="0">
+              <a:buNone/>
+            </a:pPr>
+            <a:r>
+              <a:rPr lang="en-US" sz="1400" b="1" dirty="0" err="1">
+                <a:solidFill>
+                  <a:schemeClr val="accent2"/>
+                </a:solidFill>
+                <a:latin typeface="Courier New" pitchFamily="49" charset="0"/>
+                <a:cs typeface="Courier New" pitchFamily="49" charset="0"/>
+              </a:rPr>
+              <a:t>myVar</a:t>
+            </a:r>
+            <a:r>
+              <a:rPr lang="en-US" sz="1400" b="1" dirty="0">
+                <a:solidFill>
+                  <a:schemeClr val="accent2"/>
+                </a:solidFill>
+                <a:latin typeface="Courier New" pitchFamily="49" charset="0"/>
+                <a:cs typeface="Courier New" pitchFamily="49" charset="0"/>
+              </a:rPr>
+              <a:t> = a / b;  </a:t>
+            </a:r>
+            <a:r>
+              <a:rPr lang="en-US" sz="1400" b="1" dirty="0">
+                <a:solidFill>
+                  <a:srgbClr val="00B050"/>
+                </a:solidFill>
+                <a:latin typeface="Courier New" pitchFamily="49" charset="0"/>
+                <a:cs typeface="Courier New" pitchFamily="49" charset="0"/>
+              </a:rPr>
+              <a:t>// division</a:t>
+            </a:r>
+          </a:p>
+          <a:p>
+            <a:pPr marL="0" indent="0">
+              <a:buNone/>
+            </a:pPr>
+            <a:endParaRPr lang="en-US" sz="1400" b="1" dirty="0">
+              <a:solidFill>
+                <a:schemeClr val="accent2"/>
+              </a:solidFill>
+              <a:latin typeface="Courier New" pitchFamily="49" charset="0"/>
+              <a:cs typeface="Courier New" pitchFamily="49" charset="0"/>
+            </a:endParaRPr>
+          </a:p>
+          <a:p>
+            <a:pPr marL="0" indent="0">
+              <a:buNone/>
+            </a:pPr>
+            <a:r>
+              <a:rPr lang="en-US" sz="1400" b="1" dirty="0" err="1">
+                <a:solidFill>
+                  <a:schemeClr val="accent2"/>
+                </a:solidFill>
+                <a:latin typeface="Courier New" pitchFamily="49" charset="0"/>
+                <a:cs typeface="Courier New" pitchFamily="49" charset="0"/>
+              </a:rPr>
+              <a:t>myVar</a:t>
+            </a:r>
+            <a:r>
+              <a:rPr lang="en-US" sz="1400" b="1" dirty="0">
+                <a:solidFill>
+                  <a:schemeClr val="accent2"/>
+                </a:solidFill>
+                <a:latin typeface="Courier New" pitchFamily="49" charset="0"/>
+                <a:cs typeface="Courier New" pitchFamily="49" charset="0"/>
+              </a:rPr>
+              <a:t> = a % b;  </a:t>
+            </a:r>
+            <a:r>
+              <a:rPr lang="en-US" sz="1400" b="1" dirty="0">
+                <a:solidFill>
+                  <a:srgbClr val="00B050"/>
+                </a:solidFill>
+                <a:latin typeface="Courier New" pitchFamily="49" charset="0"/>
+                <a:cs typeface="Courier New" pitchFamily="49" charset="0"/>
+              </a:rPr>
+              <a:t>// modulus (remainder)</a:t>
+            </a:r>
+          </a:p>
+          <a:p>
+            <a:pPr marL="0" indent="0">
+              <a:buNone/>
+            </a:pPr>
+            <a:endParaRPr lang="en-US" sz="1400" b="1" dirty="0">
+              <a:solidFill>
+                <a:schemeClr val="accent2"/>
+              </a:solidFill>
+              <a:latin typeface="Courier New" pitchFamily="49" charset="0"/>
+              <a:cs typeface="Courier New" pitchFamily="49" charset="0"/>
+            </a:endParaRPr>
+          </a:p>
+          <a:p>
+            <a:pPr marL="0" indent="0">
+              <a:buNone/>
+            </a:pPr>
+            <a:r>
+              <a:rPr lang="en-US" sz="1400" b="1" dirty="0" err="1">
+                <a:solidFill>
+                  <a:schemeClr val="accent2"/>
+                </a:solidFill>
+                <a:latin typeface="Courier New" pitchFamily="49" charset="0"/>
+                <a:cs typeface="Courier New" pitchFamily="49" charset="0"/>
+              </a:rPr>
+              <a:t>myVar</a:t>
+            </a:r>
+            <a:r>
+              <a:rPr lang="en-US" sz="1400" b="1" dirty="0">
+                <a:solidFill>
+                  <a:schemeClr val="accent2"/>
+                </a:solidFill>
+                <a:latin typeface="Courier New" pitchFamily="49" charset="0"/>
+                <a:cs typeface="Courier New" pitchFamily="49" charset="0"/>
+              </a:rPr>
+              <a:t>++;        </a:t>
+            </a:r>
+            <a:r>
+              <a:rPr lang="en-US" sz="1400" b="1" dirty="0">
+                <a:solidFill>
+                  <a:srgbClr val="00B050"/>
+                </a:solidFill>
+                <a:latin typeface="Courier New" pitchFamily="49" charset="0"/>
+                <a:cs typeface="Courier New" pitchFamily="49" charset="0"/>
+              </a:rPr>
+              <a:t>// increment</a:t>
+            </a:r>
+          </a:p>
+          <a:p>
+            <a:pPr marL="0" indent="0">
+              <a:buNone/>
+            </a:pPr>
+            <a:r>
+              <a:rPr lang="en-US" sz="1400" b="1" dirty="0" err="1">
+                <a:solidFill>
+                  <a:schemeClr val="accent2"/>
+                </a:solidFill>
+                <a:latin typeface="Courier New" pitchFamily="49" charset="0"/>
+                <a:cs typeface="Courier New" pitchFamily="49" charset="0"/>
+              </a:rPr>
+              <a:t>myVar</a:t>
+            </a:r>
+            <a:r>
+              <a:rPr lang="en-US" sz="1400" b="1" dirty="0">
+                <a:solidFill>
+                  <a:schemeClr val="accent2"/>
+                </a:solidFill>
+                <a:latin typeface="Courier New" pitchFamily="49" charset="0"/>
+                <a:cs typeface="Courier New" pitchFamily="49" charset="0"/>
+              </a:rPr>
+              <a:t>--;        </a:t>
+            </a:r>
+            <a:r>
+              <a:rPr lang="en-US" sz="1400" b="1" dirty="0">
+                <a:solidFill>
+                  <a:srgbClr val="00B050"/>
+                </a:solidFill>
+                <a:latin typeface="Courier New" pitchFamily="49" charset="0"/>
+                <a:cs typeface="Courier New" pitchFamily="49" charset="0"/>
+              </a:rPr>
+              <a:t>// decrement</a:t>
+            </a:r>
+          </a:p>
+          <a:p>
+            <a:pPr marL="0" indent="0">
+              <a:buNone/>
+            </a:pPr>
+            <a:endParaRPr lang="en-US" sz="1400" b="1" dirty="0">
+              <a:solidFill>
+                <a:schemeClr val="accent2"/>
+              </a:solidFill>
+              <a:latin typeface="Courier New" pitchFamily="49" charset="0"/>
+              <a:cs typeface="Courier New" pitchFamily="49" charset="0"/>
+            </a:endParaRPr>
+          </a:p>
+          <a:p>
+            <a:pPr marL="0" indent="0">
+              <a:buNone/>
+            </a:pPr>
+            <a:r>
+              <a:rPr lang="en-US" sz="1400" b="1" dirty="0" err="1">
+                <a:solidFill>
+                  <a:schemeClr val="accent2"/>
+                </a:solidFill>
+                <a:latin typeface="Courier New" pitchFamily="49" charset="0"/>
+                <a:cs typeface="Courier New" pitchFamily="49" charset="0"/>
+              </a:rPr>
+              <a:t>myVar</a:t>
+            </a:r>
+            <a:r>
+              <a:rPr lang="en-US" sz="1400" b="1" dirty="0">
+                <a:solidFill>
+                  <a:schemeClr val="accent2"/>
+                </a:solidFill>
+                <a:latin typeface="Courier New" pitchFamily="49" charset="0"/>
+                <a:cs typeface="Courier New" pitchFamily="49" charset="0"/>
+              </a:rPr>
+              <a:t> += a;     </a:t>
+            </a:r>
+            <a:r>
+              <a:rPr lang="en-US" sz="1400" b="1" dirty="0">
+                <a:solidFill>
+                  <a:srgbClr val="00B050"/>
+                </a:solidFill>
+                <a:latin typeface="Courier New" pitchFamily="49" charset="0"/>
+                <a:cs typeface="Courier New" pitchFamily="49" charset="0"/>
+              </a:rPr>
+              <a:t>// </a:t>
+            </a:r>
+            <a:r>
+              <a:rPr lang="en-US" sz="1400" b="1" dirty="0" err="1">
+                <a:solidFill>
+                  <a:srgbClr val="00B050"/>
+                </a:solidFill>
+                <a:latin typeface="Courier New" pitchFamily="49" charset="0"/>
+                <a:cs typeface="Courier New" pitchFamily="49" charset="0"/>
+              </a:rPr>
+              <a:t>myVar</a:t>
+            </a:r>
+            <a:r>
+              <a:rPr lang="en-US" sz="1400" b="1" dirty="0">
+                <a:solidFill>
+                  <a:srgbClr val="00B050"/>
+                </a:solidFill>
+                <a:latin typeface="Courier New" pitchFamily="49" charset="0"/>
+                <a:cs typeface="Courier New" pitchFamily="49" charset="0"/>
+              </a:rPr>
+              <a:t> = </a:t>
+            </a:r>
+            <a:r>
+              <a:rPr lang="en-US" sz="1400" b="1" dirty="0" err="1">
+                <a:solidFill>
+                  <a:srgbClr val="00B050"/>
+                </a:solidFill>
+                <a:latin typeface="Courier New" pitchFamily="49" charset="0"/>
+                <a:cs typeface="Courier New" pitchFamily="49" charset="0"/>
+              </a:rPr>
+              <a:t>myVar</a:t>
+            </a:r>
+            <a:r>
+              <a:rPr lang="en-US" sz="1400" b="1" dirty="0">
+                <a:solidFill>
+                  <a:srgbClr val="00B050"/>
+                </a:solidFill>
+                <a:latin typeface="Courier New" pitchFamily="49" charset="0"/>
+                <a:cs typeface="Courier New" pitchFamily="49" charset="0"/>
+              </a:rPr>
+              <a:t> + a</a:t>
+            </a:r>
+          </a:p>
+          <a:p>
+            <a:pPr marL="0" indent="0">
+              <a:buNone/>
+            </a:pPr>
+            <a:r>
+              <a:rPr lang="en-US" sz="1400" b="1" dirty="0" err="1">
+                <a:solidFill>
+                  <a:schemeClr val="accent2"/>
+                </a:solidFill>
+                <a:latin typeface="Courier New" pitchFamily="49" charset="0"/>
+                <a:cs typeface="Courier New" pitchFamily="49" charset="0"/>
+              </a:rPr>
+              <a:t>myVar</a:t>
+            </a:r>
+            <a:r>
+              <a:rPr lang="en-US" sz="1400" b="1" dirty="0">
+                <a:solidFill>
+                  <a:schemeClr val="accent2"/>
+                </a:solidFill>
+                <a:latin typeface="Courier New" pitchFamily="49" charset="0"/>
+                <a:cs typeface="Courier New" pitchFamily="49" charset="0"/>
+              </a:rPr>
+              <a:t> -= a;     </a:t>
+            </a:r>
+            <a:r>
+              <a:rPr lang="en-US" sz="1400" b="1" dirty="0">
+                <a:solidFill>
+                  <a:srgbClr val="00B050"/>
+                </a:solidFill>
+                <a:latin typeface="Courier New" pitchFamily="49" charset="0"/>
+                <a:cs typeface="Courier New" pitchFamily="49" charset="0"/>
+              </a:rPr>
+              <a:t>// </a:t>
+            </a:r>
+            <a:r>
+              <a:rPr lang="en-US" sz="1400" b="1" dirty="0" err="1">
+                <a:solidFill>
+                  <a:srgbClr val="00B050"/>
+                </a:solidFill>
+                <a:latin typeface="Courier New" pitchFamily="49" charset="0"/>
+                <a:cs typeface="Courier New" pitchFamily="49" charset="0"/>
+              </a:rPr>
+              <a:t>myVar</a:t>
+            </a:r>
+            <a:r>
+              <a:rPr lang="en-US" sz="1400" b="1" dirty="0">
+                <a:solidFill>
+                  <a:srgbClr val="00B050"/>
+                </a:solidFill>
+                <a:latin typeface="Courier New" pitchFamily="49" charset="0"/>
+                <a:cs typeface="Courier New" pitchFamily="49" charset="0"/>
+              </a:rPr>
+              <a:t> = </a:t>
+            </a:r>
+            <a:r>
+              <a:rPr lang="en-US" sz="1400" b="1" dirty="0" err="1">
+                <a:solidFill>
+                  <a:srgbClr val="00B050"/>
+                </a:solidFill>
+                <a:latin typeface="Courier New" pitchFamily="49" charset="0"/>
+                <a:cs typeface="Courier New" pitchFamily="49" charset="0"/>
+              </a:rPr>
+              <a:t>myVar</a:t>
+            </a:r>
+            <a:r>
+              <a:rPr lang="en-US" sz="1400" b="1" dirty="0">
+                <a:solidFill>
+                  <a:srgbClr val="00B050"/>
+                </a:solidFill>
+                <a:latin typeface="Courier New" pitchFamily="49" charset="0"/>
+                <a:cs typeface="Courier New" pitchFamily="49" charset="0"/>
+              </a:rPr>
+              <a:t> - a</a:t>
+            </a:r>
+          </a:p>
+        </p:txBody>
+      </p:sp>
+    </p:spTree>
+    <p:extLst>
+      <p:ext uri="{BB962C8B-B14F-4D97-AF65-F5344CB8AC3E}">
+        <p14:creationId xmlns:p14="http://schemas.microsoft.com/office/powerpoint/2010/main" val="225650935"/>
+      </p:ext>
+    </p:extLst>
+  </p:cSld>
+  <p:clrMapOvr>
+    <a:masterClrMapping/>
+  </p:clrMapOvr>
+  <p:timing>
+    <p:tnLst>
+      <p:par>
+        <p:cTn id="1" dur="indefinite" restart="never" nodeType="tmRoot"/>
+      </p:par>
+    </p:tnLst>
+  </p:timing>
+</p:sld>
+</file>
+
+<file path=ppt/slides/slide15.xml><?xml version="1.0" encoding="utf-8"?>
+<p:sld xmlns:a="http://schemas.openxmlformats.org/drawingml/2006/main" xmlns:r="http://schemas.openxmlformats.org/officeDocument/2006/relationships" xmlns:p="http://schemas.openxmlformats.org/presentationml/2006/main">
+  <p:cSld>
+    <p:spTree>
+      <p:nvGrpSpPr>
+        <p:cNvPr id="1" name=""/>
+        <p:cNvGrpSpPr/>
+        <p:nvPr/>
+      </p:nvGrpSpPr>
+      <p:grpSpPr>
+        <a:xfrm>
+          <a:off x="0" y="0"/>
+          <a:ext cx="0" cy="0"/>
+          <a:chOff x="0" y="0"/>
+          <a:chExt cx="0" cy="0"/>
+        </a:xfrm>
+      </p:grpSpPr>
+      <p:sp>
+        <p:nvSpPr>
+          <p:cNvPr id="2" name="Title 1"/>
+          <p:cNvSpPr>
+            <a:spLocks noGrp="1"/>
+          </p:cNvSpPr>
+          <p:nvPr>
+            <p:ph type="title"/>
+          </p:nvPr>
+        </p:nvSpPr>
+        <p:spPr/>
+        <p:txBody>
+          <a:bodyPr/>
+          <a:lstStyle/>
+          <a:p>
+            <a:r>
+              <a:rPr lang="en-US" b="1" dirty="0" smtClean="0"/>
+              <a:t>C Language:  Operators</a:t>
+            </a:r>
+            <a:endParaRPr lang="en-US" dirty="0"/>
+          </a:p>
+        </p:txBody>
+      </p:sp>
+      <p:sp>
+        <p:nvSpPr>
+          <p:cNvPr id="3" name="Content Placeholder 2"/>
+          <p:cNvSpPr>
+            <a:spLocks noGrp="1"/>
+          </p:cNvSpPr>
+          <p:nvPr>
+            <p:ph idx="1"/>
+          </p:nvPr>
+        </p:nvSpPr>
+        <p:spPr>
+          <a:xfrm>
             <a:off x="275129" y="1485112"/>
             <a:ext cx="8868871" cy="5222045"/>
           </a:xfrm>
@@ -10664,7 +11059,7 @@
 </p:sld>
 </file>
 
-<file path=ppt/slides/slide15.xml><?xml version="1.0" encoding="utf-8"?>
+<file path=ppt/slides/slide16.xml><?xml version="1.0" encoding="utf-8"?>
 <p:sld xmlns:a="http://schemas.openxmlformats.org/drawingml/2006/main" xmlns:r="http://schemas.openxmlformats.org/officeDocument/2006/relationships" xmlns:p="http://schemas.openxmlformats.org/presentationml/2006/main">
   <p:cSld>
     <p:spTree>
@@ -11985,7 +12380,7 @@
 </p:sld>
 </file>
 
-<file path=ppt/slides/slide16.xml><?xml version="1.0" encoding="utf-8"?>
+<file path=ppt/slides/slide17.xml><?xml version="1.0" encoding="utf-8"?>
 <p:sld xmlns:a="http://schemas.openxmlformats.org/drawingml/2006/main" xmlns:r="http://schemas.openxmlformats.org/officeDocument/2006/relationships" xmlns:p="http://schemas.openxmlformats.org/presentationml/2006/main">
   <p:cSld>
     <p:spTree>
@@ -12422,495 +12817,6 @@
   <p:clrMapOvr>
     <a:masterClrMapping/>
   </p:clrMapOvr>
-</p:sld>
-</file>
-
-<file path=ppt/slides/slide17.xml><?xml version="1.0" encoding="utf-8"?>
-<p:sld xmlns:a="http://schemas.openxmlformats.org/drawingml/2006/main" xmlns:r="http://schemas.openxmlformats.org/officeDocument/2006/relationships" xmlns:p="http://schemas.openxmlformats.org/presentationml/2006/main">
-  <p:cSld>
-    <p:spTree>
-      <p:nvGrpSpPr>
-        <p:cNvPr id="1" name=""/>
-        <p:cNvGrpSpPr/>
-        <p:nvPr/>
-      </p:nvGrpSpPr>
-      <p:grpSpPr>
-        <a:xfrm>
-          <a:off x="0" y="0"/>
-          <a:ext cx="0" cy="0"/>
-          <a:chOff x="0" y="0"/>
-          <a:chExt cx="0" cy="0"/>
-        </a:xfrm>
-      </p:grpSpPr>
-      <p:sp>
-        <p:nvSpPr>
-          <p:cNvPr id="2" name="Title 1"/>
-          <p:cNvSpPr>
-            <a:spLocks noGrp="1"/>
-          </p:cNvSpPr>
-          <p:nvPr>
-            <p:ph type="title"/>
-          </p:nvPr>
-        </p:nvSpPr>
-        <p:spPr/>
-        <p:txBody>
-          <a:bodyPr/>
-          <a:lstStyle/>
-          <a:p>
-            <a:r>
-              <a:rPr lang="en-US" b="1" dirty="0" smtClean="0"/>
-              <a:t>If Statement</a:t>
-            </a:r>
-            <a:endParaRPr lang="en-US" dirty="0"/>
-          </a:p>
-        </p:txBody>
-      </p:sp>
-      <p:sp>
-        <p:nvSpPr>
-          <p:cNvPr id="3" name="Content Placeholder 2"/>
-          <p:cNvSpPr>
-            <a:spLocks noGrp="1"/>
-          </p:cNvSpPr>
-          <p:nvPr>
-            <p:ph idx="1"/>
-          </p:nvPr>
-        </p:nvSpPr>
-        <p:spPr>
-          <a:xfrm>
-            <a:off x="385487" y="1543594"/>
-            <a:ext cx="8868871" cy="5035231"/>
-          </a:xfrm>
-        </p:spPr>
-        <p:txBody>
-          <a:bodyPr>
-            <a:normAutofit lnSpcReduction="10000"/>
-          </a:bodyPr>
-          <a:lstStyle/>
-          <a:p>
-            <a:pPr marL="400050" lvl="1" indent="0">
-              <a:buNone/>
-            </a:pPr>
-            <a:r>
-              <a:rPr lang="en-US" sz="1400" b="1" dirty="0">
-                <a:solidFill>
-                  <a:srgbClr val="00B050"/>
-                </a:solidFill>
-                <a:latin typeface="Courier New" pitchFamily="49" charset="0"/>
-                <a:cs typeface="Courier New" pitchFamily="49" charset="0"/>
-              </a:rPr>
-              <a:t>if (logical expression</a:t>
-            </a:r>
-            <a:r>
-              <a:rPr lang="en-US" sz="1400" b="1" dirty="0" smtClean="0">
-                <a:solidFill>
-                  <a:srgbClr val="00B050"/>
-                </a:solidFill>
-                <a:latin typeface="Courier New" pitchFamily="49" charset="0"/>
-                <a:cs typeface="Courier New" pitchFamily="49" charset="0"/>
-              </a:rPr>
-              <a:t>){</a:t>
-            </a:r>
-            <a:endParaRPr lang="en-US" sz="1400" b="1" dirty="0">
-              <a:solidFill>
-                <a:srgbClr val="00B050"/>
-              </a:solidFill>
-              <a:latin typeface="Courier New" pitchFamily="49" charset="0"/>
-              <a:cs typeface="Courier New" pitchFamily="49" charset="0"/>
-            </a:endParaRPr>
-          </a:p>
-          <a:p>
-            <a:pPr marL="400050" lvl="1" indent="0">
-              <a:buNone/>
-            </a:pPr>
-            <a:r>
-              <a:rPr lang="en-US" sz="1400" b="1" dirty="0">
-                <a:solidFill>
-                  <a:srgbClr val="00B050"/>
-                </a:solidFill>
-                <a:latin typeface="Courier New" pitchFamily="49" charset="0"/>
-                <a:cs typeface="Courier New" pitchFamily="49" charset="0"/>
-              </a:rPr>
-              <a:t>    statements;</a:t>
-            </a:r>
-          </a:p>
-          <a:p>
-            <a:pPr marL="400050" lvl="1" indent="0">
-              <a:buNone/>
-            </a:pPr>
-            <a:r>
-              <a:rPr lang="en-US" sz="1400" b="1" dirty="0">
-                <a:solidFill>
-                  <a:srgbClr val="00B050"/>
-                </a:solidFill>
-                <a:latin typeface="Courier New" pitchFamily="49" charset="0"/>
-                <a:cs typeface="Courier New" pitchFamily="49" charset="0"/>
-              </a:rPr>
-              <a:t>} </a:t>
-            </a:r>
-            <a:endParaRPr lang="en-US" sz="1400" b="1" dirty="0" smtClean="0">
-              <a:solidFill>
-                <a:srgbClr val="00B050"/>
-              </a:solidFill>
-              <a:latin typeface="Courier New" pitchFamily="49" charset="0"/>
-              <a:cs typeface="Courier New" pitchFamily="49" charset="0"/>
-            </a:endParaRPr>
-          </a:p>
-          <a:p>
-            <a:pPr marL="400050" lvl="1" indent="0">
-              <a:buNone/>
-            </a:pPr>
-            <a:r>
-              <a:rPr lang="en-US" sz="1400" b="1" dirty="0" smtClean="0">
-                <a:solidFill>
-                  <a:srgbClr val="00B050"/>
-                </a:solidFill>
-                <a:latin typeface="Courier New" pitchFamily="49" charset="0"/>
-                <a:cs typeface="Courier New" pitchFamily="49" charset="0"/>
-              </a:rPr>
-              <a:t>else </a:t>
-            </a:r>
-            <a:r>
-              <a:rPr lang="en-US" sz="1400" b="1" dirty="0">
-                <a:solidFill>
-                  <a:srgbClr val="00B050"/>
-                </a:solidFill>
-                <a:latin typeface="Courier New" pitchFamily="49" charset="0"/>
-                <a:cs typeface="Courier New" pitchFamily="49" charset="0"/>
-              </a:rPr>
-              <a:t>if (logical expression</a:t>
-            </a:r>
-            <a:r>
-              <a:rPr lang="en-US" sz="1400" b="1" dirty="0" smtClean="0">
-                <a:solidFill>
-                  <a:srgbClr val="00B050"/>
-                </a:solidFill>
-                <a:latin typeface="Courier New" pitchFamily="49" charset="0"/>
-                <a:cs typeface="Courier New" pitchFamily="49" charset="0"/>
-              </a:rPr>
-              <a:t>){</a:t>
-            </a:r>
-            <a:endParaRPr lang="en-US" sz="1400" b="1" dirty="0">
-              <a:solidFill>
-                <a:srgbClr val="00B050"/>
-              </a:solidFill>
-              <a:latin typeface="Courier New" pitchFamily="49" charset="0"/>
-              <a:cs typeface="Courier New" pitchFamily="49" charset="0"/>
-            </a:endParaRPr>
-          </a:p>
-          <a:p>
-            <a:pPr marL="400050" lvl="1" indent="0">
-              <a:buNone/>
-            </a:pPr>
-            <a:r>
-              <a:rPr lang="en-US" sz="1400" b="1" dirty="0">
-                <a:solidFill>
-                  <a:srgbClr val="00B050"/>
-                </a:solidFill>
-                <a:latin typeface="Courier New" pitchFamily="49" charset="0"/>
-                <a:cs typeface="Courier New" pitchFamily="49" charset="0"/>
-              </a:rPr>
-              <a:t>    statements;</a:t>
-            </a:r>
-          </a:p>
-          <a:p>
-            <a:pPr marL="400050" lvl="1" indent="0">
-              <a:buNone/>
-            </a:pPr>
-            <a:r>
-              <a:rPr lang="en-US" sz="1400" b="1" dirty="0">
-                <a:solidFill>
-                  <a:srgbClr val="00B050"/>
-                </a:solidFill>
-                <a:latin typeface="Courier New" pitchFamily="49" charset="0"/>
-                <a:cs typeface="Courier New" pitchFamily="49" charset="0"/>
-              </a:rPr>
-              <a:t>}</a:t>
-            </a:r>
-          </a:p>
-          <a:p>
-            <a:pPr marL="400050" lvl="1" indent="0">
-              <a:buNone/>
-            </a:pPr>
-            <a:r>
-              <a:rPr lang="en-US" sz="1400" b="1" dirty="0">
-                <a:solidFill>
-                  <a:srgbClr val="00B050"/>
-                </a:solidFill>
-                <a:latin typeface="Courier New" pitchFamily="49" charset="0"/>
-                <a:cs typeface="Courier New" pitchFamily="49" charset="0"/>
-              </a:rPr>
-              <a:t>...</a:t>
-            </a:r>
-          </a:p>
-          <a:p>
-            <a:pPr marL="400050" lvl="1" indent="0">
-              <a:buNone/>
-            </a:pPr>
-            <a:r>
-              <a:rPr lang="en-US" sz="1400" b="1" dirty="0" smtClean="0">
-                <a:solidFill>
-                  <a:srgbClr val="00B050"/>
-                </a:solidFill>
-                <a:latin typeface="Courier New" pitchFamily="49" charset="0"/>
-                <a:cs typeface="Courier New" pitchFamily="49" charset="0"/>
-              </a:rPr>
-              <a:t>else{</a:t>
-            </a:r>
-            <a:endParaRPr lang="en-US" sz="1400" b="1" dirty="0">
-              <a:solidFill>
-                <a:srgbClr val="00B050"/>
-              </a:solidFill>
-              <a:latin typeface="Courier New" pitchFamily="49" charset="0"/>
-              <a:cs typeface="Courier New" pitchFamily="49" charset="0"/>
-            </a:endParaRPr>
-          </a:p>
-          <a:p>
-            <a:pPr marL="400050" lvl="1" indent="0">
-              <a:buNone/>
-            </a:pPr>
-            <a:r>
-              <a:rPr lang="en-US" sz="1400" b="1" dirty="0">
-                <a:solidFill>
-                  <a:srgbClr val="00B050"/>
-                </a:solidFill>
-                <a:latin typeface="Courier New" pitchFamily="49" charset="0"/>
-                <a:cs typeface="Courier New" pitchFamily="49" charset="0"/>
-              </a:rPr>
-              <a:t>    statements;</a:t>
-            </a:r>
-          </a:p>
-          <a:p>
-            <a:pPr marL="400050" lvl="1" indent="0">
-              <a:buNone/>
-            </a:pPr>
-            <a:r>
-              <a:rPr lang="en-US" sz="1400" b="1" dirty="0" smtClean="0">
-                <a:solidFill>
-                  <a:srgbClr val="00B050"/>
-                </a:solidFill>
-                <a:latin typeface="Courier New" pitchFamily="49" charset="0"/>
-                <a:cs typeface="Courier New" pitchFamily="49" charset="0"/>
-              </a:rPr>
-              <a:t>}</a:t>
-            </a:r>
-          </a:p>
-          <a:p>
-            <a:pPr marL="0" indent="0">
-              <a:buNone/>
-            </a:pPr>
-            <a:r>
-              <a:rPr lang="en-US" sz="1400" b="1" dirty="0" smtClean="0">
-                <a:latin typeface="Courier New" pitchFamily="49" charset="0"/>
-                <a:cs typeface="Courier New" pitchFamily="49" charset="0"/>
-              </a:rPr>
-              <a:t>Example:</a:t>
-            </a:r>
-          </a:p>
-          <a:p>
-            <a:pPr marL="400050" lvl="1" indent="0">
-              <a:buNone/>
-            </a:pPr>
-            <a:r>
-              <a:rPr lang="en-US" sz="1400" b="1" dirty="0">
-                <a:solidFill>
-                  <a:schemeClr val="accent2"/>
-                </a:solidFill>
-                <a:latin typeface="Courier New" pitchFamily="49" charset="0"/>
-                <a:cs typeface="Courier New" pitchFamily="49" charset="0"/>
-              </a:rPr>
-              <a:t>if (temp &lt; MIN_TEMP) </a:t>
-            </a:r>
-            <a:r>
-              <a:rPr lang="en-US" sz="1400" b="1" dirty="0" smtClean="0">
-                <a:solidFill>
-                  <a:schemeClr val="accent2"/>
-                </a:solidFill>
-                <a:latin typeface="Courier New" pitchFamily="49" charset="0"/>
-                <a:cs typeface="Courier New" pitchFamily="49" charset="0"/>
-              </a:rPr>
-              <a:t>{</a:t>
-            </a:r>
-            <a:endParaRPr lang="en-US" sz="1400" b="1" dirty="0">
-              <a:solidFill>
-                <a:schemeClr val="accent2"/>
-              </a:solidFill>
-              <a:latin typeface="Courier New" pitchFamily="49" charset="0"/>
-              <a:cs typeface="Courier New" pitchFamily="49" charset="0"/>
-            </a:endParaRPr>
-          </a:p>
-          <a:p>
-            <a:pPr marL="400050" lvl="1" indent="0">
-              <a:buNone/>
-            </a:pPr>
-            <a:r>
-              <a:rPr lang="en-US" sz="1400" b="1" dirty="0">
-                <a:solidFill>
-                  <a:schemeClr val="accent2"/>
-                </a:solidFill>
-                <a:latin typeface="Courier New" pitchFamily="49" charset="0"/>
-                <a:cs typeface="Courier New" pitchFamily="49" charset="0"/>
-              </a:rPr>
-              <a:t>    flag = TOO_LOW;</a:t>
-            </a:r>
-          </a:p>
-          <a:p>
-            <a:pPr marL="400050" lvl="1" indent="0">
-              <a:buNone/>
-            </a:pPr>
-            <a:r>
-              <a:rPr lang="en-US" sz="1400" b="1" dirty="0">
-                <a:solidFill>
-                  <a:schemeClr val="accent2"/>
-                </a:solidFill>
-                <a:latin typeface="Courier New" pitchFamily="49" charset="0"/>
-                <a:cs typeface="Courier New" pitchFamily="49" charset="0"/>
-              </a:rPr>
-              <a:t>} </a:t>
-            </a:r>
-            <a:endParaRPr lang="en-US" sz="1400" b="1" dirty="0" smtClean="0">
-              <a:solidFill>
-                <a:schemeClr val="accent2"/>
-              </a:solidFill>
-              <a:latin typeface="Courier New" pitchFamily="49" charset="0"/>
-              <a:cs typeface="Courier New" pitchFamily="49" charset="0"/>
-            </a:endParaRPr>
-          </a:p>
-          <a:p>
-            <a:pPr marL="400050" lvl="1" indent="0">
-              <a:buNone/>
-            </a:pPr>
-            <a:r>
-              <a:rPr lang="en-US" sz="1400" b="1" dirty="0" smtClean="0">
-                <a:solidFill>
-                  <a:schemeClr val="accent2"/>
-                </a:solidFill>
-                <a:latin typeface="Courier New" pitchFamily="49" charset="0"/>
-                <a:cs typeface="Courier New" pitchFamily="49" charset="0"/>
-              </a:rPr>
-              <a:t>else </a:t>
-            </a:r>
-            <a:r>
-              <a:rPr lang="en-US" sz="1400" b="1" dirty="0">
-                <a:solidFill>
-                  <a:schemeClr val="accent2"/>
-                </a:solidFill>
-                <a:latin typeface="Courier New" pitchFamily="49" charset="0"/>
-                <a:cs typeface="Courier New" pitchFamily="49" charset="0"/>
-              </a:rPr>
-              <a:t>if (temp &gt; MAX_TEMP</a:t>
-            </a:r>
-            <a:r>
-              <a:rPr lang="en-US" sz="1400" b="1" dirty="0" smtClean="0">
-                <a:solidFill>
-                  <a:schemeClr val="accent2"/>
-                </a:solidFill>
-                <a:latin typeface="Courier New" pitchFamily="49" charset="0"/>
-                <a:cs typeface="Courier New" pitchFamily="49" charset="0"/>
-              </a:rPr>
-              <a:t>){</a:t>
-            </a:r>
-            <a:endParaRPr lang="en-US" sz="1400" b="1" dirty="0">
-              <a:solidFill>
-                <a:schemeClr val="accent2"/>
-              </a:solidFill>
-              <a:latin typeface="Courier New" pitchFamily="49" charset="0"/>
-              <a:cs typeface="Courier New" pitchFamily="49" charset="0"/>
-            </a:endParaRPr>
-          </a:p>
-          <a:p>
-            <a:pPr marL="400050" lvl="1" indent="0">
-              <a:buNone/>
-            </a:pPr>
-            <a:r>
-              <a:rPr lang="en-US" sz="1400" b="1" dirty="0">
-                <a:solidFill>
-                  <a:schemeClr val="accent2"/>
-                </a:solidFill>
-                <a:latin typeface="Courier New" pitchFamily="49" charset="0"/>
-                <a:cs typeface="Courier New" pitchFamily="49" charset="0"/>
-              </a:rPr>
-              <a:t>    flag = TOO_HIGH;</a:t>
-            </a:r>
-          </a:p>
-          <a:p>
-            <a:pPr marL="400050" lvl="1" indent="0">
-              <a:buNone/>
-            </a:pPr>
-            <a:r>
-              <a:rPr lang="en-US" sz="1400" b="1" dirty="0">
-                <a:solidFill>
-                  <a:schemeClr val="accent2"/>
-                </a:solidFill>
-                <a:latin typeface="Courier New" pitchFamily="49" charset="0"/>
-                <a:cs typeface="Courier New" pitchFamily="49" charset="0"/>
-              </a:rPr>
-              <a:t>}</a:t>
-            </a:r>
-          </a:p>
-          <a:p>
-            <a:pPr marL="400050" lvl="1" indent="0">
-              <a:buNone/>
-            </a:pPr>
-            <a:r>
-              <a:rPr lang="en-US" sz="1400" b="1" dirty="0" smtClean="0">
-                <a:solidFill>
-                  <a:schemeClr val="accent2"/>
-                </a:solidFill>
-                <a:latin typeface="Courier New" pitchFamily="49" charset="0"/>
-                <a:cs typeface="Courier New" pitchFamily="49" charset="0"/>
-              </a:rPr>
-              <a:t>else{</a:t>
-            </a:r>
-            <a:endParaRPr lang="en-US" sz="1400" b="1" dirty="0">
-              <a:solidFill>
-                <a:schemeClr val="accent2"/>
-              </a:solidFill>
-              <a:latin typeface="Courier New" pitchFamily="49" charset="0"/>
-              <a:cs typeface="Courier New" pitchFamily="49" charset="0"/>
-            </a:endParaRPr>
-          </a:p>
-          <a:p>
-            <a:pPr marL="400050" lvl="1" indent="0">
-              <a:buNone/>
-            </a:pPr>
-            <a:r>
-              <a:rPr lang="en-US" sz="1400" b="1" dirty="0">
-                <a:solidFill>
-                  <a:schemeClr val="accent2"/>
-                </a:solidFill>
-                <a:latin typeface="Courier New" pitchFamily="49" charset="0"/>
-                <a:cs typeface="Courier New" pitchFamily="49" charset="0"/>
-              </a:rPr>
-              <a:t>    flag = JUST_RIGHT;</a:t>
-            </a:r>
-          </a:p>
-          <a:p>
-            <a:pPr marL="400050" lvl="1" indent="0">
-              <a:buNone/>
-            </a:pPr>
-            <a:r>
-              <a:rPr lang="en-US" sz="1400" b="1" dirty="0">
-                <a:solidFill>
-                  <a:schemeClr val="accent2"/>
-                </a:solidFill>
-                <a:latin typeface="Courier New" pitchFamily="49" charset="0"/>
-                <a:cs typeface="Courier New" pitchFamily="49" charset="0"/>
-              </a:rPr>
-              <a:t>}</a:t>
-            </a:r>
-          </a:p>
-        </p:txBody>
-      </p:sp>
-    </p:spTree>
-    <p:extLst>
-      <p:ext uri="{BB962C8B-B14F-4D97-AF65-F5344CB8AC3E}">
-        <p14:creationId xmlns:p14="http://schemas.microsoft.com/office/powerpoint/2010/main" val="308132004"/>
-      </p:ext>
-    </p:extLst>
-  </p:cSld>
-  <p:clrMapOvr>
-    <a:masterClrMapping/>
-  </p:clrMapOvr>
   <p:timing>
     <p:tnLst>
       <p:par>
@@ -12955,7 +12861,7 @@
           <a:p>
             <a:r>
               <a:rPr lang="en-US" b="1" dirty="0" smtClean="0"/>
-              <a:t>Switch Statement</a:t>
+              <a:t>If Statement</a:t>
             </a:r>
             <a:endParaRPr lang="en-US" dirty="0"/>
           </a:p>
@@ -12973,13 +12879,13 @@
         </p:nvSpPr>
         <p:spPr>
           <a:xfrm>
-            <a:off x="275129" y="1535573"/>
+            <a:off x="385487" y="1543594"/>
             <a:ext cx="8868871" cy="5035231"/>
           </a:xfrm>
         </p:spPr>
         <p:txBody>
           <a:bodyPr>
-            <a:normAutofit fontScale="92500" lnSpcReduction="10000"/>
+            <a:normAutofit lnSpcReduction="10000"/>
           </a:bodyPr>
           <a:lstStyle/>
           <a:p>
@@ -12987,17 +12893,17 @@
               <a:buNone/>
             </a:pPr>
             <a:r>
-              <a:rPr lang="en-US" sz="1200" b="1" dirty="0">
+              <a:rPr lang="en-US" sz="1400" b="1" dirty="0">
                 <a:solidFill>
                   <a:srgbClr val="00B050"/>
                 </a:solidFill>
                 <a:latin typeface="Courier New" pitchFamily="49" charset="0"/>
                 <a:cs typeface="Courier New" pitchFamily="49" charset="0"/>
               </a:rPr>
-              <a:t>switch (value</a:t>
-            </a:r>
-            <a:r>
-              <a:rPr lang="en-US" sz="1200" b="1" dirty="0" smtClean="0">
+              <a:t>if (logical expression</a:t>
+            </a:r>
+            <a:r>
+              <a:rPr lang="en-US" sz="1400" b="1" dirty="0" smtClean="0">
                 <a:solidFill>
                   <a:srgbClr val="00B050"/>
                 </a:solidFill>
@@ -13006,7 +12912,7 @@
               </a:rPr>
               <a:t>){</a:t>
             </a:r>
-            <a:endParaRPr lang="en-US" sz="1200" b="1" dirty="0">
+            <a:endParaRPr lang="en-US" sz="1400" b="1" dirty="0">
               <a:solidFill>
                 <a:srgbClr val="00B050"/>
               </a:solidFill>
@@ -13019,14 +12925,14 @@
               <a:buNone/>
             </a:pPr>
             <a:r>
-              <a:rPr lang="en-US" sz="1200" b="1" dirty="0">
+              <a:rPr lang="en-US" sz="1400" b="1" dirty="0">
                 <a:solidFill>
                   <a:srgbClr val="00B050"/>
                 </a:solidFill>
                 <a:latin typeface="Courier New" pitchFamily="49" charset="0"/>
                 <a:cs typeface="Courier New" pitchFamily="49" charset="0"/>
               </a:rPr>
-              <a:t>    case constant-expression1:</a:t>
+              <a:t>    statements;</a:t>
             </a:r>
           </a:p>
           <a:p>
@@ -13034,44 +12940,78 @@
               <a:buNone/>
             </a:pPr>
             <a:r>
-              <a:rPr lang="en-US" sz="1200" b="1" dirty="0">
+              <a:rPr lang="en-US" sz="1400" b="1" dirty="0">
                 <a:solidFill>
                   <a:srgbClr val="00B050"/>
                 </a:solidFill>
                 <a:latin typeface="Courier New" pitchFamily="49" charset="0"/>
                 <a:cs typeface="Courier New" pitchFamily="49" charset="0"/>
               </a:rPr>
-              <a:t>        statements;</a:t>
-            </a:r>
+              <a:t>} </a:t>
+            </a:r>
+            <a:endParaRPr lang="en-US" sz="1400" b="1" dirty="0" smtClean="0">
+              <a:solidFill>
+                <a:srgbClr val="00B050"/>
+              </a:solidFill>
+              <a:latin typeface="Courier New" pitchFamily="49" charset="0"/>
+              <a:cs typeface="Courier New" pitchFamily="49" charset="0"/>
+            </a:endParaRPr>
           </a:p>
           <a:p>
             <a:pPr marL="400050" lvl="1" indent="0">
               <a:buNone/>
             </a:pPr>
             <a:r>
-              <a:rPr lang="en-US" sz="1200" b="1" dirty="0">
+              <a:rPr lang="en-US" sz="1400" b="1" dirty="0" smtClean="0">
                 <a:solidFill>
                   <a:srgbClr val="00B050"/>
                 </a:solidFill>
                 <a:latin typeface="Courier New" pitchFamily="49" charset="0"/>
                 <a:cs typeface="Courier New" pitchFamily="49" charset="0"/>
               </a:rPr>
-              <a:t>        break;</a:t>
-            </a:r>
+              <a:t>else </a:t>
+            </a:r>
+            <a:r>
+              <a:rPr lang="en-US" sz="1400" b="1" dirty="0">
+                <a:solidFill>
+                  <a:srgbClr val="00B050"/>
+                </a:solidFill>
+                <a:latin typeface="Courier New" pitchFamily="49" charset="0"/>
+                <a:cs typeface="Courier New" pitchFamily="49" charset="0"/>
+              </a:rPr>
+              <a:t>if (logical expression</a:t>
+            </a:r>
+            <a:r>
+              <a:rPr lang="en-US" sz="1400" b="1" dirty="0" smtClean="0">
+                <a:solidFill>
+                  <a:srgbClr val="00B050"/>
+                </a:solidFill>
+                <a:latin typeface="Courier New" pitchFamily="49" charset="0"/>
+                <a:cs typeface="Courier New" pitchFamily="49" charset="0"/>
+              </a:rPr>
+              <a:t>){</a:t>
+            </a:r>
+            <a:endParaRPr lang="en-US" sz="1400" b="1" dirty="0">
+              <a:solidFill>
+                <a:srgbClr val="00B050"/>
+              </a:solidFill>
+              <a:latin typeface="Courier New" pitchFamily="49" charset="0"/>
+              <a:cs typeface="Courier New" pitchFamily="49" charset="0"/>
+            </a:endParaRPr>
           </a:p>
           <a:p>
             <a:pPr marL="400050" lvl="1" indent="0">
               <a:buNone/>
             </a:pPr>
             <a:r>
-              <a:rPr lang="en-US" sz="1200" b="1" dirty="0">
+              <a:rPr lang="en-US" sz="1400" b="1" dirty="0">
                 <a:solidFill>
                   <a:srgbClr val="00B050"/>
                 </a:solidFill>
                 <a:latin typeface="Courier New" pitchFamily="49" charset="0"/>
                 <a:cs typeface="Courier New" pitchFamily="49" charset="0"/>
               </a:rPr>
-              <a:t>    case constant-expression2:</a:t>
+              <a:t>    statements;</a:t>
             </a:r>
           </a:p>
           <a:p>
@@ -13079,14 +13019,14 @@
               <a:buNone/>
             </a:pPr>
             <a:r>
-              <a:rPr lang="en-US" sz="1200" b="1" dirty="0">
+              <a:rPr lang="en-US" sz="1400" b="1" dirty="0">
                 <a:solidFill>
                   <a:srgbClr val="00B050"/>
                 </a:solidFill>
                 <a:latin typeface="Courier New" pitchFamily="49" charset="0"/>
                 <a:cs typeface="Courier New" pitchFamily="49" charset="0"/>
               </a:rPr>
-              <a:t>        statements;</a:t>
+              <a:t>}</a:t>
             </a:r>
           </a:p>
           <a:p>
@@ -13094,14 +13034,14 @@
               <a:buNone/>
             </a:pPr>
             <a:r>
-              <a:rPr lang="en-US" sz="1200" b="1" dirty="0">
+              <a:rPr lang="en-US" sz="1400" b="1" dirty="0">
                 <a:solidFill>
                   <a:srgbClr val="00B050"/>
                 </a:solidFill>
                 <a:latin typeface="Courier New" pitchFamily="49" charset="0"/>
                 <a:cs typeface="Courier New" pitchFamily="49" charset="0"/>
               </a:rPr>
-              <a:t>        break;</a:t>
+              <a:t>...</a:t>
             </a:r>
           </a:p>
           <a:p>
@@ -13109,29 +13049,36 @@
               <a:buNone/>
             </a:pPr>
             <a:r>
-              <a:rPr lang="en-US" sz="1200" b="1" dirty="0">
+              <a:rPr lang="en-US" sz="1400" b="1" dirty="0" smtClean="0">
                 <a:solidFill>
                   <a:srgbClr val="00B050"/>
                 </a:solidFill>
                 <a:latin typeface="Courier New" pitchFamily="49" charset="0"/>
                 <a:cs typeface="Courier New" pitchFamily="49" charset="0"/>
               </a:rPr>
-              <a:t>    default:</a:t>
-            </a:r>
+              <a:t>else{</a:t>
+            </a:r>
+            <a:endParaRPr lang="en-US" sz="1400" b="1" dirty="0">
+              <a:solidFill>
+                <a:srgbClr val="00B050"/>
+              </a:solidFill>
+              <a:latin typeface="Courier New" pitchFamily="49" charset="0"/>
+              <a:cs typeface="Courier New" pitchFamily="49" charset="0"/>
+            </a:endParaRPr>
           </a:p>
           <a:p>
             <a:pPr marL="400050" lvl="1" indent="0">
               <a:buNone/>
             </a:pPr>
             <a:r>
-              <a:rPr lang="en-US" sz="1200" b="1" dirty="0">
+              <a:rPr lang="en-US" sz="1400" b="1" dirty="0">
                 <a:solidFill>
                   <a:srgbClr val="00B050"/>
                 </a:solidFill>
                 <a:latin typeface="Courier New" pitchFamily="49" charset="0"/>
                 <a:cs typeface="Courier New" pitchFamily="49" charset="0"/>
               </a:rPr>
-              <a:t>        // gets executed if no other case hits</a:t>
+              <a:t>    statements;</a:t>
             </a:r>
           </a:p>
           <a:p>
@@ -13139,14 +13086,26 @@
               <a:buNone/>
             </a:pPr>
             <a:r>
-              <a:rPr lang="en-US" sz="1200" b="1" dirty="0">
+              <a:rPr lang="en-US" sz="1400" b="1" dirty="0" smtClean="0">
                 <a:solidFill>
                   <a:srgbClr val="00B050"/>
                 </a:solidFill>
                 <a:latin typeface="Courier New" pitchFamily="49" charset="0"/>
                 <a:cs typeface="Courier New" pitchFamily="49" charset="0"/>
               </a:rPr>
-              <a:t>        statements;</a:t>
+              <a:t>}</a:t>
+            </a:r>
+          </a:p>
+          <a:p>
+            <a:pPr marL="0" indent="0">
+              <a:buNone/>
+            </a:pPr>
+            <a:r>
+              <a:rPr lang="en-US" sz="1400" b="1" dirty="0" smtClean="0">
+                <a:latin typeface="Courier New" pitchFamily="49" charset="0"/>
+                <a:cs typeface="Courier New" pitchFamily="49" charset="0"/>
+              </a:rPr>
+              <a:t>Example:</a:t>
             </a:r>
           </a:p>
           <a:p>
@@ -13154,66 +13113,24 @@
               <a:buNone/>
             </a:pPr>
             <a:r>
-              <a:rPr lang="en-US" sz="1200" b="1" dirty="0">
-                <a:solidFill>
-                  <a:srgbClr val="00B050"/>
-                </a:solidFill>
-                <a:latin typeface="Courier New" pitchFamily="49" charset="0"/>
-                <a:cs typeface="Courier New" pitchFamily="49" charset="0"/>
-              </a:rPr>
-              <a:t>        break;</a:t>
-            </a:r>
-          </a:p>
-          <a:p>
-            <a:pPr marL="400050" lvl="1" indent="0">
-              <a:buNone/>
-            </a:pPr>
-            <a:r>
-              <a:rPr lang="en-US" sz="1200" b="1" dirty="0" smtClean="0">
-                <a:solidFill>
-                  <a:srgbClr val="00B050"/>
-                </a:solidFill>
-                <a:latin typeface="Courier New" pitchFamily="49" charset="0"/>
-                <a:cs typeface="Courier New" pitchFamily="49" charset="0"/>
-              </a:rPr>
-              <a:t>}</a:t>
-            </a:r>
-          </a:p>
-          <a:p>
-            <a:pPr marL="0" indent="0">
-              <a:buNone/>
-            </a:pPr>
+              <a:rPr lang="en-US" sz="1400" b="1" dirty="0">
+                <a:solidFill>
+                  <a:schemeClr val="accent2"/>
+                </a:solidFill>
+                <a:latin typeface="Courier New" pitchFamily="49" charset="0"/>
+                <a:cs typeface="Courier New" pitchFamily="49" charset="0"/>
+              </a:rPr>
+              <a:t>if (temp &lt; MIN_TEMP) </a:t>
+            </a:r>
             <a:r>
               <a:rPr lang="en-US" sz="1400" b="1" dirty="0" smtClean="0">
-                <a:latin typeface="Courier New" pitchFamily="49" charset="0"/>
-                <a:cs typeface="Courier New" pitchFamily="49" charset="0"/>
-              </a:rPr>
-              <a:t>Example:</a:t>
-            </a:r>
-          </a:p>
-          <a:p>
-            <a:pPr marL="400050" lvl="1" indent="0">
-              <a:buNone/>
-            </a:pPr>
-            <a:r>
-              <a:rPr lang="en-US" sz="1400" b="1" dirty="0">
                 <a:solidFill>
                   <a:schemeClr val="accent2"/>
                 </a:solidFill>
                 <a:latin typeface="Courier New" pitchFamily="49" charset="0"/>
                 <a:cs typeface="Courier New" pitchFamily="49" charset="0"/>
               </a:rPr>
-              <a:t>switch (GAME_STATE</a:t>
-            </a:r>
-            <a:r>
-              <a:rPr lang="en-US" sz="1400" b="1" dirty="0" smtClean="0">
-                <a:solidFill>
-                  <a:schemeClr val="accent2"/>
-                </a:solidFill>
-                <a:latin typeface="Courier New" pitchFamily="49" charset="0"/>
-                <a:cs typeface="Courier New" pitchFamily="49" charset="0"/>
-              </a:rPr>
-              <a:t>){</a:t>
+              <a:t>{</a:t>
             </a:r>
             <a:endParaRPr lang="en-US" sz="1400" b="1" dirty="0">
               <a:solidFill>
@@ -13235,7 +13152,7 @@
                 <a:latin typeface="Courier New" pitchFamily="49" charset="0"/>
                 <a:cs typeface="Courier New" pitchFamily="49" charset="0"/>
               </a:rPr>
-              <a:t>    case MENU:</a:t>
+              <a:t>    flag = TOO_LOW;</a:t>
             </a:r>
           </a:p>
           <a:p>
@@ -13250,17 +13167,29 @@
                 <a:latin typeface="Courier New" pitchFamily="49" charset="0"/>
                 <a:cs typeface="Courier New" pitchFamily="49" charset="0"/>
               </a:rPr>
-              <a:t>        </a:t>
-            </a:r>
-            <a:r>
-              <a:rPr lang="en-US" sz="1400" b="1" dirty="0" err="1">
+              <a:t>} </a:t>
+            </a:r>
+            <a:endParaRPr lang="en-US" sz="1400" b="1" dirty="0" smtClean="0">
+              <a:solidFill>
+                <a:schemeClr val="accent2"/>
+              </a:solidFill>
+              <a:latin typeface="Courier New" pitchFamily="49" charset="0"/>
+              <a:cs typeface="Courier New" pitchFamily="49" charset="0"/>
+            </a:endParaRPr>
+          </a:p>
+          <a:p>
+            <a:pPr marL="400050" lvl="1" indent="0">
+              <a:buNone/>
+            </a:pPr>
+            <a:r>
+              <a:rPr lang="en-US" sz="1400" b="1" dirty="0" smtClean="0">
                 <a:solidFill>
                   <a:schemeClr val="accent2"/>
                 </a:solidFill>
                 <a:latin typeface="Courier New" pitchFamily="49" charset="0"/>
                 <a:cs typeface="Courier New" pitchFamily="49" charset="0"/>
               </a:rPr>
-              <a:t>displayMenu</a:t>
+              <a:t>else </a:t>
             </a:r>
             <a:r>
               <a:rPr lang="en-US" sz="1400" b="1" dirty="0">
@@ -13270,8 +13199,25 @@
                 <a:latin typeface="Courier New" pitchFamily="49" charset="0"/>
                 <a:cs typeface="Courier New" pitchFamily="49" charset="0"/>
               </a:rPr>
-              <a:t>();</a:t>
-            </a:r>
+              <a:t>if (temp &gt; MAX_TEMP</a:t>
+            </a:r>
+            <a:r>
+              <a:rPr lang="en-US" sz="1400" b="1" dirty="0" smtClean="0">
+                <a:solidFill>
+                  <a:schemeClr val="accent2"/>
+                </a:solidFill>
+                <a:latin typeface="Courier New" pitchFamily="49" charset="0"/>
+                <a:cs typeface="Courier New" pitchFamily="49" charset="0"/>
+              </a:rPr>
+              <a:t>){</a:t>
+            </a:r>
+            <a:endParaRPr lang="en-US" sz="1400" b="1" dirty="0">
+              <a:solidFill>
+                <a:schemeClr val="accent2"/>
+              </a:solidFill>
+              <a:latin typeface="Courier New" pitchFamily="49" charset="0"/>
+              <a:cs typeface="Courier New" pitchFamily="49" charset="0"/>
+            </a:endParaRPr>
           </a:p>
           <a:p>
             <a:pPr marL="400050" lvl="1" indent="0">
@@ -13285,7 +13231,7 @@
                 <a:latin typeface="Courier New" pitchFamily="49" charset="0"/>
                 <a:cs typeface="Courier New" pitchFamily="49" charset="0"/>
               </a:rPr>
-              <a:t>        break;</a:t>
+              <a:t>    flag = TOO_HIGH;</a:t>
             </a:r>
           </a:p>
           <a:p>
@@ -13300,7 +13246,7 @@
                 <a:latin typeface="Courier New" pitchFamily="49" charset="0"/>
                 <a:cs typeface="Courier New" pitchFamily="49" charset="0"/>
               </a:rPr>
-              <a:t>    case PLAYING:</a:t>
+              <a:t>}</a:t>
             </a:r>
           </a:p>
           <a:p>
@@ -13308,6 +13254,28 @@
               <a:buNone/>
             </a:pPr>
             <a:r>
+              <a:rPr lang="en-US" sz="1400" b="1" dirty="0" smtClean="0">
+                <a:solidFill>
+                  <a:schemeClr val="accent2"/>
+                </a:solidFill>
+                <a:latin typeface="Courier New" pitchFamily="49" charset="0"/>
+                <a:cs typeface="Courier New" pitchFamily="49" charset="0"/>
+              </a:rPr>
+              <a:t>else{</a:t>
+            </a:r>
+            <a:endParaRPr lang="en-US" sz="1400" b="1" dirty="0">
+              <a:solidFill>
+                <a:schemeClr val="accent2"/>
+              </a:solidFill>
+              <a:latin typeface="Courier New" pitchFamily="49" charset="0"/>
+              <a:cs typeface="Courier New" pitchFamily="49" charset="0"/>
+            </a:endParaRPr>
+          </a:p>
+          <a:p>
+            <a:pPr marL="400050" lvl="1" indent="0">
+              <a:buNone/>
+            </a:pPr>
+            <a:r>
               <a:rPr lang="en-US" sz="1400" b="1" dirty="0">
                 <a:solidFill>
                   <a:schemeClr val="accent2"/>
@@ -13315,107 +13283,7 @@
                 <a:latin typeface="Courier New" pitchFamily="49" charset="0"/>
                 <a:cs typeface="Courier New" pitchFamily="49" charset="0"/>
               </a:rPr>
-              <a:t>        </a:t>
-            </a:r>
-            <a:r>
-              <a:rPr lang="en-US" sz="1400" b="1" dirty="0" err="1">
-                <a:solidFill>
-                  <a:schemeClr val="accent2"/>
-                </a:solidFill>
-                <a:latin typeface="Courier New" pitchFamily="49" charset="0"/>
-                <a:cs typeface="Courier New" pitchFamily="49" charset="0"/>
-              </a:rPr>
-              <a:t>updateState</a:t>
-            </a:r>
-            <a:r>
-              <a:rPr lang="en-US" sz="1400" b="1" dirty="0">
-                <a:solidFill>
-                  <a:schemeClr val="accent2"/>
-                </a:solidFill>
-                <a:latin typeface="Courier New" pitchFamily="49" charset="0"/>
-                <a:cs typeface="Courier New" pitchFamily="49" charset="0"/>
-              </a:rPr>
-              <a:t>();</a:t>
-            </a:r>
-          </a:p>
-          <a:p>
-            <a:pPr marL="400050" lvl="1" indent="0">
-              <a:buNone/>
-            </a:pPr>
-            <a:r>
-              <a:rPr lang="en-US" sz="1400" b="1" dirty="0">
-                <a:solidFill>
-                  <a:schemeClr val="accent2"/>
-                </a:solidFill>
-                <a:latin typeface="Courier New" pitchFamily="49" charset="0"/>
-                <a:cs typeface="Courier New" pitchFamily="49" charset="0"/>
-              </a:rPr>
-              <a:t>        break;</a:t>
-            </a:r>
-          </a:p>
-          <a:p>
-            <a:pPr marL="400050" lvl="1" indent="0">
-              <a:buNone/>
-            </a:pPr>
-            <a:r>
-              <a:rPr lang="en-US" sz="1400" b="1" dirty="0">
-                <a:solidFill>
-                  <a:schemeClr val="accent2"/>
-                </a:solidFill>
-                <a:latin typeface="Courier New" pitchFamily="49" charset="0"/>
-                <a:cs typeface="Courier New" pitchFamily="49" charset="0"/>
-              </a:rPr>
-              <a:t>    case LOST:</a:t>
-            </a:r>
-          </a:p>
-          <a:p>
-            <a:pPr marL="400050" lvl="1" indent="0">
-              <a:buNone/>
-            </a:pPr>
-            <a:r>
-              <a:rPr lang="en-US" sz="1400" b="1" dirty="0">
-                <a:solidFill>
-                  <a:schemeClr val="accent2"/>
-                </a:solidFill>
-                <a:latin typeface="Courier New" pitchFamily="49" charset="0"/>
-                <a:cs typeface="Courier New" pitchFamily="49" charset="0"/>
-              </a:rPr>
-              <a:t>        </a:t>
-            </a:r>
-            <a:r>
-              <a:rPr lang="en-US" sz="1400" b="1" dirty="0" err="1">
-                <a:solidFill>
-                  <a:schemeClr val="accent2"/>
-                </a:solidFill>
-                <a:latin typeface="Courier New" pitchFamily="49" charset="0"/>
-                <a:cs typeface="Courier New" pitchFamily="49" charset="0"/>
-              </a:rPr>
-              <a:t>displayLost</a:t>
-            </a:r>
-            <a:r>
-              <a:rPr lang="en-US" sz="1400" b="1" dirty="0">
-                <a:solidFill>
-                  <a:schemeClr val="accent2"/>
-                </a:solidFill>
-                <a:latin typeface="Courier New" pitchFamily="49" charset="0"/>
-                <a:cs typeface="Courier New" pitchFamily="49" charset="0"/>
-              </a:rPr>
-              <a:t>();</a:t>
-            </a:r>
-          </a:p>
-          <a:p>
-            <a:pPr marL="400050" lvl="1" indent="0">
-              <a:buNone/>
-            </a:pPr>
-            <a:r>
-              <a:rPr lang="en-US" sz="1400" b="1" dirty="0">
-                <a:solidFill>
-                  <a:schemeClr val="accent2"/>
-                </a:solidFill>
-                <a:latin typeface="Courier New" pitchFamily="49" charset="0"/>
-                <a:cs typeface="Courier New" pitchFamily="49" charset="0"/>
-              </a:rPr>
-              <a:t>        break;</a:t>
+              <a:t>    flag = JUST_RIGHT;</a:t>
             </a:r>
           </a:p>
           <a:p>
@@ -13438,7 +13306,7 @@
     </p:spTree>
     <p:extLst>
       <p:ext uri="{BB962C8B-B14F-4D97-AF65-F5344CB8AC3E}">
-        <p14:creationId xmlns:p14="http://schemas.microsoft.com/office/powerpoint/2010/main" val="3057391464"/>
+        <p14:creationId xmlns:p14="http://schemas.microsoft.com/office/powerpoint/2010/main" val="308132004"/>
       </p:ext>
     </p:extLst>
   </p:cSld>
@@ -13489,7 +13357,7 @@
           <a:p>
             <a:r>
               <a:rPr lang="en-US" b="1" dirty="0" smtClean="0"/>
-              <a:t>For Loop</a:t>
+              <a:t>Switch Statement</a:t>
             </a:r>
             <a:endParaRPr lang="en-US" dirty="0"/>
           </a:p>
@@ -13507,29 +13375,31 @@
         </p:nvSpPr>
         <p:spPr>
           <a:xfrm>
-            <a:off x="212067" y="1504180"/>
+            <a:off x="275129" y="1535573"/>
             <a:ext cx="8868871" cy="5035231"/>
           </a:xfrm>
         </p:spPr>
         <p:txBody>
-          <a:bodyPr/>
+          <a:bodyPr>
+            <a:normAutofit fontScale="92500" lnSpcReduction="10000"/>
+          </a:bodyPr>
           <a:lstStyle/>
           <a:p>
             <a:pPr marL="400050" lvl="1" indent="0">
               <a:buNone/>
             </a:pPr>
             <a:r>
-              <a:rPr lang="en-US" sz="1400" b="1" dirty="0">
+              <a:rPr lang="en-US" sz="1200" b="1" dirty="0">
                 <a:solidFill>
                   <a:srgbClr val="00B050"/>
                 </a:solidFill>
                 <a:latin typeface="Courier New" pitchFamily="49" charset="0"/>
                 <a:cs typeface="Courier New" pitchFamily="49" charset="0"/>
               </a:rPr>
-              <a:t>for (initial; continue; increment</a:t>
-            </a:r>
-            <a:r>
-              <a:rPr lang="en-US" sz="1400" b="1" dirty="0" smtClean="0">
+              <a:t>switch (value</a:t>
+            </a:r>
+            <a:r>
+              <a:rPr lang="en-US" sz="1200" b="1" dirty="0" smtClean="0">
                 <a:solidFill>
                   <a:srgbClr val="00B050"/>
                 </a:solidFill>
@@ -13538,7 +13408,7 @@
               </a:rPr>
               <a:t>){</a:t>
             </a:r>
-            <a:endParaRPr lang="en-US" sz="1400" b="1" dirty="0">
+            <a:endParaRPr lang="en-US" sz="1200" b="1" dirty="0">
               <a:solidFill>
                 <a:srgbClr val="00B050"/>
               </a:solidFill>
@@ -13551,230 +13421,201 @@
               <a:buNone/>
             </a:pPr>
             <a:r>
+              <a:rPr lang="en-US" sz="1200" b="1" dirty="0">
+                <a:solidFill>
+                  <a:srgbClr val="00B050"/>
+                </a:solidFill>
+                <a:latin typeface="Courier New" pitchFamily="49" charset="0"/>
+                <a:cs typeface="Courier New" pitchFamily="49" charset="0"/>
+              </a:rPr>
+              <a:t>    case constant-expression1:</a:t>
+            </a:r>
+          </a:p>
+          <a:p>
+            <a:pPr marL="400050" lvl="1" indent="0">
+              <a:buNone/>
+            </a:pPr>
+            <a:r>
+              <a:rPr lang="en-US" sz="1200" b="1" dirty="0">
+                <a:solidFill>
+                  <a:srgbClr val="00B050"/>
+                </a:solidFill>
+                <a:latin typeface="Courier New" pitchFamily="49" charset="0"/>
+                <a:cs typeface="Courier New" pitchFamily="49" charset="0"/>
+              </a:rPr>
+              <a:t>        statements;</a:t>
+            </a:r>
+          </a:p>
+          <a:p>
+            <a:pPr marL="400050" lvl="1" indent="0">
+              <a:buNone/>
+            </a:pPr>
+            <a:r>
+              <a:rPr lang="en-US" sz="1200" b="1" dirty="0">
+                <a:solidFill>
+                  <a:srgbClr val="00B050"/>
+                </a:solidFill>
+                <a:latin typeface="Courier New" pitchFamily="49" charset="0"/>
+                <a:cs typeface="Courier New" pitchFamily="49" charset="0"/>
+              </a:rPr>
+              <a:t>        break;</a:t>
+            </a:r>
+          </a:p>
+          <a:p>
+            <a:pPr marL="400050" lvl="1" indent="0">
+              <a:buNone/>
+            </a:pPr>
+            <a:r>
+              <a:rPr lang="en-US" sz="1200" b="1" dirty="0">
+                <a:solidFill>
+                  <a:srgbClr val="00B050"/>
+                </a:solidFill>
+                <a:latin typeface="Courier New" pitchFamily="49" charset="0"/>
+                <a:cs typeface="Courier New" pitchFamily="49" charset="0"/>
+              </a:rPr>
+              <a:t>    case constant-expression2:</a:t>
+            </a:r>
+          </a:p>
+          <a:p>
+            <a:pPr marL="400050" lvl="1" indent="0">
+              <a:buNone/>
+            </a:pPr>
+            <a:r>
+              <a:rPr lang="en-US" sz="1200" b="1" dirty="0">
+                <a:solidFill>
+                  <a:srgbClr val="00B050"/>
+                </a:solidFill>
+                <a:latin typeface="Courier New" pitchFamily="49" charset="0"/>
+                <a:cs typeface="Courier New" pitchFamily="49" charset="0"/>
+              </a:rPr>
+              <a:t>        statements;</a:t>
+            </a:r>
+          </a:p>
+          <a:p>
+            <a:pPr marL="400050" lvl="1" indent="0">
+              <a:buNone/>
+            </a:pPr>
+            <a:r>
+              <a:rPr lang="en-US" sz="1200" b="1" dirty="0">
+                <a:solidFill>
+                  <a:srgbClr val="00B050"/>
+                </a:solidFill>
+                <a:latin typeface="Courier New" pitchFamily="49" charset="0"/>
+                <a:cs typeface="Courier New" pitchFamily="49" charset="0"/>
+              </a:rPr>
+              <a:t>        break;</a:t>
+            </a:r>
+          </a:p>
+          <a:p>
+            <a:pPr marL="400050" lvl="1" indent="0">
+              <a:buNone/>
+            </a:pPr>
+            <a:r>
+              <a:rPr lang="en-US" sz="1200" b="1" dirty="0">
+                <a:solidFill>
+                  <a:srgbClr val="00B050"/>
+                </a:solidFill>
+                <a:latin typeface="Courier New" pitchFamily="49" charset="0"/>
+                <a:cs typeface="Courier New" pitchFamily="49" charset="0"/>
+              </a:rPr>
+              <a:t>    default:</a:t>
+            </a:r>
+          </a:p>
+          <a:p>
+            <a:pPr marL="400050" lvl="1" indent="0">
+              <a:buNone/>
+            </a:pPr>
+            <a:r>
+              <a:rPr lang="en-US" sz="1200" b="1" dirty="0">
+                <a:solidFill>
+                  <a:srgbClr val="00B050"/>
+                </a:solidFill>
+                <a:latin typeface="Courier New" pitchFamily="49" charset="0"/>
+                <a:cs typeface="Courier New" pitchFamily="49" charset="0"/>
+              </a:rPr>
+              <a:t>        // gets executed if no other case hits</a:t>
+            </a:r>
+          </a:p>
+          <a:p>
+            <a:pPr marL="400050" lvl="1" indent="0">
+              <a:buNone/>
+            </a:pPr>
+            <a:r>
+              <a:rPr lang="en-US" sz="1200" b="1" dirty="0">
+                <a:solidFill>
+                  <a:srgbClr val="00B050"/>
+                </a:solidFill>
+                <a:latin typeface="Courier New" pitchFamily="49" charset="0"/>
+                <a:cs typeface="Courier New" pitchFamily="49" charset="0"/>
+              </a:rPr>
+              <a:t>        statements;</a:t>
+            </a:r>
+          </a:p>
+          <a:p>
+            <a:pPr marL="400050" lvl="1" indent="0">
+              <a:buNone/>
+            </a:pPr>
+            <a:r>
+              <a:rPr lang="en-US" sz="1200" b="1" dirty="0">
+                <a:solidFill>
+                  <a:srgbClr val="00B050"/>
+                </a:solidFill>
+                <a:latin typeface="Courier New" pitchFamily="49" charset="0"/>
+                <a:cs typeface="Courier New" pitchFamily="49" charset="0"/>
+              </a:rPr>
+              <a:t>        break;</a:t>
+            </a:r>
+          </a:p>
+          <a:p>
+            <a:pPr marL="400050" lvl="1" indent="0">
+              <a:buNone/>
+            </a:pPr>
+            <a:r>
+              <a:rPr lang="en-US" sz="1200" b="1" dirty="0" smtClean="0">
+                <a:solidFill>
+                  <a:srgbClr val="00B050"/>
+                </a:solidFill>
+                <a:latin typeface="Courier New" pitchFamily="49" charset="0"/>
+                <a:cs typeface="Courier New" pitchFamily="49" charset="0"/>
+              </a:rPr>
+              <a:t>}</a:t>
+            </a:r>
+          </a:p>
+          <a:p>
+            <a:pPr marL="0" indent="0">
+              <a:buNone/>
+            </a:pPr>
+            <a:r>
+              <a:rPr lang="en-US" sz="1400" b="1" dirty="0" smtClean="0">
+                <a:latin typeface="Courier New" pitchFamily="49" charset="0"/>
+                <a:cs typeface="Courier New" pitchFamily="49" charset="0"/>
+              </a:rPr>
+              <a:t>Example:</a:t>
+            </a:r>
+          </a:p>
+          <a:p>
+            <a:pPr marL="400050" lvl="1" indent="0">
+              <a:buNone/>
+            </a:pPr>
+            <a:r>
               <a:rPr lang="en-US" sz="1400" b="1" dirty="0">
                 <a:solidFill>
-                  <a:srgbClr val="00B050"/>
-                </a:solidFill>
-                <a:latin typeface="Courier New" pitchFamily="49" charset="0"/>
-                <a:cs typeface="Courier New" pitchFamily="49" charset="0"/>
-              </a:rPr>
-              <a:t>    statements;</a:t>
-            </a:r>
-          </a:p>
-          <a:p>
-            <a:pPr marL="400050" lvl="1" indent="0">
-              <a:buNone/>
-            </a:pPr>
+                  <a:schemeClr val="accent2"/>
+                </a:solidFill>
+                <a:latin typeface="Courier New" pitchFamily="49" charset="0"/>
+                <a:cs typeface="Courier New" pitchFamily="49" charset="0"/>
+              </a:rPr>
+              <a:t>switch (GAME_STATE</a:t>
+            </a:r>
             <a:r>
               <a:rPr lang="en-US" sz="1400" b="1" dirty="0" smtClean="0">
                 <a:solidFill>
-                  <a:srgbClr val="00B050"/>
-                </a:solidFill>
-                <a:latin typeface="Courier New" pitchFamily="49" charset="0"/>
-                <a:cs typeface="Courier New" pitchFamily="49" charset="0"/>
-              </a:rPr>
-              <a:t>}</a:t>
-            </a:r>
-          </a:p>
-          <a:p>
-            <a:r>
-              <a:rPr lang="en-US" sz="1800" dirty="0">
-                <a:solidFill>
-                  <a:srgbClr val="0070C0"/>
-                </a:solidFill>
-              </a:rPr>
-              <a:t>initial </a:t>
-            </a:r>
-            <a:r>
-              <a:rPr lang="en-US" sz="1800" dirty="0" smtClean="0"/>
-              <a:t>– initializes variable to the starting value</a:t>
-            </a:r>
-            <a:endParaRPr lang="en-US" sz="1800" dirty="0"/>
-          </a:p>
-          <a:p>
-            <a:r>
-              <a:rPr lang="en-US" sz="1800" dirty="0">
-                <a:solidFill>
-                  <a:srgbClr val="0070C0"/>
-                </a:solidFill>
-              </a:rPr>
-              <a:t>continue</a:t>
-            </a:r>
-            <a:r>
-              <a:rPr lang="en-US" sz="1800" dirty="0"/>
-              <a:t> </a:t>
-            </a:r>
-            <a:r>
-              <a:rPr lang="en-US" sz="1800" dirty="0" smtClean="0"/>
-              <a:t>– continues looping while condition is true</a:t>
-            </a:r>
-            <a:endParaRPr lang="en-US" sz="1800" dirty="0"/>
-          </a:p>
-          <a:p>
-            <a:r>
-              <a:rPr lang="en-US" sz="1800" dirty="0">
-                <a:solidFill>
-                  <a:srgbClr val="0070C0"/>
-                </a:solidFill>
-              </a:rPr>
-              <a:t>increment</a:t>
-            </a:r>
-            <a:r>
-              <a:rPr lang="en-US" sz="1800" dirty="0"/>
-              <a:t> - </a:t>
-            </a:r>
-            <a:r>
-              <a:rPr lang="en-US" sz="1800" dirty="0" smtClean="0"/>
-              <a:t>usually </a:t>
-            </a:r>
-            <a:r>
-              <a:rPr lang="en-US" sz="1800" dirty="0"/>
-              <a:t>used to increment / decrement a </a:t>
-            </a:r>
-            <a:r>
-              <a:rPr lang="en-US" sz="1800" dirty="0" smtClean="0"/>
-              <a:t>variable</a:t>
-            </a:r>
-            <a:endParaRPr lang="en-US" sz="1800" dirty="0"/>
-          </a:p>
-          <a:p>
-            <a:pPr marL="0" indent="0">
-              <a:buNone/>
-            </a:pPr>
-            <a:endParaRPr lang="en-US" sz="1800" b="1" dirty="0" smtClean="0">
-              <a:latin typeface="Courier New" pitchFamily="49" charset="0"/>
-              <a:cs typeface="Courier New" pitchFamily="49" charset="0"/>
-            </a:endParaRPr>
-          </a:p>
-          <a:p>
-            <a:pPr marL="0" indent="0">
-              <a:buNone/>
-            </a:pPr>
-            <a:r>
-              <a:rPr lang="en-US" sz="1800" b="1" dirty="0" smtClean="0">
-                <a:latin typeface="Courier New" pitchFamily="49" charset="0"/>
-                <a:cs typeface="Courier New" pitchFamily="49" charset="0"/>
-              </a:rPr>
-              <a:t>Example:</a:t>
-            </a:r>
-          </a:p>
-          <a:p>
-            <a:pPr marL="400050" lvl="1" indent="0">
-              <a:buNone/>
-            </a:pPr>
-            <a:endParaRPr lang="nn-NO" sz="1400" dirty="0">
-              <a:solidFill>
-                <a:srgbClr val="00B050"/>
-              </a:solidFill>
-              <a:latin typeface="Courier New" pitchFamily="49" charset="0"/>
-              <a:cs typeface="Courier New" pitchFamily="49" charset="0"/>
-            </a:endParaRPr>
-          </a:p>
-          <a:p>
-            <a:pPr marL="400050" lvl="1" indent="0">
-              <a:buNone/>
-            </a:pPr>
-            <a:r>
-              <a:rPr lang="nn-NO" sz="1400" dirty="0">
-                <a:solidFill>
                   <a:schemeClr val="accent2"/>
                 </a:solidFill>
                 <a:latin typeface="Courier New" pitchFamily="49" charset="0"/>
                 <a:cs typeface="Courier New" pitchFamily="49" charset="0"/>
               </a:rPr>
-              <a:t>i</a:t>
-            </a:r>
-            <a:r>
-              <a:rPr lang="nn-NO" sz="1400" b="1" dirty="0" smtClean="0">
-                <a:solidFill>
-                  <a:schemeClr val="accent2"/>
-                </a:solidFill>
-                <a:latin typeface="Courier New" pitchFamily="49" charset="0"/>
-                <a:cs typeface="Courier New" pitchFamily="49" charset="0"/>
-              </a:rPr>
-              <a:t>nt sum = 0;  </a:t>
-            </a:r>
-            <a:r>
-              <a:rPr lang="nn-NO" sz="1400" b="1" dirty="0" smtClean="0">
-                <a:solidFill>
-                  <a:srgbClr val="00B050"/>
-                </a:solidFill>
-                <a:latin typeface="Courier New" pitchFamily="49" charset="0"/>
-                <a:cs typeface="Courier New" pitchFamily="49" charset="0"/>
-              </a:rPr>
-              <a:t>// good form to ALWAYS initialize your variables</a:t>
-            </a:r>
-          </a:p>
-          <a:p>
-            <a:pPr marL="400050" lvl="1" indent="0">
-              <a:buNone/>
-            </a:pPr>
-            <a:r>
-              <a:rPr lang="nn-NO" sz="1400" b="1" dirty="0" smtClean="0">
-                <a:solidFill>
-                  <a:schemeClr val="accent2"/>
-                </a:solidFill>
-                <a:latin typeface="Courier New" pitchFamily="49" charset="0"/>
-                <a:cs typeface="Courier New" pitchFamily="49" charset="0"/>
-              </a:rPr>
-              <a:t>for (int i </a:t>
-            </a:r>
-            <a:r>
-              <a:rPr lang="nn-NO" sz="1400" b="1" dirty="0">
-                <a:solidFill>
-                  <a:schemeClr val="accent2"/>
-                </a:solidFill>
-                <a:latin typeface="Courier New" pitchFamily="49" charset="0"/>
-                <a:cs typeface="Courier New" pitchFamily="49" charset="0"/>
-              </a:rPr>
-              <a:t>= 1; i &lt;= 20; i</a:t>
-            </a:r>
-            <a:r>
-              <a:rPr lang="nn-NO" sz="1400" b="1" dirty="0" smtClean="0">
-                <a:solidFill>
-                  <a:schemeClr val="accent2"/>
-                </a:solidFill>
-                <a:latin typeface="Courier New" pitchFamily="49" charset="0"/>
-                <a:cs typeface="Courier New" pitchFamily="49" charset="0"/>
-              </a:rPr>
-              <a:t>++){</a:t>
-            </a:r>
-            <a:endParaRPr lang="nn-NO" sz="1400" b="1" dirty="0">
-              <a:solidFill>
-                <a:schemeClr val="accent2"/>
-              </a:solidFill>
-              <a:latin typeface="Courier New" pitchFamily="49" charset="0"/>
-              <a:cs typeface="Courier New" pitchFamily="49" charset="0"/>
-            </a:endParaRPr>
-          </a:p>
-          <a:p>
-            <a:pPr marL="400050" lvl="1" indent="0">
-              <a:buNone/>
-            </a:pPr>
-            <a:r>
-              <a:rPr lang="nn-NO" sz="1400" b="1" dirty="0">
-                <a:solidFill>
-                  <a:schemeClr val="accent2"/>
-                </a:solidFill>
-                <a:latin typeface="Courier New" pitchFamily="49" charset="0"/>
-                <a:cs typeface="Courier New" pitchFamily="49" charset="0"/>
-              </a:rPr>
-              <a:t>    sum += i;</a:t>
-            </a:r>
-          </a:p>
-          <a:p>
-            <a:pPr marL="400050" lvl="1" indent="0">
-              <a:buNone/>
-            </a:pPr>
-            <a:r>
-              <a:rPr lang="nn-NO" sz="1400" b="1" dirty="0">
-                <a:solidFill>
-                  <a:schemeClr val="accent2"/>
-                </a:solidFill>
-                <a:latin typeface="Courier New" pitchFamily="49" charset="0"/>
-                <a:cs typeface="Courier New" pitchFamily="49" charset="0"/>
-              </a:rPr>
-              <a:t>}</a:t>
+              <a:t>){</a:t>
             </a:r>
             <a:endParaRPr lang="en-US" sz="1400" b="1" dirty="0">
               <a:solidFill>
@@ -13784,12 +13625,222 @@
               <a:cs typeface="Courier New" pitchFamily="49" charset="0"/>
             </a:endParaRPr>
           </a:p>
+          <a:p>
+            <a:pPr marL="400050" lvl="1" indent="0">
+              <a:buNone/>
+            </a:pPr>
+            <a:r>
+              <a:rPr lang="en-US" sz="1400" b="1" dirty="0">
+                <a:solidFill>
+                  <a:schemeClr val="accent2"/>
+                </a:solidFill>
+                <a:latin typeface="Courier New" pitchFamily="49" charset="0"/>
+                <a:cs typeface="Courier New" pitchFamily="49" charset="0"/>
+              </a:rPr>
+              <a:t>    case MENU:</a:t>
+            </a:r>
+          </a:p>
+          <a:p>
+            <a:pPr marL="400050" lvl="1" indent="0">
+              <a:buNone/>
+            </a:pPr>
+            <a:r>
+              <a:rPr lang="en-US" sz="1400" b="1" dirty="0">
+                <a:solidFill>
+                  <a:schemeClr val="accent2"/>
+                </a:solidFill>
+                <a:latin typeface="Courier New" pitchFamily="49" charset="0"/>
+                <a:cs typeface="Courier New" pitchFamily="49" charset="0"/>
+              </a:rPr>
+              <a:t>        </a:t>
+            </a:r>
+            <a:r>
+              <a:rPr lang="en-US" sz="1400" b="1" dirty="0" err="1">
+                <a:solidFill>
+                  <a:schemeClr val="accent2"/>
+                </a:solidFill>
+                <a:latin typeface="Courier New" pitchFamily="49" charset="0"/>
+                <a:cs typeface="Courier New" pitchFamily="49" charset="0"/>
+              </a:rPr>
+              <a:t>displayMenu</a:t>
+            </a:r>
+            <a:r>
+              <a:rPr lang="en-US" sz="1400" b="1" dirty="0">
+                <a:solidFill>
+                  <a:schemeClr val="accent2"/>
+                </a:solidFill>
+                <a:latin typeface="Courier New" pitchFamily="49" charset="0"/>
+                <a:cs typeface="Courier New" pitchFamily="49" charset="0"/>
+              </a:rPr>
+              <a:t>();</a:t>
+            </a:r>
+          </a:p>
+          <a:p>
+            <a:pPr marL="400050" lvl="1" indent="0">
+              <a:buNone/>
+            </a:pPr>
+            <a:r>
+              <a:rPr lang="en-US" sz="1400" b="1" dirty="0">
+                <a:solidFill>
+                  <a:schemeClr val="accent2"/>
+                </a:solidFill>
+                <a:latin typeface="Courier New" pitchFamily="49" charset="0"/>
+                <a:cs typeface="Courier New" pitchFamily="49" charset="0"/>
+              </a:rPr>
+              <a:t>        break;</a:t>
+            </a:r>
+          </a:p>
+          <a:p>
+            <a:pPr marL="400050" lvl="1" indent="0">
+              <a:buNone/>
+            </a:pPr>
+            <a:r>
+              <a:rPr lang="en-US" sz="1400" b="1" dirty="0">
+                <a:solidFill>
+                  <a:schemeClr val="accent2"/>
+                </a:solidFill>
+                <a:latin typeface="Courier New" pitchFamily="49" charset="0"/>
+                <a:cs typeface="Courier New" pitchFamily="49" charset="0"/>
+              </a:rPr>
+              <a:t>    case PLAYING:</a:t>
+            </a:r>
+          </a:p>
+          <a:p>
+            <a:pPr marL="400050" lvl="1" indent="0">
+              <a:buNone/>
+            </a:pPr>
+            <a:r>
+              <a:rPr lang="en-US" sz="1400" b="1" dirty="0">
+                <a:solidFill>
+                  <a:schemeClr val="accent2"/>
+                </a:solidFill>
+                <a:latin typeface="Courier New" pitchFamily="49" charset="0"/>
+                <a:cs typeface="Courier New" pitchFamily="49" charset="0"/>
+              </a:rPr>
+              <a:t>        </a:t>
+            </a:r>
+            <a:r>
+              <a:rPr lang="en-US" sz="1400" b="1" dirty="0" err="1">
+                <a:solidFill>
+                  <a:schemeClr val="accent2"/>
+                </a:solidFill>
+                <a:latin typeface="Courier New" pitchFamily="49" charset="0"/>
+                <a:cs typeface="Courier New" pitchFamily="49" charset="0"/>
+              </a:rPr>
+              <a:t>updateState</a:t>
+            </a:r>
+            <a:r>
+              <a:rPr lang="en-US" sz="1400" b="1" dirty="0">
+                <a:solidFill>
+                  <a:schemeClr val="accent2"/>
+                </a:solidFill>
+                <a:latin typeface="Courier New" pitchFamily="49" charset="0"/>
+                <a:cs typeface="Courier New" pitchFamily="49" charset="0"/>
+              </a:rPr>
+              <a:t>();</a:t>
+            </a:r>
+          </a:p>
+          <a:p>
+            <a:pPr marL="400050" lvl="1" indent="0">
+              <a:buNone/>
+            </a:pPr>
+            <a:r>
+              <a:rPr lang="en-US" sz="1400" b="1" dirty="0">
+                <a:solidFill>
+                  <a:schemeClr val="accent2"/>
+                </a:solidFill>
+                <a:latin typeface="Courier New" pitchFamily="49" charset="0"/>
+                <a:cs typeface="Courier New" pitchFamily="49" charset="0"/>
+              </a:rPr>
+              <a:t>        break;</a:t>
+            </a:r>
+          </a:p>
+          <a:p>
+            <a:pPr marL="400050" lvl="1" indent="0">
+              <a:buNone/>
+            </a:pPr>
+            <a:r>
+              <a:rPr lang="en-US" sz="1400" b="1" dirty="0">
+                <a:solidFill>
+                  <a:schemeClr val="accent2"/>
+                </a:solidFill>
+                <a:latin typeface="Courier New" pitchFamily="49" charset="0"/>
+                <a:cs typeface="Courier New" pitchFamily="49" charset="0"/>
+              </a:rPr>
+              <a:t>    case LOST:</a:t>
+            </a:r>
+          </a:p>
+          <a:p>
+            <a:pPr marL="400050" lvl="1" indent="0">
+              <a:buNone/>
+            </a:pPr>
+            <a:r>
+              <a:rPr lang="en-US" sz="1400" b="1" dirty="0">
+                <a:solidFill>
+                  <a:schemeClr val="accent2"/>
+                </a:solidFill>
+                <a:latin typeface="Courier New" pitchFamily="49" charset="0"/>
+                <a:cs typeface="Courier New" pitchFamily="49" charset="0"/>
+              </a:rPr>
+              <a:t>        </a:t>
+            </a:r>
+            <a:r>
+              <a:rPr lang="en-US" sz="1400" b="1" dirty="0" err="1">
+                <a:solidFill>
+                  <a:schemeClr val="accent2"/>
+                </a:solidFill>
+                <a:latin typeface="Courier New" pitchFamily="49" charset="0"/>
+                <a:cs typeface="Courier New" pitchFamily="49" charset="0"/>
+              </a:rPr>
+              <a:t>displayLost</a:t>
+            </a:r>
+            <a:r>
+              <a:rPr lang="en-US" sz="1400" b="1" dirty="0">
+                <a:solidFill>
+                  <a:schemeClr val="accent2"/>
+                </a:solidFill>
+                <a:latin typeface="Courier New" pitchFamily="49" charset="0"/>
+                <a:cs typeface="Courier New" pitchFamily="49" charset="0"/>
+              </a:rPr>
+              <a:t>();</a:t>
+            </a:r>
+          </a:p>
+          <a:p>
+            <a:pPr marL="400050" lvl="1" indent="0">
+              <a:buNone/>
+            </a:pPr>
+            <a:r>
+              <a:rPr lang="en-US" sz="1400" b="1" dirty="0">
+                <a:solidFill>
+                  <a:schemeClr val="accent2"/>
+                </a:solidFill>
+                <a:latin typeface="Courier New" pitchFamily="49" charset="0"/>
+                <a:cs typeface="Courier New" pitchFamily="49" charset="0"/>
+              </a:rPr>
+              <a:t>        break;</a:t>
+            </a:r>
+          </a:p>
+          <a:p>
+            <a:pPr marL="400050" lvl="1" indent="0">
+              <a:buNone/>
+            </a:pPr>
+            <a:r>
+              <a:rPr lang="en-US" sz="1400" b="1" dirty="0">
+                <a:solidFill>
+                  <a:schemeClr val="accent2"/>
+                </a:solidFill>
+                <a:latin typeface="Courier New" pitchFamily="49" charset="0"/>
+                <a:cs typeface="Courier New" pitchFamily="49" charset="0"/>
+              </a:rPr>
+              <a:t>}</a:t>
+            </a:r>
+          </a:p>
         </p:txBody>
       </p:sp>
     </p:spTree>
     <p:extLst>
       <p:ext uri="{BB962C8B-B14F-4D97-AF65-F5344CB8AC3E}">
-        <p14:creationId xmlns:p14="http://schemas.microsoft.com/office/powerpoint/2010/main" val="279249906"/>
+        <p14:creationId xmlns:p14="http://schemas.microsoft.com/office/powerpoint/2010/main" val="3057391464"/>
       </p:ext>
     </p:extLst>
   </p:cSld>
@@ -13916,6 +13967,86 @@
           <a:p>
             <a:pPr algn="l"/>
             <a:endParaRPr lang="en-US" sz="2400" dirty="0" smtClean="0"/>
+          </a:p>
+        </p:txBody>
+      </p:sp>
+      <p:sp>
+        <p:nvSpPr>
+          <p:cNvPr id="4" name="Rectangle 3"/>
+          <p:cNvSpPr/>
+          <p:nvPr/>
+        </p:nvSpPr>
+        <p:spPr>
+          <a:xfrm>
+            <a:off x="1053464" y="5044470"/>
+            <a:ext cx="7395210" cy="830997"/>
+          </a:xfrm>
+          <a:prstGeom prst="rect">
+            <a:avLst/>
+          </a:prstGeom>
+        </p:spPr>
+        <p:txBody>
+          <a:bodyPr wrap="square">
+            <a:spAutoFit/>
+          </a:bodyPr>
+          <a:lstStyle/>
+          <a:p>
+            <a:r>
+              <a:rPr lang="en-US" dirty="0"/>
+              <a:t>Christ, people. Learn C, instead of just stringing random characters together until it compiles (with warnings).</a:t>
+            </a:r>
+          </a:p>
+        </p:txBody>
+      </p:sp>
+      <p:pic>
+        <p:nvPicPr>
+          <p:cNvPr id="7" name="Picture 6"/>
+          <p:cNvPicPr>
+            <a:picLocks noChangeAspect="1"/>
+          </p:cNvPicPr>
+          <p:nvPr/>
+        </p:nvPicPr>
+        <p:blipFill>
+          <a:blip r:embed="rId2"/>
+          <a:stretch>
+            <a:fillRect/>
+          </a:stretch>
+        </p:blipFill>
+        <p:spPr>
+          <a:xfrm>
+            <a:off x="5029199" y="1624995"/>
+            <a:ext cx="3419475" cy="3419475"/>
+          </a:xfrm>
+          <a:prstGeom prst="rect">
+            <a:avLst/>
+          </a:prstGeom>
+        </p:spPr>
+      </p:pic>
+      <p:sp>
+        <p:nvSpPr>
+          <p:cNvPr id="8" name="Rectangle 7"/>
+          <p:cNvSpPr/>
+          <p:nvPr/>
+        </p:nvSpPr>
+        <p:spPr>
+          <a:xfrm>
+            <a:off x="1053464" y="5904458"/>
+            <a:ext cx="3724276" cy="307777"/>
+          </a:xfrm>
+          <a:prstGeom prst="rect">
+            <a:avLst/>
+          </a:prstGeom>
+        </p:spPr>
+        <p:txBody>
+          <a:bodyPr wrap="square">
+            <a:spAutoFit/>
+          </a:bodyPr>
+          <a:lstStyle/>
+          <a:p>
+            <a:r>
+              <a:rPr lang="en-US" sz="1400" dirty="0"/>
+              <a:t>https://en.wikiquote.org/wiki/Linus_Torvalds</a:t>
+            </a:r>
           </a:p>
         </p:txBody>
       </p:sp>
@@ -13974,7 +14105,7 @@
           <a:p>
             <a:r>
               <a:rPr lang="en-US" b="1" dirty="0" smtClean="0"/>
-              <a:t>While / Do While Loop</a:t>
+              <a:t>For Loop</a:t>
             </a:r>
             <a:endParaRPr lang="en-US" dirty="0"/>
           </a:p>
@@ -13992,14 +14123,12 @@
         </p:nvSpPr>
         <p:spPr>
           <a:xfrm>
-            <a:off x="275129" y="1464766"/>
+            <a:off x="212067" y="1504180"/>
             <a:ext cx="8868871" cy="5035231"/>
           </a:xfrm>
         </p:spPr>
         <p:txBody>
-          <a:bodyPr>
-            <a:normAutofit lnSpcReduction="10000"/>
-          </a:bodyPr>
+          <a:bodyPr/>
           <a:lstStyle/>
           <a:p>
             <a:pPr marL="400050" lvl="1" indent="0">
@@ -14013,81 +14142,17 @@
                 <a:latin typeface="Courier New" pitchFamily="49" charset="0"/>
                 <a:cs typeface="Courier New" pitchFamily="49" charset="0"/>
               </a:rPr>
-              <a:t>while (condition) {</a:t>
-            </a:r>
-          </a:p>
-          <a:p>
-            <a:pPr marL="400050" lvl="1" indent="0">
-              <a:buNone/>
-            </a:pPr>
-            <a:r>
-              <a:rPr lang="en-US" sz="1400" b="1" dirty="0">
+              <a:t>for (initial; continue; increment</a:t>
+            </a:r>
+            <a:r>
+              <a:rPr lang="en-US" sz="1400" b="1" dirty="0" smtClean="0">
                 <a:solidFill>
                   <a:srgbClr val="00B050"/>
                 </a:solidFill>
                 <a:latin typeface="Courier New" pitchFamily="49" charset="0"/>
                 <a:cs typeface="Courier New" pitchFamily="49" charset="0"/>
               </a:rPr>
-              <a:t>    statements;</a:t>
-            </a:r>
-          </a:p>
-          <a:p>
-            <a:pPr marL="400050" lvl="1" indent="0">
-              <a:buNone/>
-            </a:pPr>
-            <a:r>
-              <a:rPr lang="en-US" sz="1400" b="1" dirty="0">
-                <a:solidFill>
-                  <a:srgbClr val="00B050"/>
-                </a:solidFill>
-                <a:latin typeface="Courier New" pitchFamily="49" charset="0"/>
-                <a:cs typeface="Courier New" pitchFamily="49" charset="0"/>
-              </a:rPr>
-              <a:t>}</a:t>
-            </a:r>
-          </a:p>
-          <a:p>
-            <a:pPr marL="400050" lvl="1" indent="0">
-              <a:buNone/>
-            </a:pPr>
-            <a:r>
-              <a:rPr lang="en-US" sz="1400" i="1" dirty="0" smtClean="0"/>
-              <a:t>		do </a:t>
-            </a:r>
-            <a:r>
-              <a:rPr lang="en-US" sz="1400" i="1" dirty="0"/>
-              <a:t>while</a:t>
-            </a:r>
-            <a:r>
-              <a:rPr lang="en-US" sz="1400" dirty="0"/>
-              <a:t> is guaranteed to be executed once, </a:t>
-            </a:r>
-            <a:r>
-              <a:rPr lang="en-US" sz="1400" i="1" dirty="0"/>
-              <a:t>while</a:t>
-            </a:r>
-            <a:r>
-              <a:rPr lang="en-US" sz="1400" dirty="0"/>
-              <a:t> isn't.</a:t>
-            </a:r>
-            <a:endParaRPr lang="en-US" sz="1400" b="1" dirty="0">
-              <a:latin typeface="Courier New" pitchFamily="49" charset="0"/>
-              <a:cs typeface="Courier New" pitchFamily="49" charset="0"/>
-            </a:endParaRPr>
-          </a:p>
-          <a:p>
-            <a:pPr marL="400050" lvl="1" indent="0">
-              <a:buNone/>
-            </a:pPr>
-            <a:r>
-              <a:rPr lang="en-US" sz="1400" b="1" dirty="0" smtClean="0">
-                <a:solidFill>
-                  <a:srgbClr val="00B050"/>
-                </a:solidFill>
-                <a:latin typeface="Courier New" pitchFamily="49" charset="0"/>
-                <a:cs typeface="Courier New" pitchFamily="49" charset="0"/>
-              </a:rPr>
-              <a:t>do</a:t>
+              <a:t>){</a:t>
             </a:r>
             <a:endParaRPr lang="en-US" sz="1400" b="1" dirty="0">
               <a:solidFill>
@@ -14109,7 +14174,7 @@
                 <a:latin typeface="Courier New" pitchFamily="49" charset="0"/>
                 <a:cs typeface="Courier New" pitchFamily="49" charset="0"/>
               </a:rPr>
-              <a:t>{</a:t>
+              <a:t>    statements;</a:t>
             </a:r>
           </a:p>
           <a:p>
@@ -14117,57 +14182,143 @@
               <a:buNone/>
             </a:pPr>
             <a:r>
-              <a:rPr lang="en-US" sz="1400" b="1" dirty="0">
+              <a:rPr lang="en-US" sz="1400" b="1" dirty="0" smtClean="0">
                 <a:solidFill>
                   <a:srgbClr val="00B050"/>
                 </a:solidFill>
                 <a:latin typeface="Courier New" pitchFamily="49" charset="0"/>
                 <a:cs typeface="Courier New" pitchFamily="49" charset="0"/>
               </a:rPr>
-              <a:t>    statements;</a:t>
+              <a:t>}</a:t>
+            </a:r>
+          </a:p>
+          <a:p>
+            <a:r>
+              <a:rPr lang="en-US" sz="1800" dirty="0">
+                <a:solidFill>
+                  <a:srgbClr val="0070C0"/>
+                </a:solidFill>
+              </a:rPr>
+              <a:t>initial </a:t>
+            </a:r>
+            <a:r>
+              <a:rPr lang="en-US" sz="1800" dirty="0" smtClean="0"/>
+              <a:t>– initializes variable to the starting value</a:t>
+            </a:r>
+            <a:endParaRPr lang="en-US" sz="1800" dirty="0"/>
+          </a:p>
+          <a:p>
+            <a:r>
+              <a:rPr lang="en-US" sz="1800" dirty="0">
+                <a:solidFill>
+                  <a:srgbClr val="0070C0"/>
+                </a:solidFill>
+              </a:rPr>
+              <a:t>continue</a:t>
+            </a:r>
+            <a:r>
+              <a:rPr lang="en-US" sz="1800" dirty="0"/>
+              <a:t> </a:t>
+            </a:r>
+            <a:r>
+              <a:rPr lang="en-US" sz="1800" dirty="0" smtClean="0"/>
+              <a:t>– continues looping while condition is true</a:t>
+            </a:r>
+            <a:endParaRPr lang="en-US" sz="1800" dirty="0"/>
+          </a:p>
+          <a:p>
+            <a:r>
+              <a:rPr lang="en-US" sz="1800" dirty="0">
+                <a:solidFill>
+                  <a:srgbClr val="0070C0"/>
+                </a:solidFill>
+              </a:rPr>
+              <a:t>increment</a:t>
+            </a:r>
+            <a:r>
+              <a:rPr lang="en-US" sz="1800" dirty="0"/>
+              <a:t> - </a:t>
+            </a:r>
+            <a:r>
+              <a:rPr lang="en-US" sz="1800" dirty="0" smtClean="0"/>
+              <a:t>usually </a:t>
+            </a:r>
+            <a:r>
+              <a:rPr lang="en-US" sz="1800" dirty="0"/>
+              <a:t>used to increment / decrement a </a:t>
+            </a:r>
+            <a:r>
+              <a:rPr lang="en-US" sz="1800" dirty="0" smtClean="0"/>
+              <a:t>variable</a:t>
+            </a:r>
+            <a:endParaRPr lang="en-US" sz="1800" dirty="0"/>
+          </a:p>
+          <a:p>
+            <a:pPr marL="0" indent="0">
+              <a:buNone/>
+            </a:pPr>
+            <a:endParaRPr lang="en-US" sz="1800" b="1" dirty="0" smtClean="0">
+              <a:latin typeface="Courier New" pitchFamily="49" charset="0"/>
+              <a:cs typeface="Courier New" pitchFamily="49" charset="0"/>
+            </a:endParaRPr>
+          </a:p>
+          <a:p>
+            <a:pPr marL="0" indent="0">
+              <a:buNone/>
+            </a:pPr>
+            <a:r>
+              <a:rPr lang="en-US" sz="1800" b="1" dirty="0" smtClean="0">
+                <a:latin typeface="Courier New" pitchFamily="49" charset="0"/>
+                <a:cs typeface="Courier New" pitchFamily="49" charset="0"/>
+              </a:rPr>
+              <a:t>Example:</a:t>
             </a:r>
           </a:p>
           <a:p>
             <a:pPr marL="400050" lvl="1" indent="0">
               <a:buNone/>
             </a:pPr>
-            <a:r>
-              <a:rPr lang="en-US" sz="1400" b="1" dirty="0">
+            <a:endParaRPr lang="nn-NO" sz="1400" dirty="0">
+              <a:solidFill>
+                <a:srgbClr val="00B050"/>
+              </a:solidFill>
+              <a:latin typeface="Courier New" pitchFamily="49" charset="0"/>
+              <a:cs typeface="Courier New" pitchFamily="49" charset="0"/>
+            </a:endParaRPr>
+          </a:p>
+          <a:p>
+            <a:pPr marL="400050" lvl="1" indent="0">
+              <a:buNone/>
+            </a:pPr>
+            <a:r>
+              <a:rPr lang="nn-NO" sz="1400" dirty="0">
+                <a:solidFill>
+                  <a:schemeClr val="accent2"/>
+                </a:solidFill>
+                <a:latin typeface="Courier New" pitchFamily="49" charset="0"/>
+                <a:cs typeface="Courier New" pitchFamily="49" charset="0"/>
+              </a:rPr>
+              <a:t>i</a:t>
+            </a:r>
+            <a:r>
+              <a:rPr lang="nn-NO" sz="1400" b="1" dirty="0" smtClean="0">
+                <a:solidFill>
+                  <a:schemeClr val="accent2"/>
+                </a:solidFill>
+                <a:latin typeface="Courier New" pitchFamily="49" charset="0"/>
+                <a:cs typeface="Courier New" pitchFamily="49" charset="0"/>
+              </a:rPr>
+              <a:t>nt sum = 0;  </a:t>
+            </a:r>
+            <a:r>
+              <a:rPr lang="nn-NO" sz="1400" b="1" dirty="0" smtClean="0">
                 <a:solidFill>
                   <a:srgbClr val="00B050"/>
                 </a:solidFill>
                 <a:latin typeface="Courier New" pitchFamily="49" charset="0"/>
                 <a:cs typeface="Courier New" pitchFamily="49" charset="0"/>
               </a:rPr>
-              <a:t>} while (condition</a:t>
-            </a:r>
-            <a:r>
-              <a:rPr lang="en-US" sz="1400" b="1" dirty="0" smtClean="0">
-                <a:solidFill>
-                  <a:srgbClr val="00B050"/>
-                </a:solidFill>
-                <a:latin typeface="Courier New" pitchFamily="49" charset="0"/>
-                <a:cs typeface="Courier New" pitchFamily="49" charset="0"/>
-              </a:rPr>
-              <a:t>);</a:t>
-            </a:r>
-          </a:p>
-          <a:p>
-            <a:pPr marL="0" indent="0">
-              <a:buNone/>
-            </a:pPr>
-            <a:endParaRPr lang="en-US" sz="1800" i="1" dirty="0" smtClean="0"/>
-          </a:p>
-          <a:p>
-            <a:pPr marL="0" indent="0">
-              <a:buNone/>
-            </a:pPr>
-            <a:r>
-              <a:rPr lang="en-US" sz="1800" b="1" dirty="0" smtClean="0">
-                <a:latin typeface="Courier New" pitchFamily="49" charset="0"/>
-                <a:cs typeface="Courier New" pitchFamily="49" charset="0"/>
-              </a:rPr>
-              <a:t>Example:</a:t>
+              <a:t>// good form to ALWAYS initialize your variables</a:t>
             </a:r>
           </a:p>
           <a:p>
@@ -14175,40 +14326,72 @@
               <a:buNone/>
             </a:pPr>
             <a:r>
-              <a:rPr lang="en-US" sz="1400" b="1" dirty="0">
+              <a:rPr lang="nn-NO" sz="1400" b="1" dirty="0" smtClean="0">
                 <a:solidFill>
                   <a:schemeClr val="accent2"/>
                 </a:solidFill>
                 <a:latin typeface="Courier New" pitchFamily="49" charset="0"/>
                 <a:cs typeface="Courier New" pitchFamily="49" charset="0"/>
               </a:rPr>
-              <a:t>int </a:t>
-            </a:r>
-            <a:r>
-              <a:rPr lang="en-US" sz="1400" b="1" dirty="0" err="1">
+              <a:t>for (int i </a:t>
+            </a:r>
+            <a:r>
+              <a:rPr lang="nn-NO" sz="1400" b="1" dirty="0">
                 <a:solidFill>
                   <a:schemeClr val="accent2"/>
                 </a:solidFill>
                 <a:latin typeface="Courier New" pitchFamily="49" charset="0"/>
                 <a:cs typeface="Courier New" pitchFamily="49" charset="0"/>
               </a:rPr>
-              <a:t>i</a:t>
-            </a:r>
-            <a:r>
-              <a:rPr lang="en-US" sz="1400" b="1" dirty="0">
+              <a:t>= 1; i &lt;= 20; i</a:t>
+            </a:r>
+            <a:r>
+              <a:rPr lang="nn-NO" sz="1400" b="1" dirty="0" smtClean="0">
                 <a:solidFill>
                   <a:schemeClr val="accent2"/>
                 </a:solidFill>
                 <a:latin typeface="Courier New" pitchFamily="49" charset="0"/>
                 <a:cs typeface="Courier New" pitchFamily="49" charset="0"/>
               </a:rPr>
-              <a:t> = 5;</a:t>
-            </a:r>
+              <a:t>++){</a:t>
+            </a:r>
+            <a:endParaRPr lang="nn-NO" sz="1400" b="1" dirty="0">
+              <a:solidFill>
+                <a:schemeClr val="accent2"/>
+              </a:solidFill>
+              <a:latin typeface="Courier New" pitchFamily="49" charset="0"/>
+              <a:cs typeface="Courier New" pitchFamily="49" charset="0"/>
+            </a:endParaRPr>
           </a:p>
           <a:p>
             <a:pPr marL="400050" lvl="1" indent="0">
               <a:buNone/>
             </a:pPr>
+            <a:r>
+              <a:rPr lang="nn-NO" sz="1400" b="1" dirty="0">
+                <a:solidFill>
+                  <a:schemeClr val="accent2"/>
+                </a:solidFill>
+                <a:latin typeface="Courier New" pitchFamily="49" charset="0"/>
+                <a:cs typeface="Courier New" pitchFamily="49" charset="0"/>
+              </a:rPr>
+              <a:t>    sum += i;</a:t>
+            </a:r>
+          </a:p>
+          <a:p>
+            <a:pPr marL="400050" lvl="1" indent="0">
+              <a:buNone/>
+            </a:pPr>
+            <a:r>
+              <a:rPr lang="nn-NO" sz="1400" b="1" dirty="0">
+                <a:solidFill>
+                  <a:schemeClr val="accent2"/>
+                </a:solidFill>
+                <a:latin typeface="Courier New" pitchFamily="49" charset="0"/>
+                <a:cs typeface="Courier New" pitchFamily="49" charset="0"/>
+              </a:rPr>
+              <a:t>}</a:t>
+            </a:r>
             <a:endParaRPr lang="en-US" sz="1400" b="1" dirty="0">
               <a:solidFill>
                 <a:schemeClr val="accent2"/>
@@ -14217,469 +14400,12 @@
               <a:cs typeface="Courier New" pitchFamily="49" charset="0"/>
             </a:endParaRPr>
           </a:p>
-          <a:p>
-            <a:pPr marL="400050" lvl="1" indent="0">
-              <a:buNone/>
-            </a:pPr>
-            <a:r>
-              <a:rPr lang="en-US" sz="1400" b="1" dirty="0">
-                <a:solidFill>
-                  <a:schemeClr val="accent2"/>
-                </a:solidFill>
-                <a:latin typeface="Courier New" pitchFamily="49" charset="0"/>
-                <a:cs typeface="Courier New" pitchFamily="49" charset="0"/>
-              </a:rPr>
-              <a:t>while (</a:t>
-            </a:r>
-            <a:r>
-              <a:rPr lang="en-US" sz="1400" b="1" dirty="0" err="1">
-                <a:solidFill>
-                  <a:schemeClr val="accent2"/>
-                </a:solidFill>
-                <a:latin typeface="Courier New" pitchFamily="49" charset="0"/>
-                <a:cs typeface="Courier New" pitchFamily="49" charset="0"/>
-              </a:rPr>
-              <a:t>i</a:t>
-            </a:r>
-            <a:r>
-              <a:rPr lang="en-US" sz="1400" b="1" dirty="0">
-                <a:solidFill>
-                  <a:schemeClr val="accent2"/>
-                </a:solidFill>
-                <a:latin typeface="Courier New" pitchFamily="49" charset="0"/>
-                <a:cs typeface="Courier New" pitchFamily="49" charset="0"/>
-              </a:rPr>
-              <a:t> &lt; 10</a:t>
-            </a:r>
-            <a:r>
-              <a:rPr lang="en-US" sz="1400" b="1" dirty="0" smtClean="0">
-                <a:solidFill>
-                  <a:schemeClr val="accent2"/>
-                </a:solidFill>
-                <a:latin typeface="Courier New" pitchFamily="49" charset="0"/>
-                <a:cs typeface="Courier New" pitchFamily="49" charset="0"/>
-              </a:rPr>
-              <a:t>){</a:t>
-            </a:r>
-            <a:r>
-              <a:rPr lang="en-US" sz="1400" b="1" dirty="0" err="1" smtClean="0">
-                <a:solidFill>
-                  <a:schemeClr val="accent2"/>
-                </a:solidFill>
-                <a:latin typeface="Courier New" pitchFamily="49" charset="0"/>
-                <a:cs typeface="Courier New" pitchFamily="49" charset="0"/>
-              </a:rPr>
-              <a:t>i</a:t>
-            </a:r>
-            <a:r>
-              <a:rPr lang="en-US" sz="1400" b="1" dirty="0" smtClean="0">
-                <a:solidFill>
-                  <a:schemeClr val="accent2"/>
-                </a:solidFill>
-                <a:latin typeface="Courier New" pitchFamily="49" charset="0"/>
-                <a:cs typeface="Courier New" pitchFamily="49" charset="0"/>
-              </a:rPr>
-              <a:t>++;}</a:t>
-            </a:r>
-            <a:endParaRPr lang="en-US" sz="1400" b="1" dirty="0">
-              <a:solidFill>
-                <a:schemeClr val="accent2"/>
-              </a:solidFill>
-              <a:latin typeface="Courier New" pitchFamily="49" charset="0"/>
-              <a:cs typeface="Courier New" pitchFamily="49" charset="0"/>
-            </a:endParaRPr>
-          </a:p>
-          <a:p>
-            <a:pPr marL="400050" lvl="1" indent="0">
-              <a:buNone/>
-            </a:pPr>
-            <a:endParaRPr lang="en-US" sz="1400" b="1" dirty="0">
-              <a:solidFill>
-                <a:schemeClr val="accent2"/>
-              </a:solidFill>
-              <a:latin typeface="Courier New" pitchFamily="49" charset="0"/>
-              <a:cs typeface="Courier New" pitchFamily="49" charset="0"/>
-            </a:endParaRPr>
-          </a:p>
-          <a:p>
-            <a:pPr marL="400050" lvl="1" indent="0">
-              <a:buNone/>
-            </a:pPr>
-            <a:r>
-              <a:rPr lang="en-US" sz="1400" b="1" dirty="0">
-                <a:solidFill>
-                  <a:schemeClr val="accent2"/>
-                </a:solidFill>
-                <a:latin typeface="Courier New" pitchFamily="49" charset="0"/>
-                <a:cs typeface="Courier New" pitchFamily="49" charset="0"/>
-              </a:rPr>
-              <a:t>do {</a:t>
-            </a:r>
-          </a:p>
-          <a:p>
-            <a:pPr marL="400050" lvl="1" indent="0">
-              <a:buNone/>
-            </a:pPr>
-            <a:r>
-              <a:rPr lang="en-US" sz="1400" b="1" dirty="0">
-                <a:solidFill>
-                  <a:schemeClr val="accent2"/>
-                </a:solidFill>
-                <a:latin typeface="Courier New" pitchFamily="49" charset="0"/>
-                <a:cs typeface="Courier New" pitchFamily="49" charset="0"/>
-              </a:rPr>
-              <a:t>    </a:t>
-            </a:r>
-            <a:r>
-              <a:rPr lang="en-US" sz="1400" b="1" dirty="0" err="1">
-                <a:solidFill>
-                  <a:schemeClr val="accent2"/>
-                </a:solidFill>
-                <a:latin typeface="Courier New" pitchFamily="49" charset="0"/>
-                <a:cs typeface="Courier New" pitchFamily="49" charset="0"/>
-              </a:rPr>
-              <a:t>i</a:t>
-            </a:r>
-            <a:r>
-              <a:rPr lang="en-US" sz="1400" b="1" dirty="0" smtClean="0">
-                <a:solidFill>
-                  <a:schemeClr val="accent2"/>
-                </a:solidFill>
-                <a:latin typeface="Courier New" pitchFamily="49" charset="0"/>
-                <a:cs typeface="Courier New" pitchFamily="49" charset="0"/>
-              </a:rPr>
-              <a:t>++;</a:t>
-            </a:r>
-            <a:endParaRPr lang="en-US" sz="1400" b="1" dirty="0">
-              <a:solidFill>
-                <a:schemeClr val="accent2"/>
-              </a:solidFill>
-              <a:latin typeface="Courier New" pitchFamily="49" charset="0"/>
-              <a:cs typeface="Courier New" pitchFamily="49" charset="0"/>
-            </a:endParaRPr>
-          </a:p>
-          <a:p>
-            <a:pPr marL="400050" lvl="1" indent="0">
-              <a:buNone/>
-            </a:pPr>
-            <a:r>
-              <a:rPr lang="en-US" sz="1400" b="1" dirty="0">
-                <a:solidFill>
-                  <a:schemeClr val="accent2"/>
-                </a:solidFill>
-                <a:latin typeface="Courier New" pitchFamily="49" charset="0"/>
-                <a:cs typeface="Courier New" pitchFamily="49" charset="0"/>
-              </a:rPr>
-              <a:t>} while (</a:t>
-            </a:r>
-            <a:r>
-              <a:rPr lang="en-US" sz="1400" b="1" dirty="0" err="1">
-                <a:solidFill>
-                  <a:schemeClr val="accent2"/>
-                </a:solidFill>
-                <a:latin typeface="Courier New" pitchFamily="49" charset="0"/>
-                <a:cs typeface="Courier New" pitchFamily="49" charset="0"/>
-              </a:rPr>
-              <a:t>i</a:t>
-            </a:r>
-            <a:r>
-              <a:rPr lang="en-US" sz="1400" b="1" dirty="0">
-                <a:solidFill>
-                  <a:schemeClr val="accent2"/>
-                </a:solidFill>
-                <a:latin typeface="Courier New" pitchFamily="49" charset="0"/>
-                <a:cs typeface="Courier New" pitchFamily="49" charset="0"/>
-              </a:rPr>
-              <a:t> &lt; 10);</a:t>
-            </a:r>
-          </a:p>
-          <a:p>
-            <a:pPr marL="400050" lvl="1" indent="0">
-              <a:buNone/>
-            </a:pPr>
-            <a:endParaRPr lang="en-US" sz="1400" b="1" dirty="0">
-              <a:solidFill>
-                <a:schemeClr val="accent2"/>
-              </a:solidFill>
-              <a:latin typeface="Courier New" pitchFamily="49" charset="0"/>
-              <a:cs typeface="Courier New" pitchFamily="49" charset="0"/>
-            </a:endParaRPr>
-          </a:p>
-          <a:p>
-            <a:pPr marL="400050" lvl="1" indent="0">
-              <a:buNone/>
-            </a:pPr>
-            <a:r>
-              <a:rPr lang="en-US" sz="1400" b="1" dirty="0">
-                <a:solidFill>
-                  <a:srgbClr val="00B050"/>
-                </a:solidFill>
-                <a:latin typeface="Courier New" pitchFamily="49" charset="0"/>
-                <a:cs typeface="Courier New" pitchFamily="49" charset="0"/>
-              </a:rPr>
-              <a:t>// final value of </a:t>
-            </a:r>
-            <a:r>
-              <a:rPr lang="en-US" sz="1400" b="1" dirty="0" err="1">
-                <a:solidFill>
-                  <a:srgbClr val="00B050"/>
-                </a:solidFill>
-                <a:latin typeface="Courier New" pitchFamily="49" charset="0"/>
-                <a:cs typeface="Courier New" pitchFamily="49" charset="0"/>
-              </a:rPr>
-              <a:t>i</a:t>
-            </a:r>
-            <a:r>
-              <a:rPr lang="en-US" sz="1400" b="1" dirty="0">
-                <a:solidFill>
-                  <a:srgbClr val="00B050"/>
-                </a:solidFill>
-                <a:latin typeface="Courier New" pitchFamily="49" charset="0"/>
-                <a:cs typeface="Courier New" pitchFamily="49" charset="0"/>
-              </a:rPr>
-              <a:t> is 11</a:t>
-            </a:r>
-          </a:p>
-        </p:txBody>
-      </p:sp>
-      <p:sp>
-        <p:nvSpPr>
-          <p:cNvPr id="6" name="Rectangle 5"/>
-          <p:cNvSpPr/>
-          <p:nvPr/>
-        </p:nvSpPr>
-        <p:spPr bwMode="auto">
-          <a:xfrm>
-            <a:off x="4580709" y="5138057"/>
-            <a:ext cx="1994263" cy="830997"/>
-          </a:xfrm>
-          <a:prstGeom prst="rect">
-            <a:avLst/>
-          </a:prstGeom>
-          <a:solidFill>
-            <a:schemeClr val="bg1">
-              <a:lumMod val="95000"/>
-            </a:schemeClr>
-          </a:solidFill>
-          <a:ln w="9525" cap="flat" cmpd="sng" algn="ctr">
-            <a:noFill/>
-            <a:prstDash val="solid"/>
-            <a:round/>
-            <a:headEnd type="none" w="med" len="med"/>
-            <a:tailEnd type="none" w="med" len="med"/>
-          </a:ln>
-          <a:effectLst/>
-        </p:spPr>
-        <p:txBody>
-          <a:bodyPr vert="horz" wrap="square" lIns="91440" tIns="45720" rIns="91440" bIns="45720" numCol="1" rtlCol="0" anchor="t" anchorCtr="0" compatLnSpc="1">
-            <a:prstTxWarp prst="textNoShape">
-              <a:avLst/>
-            </a:prstTxWarp>
-            <a:spAutoFit/>
-          </a:bodyPr>
-          <a:lstStyle/>
-          <a:p>
-            <a:pPr marL="0" marR="0" indent="0" algn="l" defTabSz="914400" rtl="0" eaLnBrk="1" fontAlgn="base" latinLnBrk="0" hangingPunct="1">
-              <a:lnSpc>
-                <a:spcPct val="100000"/>
-              </a:lnSpc>
-              <a:spcBef>
-                <a:spcPct val="50000"/>
-              </a:spcBef>
-              <a:spcAft>
-                <a:spcPct val="0"/>
-              </a:spcAft>
-              <a:buClrTx/>
-              <a:buSzTx/>
-              <a:buFontTx/>
-              <a:buNone/>
-              <a:tabLst/>
-            </a:pPr>
-            <a:r>
-              <a:rPr kumimoji="0" lang="en-US" sz="2400" b="0" i="0" u="none" strike="noStrike" cap="none" normalizeH="0" baseline="0" dirty="0" smtClean="0">
-                <a:ln>
-                  <a:noFill/>
-                </a:ln>
-                <a:solidFill>
-                  <a:schemeClr val="tx1"/>
-                </a:solidFill>
-                <a:effectLst/>
-                <a:latin typeface="Times New Roman" pitchFamily="18" charset="0"/>
-                <a:sym typeface="Wingdings" pitchFamily="2" charset="2"/>
-              </a:rPr>
-              <a:t>Will execute at least once!</a:t>
-            </a:r>
-          </a:p>
-        </p:txBody>
-      </p:sp>
-      <p:sp>
-        <p:nvSpPr>
-          <p:cNvPr id="7" name="Left Arrow 6"/>
-          <p:cNvSpPr/>
-          <p:nvPr/>
-        </p:nvSpPr>
-        <p:spPr bwMode="auto">
-          <a:xfrm>
-            <a:off x="2981559" y="5246576"/>
-            <a:ext cx="1454331" cy="409303"/>
-          </a:xfrm>
-          <a:prstGeom prst="leftArrow">
-            <a:avLst/>
-          </a:prstGeom>
-          <a:solidFill>
-            <a:schemeClr val="bg1">
-              <a:lumMod val="50000"/>
-            </a:schemeClr>
-          </a:solidFill>
-          <a:ln w="9525" cap="flat" cmpd="sng" algn="ctr">
-            <a:noFill/>
-            <a:prstDash val="solid"/>
-            <a:round/>
-            <a:headEnd type="none" w="med" len="med"/>
-            <a:tailEnd type="none" w="med" len="med"/>
-          </a:ln>
-          <a:effectLst/>
-        </p:spPr>
-        <p:txBody>
-          <a:bodyPr vert="horz" wrap="square" lIns="91440" tIns="45720" rIns="91440" bIns="45720" numCol="1" rtlCol="0" anchor="t" anchorCtr="0" compatLnSpc="1">
-            <a:prstTxWarp prst="textNoShape">
-              <a:avLst/>
-            </a:prstTxWarp>
-            <a:spAutoFit/>
-          </a:bodyPr>
-          <a:lstStyle/>
-          <a:p>
-            <a:pPr marL="0" marR="0" indent="0" algn="l" defTabSz="914400" rtl="0" eaLnBrk="1" fontAlgn="base" latinLnBrk="0" hangingPunct="1">
-              <a:lnSpc>
-                <a:spcPct val="100000"/>
-              </a:lnSpc>
-              <a:spcBef>
-                <a:spcPct val="50000"/>
-              </a:spcBef>
-              <a:spcAft>
-                <a:spcPct val="0"/>
-              </a:spcAft>
-              <a:buClrTx/>
-              <a:buSzTx/>
-              <a:buFontTx/>
-              <a:buNone/>
-              <a:tabLst/>
-            </a:pPr>
-            <a:endParaRPr kumimoji="0" lang="en-US" sz="2400" b="0" i="0" u="none" strike="noStrike" cap="none" normalizeH="0" baseline="0" smtClean="0">
-              <a:ln>
-                <a:noFill/>
-              </a:ln>
-              <a:solidFill>
-                <a:schemeClr val="tx1"/>
-              </a:solidFill>
-              <a:effectLst/>
-              <a:latin typeface="Times New Roman" pitchFamily="18" charset="0"/>
-              <a:sym typeface="Wingdings" pitchFamily="2" charset="2"/>
-            </a:endParaRPr>
-          </a:p>
-        </p:txBody>
-      </p:sp>
-      <p:sp>
-        <p:nvSpPr>
-          <p:cNvPr id="8" name="Left Arrow 7"/>
-          <p:cNvSpPr/>
-          <p:nvPr/>
-        </p:nvSpPr>
-        <p:spPr bwMode="auto">
-          <a:xfrm>
-            <a:off x="2981560" y="4402460"/>
-            <a:ext cx="1454331" cy="409303"/>
-          </a:xfrm>
-          <a:prstGeom prst="leftArrow">
-            <a:avLst/>
-          </a:prstGeom>
-          <a:solidFill>
-            <a:schemeClr val="bg1">
-              <a:lumMod val="50000"/>
-            </a:schemeClr>
-          </a:solidFill>
-          <a:ln w="9525" cap="flat" cmpd="sng" algn="ctr">
-            <a:noFill/>
-            <a:prstDash val="solid"/>
-            <a:round/>
-            <a:headEnd type="none" w="med" len="med"/>
-            <a:tailEnd type="none" w="med" len="med"/>
-          </a:ln>
-          <a:effectLst/>
-        </p:spPr>
-        <p:txBody>
-          <a:bodyPr vert="horz" wrap="square" lIns="91440" tIns="45720" rIns="91440" bIns="45720" numCol="1" rtlCol="0" anchor="t" anchorCtr="0" compatLnSpc="1">
-            <a:prstTxWarp prst="textNoShape">
-              <a:avLst/>
-            </a:prstTxWarp>
-            <a:spAutoFit/>
-          </a:bodyPr>
-          <a:lstStyle/>
-          <a:p>
-            <a:pPr marL="0" marR="0" indent="0" algn="l" defTabSz="914400" rtl="0" eaLnBrk="1" fontAlgn="base" latinLnBrk="0" hangingPunct="1">
-              <a:lnSpc>
-                <a:spcPct val="100000"/>
-              </a:lnSpc>
-              <a:spcBef>
-                <a:spcPct val="50000"/>
-              </a:spcBef>
-              <a:spcAft>
-                <a:spcPct val="0"/>
-              </a:spcAft>
-              <a:buClrTx/>
-              <a:buSzTx/>
-              <a:buFontTx/>
-              <a:buNone/>
-              <a:tabLst/>
-            </a:pPr>
-            <a:endParaRPr kumimoji="0" lang="en-US" sz="2400" b="0" i="0" u="none" strike="noStrike" cap="none" normalizeH="0" baseline="0" smtClean="0">
-              <a:ln>
-                <a:noFill/>
-              </a:ln>
-              <a:solidFill>
-                <a:schemeClr val="tx1"/>
-              </a:solidFill>
-              <a:effectLst/>
-              <a:latin typeface="Times New Roman" pitchFamily="18" charset="0"/>
-              <a:sym typeface="Wingdings" pitchFamily="2" charset="2"/>
-            </a:endParaRPr>
-          </a:p>
-        </p:txBody>
-      </p:sp>
-      <p:sp>
-        <p:nvSpPr>
-          <p:cNvPr id="4" name="TextBox 3"/>
-          <p:cNvSpPr txBox="1"/>
-          <p:nvPr/>
-        </p:nvSpPr>
-        <p:spPr>
-          <a:xfrm>
-            <a:off x="4580709" y="3753122"/>
-            <a:ext cx="4031784" cy="1200329"/>
-          </a:xfrm>
-          <a:prstGeom prst="rect">
-            <a:avLst/>
-          </a:prstGeom>
-          <a:noFill/>
-        </p:spPr>
-        <p:txBody>
-          <a:bodyPr wrap="square" rtlCol="0">
-            <a:spAutoFit/>
-          </a:bodyPr>
-          <a:lstStyle/>
-          <a:p>
-            <a:r>
-              <a:rPr lang="en-US" dirty="0" smtClean="0"/>
-              <a:t>Is this valid? … yes! You could write your entire program on one line … but please don’t!!</a:t>
-            </a:r>
-            <a:endParaRPr lang="en-US" dirty="0"/>
-          </a:p>
         </p:txBody>
       </p:sp>
     </p:spTree>
     <p:extLst>
       <p:ext uri="{BB962C8B-B14F-4D97-AF65-F5344CB8AC3E}">
-        <p14:creationId xmlns:p14="http://schemas.microsoft.com/office/powerpoint/2010/main" val="755079974"/>
+        <p14:creationId xmlns:p14="http://schemas.microsoft.com/office/powerpoint/2010/main" val="279249906"/>
       </p:ext>
     </p:extLst>
   </p:cSld>
@@ -14730,7 +14456,7 @@
           <a:p>
             <a:r>
               <a:rPr lang="en-US" b="1" dirty="0" smtClean="0"/>
-              <a:t>Basic C Program Structure</a:t>
+              <a:t>While / Do While Loop</a:t>
             </a:r>
             <a:endParaRPr lang="en-US" dirty="0"/>
           </a:p>
@@ -14748,13 +14474,13 @@
         </p:nvSpPr>
         <p:spPr>
           <a:xfrm>
-            <a:off x="275129" y="1503490"/>
-            <a:ext cx="8868871" cy="4801058"/>
+            <a:off x="275129" y="1464766"/>
+            <a:ext cx="8868871" cy="5035231"/>
           </a:xfrm>
         </p:spPr>
         <p:txBody>
           <a:bodyPr>
-            <a:normAutofit fontScale="77500" lnSpcReduction="20000"/>
+            <a:normAutofit lnSpcReduction="10000"/>
           </a:bodyPr>
           <a:lstStyle/>
           <a:p>
@@ -14769,7 +14495,7 @@
                 <a:latin typeface="Courier New" pitchFamily="49" charset="0"/>
                 <a:cs typeface="Courier New" pitchFamily="49" charset="0"/>
               </a:rPr>
-              <a:t>// #include statements</a:t>
+              <a:t>while (condition) {</a:t>
             </a:r>
           </a:p>
           <a:p>
@@ -14784,8 +14510,57 @@
                 <a:latin typeface="Courier New" pitchFamily="49" charset="0"/>
                 <a:cs typeface="Courier New" pitchFamily="49" charset="0"/>
               </a:rPr>
-              <a:t>// #define </a:t>
-            </a:r>
+              <a:t>    statements;</a:t>
+            </a:r>
+          </a:p>
+          <a:p>
+            <a:pPr marL="400050" lvl="1" indent="0">
+              <a:buNone/>
+            </a:pPr>
+            <a:r>
+              <a:rPr lang="en-US" sz="1400" b="1" dirty="0">
+                <a:solidFill>
+                  <a:srgbClr val="00B050"/>
+                </a:solidFill>
+                <a:latin typeface="Courier New" pitchFamily="49" charset="0"/>
+                <a:cs typeface="Courier New" pitchFamily="49" charset="0"/>
+              </a:rPr>
+              <a:t>}</a:t>
+            </a:r>
+          </a:p>
+          <a:p>
+            <a:pPr marL="400050" lvl="1" indent="0">
+              <a:buNone/>
+            </a:pPr>
+            <a:r>
+              <a:rPr lang="en-US" sz="1400" i="1" dirty="0" smtClean="0"/>
+              <a:t>		do </a:t>
+            </a:r>
+            <a:r>
+              <a:rPr lang="en-US" sz="1400" i="1" dirty="0"/>
+              <a:t>while</a:t>
+            </a:r>
+            <a:r>
+              <a:rPr lang="en-US" sz="1400" dirty="0"/>
+              <a:t> is guaranteed to be executed once, </a:t>
+            </a:r>
+            <a:r>
+              <a:rPr lang="en-US" sz="1400" i="1" dirty="0"/>
+              <a:t>while</a:t>
+            </a:r>
+            <a:r>
+              <a:rPr lang="en-US" sz="1400" dirty="0"/>
+              <a:t> isn't.</a:t>
+            </a:r>
+            <a:endParaRPr lang="en-US" sz="1400" b="1" dirty="0">
+              <a:latin typeface="Courier New" pitchFamily="49" charset="0"/>
+              <a:cs typeface="Courier New" pitchFamily="49" charset="0"/>
+            </a:endParaRPr>
+          </a:p>
+          <a:p>
+            <a:pPr marL="400050" lvl="1" indent="0">
+              <a:buNone/>
+            </a:pPr>
             <a:r>
               <a:rPr lang="en-US" sz="1400" b="1" dirty="0" smtClean="0">
                 <a:solidFill>
@@ -14794,7 +14569,7 @@
                 <a:latin typeface="Courier New" pitchFamily="49" charset="0"/>
                 <a:cs typeface="Courier New" pitchFamily="49" charset="0"/>
               </a:rPr>
-              <a:t>statements</a:t>
+              <a:t>do</a:t>
             </a:r>
             <a:endParaRPr lang="en-US" sz="1400" b="1" dirty="0">
               <a:solidFill>
@@ -14816,7 +14591,37 @@
                 <a:latin typeface="Courier New" pitchFamily="49" charset="0"/>
                 <a:cs typeface="Courier New" pitchFamily="49" charset="0"/>
               </a:rPr>
-              <a:t>// global </a:t>
+              <a:t>{</a:t>
+            </a:r>
+          </a:p>
+          <a:p>
+            <a:pPr marL="400050" lvl="1" indent="0">
+              <a:buNone/>
+            </a:pPr>
+            <a:r>
+              <a:rPr lang="en-US" sz="1400" b="1" dirty="0">
+                <a:solidFill>
+                  <a:srgbClr val="00B050"/>
+                </a:solidFill>
+                <a:latin typeface="Courier New" pitchFamily="49" charset="0"/>
+                <a:cs typeface="Courier New" pitchFamily="49" charset="0"/>
+              </a:rPr>
+              <a:t>    statements;</a:t>
+            </a:r>
+          </a:p>
+          <a:p>
+            <a:pPr marL="400050" lvl="1" indent="0">
+              <a:buNone/>
+            </a:pPr>
+            <a:r>
+              <a:rPr lang="en-US" sz="1400" b="1" dirty="0">
+                <a:solidFill>
+                  <a:srgbClr val="00B050"/>
+                </a:solidFill>
+                <a:latin typeface="Courier New" pitchFamily="49" charset="0"/>
+                <a:cs typeface="Courier New" pitchFamily="49" charset="0"/>
+              </a:rPr>
+              <a:t>} while (condition</a:t>
             </a:r>
             <a:r>
               <a:rPr lang="en-US" sz="1400" b="1" dirty="0" smtClean="0">
@@ -14826,244 +14631,61 @@
                 <a:latin typeface="Courier New" pitchFamily="49" charset="0"/>
                 <a:cs typeface="Courier New" pitchFamily="49" charset="0"/>
               </a:rPr>
-              <a:t>variables &lt;- NOOOOOO!</a:t>
-            </a:r>
-            <a:endParaRPr lang="en-US" sz="1400" b="1" dirty="0">
-              <a:solidFill>
-                <a:srgbClr val="00B050"/>
-              </a:solidFill>
-              <a:latin typeface="Courier New" pitchFamily="49" charset="0"/>
-              <a:cs typeface="Courier New" pitchFamily="49" charset="0"/>
-            </a:endParaRPr>
+              <a:t>);</a:t>
+            </a:r>
+          </a:p>
+          <a:p>
+            <a:pPr marL="0" indent="0">
+              <a:buNone/>
+            </a:pPr>
+            <a:endParaRPr lang="en-US" sz="1800" i="1" dirty="0" smtClean="0"/>
+          </a:p>
+          <a:p>
+            <a:pPr marL="0" indent="0">
+              <a:buNone/>
+            </a:pPr>
+            <a:r>
+              <a:rPr lang="en-US" sz="1800" b="1" dirty="0" smtClean="0">
+                <a:latin typeface="Courier New" pitchFamily="49" charset="0"/>
+                <a:cs typeface="Courier New" pitchFamily="49" charset="0"/>
+              </a:rPr>
+              <a:t>Example:</a:t>
+            </a:r>
           </a:p>
           <a:p>
             <a:pPr marL="400050" lvl="1" indent="0">
               <a:buNone/>
             </a:pPr>
-            <a:endParaRPr lang="en-US" sz="1400" b="1" dirty="0">
-              <a:solidFill>
-                <a:srgbClr val="00B050"/>
-              </a:solidFill>
-              <a:latin typeface="Courier New" pitchFamily="49" charset="0"/>
-              <a:cs typeface="Courier New" pitchFamily="49" charset="0"/>
-            </a:endParaRPr>
-          </a:p>
-          <a:p>
-            <a:pPr marL="400050" lvl="1" indent="0">
-              <a:buNone/>
-            </a:pPr>
             <a:r>
               <a:rPr lang="en-US" sz="1400" b="1" dirty="0">
                 <a:solidFill>
-                  <a:srgbClr val="00B050"/>
-                </a:solidFill>
-                <a:latin typeface="Courier New" pitchFamily="49" charset="0"/>
-                <a:cs typeface="Courier New" pitchFamily="49" charset="0"/>
-              </a:rPr>
-              <a:t>void main(void)</a:t>
-            </a:r>
-          </a:p>
-          <a:p>
-            <a:pPr marL="400050" lvl="1" indent="0">
-              <a:buNone/>
-            </a:pPr>
+                  <a:schemeClr val="accent2"/>
+                </a:solidFill>
+                <a:latin typeface="Courier New" pitchFamily="49" charset="0"/>
+                <a:cs typeface="Courier New" pitchFamily="49" charset="0"/>
+              </a:rPr>
+              <a:t>int </a:t>
+            </a:r>
+            <a:r>
+              <a:rPr lang="en-US" sz="1400" b="1" dirty="0" err="1">
+                <a:solidFill>
+                  <a:schemeClr val="accent2"/>
+                </a:solidFill>
+                <a:latin typeface="Courier New" pitchFamily="49" charset="0"/>
+                <a:cs typeface="Courier New" pitchFamily="49" charset="0"/>
+              </a:rPr>
+              <a:t>i</a:t>
+            </a:r>
             <a:r>
               <a:rPr lang="en-US" sz="1400" b="1" dirty="0">
                 <a:solidFill>
-                  <a:srgbClr val="00B050"/>
-                </a:solidFill>
-                <a:latin typeface="Courier New" pitchFamily="49" charset="0"/>
-                <a:cs typeface="Courier New" pitchFamily="49" charset="0"/>
-              </a:rPr>
-              <a:t>{</a:t>
-            </a:r>
-          </a:p>
-          <a:p>
-            <a:pPr marL="400050" lvl="1" indent="0">
-              <a:buNone/>
-            </a:pPr>
-            <a:r>
-              <a:rPr lang="en-US" sz="1400" b="1" dirty="0">
-                <a:solidFill>
-                  <a:srgbClr val="00B050"/>
-                </a:solidFill>
-                <a:latin typeface="Courier New" pitchFamily="49" charset="0"/>
-                <a:cs typeface="Courier New" pitchFamily="49" charset="0"/>
-              </a:rPr>
-              <a:t>    // Variable declarations</a:t>
-            </a:r>
-          </a:p>
-          <a:p>
-            <a:pPr marL="400050" lvl="1" indent="0">
-              <a:buNone/>
-            </a:pPr>
-            <a:r>
-              <a:rPr lang="en-US" sz="1400" b="1" dirty="0">
-                <a:solidFill>
-                  <a:srgbClr val="00B050"/>
-                </a:solidFill>
-                <a:latin typeface="Courier New" pitchFamily="49" charset="0"/>
-                <a:cs typeface="Courier New" pitchFamily="49" charset="0"/>
-              </a:rPr>
-              <a:t>    // Useful </a:t>
-            </a:r>
-            <a:r>
-              <a:rPr lang="en-US" sz="1400" b="1" dirty="0" smtClean="0">
-                <a:solidFill>
-                  <a:srgbClr val="00B050"/>
-                </a:solidFill>
-                <a:latin typeface="Courier New" pitchFamily="49" charset="0"/>
-                <a:cs typeface="Courier New" pitchFamily="49" charset="0"/>
-              </a:rPr>
-              <a:t>code</a:t>
-            </a:r>
-            <a:endParaRPr lang="en-US" sz="1400" b="1" dirty="0">
-              <a:solidFill>
-                <a:srgbClr val="00B050"/>
-              </a:solidFill>
-              <a:latin typeface="Courier New" pitchFamily="49" charset="0"/>
-              <a:cs typeface="Courier New" pitchFamily="49" charset="0"/>
-            </a:endParaRPr>
-          </a:p>
-          <a:p>
-            <a:pPr marL="400050" lvl="1" indent="0">
-              <a:buNone/>
-            </a:pPr>
-            <a:r>
-              <a:rPr lang="en-US" sz="1400" b="1" dirty="0">
-                <a:solidFill>
-                  <a:srgbClr val="00B050"/>
-                </a:solidFill>
-                <a:latin typeface="Courier New" pitchFamily="49" charset="0"/>
-                <a:cs typeface="Courier New" pitchFamily="49" charset="0"/>
-              </a:rPr>
-              <a:t>    while (1) </a:t>
-            </a:r>
-            <a:r>
-              <a:rPr lang="en-US" sz="1400" b="1" dirty="0" smtClean="0">
-                <a:solidFill>
-                  <a:srgbClr val="00B050"/>
-                </a:solidFill>
-                <a:latin typeface="Courier New" pitchFamily="49" charset="0"/>
-                <a:cs typeface="Courier New" pitchFamily="49" charset="0"/>
-              </a:rPr>
-              <a:t>{;}        </a:t>
-            </a:r>
-            <a:r>
-              <a:rPr lang="en-US" sz="1400" b="1" dirty="0">
-                <a:solidFill>
-                  <a:srgbClr val="00B050"/>
-                </a:solidFill>
-                <a:latin typeface="Courier New" pitchFamily="49" charset="0"/>
-                <a:cs typeface="Courier New" pitchFamily="49" charset="0"/>
-              </a:rPr>
-              <a:t>// trap the CPU</a:t>
-            </a:r>
-          </a:p>
-          <a:p>
-            <a:pPr marL="400050" lvl="1" indent="0">
-              <a:buNone/>
-            </a:pPr>
-            <a:r>
-              <a:rPr lang="en-US" sz="1400" b="1" dirty="0">
-                <a:solidFill>
-                  <a:srgbClr val="00B050"/>
-                </a:solidFill>
-                <a:latin typeface="Courier New" pitchFamily="49" charset="0"/>
-                <a:cs typeface="Courier New" pitchFamily="49" charset="0"/>
-              </a:rPr>
-              <a:t>}</a:t>
-            </a:r>
-            <a:endParaRPr lang="en-US" sz="1800" i="1" dirty="0" smtClean="0"/>
-          </a:p>
-          <a:p>
-            <a:pPr marL="0" indent="0">
-              <a:buNone/>
-            </a:pPr>
-            <a:r>
-              <a:rPr lang="en-US" sz="1800" b="1" dirty="0" smtClean="0">
-                <a:latin typeface="Courier New" pitchFamily="49" charset="0"/>
-                <a:cs typeface="Courier New" pitchFamily="49" charset="0"/>
-              </a:rPr>
-              <a:t>Example:</a:t>
-            </a:r>
-          </a:p>
-          <a:p>
-            <a:pPr marL="400050" lvl="1" indent="0">
-              <a:buNone/>
-            </a:pPr>
-            <a:r>
-              <a:rPr lang="en-US" sz="1400" b="1" dirty="0" smtClean="0">
-                <a:solidFill>
                   <a:schemeClr val="accent2"/>
                 </a:solidFill>
                 <a:latin typeface="Courier New" pitchFamily="49" charset="0"/>
                 <a:cs typeface="Courier New" pitchFamily="49" charset="0"/>
               </a:rPr>
-              <a:t>#include &lt;</a:t>
-            </a:r>
-            <a:r>
-              <a:rPr lang="en-US" sz="1400" b="1" dirty="0" err="1" smtClean="0">
-                <a:solidFill>
-                  <a:schemeClr val="accent2"/>
-                </a:solidFill>
-                <a:latin typeface="Courier New" pitchFamily="49" charset="0"/>
-                <a:cs typeface="Courier New" pitchFamily="49" charset="0"/>
-              </a:rPr>
-              <a:t>stdio.h</a:t>
-            </a:r>
-            <a:r>
-              <a:rPr lang="en-US" sz="1400" b="1" dirty="0" smtClean="0">
-                <a:solidFill>
-                  <a:schemeClr val="accent2"/>
-                </a:solidFill>
-                <a:latin typeface="Courier New" pitchFamily="49" charset="0"/>
-                <a:cs typeface="Courier New" pitchFamily="49" charset="0"/>
-              </a:rPr>
-              <a:t>&gt;</a:t>
-            </a:r>
-          </a:p>
-          <a:p>
-            <a:pPr marL="400050" lvl="1" indent="0">
-              <a:buNone/>
-            </a:pPr>
-            <a:r>
-              <a:rPr lang="en-US" sz="1400" dirty="0">
-                <a:solidFill>
-                  <a:schemeClr val="accent2"/>
-                </a:solidFill>
-                <a:latin typeface="Courier New" pitchFamily="49" charset="0"/>
-                <a:cs typeface="Courier New" pitchFamily="49" charset="0"/>
-              </a:rPr>
-              <a:t>#include &lt;</a:t>
-            </a:r>
-            <a:r>
-              <a:rPr lang="en-US" sz="1400" dirty="0" err="1">
-                <a:solidFill>
-                  <a:schemeClr val="accent2"/>
-                </a:solidFill>
-                <a:latin typeface="Courier New" pitchFamily="49" charset="0"/>
-                <a:cs typeface="Courier New" pitchFamily="49" charset="0"/>
-              </a:rPr>
-              <a:t>stdint.h</a:t>
-            </a:r>
-            <a:r>
-              <a:rPr lang="en-US" sz="1400" dirty="0" smtClean="0">
-                <a:solidFill>
-                  <a:schemeClr val="accent2"/>
-                </a:solidFill>
-                <a:latin typeface="Courier New" pitchFamily="49" charset="0"/>
-                <a:cs typeface="Courier New" pitchFamily="49" charset="0"/>
-              </a:rPr>
-              <a:t>&gt;</a:t>
-            </a:r>
-            <a:endParaRPr lang="en-US" sz="1400" b="1" dirty="0" smtClean="0">
-              <a:solidFill>
-                <a:schemeClr val="accent2"/>
-              </a:solidFill>
-              <a:latin typeface="Courier New" pitchFamily="49" charset="0"/>
-              <a:cs typeface="Courier New" pitchFamily="49" charset="0"/>
-            </a:endParaRPr>
+              <a:t> = 5;</a:t>
+            </a:r>
           </a:p>
           <a:p>
             <a:pPr marL="400050" lvl="1" indent="0">
@@ -15082,24 +14704,34 @@
               <a:buNone/>
             </a:pPr>
             <a:r>
-              <a:rPr lang="en-US" sz="1400" dirty="0" err="1" smtClean="0">
+              <a:rPr lang="en-US" sz="1400" b="1" dirty="0">
                 <a:solidFill>
                   <a:schemeClr val="accent2"/>
                 </a:solidFill>
                 <a:latin typeface="Courier New" pitchFamily="49" charset="0"/>
                 <a:cs typeface="Courier New" pitchFamily="49" charset="0"/>
               </a:rPr>
-              <a:t>const</a:t>
-            </a:r>
-            <a:r>
-              <a:rPr lang="en-US" sz="1400" dirty="0" smtClean="0">
+              <a:t>while (</a:t>
+            </a:r>
+            <a:r>
+              <a:rPr lang="en-US" sz="1400" b="1" dirty="0" err="1">
                 <a:solidFill>
                   <a:schemeClr val="accent2"/>
                 </a:solidFill>
                 <a:latin typeface="Courier New" pitchFamily="49" charset="0"/>
                 <a:cs typeface="Courier New" pitchFamily="49" charset="0"/>
               </a:rPr>
-              <a:t> unint8_t </a:t>
+              <a:t>i</a:t>
+            </a:r>
+            <a:r>
+              <a:rPr lang="en-US" sz="1400" b="1" dirty="0">
+                <a:solidFill>
+                  <a:schemeClr val="accent2"/>
+                </a:solidFill>
+                <a:latin typeface="Courier New" pitchFamily="49" charset="0"/>
+                <a:cs typeface="Courier New" pitchFamily="49" charset="0"/>
+              </a:rPr>
+              <a:t> &lt; 10</a:t>
             </a:r>
             <a:r>
               <a:rPr lang="en-US" sz="1400" b="1" dirty="0" smtClean="0">
@@ -15109,13 +14741,28 @@
                 <a:latin typeface="Courier New" pitchFamily="49" charset="0"/>
                 <a:cs typeface="Courier New" pitchFamily="49" charset="0"/>
               </a:rPr>
-              <a:t>NUM_LOOPS = 23;</a:t>
-            </a:r>
-          </a:p>
-          <a:p>
-            <a:pPr marL="400050" lvl="1" indent="0">
-              <a:buNone/>
-            </a:pPr>
+              <a:t>){</a:t>
+            </a:r>
+            <a:r>
+              <a:rPr lang="en-US" sz="1400" b="1" dirty="0" err="1" smtClean="0">
+                <a:solidFill>
+                  <a:schemeClr val="accent2"/>
+                </a:solidFill>
+                <a:latin typeface="Courier New" pitchFamily="49" charset="0"/>
+                <a:cs typeface="Courier New" pitchFamily="49" charset="0"/>
+              </a:rPr>
+              <a:t>i</a:t>
+            </a:r>
+            <a:r>
+              <a:rPr lang="en-US" sz="1400" b="1" dirty="0" smtClean="0">
+                <a:solidFill>
+                  <a:schemeClr val="accent2"/>
+                </a:solidFill>
+                <a:latin typeface="Courier New" pitchFamily="49" charset="0"/>
+                <a:cs typeface="Courier New" pitchFamily="49" charset="0"/>
+              </a:rPr>
+              <a:t>++;}</a:t>
+            </a:r>
             <a:endParaRPr lang="en-US" sz="1400" b="1" dirty="0">
               <a:solidFill>
                 <a:schemeClr val="accent2"/>
@@ -15128,91 +14775,6 @@
             <a:pPr marL="400050" lvl="1" indent="0">
               <a:buNone/>
             </a:pPr>
-            <a:r>
-              <a:rPr lang="en-US" sz="1400" b="1" dirty="0">
-                <a:solidFill>
-                  <a:schemeClr val="accent2"/>
-                </a:solidFill>
-                <a:latin typeface="Courier New" pitchFamily="49" charset="0"/>
-                <a:cs typeface="Courier New" pitchFamily="49" charset="0"/>
-              </a:rPr>
-              <a:t>void main(void)</a:t>
-            </a:r>
-          </a:p>
-          <a:p>
-            <a:pPr marL="400050" lvl="1" indent="0">
-              <a:buNone/>
-            </a:pPr>
-            <a:r>
-              <a:rPr lang="en-US" sz="1400" b="1" dirty="0">
-                <a:solidFill>
-                  <a:schemeClr val="accent2"/>
-                </a:solidFill>
-                <a:latin typeface="Courier New" pitchFamily="49" charset="0"/>
-                <a:cs typeface="Courier New" pitchFamily="49" charset="0"/>
-              </a:rPr>
-              <a:t>{</a:t>
-            </a:r>
-          </a:p>
-          <a:p>
-            <a:pPr marL="400050" lvl="1" indent="0">
-              <a:buNone/>
-            </a:pPr>
-            <a:r>
-              <a:rPr lang="en-US" sz="1400" b="1" dirty="0">
-                <a:solidFill>
-                  <a:schemeClr val="accent2"/>
-                </a:solidFill>
-                <a:latin typeface="Courier New" pitchFamily="49" charset="0"/>
-                <a:cs typeface="Courier New" pitchFamily="49" charset="0"/>
-              </a:rPr>
-              <a:t>    unsigned char </a:t>
-            </a:r>
-            <a:r>
-              <a:rPr lang="en-US" sz="1400" b="1" dirty="0" err="1">
-                <a:solidFill>
-                  <a:schemeClr val="accent2"/>
-                </a:solidFill>
-                <a:latin typeface="Courier New" pitchFamily="49" charset="0"/>
-                <a:cs typeface="Courier New" pitchFamily="49" charset="0"/>
-              </a:rPr>
-              <a:t>i</a:t>
-            </a:r>
-            <a:r>
-              <a:rPr lang="en-US" sz="1400" b="1" dirty="0">
-                <a:solidFill>
-                  <a:schemeClr val="accent2"/>
-                </a:solidFill>
-                <a:latin typeface="Courier New" pitchFamily="49" charset="0"/>
-                <a:cs typeface="Courier New" pitchFamily="49" charset="0"/>
-              </a:rPr>
-              <a:t>;</a:t>
-            </a:r>
-          </a:p>
-          <a:p>
-            <a:pPr marL="400050" lvl="1" indent="0">
-              <a:buNone/>
-            </a:pPr>
-            <a:r>
-              <a:rPr lang="en-US" sz="1400" b="1" dirty="0">
-                <a:solidFill>
-                  <a:schemeClr val="accent2"/>
-                </a:solidFill>
-                <a:latin typeface="Courier New" pitchFamily="49" charset="0"/>
-                <a:cs typeface="Courier New" pitchFamily="49" charset="0"/>
-              </a:rPr>
-              <a:t>    unsigned int summation = 0</a:t>
-            </a:r>
-            <a:r>
-              <a:rPr lang="en-US" sz="1400" b="1" dirty="0" smtClean="0">
-                <a:solidFill>
-                  <a:schemeClr val="accent2"/>
-                </a:solidFill>
-                <a:latin typeface="Courier New" pitchFamily="49" charset="0"/>
-                <a:cs typeface="Courier New" pitchFamily="49" charset="0"/>
-              </a:rPr>
-              <a:t>;</a:t>
-            </a:r>
             <a:endParaRPr lang="en-US" sz="1400" b="1" dirty="0">
               <a:solidFill>
                 <a:schemeClr val="accent2"/>
@@ -15233,7 +14795,22 @@
                 <a:latin typeface="Courier New" pitchFamily="49" charset="0"/>
                 <a:cs typeface="Courier New" pitchFamily="49" charset="0"/>
               </a:rPr>
-              <a:t>    for (</a:t>
+              <a:t>do {</a:t>
+            </a:r>
+          </a:p>
+          <a:p>
+            <a:pPr marL="400050" lvl="1" indent="0">
+              <a:buNone/>
+            </a:pPr>
+            <a:r>
+              <a:rPr lang="en-US" sz="1400" b="1" dirty="0">
+                <a:solidFill>
+                  <a:schemeClr val="accent2"/>
+                </a:solidFill>
+                <a:latin typeface="Courier New" pitchFamily="49" charset="0"/>
+                <a:cs typeface="Courier New" pitchFamily="49" charset="0"/>
+              </a:rPr>
+              <a:t>    </a:t>
             </a:r>
             <a:r>
               <a:rPr lang="en-US" sz="1400" b="1" dirty="0" err="1">
@@ -15246,129 +14823,14 @@
               <a:t>i</a:t>
             </a:r>
             <a:r>
-              <a:rPr lang="en-US" sz="1400" b="1" dirty="0">
+              <a:rPr lang="en-US" sz="1400" b="1" dirty="0" smtClean="0">
                 <a:solidFill>
                   <a:schemeClr val="accent2"/>
                 </a:solidFill>
                 <a:latin typeface="Courier New" pitchFamily="49" charset="0"/>
                 <a:cs typeface="Courier New" pitchFamily="49" charset="0"/>
               </a:rPr>
-              <a:t> = 1; </a:t>
-            </a:r>
-            <a:r>
-              <a:rPr lang="en-US" sz="1400" b="1" dirty="0" err="1">
-                <a:solidFill>
-                  <a:schemeClr val="accent2"/>
-                </a:solidFill>
-                <a:latin typeface="Courier New" pitchFamily="49" charset="0"/>
-                <a:cs typeface="Courier New" pitchFamily="49" charset="0"/>
-              </a:rPr>
-              <a:t>i</a:t>
-            </a:r>
-            <a:r>
-              <a:rPr lang="en-US" sz="1400" b="1" dirty="0">
-                <a:solidFill>
-                  <a:schemeClr val="accent2"/>
-                </a:solidFill>
-                <a:latin typeface="Courier New" pitchFamily="49" charset="0"/>
-                <a:cs typeface="Courier New" pitchFamily="49" charset="0"/>
-              </a:rPr>
-              <a:t> &lt;= NUM_LOOPS; </a:t>
-            </a:r>
-            <a:r>
-              <a:rPr lang="en-US" sz="1400" b="1" dirty="0" err="1">
-                <a:solidFill>
-                  <a:schemeClr val="accent2"/>
-                </a:solidFill>
-                <a:latin typeface="Courier New" pitchFamily="49" charset="0"/>
-                <a:cs typeface="Courier New" pitchFamily="49" charset="0"/>
-              </a:rPr>
-              <a:t>i</a:t>
-            </a:r>
-            <a:r>
-              <a:rPr lang="en-US" sz="1400" b="1" dirty="0">
-                <a:solidFill>
-                  <a:schemeClr val="accent2"/>
-                </a:solidFill>
-                <a:latin typeface="Courier New" pitchFamily="49" charset="0"/>
-                <a:cs typeface="Courier New" pitchFamily="49" charset="0"/>
-              </a:rPr>
-              <a:t>++)</a:t>
-            </a:r>
-          </a:p>
-          <a:p>
-            <a:pPr marL="400050" lvl="1" indent="0">
-              <a:buNone/>
-            </a:pPr>
-            <a:r>
-              <a:rPr lang="en-US" sz="1400" b="1" dirty="0">
-                <a:solidFill>
-                  <a:schemeClr val="accent2"/>
-                </a:solidFill>
-                <a:latin typeface="Courier New" pitchFamily="49" charset="0"/>
-                <a:cs typeface="Courier New" pitchFamily="49" charset="0"/>
-              </a:rPr>
-              <a:t>    {</a:t>
-            </a:r>
-          </a:p>
-          <a:p>
-            <a:pPr marL="400050" lvl="1" indent="0">
-              <a:buNone/>
-            </a:pPr>
-            <a:r>
-              <a:rPr lang="en-US" sz="1400" b="1" dirty="0">
-                <a:solidFill>
-                  <a:schemeClr val="accent2"/>
-                </a:solidFill>
-                <a:latin typeface="Courier New" pitchFamily="49" charset="0"/>
-                <a:cs typeface="Courier New" pitchFamily="49" charset="0"/>
-              </a:rPr>
-              <a:t>        summation += </a:t>
-            </a:r>
-            <a:r>
-              <a:rPr lang="en-US" sz="1400" b="1" dirty="0" err="1">
-                <a:solidFill>
-                  <a:schemeClr val="accent2"/>
-                </a:solidFill>
-                <a:latin typeface="Courier New" pitchFamily="49" charset="0"/>
-                <a:cs typeface="Courier New" pitchFamily="49" charset="0"/>
-              </a:rPr>
-              <a:t>i</a:t>
-            </a:r>
-            <a:r>
-              <a:rPr lang="en-US" sz="1400" b="1" dirty="0">
-                <a:solidFill>
-                  <a:schemeClr val="accent2"/>
-                </a:solidFill>
-                <a:latin typeface="Courier New" pitchFamily="49" charset="0"/>
-                <a:cs typeface="Courier New" pitchFamily="49" charset="0"/>
-              </a:rPr>
-              <a:t>;</a:t>
-            </a:r>
-          </a:p>
-          <a:p>
-            <a:pPr marL="400050" lvl="1" indent="0">
-              <a:buNone/>
-            </a:pPr>
-            <a:r>
-              <a:rPr lang="en-US" sz="1400" b="1" dirty="0">
-                <a:solidFill>
-                  <a:schemeClr val="accent2"/>
-                </a:solidFill>
-                <a:latin typeface="Courier New" pitchFamily="49" charset="0"/>
-                <a:cs typeface="Courier New" pitchFamily="49" charset="0"/>
-              </a:rPr>
-              <a:t>    </a:t>
-            </a:r>
-            <a:r>
-              <a:rPr lang="en-US" sz="1400" b="1" dirty="0" smtClean="0">
-                <a:solidFill>
-                  <a:schemeClr val="accent2"/>
-                </a:solidFill>
-                <a:latin typeface="Courier New" pitchFamily="49" charset="0"/>
-                <a:cs typeface="Courier New" pitchFamily="49" charset="0"/>
-              </a:rPr>
-              <a:t>}</a:t>
+              <a:t>++;</a:t>
             </a:r>
             <a:endParaRPr lang="en-US" sz="1400" b="1" dirty="0">
               <a:solidFill>
@@ -15390,41 +14852,36 @@
                 <a:latin typeface="Courier New" pitchFamily="49" charset="0"/>
                 <a:cs typeface="Courier New" pitchFamily="49" charset="0"/>
               </a:rPr>
-              <a:t>    while (1) </a:t>
-            </a:r>
-            <a:r>
-              <a:rPr lang="en-US" sz="1400" b="1" dirty="0" smtClean="0">
+              <a:t>} while (</a:t>
+            </a:r>
+            <a:r>
+              <a:rPr lang="en-US" sz="1400" b="1" dirty="0" err="1">
                 <a:solidFill>
                   <a:schemeClr val="accent2"/>
                 </a:solidFill>
                 <a:latin typeface="Courier New" pitchFamily="49" charset="0"/>
                 <a:cs typeface="Courier New" pitchFamily="49" charset="0"/>
               </a:rPr>
-              <a:t>{;}        </a:t>
+              <a:t>i</a:t>
             </a:r>
             <a:r>
               <a:rPr lang="en-US" sz="1400" b="1" dirty="0">
                 <a:solidFill>
-                  <a:srgbClr val="00B050"/>
-                </a:solidFill>
-                <a:latin typeface="Courier New" pitchFamily="49" charset="0"/>
-                <a:cs typeface="Courier New" pitchFamily="49" charset="0"/>
-              </a:rPr>
-              <a:t>// trap the </a:t>
-            </a:r>
-            <a:r>
-              <a:rPr lang="en-US" sz="1400" b="1" dirty="0" smtClean="0">
-                <a:solidFill>
-                  <a:srgbClr val="00B050"/>
-                </a:solidFill>
-                <a:latin typeface="Courier New" pitchFamily="49" charset="0"/>
-                <a:cs typeface="Courier New" pitchFamily="49" charset="0"/>
-              </a:rPr>
-              <a:t>CPU</a:t>
-            </a:r>
+                  <a:schemeClr val="accent2"/>
+                </a:solidFill>
+                <a:latin typeface="Courier New" pitchFamily="49" charset="0"/>
+                <a:cs typeface="Courier New" pitchFamily="49" charset="0"/>
+              </a:rPr>
+              <a:t> &lt; 10);</a:t>
+            </a:r>
+          </a:p>
+          <a:p>
+            <a:pPr marL="400050" lvl="1" indent="0">
+              <a:buNone/>
+            </a:pPr>
             <a:endParaRPr lang="en-US" sz="1400" b="1" dirty="0">
               <a:solidFill>
-                <a:srgbClr val="00B050"/>
+                <a:schemeClr val="accent2"/>
               </a:solidFill>
               <a:latin typeface="Courier New" pitchFamily="49" charset="0"/>
               <a:cs typeface="Courier New" pitchFamily="49" charset="0"/>
@@ -15437,20 +14894,274 @@
             <a:r>
               <a:rPr lang="en-US" sz="1400" b="1" dirty="0">
                 <a:solidFill>
-                  <a:schemeClr val="accent2"/>
-                </a:solidFill>
-                <a:latin typeface="Courier New" pitchFamily="49" charset="0"/>
-                <a:cs typeface="Courier New" pitchFamily="49" charset="0"/>
-              </a:rPr>
-              <a:t>}</a:t>
-            </a:r>
+                  <a:srgbClr val="00B050"/>
+                </a:solidFill>
+                <a:latin typeface="Courier New" pitchFamily="49" charset="0"/>
+                <a:cs typeface="Courier New" pitchFamily="49" charset="0"/>
+              </a:rPr>
+              <a:t>// final value of </a:t>
+            </a:r>
+            <a:r>
+              <a:rPr lang="en-US" sz="1400" b="1" dirty="0" err="1">
+                <a:solidFill>
+                  <a:srgbClr val="00B050"/>
+                </a:solidFill>
+                <a:latin typeface="Courier New" pitchFamily="49" charset="0"/>
+                <a:cs typeface="Courier New" pitchFamily="49" charset="0"/>
+              </a:rPr>
+              <a:t>i</a:t>
+            </a:r>
+            <a:r>
+              <a:rPr lang="en-US" sz="1400" b="1" dirty="0">
+                <a:solidFill>
+                  <a:srgbClr val="00B050"/>
+                </a:solidFill>
+                <a:latin typeface="Courier New" pitchFamily="49" charset="0"/>
+                <a:cs typeface="Courier New" pitchFamily="49" charset="0"/>
+              </a:rPr>
+              <a:t> is 11</a:t>
+            </a:r>
+          </a:p>
+        </p:txBody>
+      </p:sp>
+      <p:sp>
+        <p:nvSpPr>
+          <p:cNvPr id="6" name="Rectangle 5"/>
+          <p:cNvSpPr/>
+          <p:nvPr/>
+        </p:nvSpPr>
+        <p:spPr bwMode="auto">
+          <a:xfrm>
+            <a:off x="4580709" y="5138057"/>
+            <a:ext cx="1994263" cy="830997"/>
+          </a:xfrm>
+          <a:prstGeom prst="rect">
+            <a:avLst/>
+          </a:prstGeom>
+          <a:solidFill>
+            <a:schemeClr val="bg1">
+              <a:lumMod val="95000"/>
+            </a:schemeClr>
+          </a:solidFill>
+          <a:ln w="9525" cap="flat" cmpd="sng" algn="ctr">
+            <a:noFill/>
+            <a:prstDash val="solid"/>
+            <a:round/>
+            <a:headEnd type="none" w="med" len="med"/>
+            <a:tailEnd type="none" w="med" len="med"/>
+          </a:ln>
+          <a:effectLst/>
+        </p:spPr>
+        <p:txBody>
+          <a:bodyPr vert="horz" wrap="square" lIns="91440" tIns="45720" rIns="91440" bIns="45720" numCol="1" rtlCol="0" anchor="t" anchorCtr="0" compatLnSpc="1">
+            <a:prstTxWarp prst="textNoShape">
+              <a:avLst/>
+            </a:prstTxWarp>
+            <a:spAutoFit/>
+          </a:bodyPr>
+          <a:lstStyle/>
+          <a:p>
+            <a:pPr marL="0" marR="0" indent="0" algn="l" defTabSz="914400" rtl="0" eaLnBrk="1" fontAlgn="base" latinLnBrk="0" hangingPunct="1">
+              <a:lnSpc>
+                <a:spcPct val="100000"/>
+              </a:lnSpc>
+              <a:spcBef>
+                <a:spcPct val="50000"/>
+              </a:spcBef>
+              <a:spcAft>
+                <a:spcPct val="0"/>
+              </a:spcAft>
+              <a:buClrTx/>
+              <a:buSzTx/>
+              <a:buFontTx/>
+              <a:buNone/>
+              <a:tabLst/>
+            </a:pPr>
+            <a:r>
+              <a:rPr kumimoji="0" lang="en-US" sz="2400" b="0" i="0" u="none" strike="noStrike" cap="none" normalizeH="0" baseline="0" dirty="0" smtClean="0">
+                <a:ln>
+                  <a:noFill/>
+                </a:ln>
+                <a:solidFill>
+                  <a:schemeClr val="tx1"/>
+                </a:solidFill>
+                <a:effectLst/>
+                <a:latin typeface="Times New Roman" pitchFamily="18" charset="0"/>
+                <a:sym typeface="Wingdings" pitchFamily="2" charset="2"/>
+              </a:rPr>
+              <a:t>Will execute at least once!</a:t>
+            </a:r>
+          </a:p>
+        </p:txBody>
+      </p:sp>
+      <p:sp>
+        <p:nvSpPr>
+          <p:cNvPr id="7" name="Left Arrow 6"/>
+          <p:cNvSpPr/>
+          <p:nvPr/>
+        </p:nvSpPr>
+        <p:spPr bwMode="auto">
+          <a:xfrm>
+            <a:off x="2981559" y="5246576"/>
+            <a:ext cx="1454331" cy="409303"/>
+          </a:xfrm>
+          <a:prstGeom prst="leftArrow">
+            <a:avLst/>
+          </a:prstGeom>
+          <a:solidFill>
+            <a:schemeClr val="bg1">
+              <a:lumMod val="50000"/>
+            </a:schemeClr>
+          </a:solidFill>
+          <a:ln w="9525" cap="flat" cmpd="sng" algn="ctr">
+            <a:noFill/>
+            <a:prstDash val="solid"/>
+            <a:round/>
+            <a:headEnd type="none" w="med" len="med"/>
+            <a:tailEnd type="none" w="med" len="med"/>
+          </a:ln>
+          <a:effectLst/>
+        </p:spPr>
+        <p:txBody>
+          <a:bodyPr vert="horz" wrap="square" lIns="91440" tIns="45720" rIns="91440" bIns="45720" numCol="1" rtlCol="0" anchor="t" anchorCtr="0" compatLnSpc="1">
+            <a:prstTxWarp prst="textNoShape">
+              <a:avLst/>
+            </a:prstTxWarp>
+            <a:spAutoFit/>
+          </a:bodyPr>
+          <a:lstStyle/>
+          <a:p>
+            <a:pPr marL="0" marR="0" indent="0" algn="l" defTabSz="914400" rtl="0" eaLnBrk="1" fontAlgn="base" latinLnBrk="0" hangingPunct="1">
+              <a:lnSpc>
+                <a:spcPct val="100000"/>
+              </a:lnSpc>
+              <a:spcBef>
+                <a:spcPct val="50000"/>
+              </a:spcBef>
+              <a:spcAft>
+                <a:spcPct val="0"/>
+              </a:spcAft>
+              <a:buClrTx/>
+              <a:buSzTx/>
+              <a:buFontTx/>
+              <a:buNone/>
+              <a:tabLst/>
+            </a:pPr>
+            <a:endParaRPr kumimoji="0" lang="en-US" sz="2400" b="0" i="0" u="none" strike="noStrike" cap="none" normalizeH="0" baseline="0" smtClean="0">
+              <a:ln>
+                <a:noFill/>
+              </a:ln>
+              <a:solidFill>
+                <a:schemeClr val="tx1"/>
+              </a:solidFill>
+              <a:effectLst/>
+              <a:latin typeface="Times New Roman" pitchFamily="18" charset="0"/>
+              <a:sym typeface="Wingdings" pitchFamily="2" charset="2"/>
+            </a:endParaRPr>
+          </a:p>
+        </p:txBody>
+      </p:sp>
+      <p:sp>
+        <p:nvSpPr>
+          <p:cNvPr id="8" name="Left Arrow 7"/>
+          <p:cNvSpPr/>
+          <p:nvPr/>
+        </p:nvSpPr>
+        <p:spPr bwMode="auto">
+          <a:xfrm>
+            <a:off x="2981560" y="4402460"/>
+            <a:ext cx="1454331" cy="409303"/>
+          </a:xfrm>
+          <a:prstGeom prst="leftArrow">
+            <a:avLst/>
+          </a:prstGeom>
+          <a:solidFill>
+            <a:schemeClr val="bg1">
+              <a:lumMod val="50000"/>
+            </a:schemeClr>
+          </a:solidFill>
+          <a:ln w="9525" cap="flat" cmpd="sng" algn="ctr">
+            <a:noFill/>
+            <a:prstDash val="solid"/>
+            <a:round/>
+            <a:headEnd type="none" w="med" len="med"/>
+            <a:tailEnd type="none" w="med" len="med"/>
+          </a:ln>
+          <a:effectLst/>
+        </p:spPr>
+        <p:txBody>
+          <a:bodyPr vert="horz" wrap="square" lIns="91440" tIns="45720" rIns="91440" bIns="45720" numCol="1" rtlCol="0" anchor="t" anchorCtr="0" compatLnSpc="1">
+            <a:prstTxWarp prst="textNoShape">
+              <a:avLst/>
+            </a:prstTxWarp>
+            <a:spAutoFit/>
+          </a:bodyPr>
+          <a:lstStyle/>
+          <a:p>
+            <a:pPr marL="0" marR="0" indent="0" algn="l" defTabSz="914400" rtl="0" eaLnBrk="1" fontAlgn="base" latinLnBrk="0" hangingPunct="1">
+              <a:lnSpc>
+                <a:spcPct val="100000"/>
+              </a:lnSpc>
+              <a:spcBef>
+                <a:spcPct val="50000"/>
+              </a:spcBef>
+              <a:spcAft>
+                <a:spcPct val="0"/>
+              </a:spcAft>
+              <a:buClrTx/>
+              <a:buSzTx/>
+              <a:buFontTx/>
+              <a:buNone/>
+              <a:tabLst/>
+            </a:pPr>
+            <a:endParaRPr kumimoji="0" lang="en-US" sz="2400" b="0" i="0" u="none" strike="noStrike" cap="none" normalizeH="0" baseline="0" smtClean="0">
+              <a:ln>
+                <a:noFill/>
+              </a:ln>
+              <a:solidFill>
+                <a:schemeClr val="tx1"/>
+              </a:solidFill>
+              <a:effectLst/>
+              <a:latin typeface="Times New Roman" pitchFamily="18" charset="0"/>
+              <a:sym typeface="Wingdings" pitchFamily="2" charset="2"/>
+            </a:endParaRPr>
+          </a:p>
+        </p:txBody>
+      </p:sp>
+      <p:sp>
+        <p:nvSpPr>
+          <p:cNvPr id="4" name="TextBox 3"/>
+          <p:cNvSpPr txBox="1"/>
+          <p:nvPr/>
+        </p:nvSpPr>
+        <p:spPr>
+          <a:xfrm>
+            <a:off x="4580709" y="3753122"/>
+            <a:ext cx="4031784" cy="1200329"/>
+          </a:xfrm>
+          <a:prstGeom prst="rect">
+            <a:avLst/>
+          </a:prstGeom>
+          <a:noFill/>
+        </p:spPr>
+        <p:txBody>
+          <a:bodyPr wrap="square" rtlCol="0">
+            <a:spAutoFit/>
+          </a:bodyPr>
+          <a:lstStyle/>
+          <a:p>
+            <a:r>
+              <a:rPr lang="en-US" dirty="0" smtClean="0"/>
+              <a:t>Is this valid? … yes! You could write your entire program on one line … but please don’t!!</a:t>
+            </a:r>
+            <a:endParaRPr lang="en-US" dirty="0"/>
           </a:p>
         </p:txBody>
       </p:sp>
     </p:spTree>
     <p:extLst>
       <p:ext uri="{BB962C8B-B14F-4D97-AF65-F5344CB8AC3E}">
-        <p14:creationId xmlns:p14="http://schemas.microsoft.com/office/powerpoint/2010/main" val="1003012573"/>
+        <p14:creationId xmlns:p14="http://schemas.microsoft.com/office/powerpoint/2010/main" val="755079974"/>
       </p:ext>
     </p:extLst>
   </p:cSld>
@@ -15500,6 +15211,777 @@
           <a:lstStyle/>
           <a:p>
             <a:r>
+              <a:rPr lang="en-US" b="1" dirty="0" smtClean="0"/>
+              <a:t>Basic C Program Structure</a:t>
+            </a:r>
+            <a:endParaRPr lang="en-US" dirty="0"/>
+          </a:p>
+        </p:txBody>
+      </p:sp>
+      <p:sp>
+        <p:nvSpPr>
+          <p:cNvPr id="3" name="Content Placeholder 2"/>
+          <p:cNvSpPr>
+            <a:spLocks noGrp="1"/>
+          </p:cNvSpPr>
+          <p:nvPr>
+            <p:ph idx="1"/>
+          </p:nvPr>
+        </p:nvSpPr>
+        <p:spPr>
+          <a:xfrm>
+            <a:off x="275129" y="1503490"/>
+            <a:ext cx="8868871" cy="4801058"/>
+          </a:xfrm>
+        </p:spPr>
+        <p:txBody>
+          <a:bodyPr>
+            <a:normAutofit fontScale="77500" lnSpcReduction="20000"/>
+          </a:bodyPr>
+          <a:lstStyle/>
+          <a:p>
+            <a:pPr marL="400050" lvl="1" indent="0">
+              <a:buNone/>
+            </a:pPr>
+            <a:r>
+              <a:rPr lang="en-US" sz="1400" b="1" dirty="0">
+                <a:solidFill>
+                  <a:srgbClr val="00B050"/>
+                </a:solidFill>
+                <a:latin typeface="Courier New" pitchFamily="49" charset="0"/>
+                <a:cs typeface="Courier New" pitchFamily="49" charset="0"/>
+              </a:rPr>
+              <a:t>// #include statements</a:t>
+            </a:r>
+          </a:p>
+          <a:p>
+            <a:pPr marL="400050" lvl="1" indent="0">
+              <a:buNone/>
+            </a:pPr>
+            <a:r>
+              <a:rPr lang="en-US" sz="1400" b="1" dirty="0">
+                <a:solidFill>
+                  <a:srgbClr val="00B050"/>
+                </a:solidFill>
+                <a:latin typeface="Courier New" pitchFamily="49" charset="0"/>
+                <a:cs typeface="Courier New" pitchFamily="49" charset="0"/>
+              </a:rPr>
+              <a:t>// #define </a:t>
+            </a:r>
+            <a:r>
+              <a:rPr lang="en-US" sz="1400" b="1" dirty="0" smtClean="0">
+                <a:solidFill>
+                  <a:srgbClr val="00B050"/>
+                </a:solidFill>
+                <a:latin typeface="Courier New" pitchFamily="49" charset="0"/>
+                <a:cs typeface="Courier New" pitchFamily="49" charset="0"/>
+              </a:rPr>
+              <a:t>statements</a:t>
+            </a:r>
+            <a:endParaRPr lang="en-US" sz="1400" b="1" dirty="0">
+              <a:solidFill>
+                <a:srgbClr val="00B050"/>
+              </a:solidFill>
+              <a:latin typeface="Courier New" pitchFamily="49" charset="0"/>
+              <a:cs typeface="Courier New" pitchFamily="49" charset="0"/>
+            </a:endParaRPr>
+          </a:p>
+          <a:p>
+            <a:pPr marL="400050" lvl="1" indent="0">
+              <a:buNone/>
+            </a:pPr>
+            <a:r>
+              <a:rPr lang="en-US" sz="1400" b="1" dirty="0">
+                <a:solidFill>
+                  <a:srgbClr val="00B050"/>
+                </a:solidFill>
+                <a:latin typeface="Courier New" pitchFamily="49" charset="0"/>
+                <a:cs typeface="Courier New" pitchFamily="49" charset="0"/>
+              </a:rPr>
+              <a:t>// global </a:t>
+            </a:r>
+            <a:r>
+              <a:rPr lang="en-US" sz="1400" b="1" dirty="0" smtClean="0">
+                <a:solidFill>
+                  <a:srgbClr val="00B050"/>
+                </a:solidFill>
+                <a:latin typeface="Courier New" pitchFamily="49" charset="0"/>
+                <a:cs typeface="Courier New" pitchFamily="49" charset="0"/>
+              </a:rPr>
+              <a:t>variables &lt;- NOOOOOO!</a:t>
+            </a:r>
+            <a:endParaRPr lang="en-US" sz="1400" b="1" dirty="0">
+              <a:solidFill>
+                <a:srgbClr val="00B050"/>
+              </a:solidFill>
+              <a:latin typeface="Courier New" pitchFamily="49" charset="0"/>
+              <a:cs typeface="Courier New" pitchFamily="49" charset="0"/>
+            </a:endParaRPr>
+          </a:p>
+          <a:p>
+            <a:pPr marL="400050" lvl="1" indent="0">
+              <a:buNone/>
+            </a:pPr>
+            <a:endParaRPr lang="en-US" sz="1400" b="1" dirty="0">
+              <a:solidFill>
+                <a:srgbClr val="00B050"/>
+              </a:solidFill>
+              <a:latin typeface="Courier New" pitchFamily="49" charset="0"/>
+              <a:cs typeface="Courier New" pitchFamily="49" charset="0"/>
+            </a:endParaRPr>
+          </a:p>
+          <a:p>
+            <a:pPr marL="400050" lvl="1" indent="0">
+              <a:buNone/>
+            </a:pPr>
+            <a:r>
+              <a:rPr lang="en-US" sz="1400" b="1" dirty="0">
+                <a:solidFill>
+                  <a:srgbClr val="00B050"/>
+                </a:solidFill>
+                <a:latin typeface="Courier New" pitchFamily="49" charset="0"/>
+                <a:cs typeface="Courier New" pitchFamily="49" charset="0"/>
+              </a:rPr>
+              <a:t>void main(void)</a:t>
+            </a:r>
+          </a:p>
+          <a:p>
+            <a:pPr marL="400050" lvl="1" indent="0">
+              <a:buNone/>
+            </a:pPr>
+            <a:r>
+              <a:rPr lang="en-US" sz="1400" b="1" dirty="0">
+                <a:solidFill>
+                  <a:srgbClr val="00B050"/>
+                </a:solidFill>
+                <a:latin typeface="Courier New" pitchFamily="49" charset="0"/>
+                <a:cs typeface="Courier New" pitchFamily="49" charset="0"/>
+              </a:rPr>
+              <a:t>{</a:t>
+            </a:r>
+          </a:p>
+          <a:p>
+            <a:pPr marL="400050" lvl="1" indent="0">
+              <a:buNone/>
+            </a:pPr>
+            <a:r>
+              <a:rPr lang="en-US" sz="1400" b="1" dirty="0">
+                <a:solidFill>
+                  <a:srgbClr val="00B050"/>
+                </a:solidFill>
+                <a:latin typeface="Courier New" pitchFamily="49" charset="0"/>
+                <a:cs typeface="Courier New" pitchFamily="49" charset="0"/>
+              </a:rPr>
+              <a:t>    // Variable declarations</a:t>
+            </a:r>
+          </a:p>
+          <a:p>
+            <a:pPr marL="400050" lvl="1" indent="0">
+              <a:buNone/>
+            </a:pPr>
+            <a:r>
+              <a:rPr lang="en-US" sz="1400" b="1" dirty="0">
+                <a:solidFill>
+                  <a:srgbClr val="00B050"/>
+                </a:solidFill>
+                <a:latin typeface="Courier New" pitchFamily="49" charset="0"/>
+                <a:cs typeface="Courier New" pitchFamily="49" charset="0"/>
+              </a:rPr>
+              <a:t>    // Useful </a:t>
+            </a:r>
+            <a:r>
+              <a:rPr lang="en-US" sz="1400" b="1" dirty="0" smtClean="0">
+                <a:solidFill>
+                  <a:srgbClr val="00B050"/>
+                </a:solidFill>
+                <a:latin typeface="Courier New" pitchFamily="49" charset="0"/>
+                <a:cs typeface="Courier New" pitchFamily="49" charset="0"/>
+              </a:rPr>
+              <a:t>code</a:t>
+            </a:r>
+            <a:endParaRPr lang="en-US" sz="1400" b="1" dirty="0">
+              <a:solidFill>
+                <a:srgbClr val="00B050"/>
+              </a:solidFill>
+              <a:latin typeface="Courier New" pitchFamily="49" charset="0"/>
+              <a:cs typeface="Courier New" pitchFamily="49" charset="0"/>
+            </a:endParaRPr>
+          </a:p>
+          <a:p>
+            <a:pPr marL="400050" lvl="1" indent="0">
+              <a:buNone/>
+            </a:pPr>
+            <a:r>
+              <a:rPr lang="en-US" sz="1400" b="1" dirty="0">
+                <a:solidFill>
+                  <a:srgbClr val="00B050"/>
+                </a:solidFill>
+                <a:latin typeface="Courier New" pitchFamily="49" charset="0"/>
+                <a:cs typeface="Courier New" pitchFamily="49" charset="0"/>
+              </a:rPr>
+              <a:t>    while (1) </a:t>
+            </a:r>
+            <a:r>
+              <a:rPr lang="en-US" sz="1400" b="1" dirty="0" smtClean="0">
+                <a:solidFill>
+                  <a:srgbClr val="00B050"/>
+                </a:solidFill>
+                <a:latin typeface="Courier New" pitchFamily="49" charset="0"/>
+                <a:cs typeface="Courier New" pitchFamily="49" charset="0"/>
+              </a:rPr>
+              <a:t>{;}        </a:t>
+            </a:r>
+            <a:r>
+              <a:rPr lang="en-US" sz="1400" b="1" dirty="0">
+                <a:solidFill>
+                  <a:srgbClr val="00B050"/>
+                </a:solidFill>
+                <a:latin typeface="Courier New" pitchFamily="49" charset="0"/>
+                <a:cs typeface="Courier New" pitchFamily="49" charset="0"/>
+              </a:rPr>
+              <a:t>// trap the CPU</a:t>
+            </a:r>
+          </a:p>
+          <a:p>
+            <a:pPr marL="400050" lvl="1" indent="0">
+              <a:buNone/>
+            </a:pPr>
+            <a:r>
+              <a:rPr lang="en-US" sz="1400" b="1" dirty="0">
+                <a:solidFill>
+                  <a:srgbClr val="00B050"/>
+                </a:solidFill>
+                <a:latin typeface="Courier New" pitchFamily="49" charset="0"/>
+                <a:cs typeface="Courier New" pitchFamily="49" charset="0"/>
+              </a:rPr>
+              <a:t>}</a:t>
+            </a:r>
+            <a:endParaRPr lang="en-US" sz="1800" i="1" dirty="0" smtClean="0"/>
+          </a:p>
+          <a:p>
+            <a:pPr marL="0" indent="0">
+              <a:buNone/>
+            </a:pPr>
+            <a:r>
+              <a:rPr lang="en-US" sz="1800" b="1" dirty="0" smtClean="0">
+                <a:latin typeface="Courier New" pitchFamily="49" charset="0"/>
+                <a:cs typeface="Courier New" pitchFamily="49" charset="0"/>
+              </a:rPr>
+              <a:t>Example:</a:t>
+            </a:r>
+          </a:p>
+          <a:p>
+            <a:pPr marL="400050" lvl="1" indent="0">
+              <a:buNone/>
+            </a:pPr>
+            <a:r>
+              <a:rPr lang="en-US" sz="1400" b="1" dirty="0" smtClean="0">
+                <a:solidFill>
+                  <a:schemeClr val="accent2"/>
+                </a:solidFill>
+                <a:latin typeface="Courier New" pitchFamily="49" charset="0"/>
+                <a:cs typeface="Courier New" pitchFamily="49" charset="0"/>
+              </a:rPr>
+              <a:t>#include &lt;</a:t>
+            </a:r>
+            <a:r>
+              <a:rPr lang="en-US" sz="1400" b="1" dirty="0" err="1" smtClean="0">
+                <a:solidFill>
+                  <a:schemeClr val="accent2"/>
+                </a:solidFill>
+                <a:latin typeface="Courier New" pitchFamily="49" charset="0"/>
+                <a:cs typeface="Courier New" pitchFamily="49" charset="0"/>
+              </a:rPr>
+              <a:t>stdio.h</a:t>
+            </a:r>
+            <a:r>
+              <a:rPr lang="en-US" sz="1400" b="1" dirty="0" smtClean="0">
+                <a:solidFill>
+                  <a:schemeClr val="accent2"/>
+                </a:solidFill>
+                <a:latin typeface="Courier New" pitchFamily="49" charset="0"/>
+                <a:cs typeface="Courier New" pitchFamily="49" charset="0"/>
+              </a:rPr>
+              <a:t>&gt;</a:t>
+            </a:r>
+          </a:p>
+          <a:p>
+            <a:pPr marL="400050" lvl="1" indent="0">
+              <a:buNone/>
+            </a:pPr>
+            <a:r>
+              <a:rPr lang="en-US" sz="1400" dirty="0">
+                <a:solidFill>
+                  <a:schemeClr val="accent2"/>
+                </a:solidFill>
+                <a:latin typeface="Courier New" pitchFamily="49" charset="0"/>
+                <a:cs typeface="Courier New" pitchFamily="49" charset="0"/>
+              </a:rPr>
+              <a:t>#include &lt;</a:t>
+            </a:r>
+            <a:r>
+              <a:rPr lang="en-US" sz="1400" dirty="0" err="1">
+                <a:solidFill>
+                  <a:schemeClr val="accent2"/>
+                </a:solidFill>
+                <a:latin typeface="Courier New" pitchFamily="49" charset="0"/>
+                <a:cs typeface="Courier New" pitchFamily="49" charset="0"/>
+              </a:rPr>
+              <a:t>stdint.h</a:t>
+            </a:r>
+            <a:r>
+              <a:rPr lang="en-US" sz="1400" dirty="0" smtClean="0">
+                <a:solidFill>
+                  <a:schemeClr val="accent2"/>
+                </a:solidFill>
+                <a:latin typeface="Courier New" pitchFamily="49" charset="0"/>
+                <a:cs typeface="Courier New" pitchFamily="49" charset="0"/>
+              </a:rPr>
+              <a:t>&gt;</a:t>
+            </a:r>
+            <a:endParaRPr lang="en-US" sz="1400" b="1" dirty="0" smtClean="0">
+              <a:solidFill>
+                <a:schemeClr val="accent2"/>
+              </a:solidFill>
+              <a:latin typeface="Courier New" pitchFamily="49" charset="0"/>
+              <a:cs typeface="Courier New" pitchFamily="49" charset="0"/>
+            </a:endParaRPr>
+          </a:p>
+          <a:p>
+            <a:pPr marL="400050" lvl="1" indent="0">
+              <a:buNone/>
+            </a:pPr>
+            <a:endParaRPr lang="en-US" sz="1400" b="1" dirty="0">
+              <a:solidFill>
+                <a:schemeClr val="accent2"/>
+              </a:solidFill>
+              <a:latin typeface="Courier New" pitchFamily="49" charset="0"/>
+              <a:cs typeface="Courier New" pitchFamily="49" charset="0"/>
+            </a:endParaRPr>
+          </a:p>
+          <a:p>
+            <a:pPr marL="400050" lvl="1" indent="0">
+              <a:buNone/>
+            </a:pPr>
+            <a:r>
+              <a:rPr lang="en-US" sz="1400" dirty="0" err="1" smtClean="0">
+                <a:solidFill>
+                  <a:schemeClr val="accent2"/>
+                </a:solidFill>
+                <a:latin typeface="Courier New" pitchFamily="49" charset="0"/>
+                <a:cs typeface="Courier New" pitchFamily="49" charset="0"/>
+              </a:rPr>
+              <a:t>const</a:t>
+            </a:r>
+            <a:r>
+              <a:rPr lang="en-US" sz="1400" dirty="0" smtClean="0">
+                <a:solidFill>
+                  <a:schemeClr val="accent2"/>
+                </a:solidFill>
+                <a:latin typeface="Courier New" pitchFamily="49" charset="0"/>
+                <a:cs typeface="Courier New" pitchFamily="49" charset="0"/>
+              </a:rPr>
+              <a:t> unint8_t </a:t>
+            </a:r>
+            <a:r>
+              <a:rPr lang="en-US" sz="1400" b="1" dirty="0" smtClean="0">
+                <a:solidFill>
+                  <a:schemeClr val="accent2"/>
+                </a:solidFill>
+                <a:latin typeface="Courier New" pitchFamily="49" charset="0"/>
+                <a:cs typeface="Courier New" pitchFamily="49" charset="0"/>
+              </a:rPr>
+              <a:t>NUM_LOOPS = 23;</a:t>
+            </a:r>
+          </a:p>
+          <a:p>
+            <a:pPr marL="400050" lvl="1" indent="0">
+              <a:buNone/>
+            </a:pPr>
+            <a:endParaRPr lang="en-US" sz="1400" b="1" dirty="0">
+              <a:solidFill>
+                <a:schemeClr val="accent2"/>
+              </a:solidFill>
+              <a:latin typeface="Courier New" pitchFamily="49" charset="0"/>
+              <a:cs typeface="Courier New" pitchFamily="49" charset="0"/>
+            </a:endParaRPr>
+          </a:p>
+          <a:p>
+            <a:pPr marL="400050" lvl="1" indent="0">
+              <a:buNone/>
+            </a:pPr>
+            <a:r>
+              <a:rPr lang="en-US" sz="1400" b="1" dirty="0">
+                <a:solidFill>
+                  <a:schemeClr val="accent2"/>
+                </a:solidFill>
+                <a:latin typeface="Courier New" pitchFamily="49" charset="0"/>
+                <a:cs typeface="Courier New" pitchFamily="49" charset="0"/>
+              </a:rPr>
+              <a:t>void main(void)</a:t>
+            </a:r>
+          </a:p>
+          <a:p>
+            <a:pPr marL="400050" lvl="1" indent="0">
+              <a:buNone/>
+            </a:pPr>
+            <a:r>
+              <a:rPr lang="en-US" sz="1400" b="1" dirty="0">
+                <a:solidFill>
+                  <a:schemeClr val="accent2"/>
+                </a:solidFill>
+                <a:latin typeface="Courier New" pitchFamily="49" charset="0"/>
+                <a:cs typeface="Courier New" pitchFamily="49" charset="0"/>
+              </a:rPr>
+              <a:t>{</a:t>
+            </a:r>
+          </a:p>
+          <a:p>
+            <a:pPr marL="400050" lvl="1" indent="0">
+              <a:buNone/>
+            </a:pPr>
+            <a:r>
+              <a:rPr lang="en-US" sz="1400" b="1" dirty="0">
+                <a:solidFill>
+                  <a:schemeClr val="accent2"/>
+                </a:solidFill>
+                <a:latin typeface="Courier New" pitchFamily="49" charset="0"/>
+                <a:cs typeface="Courier New" pitchFamily="49" charset="0"/>
+              </a:rPr>
+              <a:t>    unsigned char </a:t>
+            </a:r>
+            <a:r>
+              <a:rPr lang="en-US" sz="1400" b="1" dirty="0" err="1">
+                <a:solidFill>
+                  <a:schemeClr val="accent2"/>
+                </a:solidFill>
+                <a:latin typeface="Courier New" pitchFamily="49" charset="0"/>
+                <a:cs typeface="Courier New" pitchFamily="49" charset="0"/>
+              </a:rPr>
+              <a:t>i</a:t>
+            </a:r>
+            <a:r>
+              <a:rPr lang="en-US" sz="1400" b="1" dirty="0">
+                <a:solidFill>
+                  <a:schemeClr val="accent2"/>
+                </a:solidFill>
+                <a:latin typeface="Courier New" pitchFamily="49" charset="0"/>
+                <a:cs typeface="Courier New" pitchFamily="49" charset="0"/>
+              </a:rPr>
+              <a:t>;</a:t>
+            </a:r>
+          </a:p>
+          <a:p>
+            <a:pPr marL="400050" lvl="1" indent="0">
+              <a:buNone/>
+            </a:pPr>
+            <a:r>
+              <a:rPr lang="en-US" sz="1400" b="1" dirty="0">
+                <a:solidFill>
+                  <a:schemeClr val="accent2"/>
+                </a:solidFill>
+                <a:latin typeface="Courier New" pitchFamily="49" charset="0"/>
+                <a:cs typeface="Courier New" pitchFamily="49" charset="0"/>
+              </a:rPr>
+              <a:t>    unsigned int summation = 0</a:t>
+            </a:r>
+            <a:r>
+              <a:rPr lang="en-US" sz="1400" b="1" dirty="0" smtClean="0">
+                <a:solidFill>
+                  <a:schemeClr val="accent2"/>
+                </a:solidFill>
+                <a:latin typeface="Courier New" pitchFamily="49" charset="0"/>
+                <a:cs typeface="Courier New" pitchFamily="49" charset="0"/>
+              </a:rPr>
+              <a:t>;</a:t>
+            </a:r>
+            <a:endParaRPr lang="en-US" sz="1400" b="1" dirty="0">
+              <a:solidFill>
+                <a:schemeClr val="accent2"/>
+              </a:solidFill>
+              <a:latin typeface="Courier New" pitchFamily="49" charset="0"/>
+              <a:cs typeface="Courier New" pitchFamily="49" charset="0"/>
+            </a:endParaRPr>
+          </a:p>
+          <a:p>
+            <a:pPr marL="400050" lvl="1" indent="0">
+              <a:buNone/>
+            </a:pPr>
+            <a:r>
+              <a:rPr lang="en-US" sz="1400" b="1" dirty="0">
+                <a:solidFill>
+                  <a:schemeClr val="accent2"/>
+                </a:solidFill>
+                <a:latin typeface="Courier New" pitchFamily="49" charset="0"/>
+                <a:cs typeface="Courier New" pitchFamily="49" charset="0"/>
+              </a:rPr>
+              <a:t>    for (</a:t>
+            </a:r>
+            <a:r>
+              <a:rPr lang="en-US" sz="1400" b="1" dirty="0" err="1">
+                <a:solidFill>
+                  <a:schemeClr val="accent2"/>
+                </a:solidFill>
+                <a:latin typeface="Courier New" pitchFamily="49" charset="0"/>
+                <a:cs typeface="Courier New" pitchFamily="49" charset="0"/>
+              </a:rPr>
+              <a:t>i</a:t>
+            </a:r>
+            <a:r>
+              <a:rPr lang="en-US" sz="1400" b="1" dirty="0">
+                <a:solidFill>
+                  <a:schemeClr val="accent2"/>
+                </a:solidFill>
+                <a:latin typeface="Courier New" pitchFamily="49" charset="0"/>
+                <a:cs typeface="Courier New" pitchFamily="49" charset="0"/>
+              </a:rPr>
+              <a:t> = 1; </a:t>
+            </a:r>
+            <a:r>
+              <a:rPr lang="en-US" sz="1400" b="1" dirty="0" err="1">
+                <a:solidFill>
+                  <a:schemeClr val="accent2"/>
+                </a:solidFill>
+                <a:latin typeface="Courier New" pitchFamily="49" charset="0"/>
+                <a:cs typeface="Courier New" pitchFamily="49" charset="0"/>
+              </a:rPr>
+              <a:t>i</a:t>
+            </a:r>
+            <a:r>
+              <a:rPr lang="en-US" sz="1400" b="1" dirty="0">
+                <a:solidFill>
+                  <a:schemeClr val="accent2"/>
+                </a:solidFill>
+                <a:latin typeface="Courier New" pitchFamily="49" charset="0"/>
+                <a:cs typeface="Courier New" pitchFamily="49" charset="0"/>
+              </a:rPr>
+              <a:t> &lt;= NUM_LOOPS; </a:t>
+            </a:r>
+            <a:r>
+              <a:rPr lang="en-US" sz="1400" b="1" dirty="0" err="1">
+                <a:solidFill>
+                  <a:schemeClr val="accent2"/>
+                </a:solidFill>
+                <a:latin typeface="Courier New" pitchFamily="49" charset="0"/>
+                <a:cs typeface="Courier New" pitchFamily="49" charset="0"/>
+              </a:rPr>
+              <a:t>i</a:t>
+            </a:r>
+            <a:r>
+              <a:rPr lang="en-US" sz="1400" b="1" dirty="0">
+                <a:solidFill>
+                  <a:schemeClr val="accent2"/>
+                </a:solidFill>
+                <a:latin typeface="Courier New" pitchFamily="49" charset="0"/>
+                <a:cs typeface="Courier New" pitchFamily="49" charset="0"/>
+              </a:rPr>
+              <a:t>++)</a:t>
+            </a:r>
+          </a:p>
+          <a:p>
+            <a:pPr marL="400050" lvl="1" indent="0">
+              <a:buNone/>
+            </a:pPr>
+            <a:r>
+              <a:rPr lang="en-US" sz="1400" b="1" dirty="0">
+                <a:solidFill>
+                  <a:schemeClr val="accent2"/>
+                </a:solidFill>
+                <a:latin typeface="Courier New" pitchFamily="49" charset="0"/>
+                <a:cs typeface="Courier New" pitchFamily="49" charset="0"/>
+              </a:rPr>
+              <a:t>    {</a:t>
+            </a:r>
+          </a:p>
+          <a:p>
+            <a:pPr marL="400050" lvl="1" indent="0">
+              <a:buNone/>
+            </a:pPr>
+            <a:r>
+              <a:rPr lang="en-US" sz="1400" b="1" dirty="0">
+                <a:solidFill>
+                  <a:schemeClr val="accent2"/>
+                </a:solidFill>
+                <a:latin typeface="Courier New" pitchFamily="49" charset="0"/>
+                <a:cs typeface="Courier New" pitchFamily="49" charset="0"/>
+              </a:rPr>
+              <a:t>        summation += </a:t>
+            </a:r>
+            <a:r>
+              <a:rPr lang="en-US" sz="1400" b="1" dirty="0" err="1">
+                <a:solidFill>
+                  <a:schemeClr val="accent2"/>
+                </a:solidFill>
+                <a:latin typeface="Courier New" pitchFamily="49" charset="0"/>
+                <a:cs typeface="Courier New" pitchFamily="49" charset="0"/>
+              </a:rPr>
+              <a:t>i</a:t>
+            </a:r>
+            <a:r>
+              <a:rPr lang="en-US" sz="1400" b="1" dirty="0">
+                <a:solidFill>
+                  <a:schemeClr val="accent2"/>
+                </a:solidFill>
+                <a:latin typeface="Courier New" pitchFamily="49" charset="0"/>
+                <a:cs typeface="Courier New" pitchFamily="49" charset="0"/>
+              </a:rPr>
+              <a:t>;</a:t>
+            </a:r>
+          </a:p>
+          <a:p>
+            <a:pPr marL="400050" lvl="1" indent="0">
+              <a:buNone/>
+            </a:pPr>
+            <a:r>
+              <a:rPr lang="en-US" sz="1400" b="1" dirty="0">
+                <a:solidFill>
+                  <a:schemeClr val="accent2"/>
+                </a:solidFill>
+                <a:latin typeface="Courier New" pitchFamily="49" charset="0"/>
+                <a:cs typeface="Courier New" pitchFamily="49" charset="0"/>
+              </a:rPr>
+              <a:t>    </a:t>
+            </a:r>
+            <a:r>
+              <a:rPr lang="en-US" sz="1400" b="1" dirty="0" smtClean="0">
+                <a:solidFill>
+                  <a:schemeClr val="accent2"/>
+                </a:solidFill>
+                <a:latin typeface="Courier New" pitchFamily="49" charset="0"/>
+                <a:cs typeface="Courier New" pitchFamily="49" charset="0"/>
+              </a:rPr>
+              <a:t>}</a:t>
+            </a:r>
+            <a:endParaRPr lang="en-US" sz="1400" b="1" dirty="0">
+              <a:solidFill>
+                <a:schemeClr val="accent2"/>
+              </a:solidFill>
+              <a:latin typeface="Courier New" pitchFamily="49" charset="0"/>
+              <a:cs typeface="Courier New" pitchFamily="49" charset="0"/>
+            </a:endParaRPr>
+          </a:p>
+          <a:p>
+            <a:pPr marL="400050" lvl="1" indent="0">
+              <a:buNone/>
+            </a:pPr>
+            <a:r>
+              <a:rPr lang="en-US" sz="1400" b="1" dirty="0">
+                <a:solidFill>
+                  <a:schemeClr val="accent2"/>
+                </a:solidFill>
+                <a:latin typeface="Courier New" pitchFamily="49" charset="0"/>
+                <a:cs typeface="Courier New" pitchFamily="49" charset="0"/>
+              </a:rPr>
+              <a:t>    while (1) </a:t>
+            </a:r>
+            <a:r>
+              <a:rPr lang="en-US" sz="1400" b="1" dirty="0" smtClean="0">
+                <a:solidFill>
+                  <a:schemeClr val="accent2"/>
+                </a:solidFill>
+                <a:latin typeface="Courier New" pitchFamily="49" charset="0"/>
+                <a:cs typeface="Courier New" pitchFamily="49" charset="0"/>
+              </a:rPr>
+              <a:t>{;}        </a:t>
+            </a:r>
+            <a:r>
+              <a:rPr lang="en-US" sz="1400" b="1" dirty="0">
+                <a:solidFill>
+                  <a:srgbClr val="00B050"/>
+                </a:solidFill>
+                <a:latin typeface="Courier New" pitchFamily="49" charset="0"/>
+                <a:cs typeface="Courier New" pitchFamily="49" charset="0"/>
+              </a:rPr>
+              <a:t>// trap the </a:t>
+            </a:r>
+            <a:r>
+              <a:rPr lang="en-US" sz="1400" b="1" dirty="0" smtClean="0">
+                <a:solidFill>
+                  <a:srgbClr val="00B050"/>
+                </a:solidFill>
+                <a:latin typeface="Courier New" pitchFamily="49" charset="0"/>
+                <a:cs typeface="Courier New" pitchFamily="49" charset="0"/>
+              </a:rPr>
+              <a:t>CPU</a:t>
+            </a:r>
+            <a:endParaRPr lang="en-US" sz="1400" b="1" dirty="0">
+              <a:solidFill>
+                <a:srgbClr val="00B050"/>
+              </a:solidFill>
+              <a:latin typeface="Courier New" pitchFamily="49" charset="0"/>
+              <a:cs typeface="Courier New" pitchFamily="49" charset="0"/>
+            </a:endParaRPr>
+          </a:p>
+          <a:p>
+            <a:pPr marL="400050" lvl="1" indent="0">
+              <a:buNone/>
+            </a:pPr>
+            <a:r>
+              <a:rPr lang="en-US" sz="1400" b="1" dirty="0">
+                <a:solidFill>
+                  <a:schemeClr val="accent2"/>
+                </a:solidFill>
+                <a:latin typeface="Courier New" pitchFamily="49" charset="0"/>
+                <a:cs typeface="Courier New" pitchFamily="49" charset="0"/>
+              </a:rPr>
+              <a:t>}</a:t>
+            </a:r>
+          </a:p>
+        </p:txBody>
+      </p:sp>
+    </p:spTree>
+    <p:extLst>
+      <p:ext uri="{BB962C8B-B14F-4D97-AF65-F5344CB8AC3E}">
+        <p14:creationId xmlns:p14="http://schemas.microsoft.com/office/powerpoint/2010/main" val="1003012573"/>
+      </p:ext>
+    </p:extLst>
+  </p:cSld>
+  <p:clrMapOvr>
+    <a:masterClrMapping/>
+  </p:clrMapOvr>
+  <p:timing>
+    <p:tnLst>
+      <p:par>
+        <p:cTn id="1" dur="indefinite" restart="never" nodeType="tmRoot"/>
+      </p:par>
+    </p:tnLst>
+  </p:timing>
+</p:sld>
+</file>
+
+<file path=ppt/slides/slide23.xml><?xml version="1.0" encoding="utf-8"?>
+<p:sld xmlns:a="http://schemas.openxmlformats.org/drawingml/2006/main" xmlns:r="http://schemas.openxmlformats.org/officeDocument/2006/relationships" xmlns:p="http://schemas.openxmlformats.org/presentationml/2006/main">
+  <p:cSld>
+    <p:spTree>
+      <p:nvGrpSpPr>
+        <p:cNvPr id="1" name=""/>
+        <p:cNvGrpSpPr/>
+        <p:nvPr/>
+      </p:nvGrpSpPr>
+      <p:grpSpPr>
+        <a:xfrm>
+          <a:off x="0" y="0"/>
+          <a:ext cx="0" cy="0"/>
+          <a:chOff x="0" y="0"/>
+          <a:chExt cx="0" cy="0"/>
+        </a:xfrm>
+      </p:grpSpPr>
+      <p:sp>
+        <p:nvSpPr>
+          <p:cNvPr id="2" name="Title 1"/>
+          <p:cNvSpPr>
+            <a:spLocks noGrp="1"/>
+          </p:cNvSpPr>
+          <p:nvPr>
+            <p:ph type="title"/>
+          </p:nvPr>
+        </p:nvSpPr>
+        <p:spPr/>
+        <p:txBody>
+          <a:bodyPr/>
+          <a:lstStyle/>
+          <a:p>
+            <a:r>
               <a:rPr lang="en-US" dirty="0" err="1" smtClean="0"/>
               <a:t>m</a:t>
             </a:r>
@@ -15979,7 +16461,7 @@
 </p:sld>
 </file>
 
-<file path=ppt/slides/slide23.xml><?xml version="1.0" encoding="utf-8"?>
+<file path=ppt/slides/slide24.xml><?xml version="1.0" encoding="utf-8"?>
 <p:sld xmlns:a="http://schemas.openxmlformats.org/drawingml/2006/main" xmlns:r="http://schemas.openxmlformats.org/officeDocument/2006/relationships" xmlns:p="http://schemas.openxmlformats.org/presentationml/2006/main">
   <p:cSld>
     <p:spTree>
@@ -16404,7 +16886,17 @@
                 <a:latin typeface="Courier New" pitchFamily="49" charset="0"/>
                 <a:cs typeface="Courier New" pitchFamily="49" charset="0"/>
               </a:rPr>
-              <a:t>These sizes are dependent on the compiler and target architecture - these are for the MSP430.</a:t>
+              <a:t>These sizes are dependent on the compiler and target architecture - </a:t>
+            </a:r>
+            <a:r>
+              <a:rPr lang="en-US" sz="1400" b="1" dirty="0">
+                <a:solidFill>
+                  <a:srgbClr val="FF0000"/>
+                </a:solidFill>
+                <a:latin typeface="Courier New" pitchFamily="49" charset="0"/>
+                <a:cs typeface="Courier New" pitchFamily="49" charset="0"/>
+              </a:rPr>
+              <a:t>these are for the MSP430.</a:t>
             </a:r>
           </a:p>
           <a:p>
@@ -17524,8 +18016,52 @@
                 <a:latin typeface="inherit"/>
                 <a:cs typeface="Arial" pitchFamily="34" charset="0"/>
               </a:rPr>
-              <a:t>Variable Types</a:t>
-            </a:r>
+              <a:t>Variable </a:t>
+            </a:r>
+            <a:r>
+              <a:rPr kumimoji="0" lang="en-US" sz="1800" b="1" i="0" u="none" strike="noStrike" cap="none" normalizeH="0" baseline="0" dirty="0" smtClean="0">
+                <a:ln>
+                  <a:noFill/>
+                </a:ln>
+                <a:solidFill>
+                  <a:schemeClr val="accent2"/>
+                </a:solidFill>
+                <a:effectLst/>
+                <a:latin typeface="inherit"/>
+                <a:cs typeface="Arial" pitchFamily="34" charset="0"/>
+              </a:rPr>
+              <a:t>Types: </a:t>
+            </a:r>
+            <a:r>
+              <a:rPr kumimoji="0" lang="en-US" sz="1800" b="1" i="0" u="none" strike="noStrike" cap="none" normalizeH="0" baseline="0" dirty="0" err="1" smtClean="0">
+                <a:ln>
+                  <a:noFill/>
+                </a:ln>
+                <a:effectLst/>
+                <a:latin typeface="inherit"/>
+                <a:cs typeface="Arial" pitchFamily="34" charset="0"/>
+              </a:rPr>
+              <a:t>int</a:t>
+            </a:r>
+            <a:r>
+              <a:rPr kumimoji="0" lang="en-US" sz="1800" b="1" i="0" u="none" strike="noStrike" cap="none" normalizeH="0" baseline="0" dirty="0" smtClean="0">
+                <a:ln>
+                  <a:noFill/>
+                </a:ln>
+                <a:effectLst/>
+                <a:latin typeface="inherit"/>
+                <a:cs typeface="Arial" pitchFamily="34" charset="0"/>
+              </a:rPr>
+              <a:t> a;</a:t>
+            </a:r>
+            <a:endParaRPr kumimoji="0" lang="en-US" sz="1800" b="1" i="0" u="none" strike="noStrike" cap="none" normalizeH="0" baseline="0" dirty="0" smtClean="0">
+              <a:ln>
+                <a:noFill/>
+              </a:ln>
+              <a:effectLst/>
+              <a:latin typeface="inherit"/>
+              <a:cs typeface="Arial" pitchFamily="34" charset="0"/>
+            </a:endParaRPr>
           </a:p>
         </p:txBody>
       </p:sp>
@@ -17627,8 +18163,35 @@
                 <a:latin typeface="Courier New" pitchFamily="49" charset="0"/>
                 <a:cs typeface="Courier New" pitchFamily="49" charset="0"/>
               </a:rPr>
-              <a:t>Once again, sizes are dependent on compiler / target architecture - these are for the MSP</a:t>
-            </a:r>
+              <a:t>Once again, sizes are dependent on compiler / target architecture - </a:t>
+            </a:r>
+            <a:r>
+              <a:rPr lang="en-US" sz="1400" b="1" dirty="0">
+                <a:solidFill>
+                  <a:srgbClr val="FF0000"/>
+                </a:solidFill>
+                <a:latin typeface="Courier New" pitchFamily="49" charset="0"/>
+                <a:cs typeface="Courier New" pitchFamily="49" charset="0"/>
+              </a:rPr>
+              <a:t>these are for the </a:t>
+            </a:r>
+            <a:r>
+              <a:rPr lang="en-US" sz="1400" b="1" dirty="0" smtClean="0">
+                <a:solidFill>
+                  <a:srgbClr val="FF0000"/>
+                </a:solidFill>
+                <a:latin typeface="Courier New" pitchFamily="49" charset="0"/>
+                <a:cs typeface="Courier New" pitchFamily="49" charset="0"/>
+              </a:rPr>
+              <a:t>MSP430</a:t>
+            </a:r>
+            <a:endParaRPr lang="en-US" sz="1400" b="1" dirty="0">
+              <a:solidFill>
+                <a:srgbClr val="FF0000"/>
+              </a:solidFill>
+              <a:latin typeface="Courier New" pitchFamily="49" charset="0"/>
+              <a:cs typeface="Courier New" pitchFamily="49" charset="0"/>
+            </a:endParaRPr>
           </a:p>
         </p:txBody>
       </p:sp>
@@ -17642,8 +18205,8 @@
         </p:nvSpPr>
         <p:spPr bwMode="auto">
           <a:xfrm>
-            <a:off x="613809" y="1693909"/>
-            <a:ext cx="2567198" cy="582843"/>
+            <a:off x="613808" y="1693909"/>
+            <a:ext cx="4186791" cy="582843"/>
           </a:xfrm>
           <a:prstGeom prst="rect">
             <a:avLst/>
@@ -17719,8 +18282,63 @@
                 <a:latin typeface="inherit"/>
                 <a:cs typeface="Arial" pitchFamily="34" charset="0"/>
               </a:rPr>
-              <a:t>Variable Modifiers</a:t>
-            </a:r>
+              <a:t>Variable </a:t>
+            </a:r>
+            <a:r>
+              <a:rPr kumimoji="0" lang="en-US" sz="1800" b="1" i="0" u="none" strike="noStrike" cap="none" normalizeH="0" baseline="0" dirty="0" smtClean="0">
+                <a:ln>
+                  <a:noFill/>
+                </a:ln>
+                <a:solidFill>
+                  <a:schemeClr val="accent2"/>
+                </a:solidFill>
+                <a:effectLst/>
+                <a:latin typeface="inherit"/>
+                <a:cs typeface="Arial" pitchFamily="34" charset="0"/>
+              </a:rPr>
+              <a:t>Modifiers: </a:t>
+            </a:r>
+            <a:r>
+              <a:rPr kumimoji="0" lang="en-US" sz="1800" b="1" i="0" u="none" strike="noStrike" cap="none" normalizeH="0" baseline="0" dirty="0" smtClean="0">
+                <a:ln>
+                  <a:noFill/>
+                </a:ln>
+                <a:effectLst/>
+                <a:latin typeface="inherit"/>
+                <a:cs typeface="Arial" pitchFamily="34" charset="0"/>
+              </a:rPr>
+              <a:t>unsigned </a:t>
+            </a:r>
+            <a:r>
+              <a:rPr kumimoji="0" lang="en-US" sz="1800" b="1" i="0" u="none" strike="noStrike" cap="none" normalizeH="0" baseline="0" dirty="0" err="1" smtClean="0">
+                <a:ln>
+                  <a:noFill/>
+                </a:ln>
+                <a:effectLst/>
+                <a:latin typeface="inherit"/>
+                <a:cs typeface="Arial" pitchFamily="34" charset="0"/>
+              </a:rPr>
+              <a:t>int</a:t>
+            </a:r>
+            <a:r>
+              <a:rPr kumimoji="0" lang="en-US" sz="1800" b="1" i="0" u="none" strike="noStrike" cap="none" normalizeH="0" baseline="0" dirty="0" smtClean="0">
+                <a:ln>
+                  <a:noFill/>
+                </a:ln>
+                <a:effectLst/>
+                <a:latin typeface="inherit"/>
+                <a:cs typeface="Arial" pitchFamily="34" charset="0"/>
+              </a:rPr>
+              <a:t> a;</a:t>
+            </a:r>
+            <a:endParaRPr kumimoji="0" lang="en-US" sz="1800" b="1" i="0" u="none" strike="noStrike" cap="none" normalizeH="0" baseline="0" dirty="0" smtClean="0">
+              <a:ln>
+                <a:noFill/>
+              </a:ln>
+              <a:effectLst/>
+              <a:latin typeface="inherit"/>
+              <a:cs typeface="Arial" pitchFamily="34" charset="0"/>
+            </a:endParaRPr>
           </a:p>
           <a:p>
             <a:pPr marL="0" marR="0" lvl="0" indent="0" algn="l" defTabSz="914400" rtl="0" eaLnBrk="0" fontAlgn="base" latinLnBrk="0" hangingPunct="0">
@@ -19830,8 +20448,12 @@
           <a:lstStyle/>
           <a:p>
             <a:r>
+              <a:rPr lang="en-US" dirty="0" err="1" smtClean="0"/>
+              <a:t>Mirai</a:t>
+            </a:r>
+            <a:r>
               <a:rPr lang="en-US" dirty="0" smtClean="0"/>
-              <a:t>Others</a:t>
+              <a:t> Source Code</a:t>
             </a:r>
             <a:endParaRPr lang="en-US" dirty="0"/>
           </a:p>
@@ -19839,198 +20461,154 @@
       </p:sp>
       <p:sp>
         <p:nvSpPr>
-          <p:cNvPr id="3" name="Content Placeholder 2"/>
-          <p:cNvSpPr>
-            <a:spLocks noGrp="1"/>
-          </p:cNvSpPr>
-          <p:nvPr>
-            <p:ph idx="1"/>
-          </p:nvPr>
+          <p:cNvPr id="4" name="Rectangle 3"/>
+          <p:cNvSpPr/>
+          <p:nvPr/>
         </p:nvSpPr>
-        <p:spPr/>
+        <p:spPr>
+          <a:xfrm>
+            <a:off x="320040" y="6519445"/>
+            <a:ext cx="8503920" cy="338554"/>
+          </a:xfrm>
+          <a:prstGeom prst="rect">
+            <a:avLst/>
+          </a:prstGeom>
+          <a:solidFill>
+            <a:schemeClr val="bg1"/>
+          </a:solidFill>
+        </p:spPr>
         <p:txBody>
-          <a:bodyPr>
-            <a:normAutofit lnSpcReduction="10000"/>
+          <a:bodyPr wrap="square">
+            <a:spAutoFit/>
           </a:bodyPr>
           <a:lstStyle/>
           <a:p>
             <a:r>
-              <a:rPr lang="en-US" b="1" dirty="0"/>
-              <a:t>#include &lt;</a:t>
-            </a:r>
-            <a:r>
-              <a:rPr lang="en-US" b="1" dirty="0" err="1" smtClean="0"/>
-              <a:t>stdbool.h</a:t>
-            </a:r>
-            <a:r>
-              <a:rPr lang="en-US" b="1" dirty="0" smtClean="0"/>
-              <a:t>&gt; </a:t>
-            </a:r>
-            <a:r>
-              <a:rPr lang="en-US" dirty="0" smtClean="0"/>
-              <a:t>defines </a:t>
-            </a:r>
-            <a:r>
-              <a:rPr lang="en-US" dirty="0" err="1" smtClean="0"/>
-              <a:t>booleans</a:t>
-            </a:r>
-            <a:endParaRPr lang="en-US" dirty="0" smtClean="0"/>
-          </a:p>
-          <a:p>
-            <a:pPr lvl="1"/>
-            <a:r>
-              <a:rPr lang="en-US" dirty="0" smtClean="0"/>
-              <a:t>true = 1</a:t>
-            </a:r>
-          </a:p>
-          <a:p>
-            <a:pPr lvl="1"/>
-            <a:r>
-              <a:rPr lang="en-US" dirty="0" smtClean="0"/>
-              <a:t>false = 0</a:t>
-            </a:r>
-          </a:p>
-          <a:p>
-            <a:pPr lvl="1"/>
-            <a:r>
-              <a:rPr lang="en-US" dirty="0" smtClean="0">
-                <a:solidFill>
-                  <a:srgbClr val="0070C0"/>
-                </a:solidFill>
-              </a:rPr>
-              <a:t>bool</a:t>
-            </a:r>
-            <a:r>
-              <a:rPr lang="en-US" dirty="0" smtClean="0"/>
-              <a:t> is a valid data type</a:t>
-            </a:r>
-          </a:p>
-          <a:p>
-            <a:endParaRPr lang="en-US" dirty="0" smtClean="0"/>
-          </a:p>
-          <a:p>
-            <a:r>
-              <a:rPr lang="en-US" b="1" dirty="0" smtClean="0"/>
-              <a:t>#include &lt;</a:t>
-            </a:r>
-            <a:r>
-              <a:rPr lang="en-US" b="1" dirty="0" err="1" smtClean="0"/>
-              <a:t>math.h</a:t>
-            </a:r>
-            <a:r>
-              <a:rPr lang="en-US" b="1" dirty="0" smtClean="0"/>
-              <a:t>&gt; </a:t>
-            </a:r>
-            <a:r>
-              <a:rPr lang="en-US" dirty="0" smtClean="0"/>
-              <a:t>defines things like:</a:t>
-            </a:r>
-          </a:p>
-          <a:p>
-            <a:pPr lvl="1"/>
-            <a:r>
-              <a:rPr lang="en-US" dirty="0"/>
-              <a:t>#define	M_PI	</a:t>
-            </a:r>
-            <a:r>
-              <a:rPr lang="en-US" dirty="0" smtClean="0"/>
-              <a:t>   3.14159265358979323846 </a:t>
-            </a:r>
-            <a:r>
-              <a:rPr lang="en-US" dirty="0">
-                <a:solidFill>
-                  <a:srgbClr val="00B050"/>
-                </a:solidFill>
-              </a:rPr>
-              <a:t>/* pi */</a:t>
-            </a:r>
-            <a:endParaRPr lang="en-US" dirty="0" smtClean="0">
+              <a:rPr lang="en-US" sz="1600" dirty="0"/>
+              <a:t>https://github.com/AllGloryToTheHypnotoad/Mirai-Source-Code/blob/master/mirai/bot/attack_tcp.c</a:t>
+            </a:r>
+          </a:p>
+        </p:txBody>
+      </p:sp>
+      <p:pic>
+        <p:nvPicPr>
+          <p:cNvPr id="5" name="Picture 4"/>
+          <p:cNvPicPr>
+            <a:picLocks noChangeAspect="1"/>
+          </p:cNvPicPr>
+          <p:nvPr/>
+        </p:nvPicPr>
+        <p:blipFill>
+          <a:blip r:embed="rId2"/>
+          <a:stretch>
+            <a:fillRect/>
+          </a:stretch>
+        </p:blipFill>
+        <p:spPr>
+          <a:xfrm>
+            <a:off x="381000" y="1437590"/>
+            <a:ext cx="8382000" cy="4924425"/>
+          </a:xfrm>
+          <a:prstGeom prst="rect">
+            <a:avLst/>
+          </a:prstGeom>
+        </p:spPr>
+      </p:pic>
+      <p:sp>
+        <p:nvSpPr>
+          <p:cNvPr id="6" name="Rectangle 5"/>
+          <p:cNvSpPr/>
+          <p:nvPr/>
+        </p:nvSpPr>
+        <p:spPr bwMode="auto">
+          <a:xfrm>
+            <a:off x="1466850" y="3314700"/>
+            <a:ext cx="5915025" cy="923925"/>
+          </a:xfrm>
+          <a:prstGeom prst="rect">
+            <a:avLst/>
+          </a:prstGeom>
+          <a:solidFill>
+            <a:srgbClr val="0C2D83"/>
+          </a:solidFill>
+          <a:ln w="12700" cap="flat" cmpd="sng" algn="ctr">
+            <a:solidFill>
+              <a:schemeClr val="tx1"/>
+            </a:solidFill>
+            <a:prstDash val="solid"/>
+            <a:round/>
+            <a:headEnd type="none" w="med" len="med"/>
+            <a:tailEnd type="none" w="med" len="med"/>
+          </a:ln>
+          <a:effectLst/>
+        </p:spPr>
+        <p:txBody>
+          <a:bodyPr vert="horz" wrap="square" lIns="91440" tIns="45720" rIns="91440" bIns="45720" numCol="1" rtlCol="0" anchor="ctr" anchorCtr="0" compatLnSpc="1">
+            <a:prstTxWarp prst="textNoShape">
+              <a:avLst/>
+            </a:prstTxWarp>
+          </a:bodyPr>
+          <a:lstStyle/>
+          <a:p>
+            <a:pPr marL="0" marR="0" indent="0" algn="ctr" defTabSz="914400" rtl="0" eaLnBrk="0" fontAlgn="base" latinLnBrk="0" hangingPunct="0">
+              <a:lnSpc>
+                <a:spcPct val="100000"/>
+              </a:lnSpc>
+              <a:spcBef>
+                <a:spcPct val="0"/>
+              </a:spcBef>
+              <a:spcAft>
+                <a:spcPct val="0"/>
+              </a:spcAft>
+              <a:buClrTx/>
+              <a:buSzTx/>
+              <a:buFontTx/>
+              <a:buNone/>
+              <a:tabLst/>
+            </a:pPr>
+            <a:r>
+              <a:rPr kumimoji="0" lang="en-US" b="1" i="0" u="none" strike="noStrike" cap="none" normalizeH="0" baseline="0" dirty="0" smtClean="0">
+                <a:ln>
+                  <a:noFill/>
+                </a:ln>
+                <a:solidFill>
+                  <a:schemeClr val="bg1"/>
+                </a:solidFill>
+                <a:effectLst/>
+                <a:latin typeface="Arial" charset="0"/>
+              </a:rPr>
+              <a:t>Don’t be stupid and download</a:t>
+            </a:r>
+            <a:r>
+              <a:rPr kumimoji="0" lang="en-US" b="1" i="0" u="none" strike="noStrike" cap="none" normalizeH="0" dirty="0" smtClean="0">
+                <a:ln>
+                  <a:noFill/>
+                </a:ln>
+                <a:solidFill>
+                  <a:schemeClr val="bg1"/>
+                </a:solidFill>
+                <a:effectLst/>
+                <a:latin typeface="Arial" charset="0"/>
+              </a:rPr>
+              <a:t> this, compile this, and infect the .EDU</a:t>
+            </a:r>
+            <a:endParaRPr kumimoji="0" lang="en-US" b="1" i="0" u="none" strike="noStrike" cap="none" normalizeH="0" baseline="0" dirty="0" smtClean="0">
+              <a:ln>
+                <a:noFill/>
+              </a:ln>
               <a:solidFill>
-                <a:srgbClr val="00B050"/>
+                <a:schemeClr val="bg1"/>
               </a:solidFill>
+              <a:effectLst/>
+              <a:latin typeface="Arial" charset="0"/>
             </a:endParaRPr>
-          </a:p>
-          <a:p>
-            <a:pPr lvl="1"/>
-            <a:r>
-              <a:rPr lang="en-US" dirty="0"/>
-              <a:t>#define	</a:t>
-            </a:r>
-            <a:r>
-              <a:rPr lang="en-US" dirty="0" smtClean="0"/>
-              <a:t>M_PI_2  1.57079632679489661923 </a:t>
-            </a:r>
-            <a:r>
-              <a:rPr lang="en-US" dirty="0">
-                <a:solidFill>
-                  <a:srgbClr val="00B050"/>
-                </a:solidFill>
-              </a:rPr>
-              <a:t>/* pi/2 </a:t>
-            </a:r>
-            <a:r>
-              <a:rPr lang="en-US" dirty="0" smtClean="0">
-                <a:solidFill>
-                  <a:srgbClr val="00B050"/>
-                </a:solidFill>
-              </a:rPr>
-              <a:t>*/</a:t>
-            </a:r>
-          </a:p>
-          <a:p>
-            <a:pPr lvl="1"/>
-            <a:r>
-              <a:rPr lang="en-US" dirty="0" err="1" smtClean="0"/>
-              <a:t>sqrtf</a:t>
-            </a:r>
-            <a:r>
-              <a:rPr lang="en-US" dirty="0" smtClean="0"/>
-              <a:t>()    square root float</a:t>
-            </a:r>
-          </a:p>
-          <a:p>
-            <a:pPr lvl="1"/>
-            <a:r>
-              <a:rPr lang="en-US" dirty="0" err="1" smtClean="0"/>
-              <a:t>sqrt</a:t>
-            </a:r>
-            <a:r>
-              <a:rPr lang="en-US" dirty="0" smtClean="0"/>
-              <a:t>()     square root double (default)</a:t>
-            </a:r>
-          </a:p>
-          <a:p>
-            <a:pPr lvl="1"/>
-            <a:r>
-              <a:rPr lang="en-US" dirty="0" err="1" smtClean="0"/>
-              <a:t>cosf</a:t>
-            </a:r>
-            <a:r>
-              <a:rPr lang="en-US" dirty="0" smtClean="0"/>
-              <a:t>()     cosine float</a:t>
-            </a:r>
-          </a:p>
-          <a:p>
-            <a:pPr lvl="1"/>
-            <a:r>
-              <a:rPr lang="en-US" dirty="0" smtClean="0"/>
-              <a:t>cos()      cosine double (default)</a:t>
-            </a:r>
-          </a:p>
-          <a:p>
-            <a:pPr lvl="1"/>
-            <a:r>
-              <a:rPr lang="en-US" dirty="0" err="1" smtClean="0"/>
-              <a:t>etc</a:t>
-            </a:r>
-            <a:endParaRPr lang="en-US" dirty="0"/>
           </a:p>
         </p:txBody>
       </p:sp>
     </p:spTree>
     <p:extLst>
       <p:ext uri="{BB962C8B-B14F-4D97-AF65-F5344CB8AC3E}">
-        <p14:creationId xmlns:p14="http://schemas.microsoft.com/office/powerpoint/2010/main" val="3375374689"/>
+        <p14:creationId xmlns:p14="http://schemas.microsoft.com/office/powerpoint/2010/main" val="1187371469"/>
       </p:ext>
     </p:extLst>
   </p:cSld>
@@ -20040,9 +20618,80 @@
   <p:timing>
     <p:tnLst>
       <p:par>
-        <p:cTn id="1" dur="indefinite" restart="never" nodeType="tmRoot"/>
+        <p:cTn id="1" dur="indefinite" restart="never" nodeType="tmRoot">
+          <p:childTnLst>
+            <p:seq concurrent="1" nextAc="seek">
+              <p:cTn id="2" dur="indefinite" nodeType="mainSeq">
+                <p:childTnLst>
+                  <p:par>
+                    <p:cTn id="3" fill="hold">
+                      <p:stCondLst>
+                        <p:cond delay="indefinite"/>
+                      </p:stCondLst>
+                      <p:childTnLst>
+                        <p:par>
+                          <p:cTn id="4" fill="hold">
+                            <p:stCondLst>
+                              <p:cond delay="0"/>
+                            </p:stCondLst>
+                            <p:childTnLst>
+                              <p:par>
+                                <p:cTn id="5" presetID="1" presetClass="entr" presetSubtype="0" fill="hold" grpId="0" nodeType="clickEffect">
+                                  <p:stCondLst>
+                                    <p:cond delay="0"/>
+                                  </p:stCondLst>
+                                  <p:childTnLst>
+                                    <p:set>
+                                      <p:cBhvr>
+                                        <p:cTn id="6" dur="1" fill="hold">
+                                          <p:stCondLst>
+                                            <p:cond delay="0"/>
+                                          </p:stCondLst>
+                                        </p:cTn>
+                                        <p:tgtEl>
+                                          <p:spTgt spid="6"/>
+                                        </p:tgtEl>
+                                        <p:attrNameLst>
+                                          <p:attrName>style.visibility</p:attrName>
+                                        </p:attrNameLst>
+                                      </p:cBhvr>
+                                      <p:to>
+                                        <p:strVal val="visible"/>
+                                      </p:to>
+                                    </p:set>
+                                  </p:childTnLst>
+                                </p:cTn>
+                              </p:par>
+                            </p:childTnLst>
+                          </p:cTn>
+                        </p:par>
+                      </p:childTnLst>
+                    </p:cTn>
+                  </p:par>
+                </p:childTnLst>
+              </p:cTn>
+              <p:prevCondLst>
+                <p:cond evt="onPrev" delay="0">
+                  <p:tgtEl>
+                    <p:sldTgt/>
+                  </p:tgtEl>
+                </p:cond>
+              </p:prevCondLst>
+              <p:nextCondLst>
+                <p:cond evt="onNext" delay="0">
+                  <p:tgtEl>
+                    <p:sldTgt/>
+                  </p:tgtEl>
+                </p:cond>
+              </p:nextCondLst>
+            </p:seq>
+          </p:childTnLst>
+        </p:cTn>
       </p:par>
     </p:tnLst>
+    <p:bldLst>
+      <p:bldP spid="6" grpId="0" animBg="1"/>
+    </p:bldLst>
   </p:timing>
 </p:sld>
 </file>
@@ -20081,7 +20730,7 @@
           <a:p>
             <a:r>
               <a:rPr lang="en-US" dirty="0" smtClean="0"/>
-              <a:t>So now you can write this</a:t>
+              <a:t>Others</a:t>
             </a:r>
             <a:endParaRPr lang="en-US" dirty="0"/>
           </a:p>
@@ -20100,304 +20749,187 @@
         <p:spPr/>
         <p:txBody>
           <a:bodyPr>
-            <a:normAutofit fontScale="62500" lnSpcReduction="20000"/>
+            <a:normAutofit lnSpcReduction="10000"/>
           </a:bodyPr>
           <a:lstStyle/>
           <a:p>
-            <a:pPr marL="0" indent="0">
-              <a:buNone/>
-            </a:pPr>
-            <a:r>
-              <a:rPr lang="en-US" b="1" dirty="0">
+            <a:r>
+              <a:rPr lang="en-US" b="1" dirty="0"/>
+              <a:t>#include &lt;</a:t>
+            </a:r>
+            <a:r>
+              <a:rPr lang="en-US" b="1" dirty="0" err="1" smtClean="0"/>
+              <a:t>stdbool.h</a:t>
+            </a:r>
+            <a:r>
+              <a:rPr lang="en-US" b="1" dirty="0" smtClean="0"/>
+              <a:t>&gt; </a:t>
+            </a:r>
+            <a:r>
+              <a:rPr lang="en-US" dirty="0" smtClean="0"/>
+              <a:t>defines </a:t>
+            </a:r>
+            <a:r>
+              <a:rPr lang="en-US" dirty="0" err="1" smtClean="0"/>
+              <a:t>booleans</a:t>
+            </a:r>
+            <a:endParaRPr lang="en-US" dirty="0" smtClean="0"/>
+          </a:p>
+          <a:p>
+            <a:pPr lvl="1"/>
+            <a:r>
+              <a:rPr lang="en-US" dirty="0" smtClean="0"/>
+              <a:t>true = 1</a:t>
+            </a:r>
+          </a:p>
+          <a:p>
+            <a:pPr lvl="1"/>
+            <a:r>
+              <a:rPr lang="en-US" dirty="0" smtClean="0"/>
+              <a:t>false = 0</a:t>
+            </a:r>
+          </a:p>
+          <a:p>
+            <a:pPr lvl="1"/>
+            <a:r>
+              <a:rPr lang="en-US" dirty="0" smtClean="0">
                 <a:solidFill>
                   <a:srgbClr val="0070C0"/>
                 </a:solidFill>
               </a:rPr>
-              <a:t>#include &lt;msp430.h&gt; </a:t>
-            </a:r>
-          </a:p>
-          <a:p>
-            <a:pPr marL="0" indent="0">
-              <a:buNone/>
-            </a:pPr>
-            <a:r>
-              <a:rPr lang="en-US" b="1" dirty="0">
-                <a:solidFill>
-                  <a:srgbClr val="0070C0"/>
-                </a:solidFill>
-              </a:rPr>
+              <a:t>bool</a:t>
+            </a:r>
+            <a:r>
+              <a:rPr lang="en-US" dirty="0" smtClean="0"/>
+              <a:t> is a valid data type</a:t>
+            </a:r>
+          </a:p>
+          <a:p>
+            <a:endParaRPr lang="en-US" dirty="0" smtClean="0"/>
+          </a:p>
+          <a:p>
+            <a:r>
+              <a:rPr lang="en-US" b="1" dirty="0" smtClean="0"/>
               <a:t>#include &lt;</a:t>
             </a:r>
             <a:r>
-              <a:rPr lang="en-US" b="1" dirty="0" err="1">
-                <a:solidFill>
-                  <a:srgbClr val="0070C0"/>
-                </a:solidFill>
-              </a:rPr>
-              <a:t>stdint.h</a:t>
-            </a:r>
-            <a:r>
-              <a:rPr lang="en-US" b="1" dirty="0">
-                <a:solidFill>
-                  <a:srgbClr val="0070C0"/>
-                </a:solidFill>
-              </a:rPr>
-              <a:t>&gt;</a:t>
-            </a:r>
-          </a:p>
-          <a:p>
-            <a:pPr marL="0" indent="0">
-              <a:buNone/>
-            </a:pPr>
-            <a:r>
-              <a:rPr lang="en-US" b="1" dirty="0">
-                <a:solidFill>
-                  <a:srgbClr val="0070C0"/>
-                </a:solidFill>
-              </a:rPr>
-              <a:t>#include &lt;</a:t>
-            </a:r>
-            <a:r>
-              <a:rPr lang="en-US" b="1" dirty="0" err="1">
-                <a:solidFill>
-                  <a:srgbClr val="0070C0"/>
-                </a:solidFill>
-              </a:rPr>
-              <a:t>stdbool.h</a:t>
-            </a:r>
-            <a:r>
-              <a:rPr lang="en-US" b="1" dirty="0">
-                <a:solidFill>
-                  <a:srgbClr val="0070C0"/>
-                </a:solidFill>
-              </a:rPr>
-              <a:t>&gt;</a:t>
-            </a:r>
-          </a:p>
-          <a:p>
-            <a:pPr marL="0" indent="0">
-              <a:buNone/>
-            </a:pPr>
-            <a:endParaRPr lang="en-US" dirty="0"/>
-          </a:p>
-          <a:p>
-            <a:pPr marL="0" indent="0">
-              <a:buNone/>
-            </a:pPr>
+              <a:rPr lang="en-US" b="1" dirty="0" err="1" smtClean="0"/>
+              <a:t>math.h</a:t>
+            </a:r>
+            <a:r>
+              <a:rPr lang="en-US" b="1" dirty="0" smtClean="0"/>
+              <a:t>&gt; </a:t>
+            </a:r>
+            <a:r>
+              <a:rPr lang="en-US" dirty="0" smtClean="0"/>
+              <a:t>defines things like:</a:t>
+            </a:r>
+          </a:p>
+          <a:p>
+            <a:pPr lvl="1"/>
+            <a:r>
+              <a:rPr lang="en-US" dirty="0"/>
+              <a:t>#define	M_PI	</a:t>
+            </a:r>
+            <a:r>
+              <a:rPr lang="en-US" dirty="0" smtClean="0"/>
+              <a:t>   3.14159265358979323846 </a:t>
+            </a:r>
             <a:r>
               <a:rPr lang="en-US" dirty="0">
                 <a:solidFill>
                   <a:srgbClr val="00B050"/>
                 </a:solidFill>
               </a:rPr>
-              <a:t>/*</a:t>
-            </a:r>
-          </a:p>
-          <a:p>
-            <a:pPr marL="0" indent="0">
-              <a:buNone/>
-            </a:pPr>
-            <a:r>
-              <a:rPr lang="en-US" dirty="0">
-                <a:solidFill>
-                  <a:srgbClr val="00B050"/>
-                </a:solidFill>
-              </a:rPr>
-              <a:t> * </a:t>
-            </a:r>
-            <a:r>
-              <a:rPr lang="en-US" dirty="0" err="1">
-                <a:solidFill>
-                  <a:srgbClr val="00B050"/>
-                </a:solidFill>
-              </a:rPr>
-              <a:t>main.c</a:t>
-            </a:r>
-            <a:endParaRPr lang="en-US" dirty="0">
+              <a:t>/* pi */</a:t>
+            </a:r>
+            <a:endParaRPr lang="en-US" dirty="0" smtClean="0">
               <a:solidFill>
                 <a:srgbClr val="00B050"/>
               </a:solidFill>
             </a:endParaRPr>
           </a:p>
           <a:p>
-            <a:pPr marL="0" indent="0">
-              <a:buNone/>
-            </a:pPr>
+            <a:pPr lvl="1"/>
+            <a:r>
+              <a:rPr lang="en-US" dirty="0"/>
+              <a:t>#define	</a:t>
+            </a:r>
+            <a:r>
+              <a:rPr lang="en-US" dirty="0" smtClean="0"/>
+              <a:t>M_PI_2  1.57079632679489661923 </a:t>
+            </a:r>
             <a:r>
               <a:rPr lang="en-US" dirty="0">
                 <a:solidFill>
                   <a:srgbClr val="00B050"/>
                 </a:solidFill>
               </a:rPr>
-              <a:t> */</a:t>
-            </a:r>
-          </a:p>
-          <a:p>
-            <a:pPr marL="0" indent="0">
-              <a:buNone/>
-            </a:pPr>
-            <a:r>
-              <a:rPr lang="en-US" b="1" dirty="0" smtClean="0"/>
-              <a:t>void main(void</a:t>
-            </a:r>
-            <a:r>
-              <a:rPr lang="en-US" b="1" dirty="0"/>
-              <a:t>) {</a:t>
-            </a:r>
-          </a:p>
-          <a:p>
-            <a:pPr marL="0" indent="0">
-              <a:buNone/>
-            </a:pPr>
-            <a:r>
-              <a:rPr lang="en-US" dirty="0"/>
-              <a:t>    WDTCTL = WDTPW | WDTHOLD</a:t>
+              <a:t>/* pi/2 </a:t>
+            </a:r>
+            <a:r>
+              <a:rPr lang="en-US" dirty="0" smtClean="0">
+                <a:solidFill>
+                  <a:srgbClr val="00B050"/>
+                </a:solidFill>
+              </a:rPr>
+              <a:t>*/</a:t>
+            </a:r>
+          </a:p>
+          <a:p>
+            <a:pPr lvl="1"/>
+            <a:r>
+              <a:rPr lang="en-US" dirty="0" err="1" smtClean="0"/>
+              <a:t>sqrtf</a:t>
             </a:r>
             <a:r>
               <a:rPr lang="en-US" dirty="0" smtClean="0"/>
-              <a:t>; </a:t>
-            </a:r>
-            <a:r>
-              <a:rPr lang="en-US" dirty="0" smtClean="0">
-                <a:solidFill>
-                  <a:srgbClr val="00B050"/>
-                </a:solidFill>
-              </a:rPr>
-              <a:t>// </a:t>
-            </a:r>
-            <a:r>
-              <a:rPr lang="en-US" dirty="0">
-                <a:solidFill>
-                  <a:srgbClr val="00B050"/>
-                </a:solidFill>
-              </a:rPr>
-              <a:t>Stop </a:t>
-            </a:r>
-            <a:r>
-              <a:rPr lang="en-US" u="sng" dirty="0">
-                <a:solidFill>
-                  <a:srgbClr val="00B050"/>
-                </a:solidFill>
-              </a:rPr>
-              <a:t>watchdog timer</a:t>
-            </a:r>
-          </a:p>
-          <a:p>
-            <a:pPr marL="0" indent="0">
-              <a:buNone/>
-            </a:pPr>
-            <a:r>
-              <a:rPr lang="en-US" dirty="0"/>
-              <a:t>    </a:t>
-            </a:r>
-            <a:endParaRPr lang="en-US" dirty="0" smtClean="0"/>
-          </a:p>
-          <a:p>
-            <a:pPr marL="0" indent="0">
-              <a:buNone/>
-            </a:pPr>
-            <a:r>
-              <a:rPr lang="en-US" dirty="0"/>
-              <a:t> </a:t>
+              <a:t>()    square root float</a:t>
+            </a:r>
+          </a:p>
+          <a:p>
+            <a:pPr lvl="1"/>
+            <a:r>
+              <a:rPr lang="en-US" dirty="0" err="1" smtClean="0"/>
+              <a:t>sqrt</a:t>
             </a:r>
             <a:r>
               <a:rPr lang="en-US" dirty="0" smtClean="0"/>
-              <a:t>   uint8_t </a:t>
-            </a:r>
-            <a:r>
-              <a:rPr lang="en-US" dirty="0"/>
-              <a:t>bob = 0;</a:t>
-            </a:r>
-          </a:p>
-          <a:p>
-            <a:pPr marL="0" indent="0">
-              <a:buNone/>
-            </a:pPr>
-            <a:r>
-              <a:rPr lang="en-US" dirty="0"/>
-              <a:t>    bool run = true;</a:t>
-            </a:r>
-          </a:p>
-          <a:p>
-            <a:pPr marL="0" indent="0">
-              <a:buNone/>
-            </a:pPr>
+              <a:t>()     square root double (default)</a:t>
+            </a:r>
+          </a:p>
+          <a:p>
+            <a:pPr lvl="1"/>
+            <a:r>
+              <a:rPr lang="en-US" dirty="0" err="1" smtClean="0"/>
+              <a:t>cosf</a:t>
+            </a:r>
+            <a:r>
+              <a:rPr lang="en-US" dirty="0" smtClean="0"/>
+              <a:t>()     cosine float</a:t>
+            </a:r>
+          </a:p>
+          <a:p>
+            <a:pPr lvl="1"/>
+            <a:r>
+              <a:rPr lang="en-US" dirty="0" smtClean="0"/>
+              <a:t>cos()      cosine double (default)</a:t>
+            </a:r>
+          </a:p>
+          <a:p>
+            <a:pPr lvl="1"/>
+            <a:r>
+              <a:rPr lang="en-US" dirty="0" err="1" smtClean="0"/>
+              <a:t>etc</a:t>
+            </a:r>
             <a:endParaRPr lang="en-US" dirty="0"/>
-          </a:p>
-          <a:p>
-            <a:pPr marL="0" indent="0">
-              <a:buNone/>
-            </a:pPr>
-            <a:r>
-              <a:rPr lang="en-US" dirty="0"/>
-              <a:t>    </a:t>
-            </a:r>
-            <a:r>
-              <a:rPr lang="en-US" b="1" dirty="0"/>
-              <a:t>while(run){</a:t>
-            </a:r>
-          </a:p>
-          <a:p>
-            <a:pPr marL="0" indent="0">
-              <a:buNone/>
-            </a:pPr>
-            <a:r>
-              <a:rPr lang="en-US" dirty="0"/>
-              <a:t>    bob += 1;</a:t>
-            </a:r>
-          </a:p>
-          <a:p>
-            <a:pPr marL="0" indent="0">
-              <a:buNone/>
-            </a:pPr>
-            <a:r>
-              <a:rPr lang="en-US" dirty="0"/>
-              <a:t>    }</a:t>
-            </a:r>
-          </a:p>
-          <a:p>
-            <a:pPr marL="0" indent="0">
-              <a:buNone/>
-            </a:pPr>
-            <a:endParaRPr lang="en-US" dirty="0"/>
-          </a:p>
-          <a:p>
-            <a:pPr marL="0" indent="0">
-              <a:buNone/>
-            </a:pPr>
-            <a:r>
-              <a:rPr lang="en-US" b="1" dirty="0" smtClean="0"/>
-              <a:t>    while(true){;} </a:t>
-            </a:r>
-            <a:r>
-              <a:rPr lang="en-US" b="1" dirty="0" smtClean="0">
-                <a:solidFill>
-                  <a:srgbClr val="00B050"/>
-                </a:solidFill>
-              </a:rPr>
-              <a:t>// CPU trap</a:t>
-            </a:r>
-            <a:endParaRPr lang="en-US" b="1" dirty="0">
-              <a:solidFill>
-                <a:srgbClr val="00B050"/>
-              </a:solidFill>
-            </a:endParaRPr>
-          </a:p>
-          <a:p>
-            <a:pPr marL="0" indent="0">
-              <a:buNone/>
-            </a:pPr>
-            <a:r>
-              <a:rPr lang="en-US" dirty="0"/>
-              <a:t>}</a:t>
-            </a:r>
           </a:p>
         </p:txBody>
       </p:sp>
     </p:spTree>
     <p:extLst>
       <p:ext uri="{BB962C8B-B14F-4D97-AF65-F5344CB8AC3E}">
-        <p14:creationId xmlns:p14="http://schemas.microsoft.com/office/powerpoint/2010/main" val="2009241739"/>
+        <p14:creationId xmlns:p14="http://schemas.microsoft.com/office/powerpoint/2010/main" val="3375374689"/>
       </p:ext>
     </p:extLst>
   </p:cSld>

--- a/source/lessons/lsn20/Lsn20.pptx
+++ b/source/lessons/lsn20/Lsn20.pptx
@@ -7,36 +7,37 @@
     <p:sldMasterId id="2147483667" r:id="rId3"/>
   </p:sldMasterIdLst>
   <p:notesMasterIdLst>
-    <p:notesMasterId r:id="rId28"/>
+    <p:notesMasterId r:id="rId29"/>
   </p:notesMasterIdLst>
   <p:handoutMasterIdLst>
-    <p:handoutMasterId r:id="rId29"/>
+    <p:handoutMasterId r:id="rId30"/>
   </p:handoutMasterIdLst>
   <p:sldIdLst>
     <p:sldId id="352" r:id="rId4"/>
     <p:sldId id="354" r:id="rId5"/>
-    <p:sldId id="364" r:id="rId6"/>
-    <p:sldId id="365" r:id="rId7"/>
-    <p:sldId id="366" r:id="rId8"/>
-    <p:sldId id="372" r:id="rId9"/>
-    <p:sldId id="367" r:id="rId10"/>
-    <p:sldId id="384" r:id="rId11"/>
-    <p:sldId id="368" r:id="rId12"/>
-    <p:sldId id="369" r:id="rId13"/>
-    <p:sldId id="370" r:id="rId14"/>
-    <p:sldId id="371" r:id="rId15"/>
-    <p:sldId id="373" r:id="rId16"/>
-    <p:sldId id="374" r:id="rId17"/>
-    <p:sldId id="375" r:id="rId18"/>
-    <p:sldId id="376" r:id="rId19"/>
-    <p:sldId id="383" r:id="rId20"/>
-    <p:sldId id="377" r:id="rId21"/>
-    <p:sldId id="378" r:id="rId22"/>
-    <p:sldId id="379" r:id="rId23"/>
-    <p:sldId id="380" r:id="rId24"/>
-    <p:sldId id="381" r:id="rId25"/>
-    <p:sldId id="382" r:id="rId26"/>
-    <p:sldId id="353" r:id="rId27"/>
+    <p:sldId id="385" r:id="rId6"/>
+    <p:sldId id="364" r:id="rId7"/>
+    <p:sldId id="365" r:id="rId8"/>
+    <p:sldId id="366" r:id="rId9"/>
+    <p:sldId id="372" r:id="rId10"/>
+    <p:sldId id="367" r:id="rId11"/>
+    <p:sldId id="384" r:id="rId12"/>
+    <p:sldId id="368" r:id="rId13"/>
+    <p:sldId id="369" r:id="rId14"/>
+    <p:sldId id="370" r:id="rId15"/>
+    <p:sldId id="371" r:id="rId16"/>
+    <p:sldId id="373" r:id="rId17"/>
+    <p:sldId id="374" r:id="rId18"/>
+    <p:sldId id="375" r:id="rId19"/>
+    <p:sldId id="376" r:id="rId20"/>
+    <p:sldId id="383" r:id="rId21"/>
+    <p:sldId id="377" r:id="rId22"/>
+    <p:sldId id="378" r:id="rId23"/>
+    <p:sldId id="379" r:id="rId24"/>
+    <p:sldId id="380" r:id="rId25"/>
+    <p:sldId id="381" r:id="rId26"/>
+    <p:sldId id="382" r:id="rId27"/>
+    <p:sldId id="353" r:id="rId28"/>
   </p:sldIdLst>
   <p:sldSz cx="9144000" cy="6858000" type="screen4x3"/>
   <p:notesSz cx="7010400" cy="9296400"/>
@@ -1646,7 +1647,7 @@
           <a:p>
             <a:fld id="{834513E8-165F-4932-9E2D-FD497CB9A4FD}" type="datetimeFigureOut">
               <a:rPr lang="en-US" smtClean="0"/>
-              <a:t>10/1/2018</a:t>
+              <a:t>10/3/2018</a:t>
             </a:fld>
             <a:endParaRPr lang="en-US"/>
           </a:p>
@@ -1764,7 +1765,7 @@
           <a:p>
             <a:fld id="{834513E8-165F-4932-9E2D-FD497CB9A4FD}" type="datetimeFigureOut">
               <a:rPr lang="en-US" smtClean="0"/>
-              <a:t>10/1/2018</a:t>
+              <a:t>10/3/2018</a:t>
             </a:fld>
             <a:endParaRPr lang="en-US"/>
           </a:p>
@@ -1859,7 +1860,7 @@
           <a:p>
             <a:fld id="{834513E8-165F-4932-9E2D-FD497CB9A4FD}" type="datetimeFigureOut">
               <a:rPr lang="en-US" smtClean="0"/>
-              <a:t>10/1/2018</a:t>
+              <a:t>10/3/2018</a:t>
             </a:fld>
             <a:endParaRPr lang="en-US"/>
           </a:p>
@@ -2136,7 +2137,7 @@
           <a:p>
             <a:fld id="{834513E8-165F-4932-9E2D-FD497CB9A4FD}" type="datetimeFigureOut">
               <a:rPr lang="en-US" smtClean="0"/>
-              <a:t>10/1/2018</a:t>
+              <a:t>10/3/2018</a:t>
             </a:fld>
             <a:endParaRPr lang="en-US"/>
           </a:p>
@@ -2389,7 +2390,7 @@
           <a:p>
             <a:fld id="{834513E8-165F-4932-9E2D-FD497CB9A4FD}" type="datetimeFigureOut">
               <a:rPr lang="en-US" smtClean="0"/>
-              <a:t>10/1/2018</a:t>
+              <a:t>10/3/2018</a:t>
             </a:fld>
             <a:endParaRPr lang="en-US"/>
           </a:p>
@@ -2559,7 +2560,7 @@
           <a:p>
             <a:fld id="{834513E8-165F-4932-9E2D-FD497CB9A4FD}" type="datetimeFigureOut">
               <a:rPr lang="en-US" smtClean="0"/>
-              <a:t>10/1/2018</a:t>
+              <a:t>10/3/2018</a:t>
             </a:fld>
             <a:endParaRPr lang="en-US"/>
           </a:p>
@@ -2739,7 +2740,7 @@
           <a:p>
             <a:fld id="{834513E8-165F-4932-9E2D-FD497CB9A4FD}" type="datetimeFigureOut">
               <a:rPr lang="en-US" smtClean="0"/>
-              <a:t>10/1/2018</a:t>
+              <a:t>10/3/2018</a:t>
             </a:fld>
             <a:endParaRPr lang="en-US"/>
           </a:p>
@@ -3851,7 +3852,7 @@
           <a:p>
             <a:fld id="{834513E8-165F-4932-9E2D-FD497CB9A4FD}" type="datetimeFigureOut">
               <a:rPr lang="en-US" smtClean="0"/>
-              <a:t>10/1/2018</a:t>
+              <a:t>10/3/2018</a:t>
             </a:fld>
             <a:endParaRPr lang="en-US"/>
           </a:p>
@@ -4021,7 +4022,7 @@
           <a:p>
             <a:fld id="{834513E8-165F-4932-9E2D-FD497CB9A4FD}" type="datetimeFigureOut">
               <a:rPr lang="en-US" smtClean="0"/>
-              <a:t>10/1/2018</a:t>
+              <a:t>10/3/2018</a:t>
             </a:fld>
             <a:endParaRPr lang="en-US"/>
           </a:p>
@@ -4267,7 +4268,7 @@
           <a:p>
             <a:fld id="{834513E8-165F-4932-9E2D-FD497CB9A4FD}" type="datetimeFigureOut">
               <a:rPr lang="en-US" smtClean="0"/>
-              <a:t>10/1/2018</a:t>
+              <a:t>10/3/2018</a:t>
             </a:fld>
             <a:endParaRPr lang="en-US"/>
           </a:p>
@@ -4499,7 +4500,7 @@
           <a:p>
             <a:fld id="{834513E8-165F-4932-9E2D-FD497CB9A4FD}" type="datetimeFigureOut">
               <a:rPr lang="en-US" smtClean="0"/>
-              <a:t>10/1/2018</a:t>
+              <a:t>10/3/2018</a:t>
             </a:fld>
             <a:endParaRPr lang="en-US"/>
           </a:p>
@@ -6317,7 +6318,7 @@
           <a:p>
             <a:fld id="{834513E8-165F-4932-9E2D-FD497CB9A4FD}" type="datetimeFigureOut">
               <a:rPr lang="en-US" smtClean="0"/>
-              <a:t>10/1/2018</a:t>
+              <a:t>10/3/2018</a:t>
             </a:fld>
             <a:endParaRPr lang="en-US"/>
           </a:p>
@@ -7352,6 +7353,256 @@
           <a:p>
             <a:r>
               <a:rPr lang="en-US" dirty="0" smtClean="0"/>
+              <a:t>Others</a:t>
+            </a:r>
+            <a:endParaRPr lang="en-US" dirty="0"/>
+          </a:p>
+        </p:txBody>
+      </p:sp>
+      <p:sp>
+        <p:nvSpPr>
+          <p:cNvPr id="3" name="Content Placeholder 2"/>
+          <p:cNvSpPr>
+            <a:spLocks noGrp="1"/>
+          </p:cNvSpPr>
+          <p:nvPr>
+            <p:ph idx="1"/>
+          </p:nvPr>
+        </p:nvSpPr>
+        <p:spPr/>
+        <p:txBody>
+          <a:bodyPr>
+            <a:normAutofit lnSpcReduction="10000"/>
+          </a:bodyPr>
+          <a:lstStyle/>
+          <a:p>
+            <a:r>
+              <a:rPr lang="en-US" b="1" dirty="0"/>
+              <a:t>#include &lt;</a:t>
+            </a:r>
+            <a:r>
+              <a:rPr lang="en-US" b="1" dirty="0" err="1" smtClean="0"/>
+              <a:t>stdbool.h</a:t>
+            </a:r>
+            <a:r>
+              <a:rPr lang="en-US" b="1" dirty="0" smtClean="0"/>
+              <a:t>&gt; </a:t>
+            </a:r>
+            <a:r>
+              <a:rPr lang="en-US" dirty="0" smtClean="0"/>
+              <a:t>defines </a:t>
+            </a:r>
+            <a:r>
+              <a:rPr lang="en-US" dirty="0" err="1" smtClean="0"/>
+              <a:t>booleans</a:t>
+            </a:r>
+            <a:endParaRPr lang="en-US" dirty="0" smtClean="0"/>
+          </a:p>
+          <a:p>
+            <a:pPr lvl="1"/>
+            <a:r>
+              <a:rPr lang="en-US" dirty="0" smtClean="0"/>
+              <a:t>true = 1</a:t>
+            </a:r>
+          </a:p>
+          <a:p>
+            <a:pPr lvl="1"/>
+            <a:r>
+              <a:rPr lang="en-US" dirty="0" smtClean="0"/>
+              <a:t>false = 0</a:t>
+            </a:r>
+          </a:p>
+          <a:p>
+            <a:pPr lvl="1"/>
+            <a:r>
+              <a:rPr lang="en-US" dirty="0" smtClean="0">
+                <a:solidFill>
+                  <a:srgbClr val="0070C0"/>
+                </a:solidFill>
+              </a:rPr>
+              <a:t>bool</a:t>
+            </a:r>
+            <a:r>
+              <a:rPr lang="en-US" dirty="0" smtClean="0"/>
+              <a:t> is a valid data type</a:t>
+            </a:r>
+          </a:p>
+          <a:p>
+            <a:endParaRPr lang="en-US" dirty="0" smtClean="0"/>
+          </a:p>
+          <a:p>
+            <a:r>
+              <a:rPr lang="en-US" b="1" dirty="0" smtClean="0"/>
+              <a:t>#include &lt;</a:t>
+            </a:r>
+            <a:r>
+              <a:rPr lang="en-US" b="1" dirty="0" err="1" smtClean="0"/>
+              <a:t>math.h</a:t>
+            </a:r>
+            <a:r>
+              <a:rPr lang="en-US" b="1" dirty="0" smtClean="0"/>
+              <a:t>&gt; </a:t>
+            </a:r>
+            <a:r>
+              <a:rPr lang="en-US" dirty="0" smtClean="0"/>
+              <a:t>defines things like:</a:t>
+            </a:r>
+          </a:p>
+          <a:p>
+            <a:pPr lvl="1"/>
+            <a:r>
+              <a:rPr lang="en-US" dirty="0"/>
+              <a:t>#define	M_PI	</a:t>
+            </a:r>
+            <a:r>
+              <a:rPr lang="en-US" dirty="0" smtClean="0"/>
+              <a:t>   3.14159265358979323846 </a:t>
+            </a:r>
+            <a:r>
+              <a:rPr lang="en-US" dirty="0">
+                <a:solidFill>
+                  <a:srgbClr val="00B050"/>
+                </a:solidFill>
+              </a:rPr>
+              <a:t>/* pi */</a:t>
+            </a:r>
+            <a:endParaRPr lang="en-US" dirty="0" smtClean="0">
+              <a:solidFill>
+                <a:srgbClr val="00B050"/>
+              </a:solidFill>
+            </a:endParaRPr>
+          </a:p>
+          <a:p>
+            <a:pPr lvl="1"/>
+            <a:r>
+              <a:rPr lang="en-US" dirty="0"/>
+              <a:t>#define	</a:t>
+            </a:r>
+            <a:r>
+              <a:rPr lang="en-US" dirty="0" smtClean="0"/>
+              <a:t>M_PI_2  1.57079632679489661923 </a:t>
+            </a:r>
+            <a:r>
+              <a:rPr lang="en-US" dirty="0">
+                <a:solidFill>
+                  <a:srgbClr val="00B050"/>
+                </a:solidFill>
+              </a:rPr>
+              <a:t>/* pi/2 </a:t>
+            </a:r>
+            <a:r>
+              <a:rPr lang="en-US" dirty="0" smtClean="0">
+                <a:solidFill>
+                  <a:srgbClr val="00B050"/>
+                </a:solidFill>
+              </a:rPr>
+              <a:t>*/</a:t>
+            </a:r>
+          </a:p>
+          <a:p>
+            <a:pPr lvl="1"/>
+            <a:r>
+              <a:rPr lang="en-US" dirty="0" err="1" smtClean="0"/>
+              <a:t>sqrtf</a:t>
+            </a:r>
+            <a:r>
+              <a:rPr lang="en-US" dirty="0" smtClean="0"/>
+              <a:t>()    square root float</a:t>
+            </a:r>
+          </a:p>
+          <a:p>
+            <a:pPr lvl="1"/>
+            <a:r>
+              <a:rPr lang="en-US" dirty="0" err="1" smtClean="0"/>
+              <a:t>sqrt</a:t>
+            </a:r>
+            <a:r>
+              <a:rPr lang="en-US" dirty="0" smtClean="0"/>
+              <a:t>()     square root double (default)</a:t>
+            </a:r>
+          </a:p>
+          <a:p>
+            <a:pPr lvl="1"/>
+            <a:r>
+              <a:rPr lang="en-US" dirty="0" err="1" smtClean="0"/>
+              <a:t>cosf</a:t>
+            </a:r>
+            <a:r>
+              <a:rPr lang="en-US" dirty="0" smtClean="0"/>
+              <a:t>()     cosine float</a:t>
+            </a:r>
+          </a:p>
+          <a:p>
+            <a:pPr lvl="1"/>
+            <a:r>
+              <a:rPr lang="en-US" dirty="0" smtClean="0"/>
+              <a:t>cos()      cosine double (default)</a:t>
+            </a:r>
+          </a:p>
+          <a:p>
+            <a:pPr lvl="1"/>
+            <a:r>
+              <a:rPr lang="en-US" dirty="0" err="1" smtClean="0"/>
+              <a:t>etc</a:t>
+            </a:r>
+            <a:endParaRPr lang="en-US" dirty="0"/>
+          </a:p>
+        </p:txBody>
+      </p:sp>
+    </p:spTree>
+    <p:extLst>
+      <p:ext uri="{BB962C8B-B14F-4D97-AF65-F5344CB8AC3E}">
+        <p14:creationId xmlns:p14="http://schemas.microsoft.com/office/powerpoint/2010/main" val="3375374689"/>
+      </p:ext>
+    </p:extLst>
+  </p:cSld>
+  <p:clrMapOvr>
+    <a:masterClrMapping/>
+  </p:clrMapOvr>
+  <p:timing>
+    <p:tnLst>
+      <p:par>
+        <p:cTn id="1" dur="indefinite" restart="never" nodeType="tmRoot"/>
+      </p:par>
+    </p:tnLst>
+  </p:timing>
+</p:sld>
+</file>
+
+<file path=ppt/slides/slide11.xml><?xml version="1.0" encoding="utf-8"?>
+<p:sld xmlns:a="http://schemas.openxmlformats.org/drawingml/2006/main" xmlns:r="http://schemas.openxmlformats.org/officeDocument/2006/relationships" xmlns:p="http://schemas.openxmlformats.org/presentationml/2006/main">
+  <p:cSld>
+    <p:spTree>
+      <p:nvGrpSpPr>
+        <p:cNvPr id="1" name=""/>
+        <p:cNvGrpSpPr/>
+        <p:nvPr/>
+      </p:nvGrpSpPr>
+      <p:grpSpPr>
+        <a:xfrm>
+          <a:off x="0" y="0"/>
+          <a:ext cx="0" cy="0"/>
+          <a:chOff x="0" y="0"/>
+          <a:chExt cx="0" cy="0"/>
+        </a:xfrm>
+      </p:grpSpPr>
+      <p:sp>
+        <p:nvSpPr>
+          <p:cNvPr id="2" name="Title 1"/>
+          <p:cNvSpPr>
+            <a:spLocks noGrp="1"/>
+          </p:cNvSpPr>
+          <p:nvPr>
+            <p:ph type="title"/>
+          </p:nvPr>
+        </p:nvSpPr>
+        <p:spPr/>
+        <p:txBody>
+          <a:bodyPr/>
+          <a:lstStyle/>
+          <a:p>
+            <a:r>
+              <a:rPr lang="en-US" dirty="0" smtClean="0"/>
               <a:t>So now you can write this</a:t>
             </a:r>
             <a:endParaRPr lang="en-US" dirty="0"/>
@@ -7693,7 +7944,7 @@
 </p:sld>
 </file>
 
-<file path=ppt/slides/slide11.xml><?xml version="1.0" encoding="utf-8"?>
+<file path=ppt/slides/slide12.xml><?xml version="1.0" encoding="utf-8"?>
 <p:sld xmlns:a="http://schemas.openxmlformats.org/drawingml/2006/main" xmlns:r="http://schemas.openxmlformats.org/officeDocument/2006/relationships" xmlns:p="http://schemas.openxmlformats.org/presentationml/2006/main">
   <p:cSld>
     <p:spTree>
@@ -8164,7 +8415,7 @@
 </p:sld>
 </file>
 
-<file path=ppt/slides/slide12.xml><?xml version="1.0" encoding="utf-8"?>
+<file path=ppt/slides/slide13.xml><?xml version="1.0" encoding="utf-8"?>
 <p:sld xmlns:a="http://schemas.openxmlformats.org/drawingml/2006/main" xmlns:r="http://schemas.openxmlformats.org/officeDocument/2006/relationships" xmlns:p="http://schemas.openxmlformats.org/presentationml/2006/main">
   <p:cSld>
     <p:spTree>
@@ -8293,11 +8544,6 @@
               </a:rPr>
               <a:t>This is the source of a lot of errors!</a:t>
             </a:r>
-            <a:endParaRPr lang="en-US" sz="1000" dirty="0" smtClean="0">
-              <a:solidFill>
-                <a:srgbClr val="FF0000"/>
-              </a:solidFill>
-            </a:endParaRPr>
           </a:p>
           <a:p>
             <a:pPr>
@@ -8753,7 +8999,7 @@
 </p:sld>
 </file>
 
-<file path=ppt/slides/slide13.xml><?xml version="1.0" encoding="utf-8"?>
+<file path=ppt/slides/slide14.xml><?xml version="1.0" encoding="utf-8"?>
 <p:sld xmlns:a="http://schemas.openxmlformats.org/drawingml/2006/main" xmlns:r="http://schemas.openxmlformats.org/officeDocument/2006/relationships" xmlns:p="http://schemas.openxmlformats.org/presentationml/2006/main">
   <p:cSld>
     <p:spTree>
@@ -8965,701 +9211,6 @@
     <p:extLst>
       <p:ext uri="{BB962C8B-B14F-4D97-AF65-F5344CB8AC3E}">
         <p14:creationId xmlns:p14="http://schemas.microsoft.com/office/powerpoint/2010/main" val="554007471"/>
-      </p:ext>
-    </p:extLst>
-  </p:cSld>
-  <p:clrMapOvr>
-    <a:masterClrMapping/>
-  </p:clrMapOvr>
-  <p:timing>
-    <p:tnLst>
-      <p:par>
-        <p:cTn id="1" dur="indefinite" restart="never" nodeType="tmRoot"/>
-      </p:par>
-    </p:tnLst>
-  </p:timing>
-</p:sld>
-</file>
-
-<file path=ppt/slides/slide14.xml><?xml version="1.0" encoding="utf-8"?>
-<p:sld xmlns:a="http://schemas.openxmlformats.org/drawingml/2006/main" xmlns:r="http://schemas.openxmlformats.org/officeDocument/2006/relationships" xmlns:p="http://schemas.openxmlformats.org/presentationml/2006/main">
-  <p:cSld>
-    <p:spTree>
-      <p:nvGrpSpPr>
-        <p:cNvPr id="1" name=""/>
-        <p:cNvGrpSpPr/>
-        <p:nvPr/>
-      </p:nvGrpSpPr>
-      <p:grpSpPr>
-        <a:xfrm>
-          <a:off x="0" y="0"/>
-          <a:ext cx="0" cy="0"/>
-          <a:chOff x="0" y="0"/>
-          <a:chExt cx="0" cy="0"/>
-        </a:xfrm>
-      </p:grpSpPr>
-      <p:sp>
-        <p:nvSpPr>
-          <p:cNvPr id="2" name="Title 1"/>
-          <p:cNvSpPr>
-            <a:spLocks noGrp="1"/>
-          </p:cNvSpPr>
-          <p:nvPr>
-            <p:ph type="title"/>
-          </p:nvPr>
-        </p:nvSpPr>
-        <p:spPr/>
-        <p:txBody>
-          <a:bodyPr/>
-          <a:lstStyle/>
-          <a:p>
-            <a:r>
-              <a:rPr lang="en-US" b="1" dirty="0" smtClean="0"/>
-              <a:t>C Language:  Operators</a:t>
-            </a:r>
-            <a:endParaRPr lang="en-US" dirty="0"/>
-          </a:p>
-        </p:txBody>
-      </p:sp>
-      <p:sp>
-        <p:nvSpPr>
-          <p:cNvPr id="3" name="Content Placeholder 2"/>
-          <p:cNvSpPr>
-            <a:spLocks noGrp="1"/>
-          </p:cNvSpPr>
-          <p:nvPr>
-            <p:ph idx="1"/>
-          </p:nvPr>
-        </p:nvSpPr>
-        <p:spPr>
-          <a:xfrm>
-            <a:off x="348339" y="1446769"/>
-            <a:ext cx="8625728" cy="5035231"/>
-          </a:xfrm>
-        </p:spPr>
-        <p:txBody>
-          <a:bodyPr/>
-          <a:lstStyle/>
-          <a:p>
-            <a:pPr marL="0" indent="0">
-              <a:buNone/>
-            </a:pPr>
-            <a:r>
-              <a:rPr lang="en-US" sz="1400" b="1" dirty="0"/>
-              <a:t>Assignment, Arithmetic </a:t>
-            </a:r>
-            <a:r>
-              <a:rPr lang="en-US" sz="1400" b="1" dirty="0" smtClean="0"/>
-              <a:t>Operators</a:t>
-            </a:r>
-          </a:p>
-          <a:p>
-            <a:pPr marL="0" indent="0">
-              <a:buNone/>
-            </a:pPr>
-            <a:endParaRPr lang="en-US" sz="1400" b="1" dirty="0" smtClean="0">
-              <a:solidFill>
-                <a:schemeClr val="accent2"/>
-              </a:solidFill>
-              <a:latin typeface="Courier New" pitchFamily="49" charset="0"/>
-              <a:cs typeface="Courier New" pitchFamily="49" charset="0"/>
-            </a:endParaRPr>
-          </a:p>
-          <a:p>
-            <a:pPr marL="0" indent="0">
-              <a:buNone/>
-            </a:pPr>
-            <a:r>
-              <a:rPr lang="en-US" sz="1400" b="1" dirty="0">
-                <a:solidFill>
-                  <a:schemeClr val="accent2"/>
-                </a:solidFill>
-                <a:latin typeface="Courier New" pitchFamily="49" charset="0"/>
-                <a:cs typeface="Courier New" pitchFamily="49" charset="0"/>
-              </a:rPr>
-              <a:t>char </a:t>
-            </a:r>
-            <a:r>
-              <a:rPr lang="en-US" sz="1400" b="1" dirty="0" err="1">
-                <a:solidFill>
-                  <a:schemeClr val="accent2"/>
-                </a:solidFill>
-                <a:latin typeface="Courier New" pitchFamily="49" charset="0"/>
-                <a:cs typeface="Courier New" pitchFamily="49" charset="0"/>
-              </a:rPr>
-              <a:t>myVar</a:t>
-            </a:r>
-            <a:r>
-              <a:rPr lang="en-US" sz="1400" b="1" dirty="0">
-                <a:solidFill>
-                  <a:schemeClr val="accent2"/>
-                </a:solidFill>
-                <a:latin typeface="Courier New" pitchFamily="49" charset="0"/>
-                <a:cs typeface="Courier New" pitchFamily="49" charset="0"/>
-              </a:rPr>
-              <a:t>, a, b;  </a:t>
-            </a:r>
-            <a:r>
-              <a:rPr lang="en-US" sz="1400" b="1" dirty="0">
-                <a:solidFill>
-                  <a:srgbClr val="00B050"/>
-                </a:solidFill>
-                <a:latin typeface="Courier New" pitchFamily="49" charset="0"/>
-                <a:cs typeface="Courier New" pitchFamily="49" charset="0"/>
-              </a:rPr>
-              <a:t>// variable </a:t>
-            </a:r>
-            <a:r>
-              <a:rPr lang="en-US" sz="1400" b="1" dirty="0" smtClean="0">
-                <a:solidFill>
-                  <a:srgbClr val="00B050"/>
-                </a:solidFill>
-                <a:latin typeface="Courier New" pitchFamily="49" charset="0"/>
-                <a:cs typeface="Courier New" pitchFamily="49" charset="0"/>
-              </a:rPr>
-              <a:t>declaration, </a:t>
-            </a:r>
-            <a:r>
-              <a:rPr lang="en-US" sz="1400" b="1" dirty="0" err="1" smtClean="0">
-                <a:solidFill>
-                  <a:srgbClr val="00B050"/>
-                </a:solidFill>
-                <a:latin typeface="Courier New" pitchFamily="49" charset="0"/>
-                <a:cs typeface="Courier New" pitchFamily="49" charset="0"/>
-              </a:rPr>
-              <a:t>gcc</a:t>
-            </a:r>
-            <a:r>
-              <a:rPr lang="en-US" sz="1400" b="1" dirty="0" smtClean="0">
-                <a:solidFill>
-                  <a:srgbClr val="00B050"/>
-                </a:solidFill>
-                <a:latin typeface="Courier New" pitchFamily="49" charset="0"/>
-                <a:cs typeface="Courier New" pitchFamily="49" charset="0"/>
-              </a:rPr>
-              <a:t> sets their value to 0</a:t>
-            </a:r>
-            <a:endParaRPr lang="en-US" sz="1400" b="1" dirty="0">
-              <a:solidFill>
-                <a:srgbClr val="00B050"/>
-              </a:solidFill>
-              <a:latin typeface="Courier New" pitchFamily="49" charset="0"/>
-              <a:cs typeface="Courier New" pitchFamily="49" charset="0"/>
-            </a:endParaRPr>
-          </a:p>
-          <a:p>
-            <a:pPr marL="0" indent="0">
-              <a:buNone/>
-            </a:pPr>
-            <a:endParaRPr lang="en-US" sz="1400" b="1" dirty="0">
-              <a:solidFill>
-                <a:schemeClr val="accent2"/>
-              </a:solidFill>
-              <a:latin typeface="Courier New" pitchFamily="49" charset="0"/>
-              <a:cs typeface="Courier New" pitchFamily="49" charset="0"/>
-            </a:endParaRPr>
-          </a:p>
-          <a:p>
-            <a:pPr marL="0" indent="0">
-              <a:buNone/>
-            </a:pPr>
-            <a:r>
-              <a:rPr lang="en-US" sz="1400" b="1" dirty="0" err="1">
-                <a:solidFill>
-                  <a:schemeClr val="accent2"/>
-                </a:solidFill>
-                <a:latin typeface="Courier New" pitchFamily="49" charset="0"/>
-                <a:cs typeface="Courier New" pitchFamily="49" charset="0"/>
-              </a:rPr>
-              <a:t>myVar</a:t>
-            </a:r>
-            <a:r>
-              <a:rPr lang="en-US" sz="1400" b="1" dirty="0">
-                <a:solidFill>
-                  <a:schemeClr val="accent2"/>
-                </a:solidFill>
-                <a:latin typeface="Courier New" pitchFamily="49" charset="0"/>
-                <a:cs typeface="Courier New" pitchFamily="49" charset="0"/>
-              </a:rPr>
-              <a:t> = a;  </a:t>
-            </a:r>
-            <a:r>
-              <a:rPr lang="en-US" sz="1400" b="1" dirty="0" smtClean="0">
-                <a:solidFill>
-                  <a:schemeClr val="accent2"/>
-                </a:solidFill>
-                <a:latin typeface="Courier New" pitchFamily="49" charset="0"/>
-                <a:cs typeface="Courier New" pitchFamily="49" charset="0"/>
-              </a:rPr>
-              <a:t>    </a:t>
-            </a:r>
-            <a:r>
-              <a:rPr lang="en-US" sz="1400" b="1" dirty="0" smtClean="0">
-                <a:solidFill>
-                  <a:srgbClr val="00B050"/>
-                </a:solidFill>
-                <a:latin typeface="Courier New" pitchFamily="49" charset="0"/>
-                <a:cs typeface="Courier New" pitchFamily="49" charset="0"/>
-              </a:rPr>
-              <a:t>// assignment</a:t>
-            </a:r>
-            <a:endParaRPr lang="en-US" sz="1400" b="1" dirty="0">
-              <a:solidFill>
-                <a:srgbClr val="00B050"/>
-              </a:solidFill>
-              <a:latin typeface="Courier New" pitchFamily="49" charset="0"/>
-              <a:cs typeface="Courier New" pitchFamily="49" charset="0"/>
-            </a:endParaRPr>
-          </a:p>
-          <a:p>
-            <a:pPr marL="0" indent="0">
-              <a:buNone/>
-            </a:pPr>
-            <a:endParaRPr lang="en-US" sz="1400" b="1" dirty="0">
-              <a:solidFill>
-                <a:schemeClr val="accent2"/>
-              </a:solidFill>
-              <a:latin typeface="Courier New" pitchFamily="49" charset="0"/>
-              <a:cs typeface="Courier New" pitchFamily="49" charset="0"/>
-            </a:endParaRPr>
-          </a:p>
-          <a:p>
-            <a:pPr marL="0" indent="0">
-              <a:buNone/>
-            </a:pPr>
-            <a:r>
-              <a:rPr lang="en-US" sz="1400" b="1" dirty="0" err="1">
-                <a:solidFill>
-                  <a:schemeClr val="accent2"/>
-                </a:solidFill>
-                <a:latin typeface="Courier New" pitchFamily="49" charset="0"/>
-                <a:cs typeface="Courier New" pitchFamily="49" charset="0"/>
-              </a:rPr>
-              <a:t>myVar</a:t>
-            </a:r>
-            <a:r>
-              <a:rPr lang="en-US" sz="1400" b="1" dirty="0">
-                <a:solidFill>
-                  <a:schemeClr val="accent2"/>
-                </a:solidFill>
-                <a:latin typeface="Courier New" pitchFamily="49" charset="0"/>
-                <a:cs typeface="Courier New" pitchFamily="49" charset="0"/>
-              </a:rPr>
-              <a:t> = a + b;  </a:t>
-            </a:r>
-            <a:r>
-              <a:rPr lang="en-US" sz="1400" b="1" dirty="0">
-                <a:solidFill>
-                  <a:srgbClr val="00B050"/>
-                </a:solidFill>
-                <a:latin typeface="Courier New" pitchFamily="49" charset="0"/>
-                <a:cs typeface="Courier New" pitchFamily="49" charset="0"/>
-              </a:rPr>
-              <a:t>// addition</a:t>
-            </a:r>
-          </a:p>
-          <a:p>
-            <a:pPr marL="0" indent="0">
-              <a:buNone/>
-            </a:pPr>
-            <a:r>
-              <a:rPr lang="en-US" sz="1400" b="1" dirty="0" err="1">
-                <a:solidFill>
-                  <a:schemeClr val="accent2"/>
-                </a:solidFill>
-                <a:latin typeface="Courier New" pitchFamily="49" charset="0"/>
-                <a:cs typeface="Courier New" pitchFamily="49" charset="0"/>
-              </a:rPr>
-              <a:t>myVar</a:t>
-            </a:r>
-            <a:r>
-              <a:rPr lang="en-US" sz="1400" b="1" dirty="0">
-                <a:solidFill>
-                  <a:schemeClr val="accent2"/>
-                </a:solidFill>
-                <a:latin typeface="Courier New" pitchFamily="49" charset="0"/>
-                <a:cs typeface="Courier New" pitchFamily="49" charset="0"/>
-              </a:rPr>
-              <a:t> = a - b;  </a:t>
-            </a:r>
-            <a:r>
-              <a:rPr lang="en-US" sz="1400" b="1" dirty="0">
-                <a:solidFill>
-                  <a:srgbClr val="00B050"/>
-                </a:solidFill>
-                <a:latin typeface="Courier New" pitchFamily="49" charset="0"/>
-                <a:cs typeface="Courier New" pitchFamily="49" charset="0"/>
-              </a:rPr>
-              <a:t>// subtraction</a:t>
-            </a:r>
-          </a:p>
-          <a:p>
-            <a:pPr marL="0" indent="0">
-              <a:buNone/>
-            </a:pPr>
-            <a:r>
-              <a:rPr lang="en-US" sz="1400" b="1" dirty="0" err="1">
-                <a:solidFill>
-                  <a:schemeClr val="accent2"/>
-                </a:solidFill>
-                <a:latin typeface="Courier New" pitchFamily="49" charset="0"/>
-                <a:cs typeface="Courier New" pitchFamily="49" charset="0"/>
-              </a:rPr>
-              <a:t>myVar</a:t>
-            </a:r>
-            <a:r>
-              <a:rPr lang="en-US" sz="1400" b="1" dirty="0">
-                <a:solidFill>
-                  <a:schemeClr val="accent2"/>
-                </a:solidFill>
-                <a:latin typeface="Courier New" pitchFamily="49" charset="0"/>
-                <a:cs typeface="Courier New" pitchFamily="49" charset="0"/>
-              </a:rPr>
-              <a:t> = a * b;  </a:t>
-            </a:r>
-            <a:r>
-              <a:rPr lang="en-US" sz="1400" b="1" dirty="0">
-                <a:solidFill>
-                  <a:srgbClr val="00B050"/>
-                </a:solidFill>
-                <a:latin typeface="Courier New" pitchFamily="49" charset="0"/>
-                <a:cs typeface="Courier New" pitchFamily="49" charset="0"/>
-              </a:rPr>
-              <a:t>// multiplication</a:t>
-            </a:r>
-          </a:p>
-          <a:p>
-            <a:pPr marL="0" indent="0">
-              <a:buNone/>
-            </a:pPr>
-            <a:r>
-              <a:rPr lang="en-US" sz="1400" b="1" dirty="0" err="1">
-                <a:solidFill>
-                  <a:schemeClr val="accent2"/>
-                </a:solidFill>
-                <a:latin typeface="Courier New" pitchFamily="49" charset="0"/>
-                <a:cs typeface="Courier New" pitchFamily="49" charset="0"/>
-              </a:rPr>
-              <a:t>myVar</a:t>
-            </a:r>
-            <a:r>
-              <a:rPr lang="en-US" sz="1400" b="1" dirty="0">
-                <a:solidFill>
-                  <a:schemeClr val="accent2"/>
-                </a:solidFill>
-                <a:latin typeface="Courier New" pitchFamily="49" charset="0"/>
-                <a:cs typeface="Courier New" pitchFamily="49" charset="0"/>
-              </a:rPr>
-              <a:t> = a / b;  </a:t>
-            </a:r>
-            <a:r>
-              <a:rPr lang="en-US" sz="1400" b="1" dirty="0">
-                <a:solidFill>
-                  <a:srgbClr val="00B050"/>
-                </a:solidFill>
-                <a:latin typeface="Courier New" pitchFamily="49" charset="0"/>
-                <a:cs typeface="Courier New" pitchFamily="49" charset="0"/>
-              </a:rPr>
-              <a:t>// division</a:t>
-            </a:r>
-          </a:p>
-          <a:p>
-            <a:pPr marL="0" indent="0">
-              <a:buNone/>
-            </a:pPr>
-            <a:endParaRPr lang="en-US" sz="1400" b="1" dirty="0">
-              <a:solidFill>
-                <a:schemeClr val="accent2"/>
-              </a:solidFill>
-              <a:latin typeface="Courier New" pitchFamily="49" charset="0"/>
-              <a:cs typeface="Courier New" pitchFamily="49" charset="0"/>
-            </a:endParaRPr>
-          </a:p>
-          <a:p>
-            <a:pPr marL="0" indent="0">
-              <a:buNone/>
-            </a:pPr>
-            <a:r>
-              <a:rPr lang="en-US" sz="1400" b="1" dirty="0" err="1">
-                <a:solidFill>
-                  <a:schemeClr val="accent2"/>
-                </a:solidFill>
-                <a:latin typeface="Courier New" pitchFamily="49" charset="0"/>
-                <a:cs typeface="Courier New" pitchFamily="49" charset="0"/>
-              </a:rPr>
-              <a:t>myVar</a:t>
-            </a:r>
-            <a:r>
-              <a:rPr lang="en-US" sz="1400" b="1" dirty="0">
-                <a:solidFill>
-                  <a:schemeClr val="accent2"/>
-                </a:solidFill>
-                <a:latin typeface="Courier New" pitchFamily="49" charset="0"/>
-                <a:cs typeface="Courier New" pitchFamily="49" charset="0"/>
-              </a:rPr>
-              <a:t> = a % b;  </a:t>
-            </a:r>
-            <a:r>
-              <a:rPr lang="en-US" sz="1400" b="1" dirty="0">
-                <a:solidFill>
-                  <a:srgbClr val="00B050"/>
-                </a:solidFill>
-                <a:latin typeface="Courier New" pitchFamily="49" charset="0"/>
-                <a:cs typeface="Courier New" pitchFamily="49" charset="0"/>
-              </a:rPr>
-              <a:t>// modulus (remainder)</a:t>
-            </a:r>
-          </a:p>
-          <a:p>
-            <a:pPr marL="0" indent="0">
-              <a:buNone/>
-            </a:pPr>
-            <a:endParaRPr lang="en-US" sz="1400" b="1" dirty="0">
-              <a:solidFill>
-                <a:schemeClr val="accent2"/>
-              </a:solidFill>
-              <a:latin typeface="Courier New" pitchFamily="49" charset="0"/>
-              <a:cs typeface="Courier New" pitchFamily="49" charset="0"/>
-            </a:endParaRPr>
-          </a:p>
-          <a:p>
-            <a:pPr marL="0" indent="0">
-              <a:buNone/>
-            </a:pPr>
-            <a:r>
-              <a:rPr lang="en-US" sz="1400" b="1" dirty="0" err="1">
-                <a:solidFill>
-                  <a:schemeClr val="accent2"/>
-                </a:solidFill>
-                <a:latin typeface="Courier New" pitchFamily="49" charset="0"/>
-                <a:cs typeface="Courier New" pitchFamily="49" charset="0"/>
-              </a:rPr>
-              <a:t>myVar</a:t>
-            </a:r>
-            <a:r>
-              <a:rPr lang="en-US" sz="1400" b="1" dirty="0">
-                <a:solidFill>
-                  <a:schemeClr val="accent2"/>
-                </a:solidFill>
-                <a:latin typeface="Courier New" pitchFamily="49" charset="0"/>
-                <a:cs typeface="Courier New" pitchFamily="49" charset="0"/>
-              </a:rPr>
-              <a:t>++;        </a:t>
-            </a:r>
-            <a:r>
-              <a:rPr lang="en-US" sz="1400" b="1" dirty="0">
-                <a:solidFill>
-                  <a:srgbClr val="00B050"/>
-                </a:solidFill>
-                <a:latin typeface="Courier New" pitchFamily="49" charset="0"/>
-                <a:cs typeface="Courier New" pitchFamily="49" charset="0"/>
-              </a:rPr>
-              <a:t>// increment</a:t>
-            </a:r>
-          </a:p>
-          <a:p>
-            <a:pPr marL="0" indent="0">
-              <a:buNone/>
-            </a:pPr>
-            <a:r>
-              <a:rPr lang="en-US" sz="1400" b="1" dirty="0" err="1">
-                <a:solidFill>
-                  <a:schemeClr val="accent2"/>
-                </a:solidFill>
-                <a:latin typeface="Courier New" pitchFamily="49" charset="0"/>
-                <a:cs typeface="Courier New" pitchFamily="49" charset="0"/>
-              </a:rPr>
-              <a:t>myVar</a:t>
-            </a:r>
-            <a:r>
-              <a:rPr lang="en-US" sz="1400" b="1" dirty="0">
-                <a:solidFill>
-                  <a:schemeClr val="accent2"/>
-                </a:solidFill>
-                <a:latin typeface="Courier New" pitchFamily="49" charset="0"/>
-                <a:cs typeface="Courier New" pitchFamily="49" charset="0"/>
-              </a:rPr>
-              <a:t>--;        </a:t>
-            </a:r>
-            <a:r>
-              <a:rPr lang="en-US" sz="1400" b="1" dirty="0">
-                <a:solidFill>
-                  <a:srgbClr val="00B050"/>
-                </a:solidFill>
-                <a:latin typeface="Courier New" pitchFamily="49" charset="0"/>
-                <a:cs typeface="Courier New" pitchFamily="49" charset="0"/>
-              </a:rPr>
-              <a:t>// decrement</a:t>
-            </a:r>
-          </a:p>
-          <a:p>
-            <a:pPr marL="0" indent="0">
-              <a:buNone/>
-            </a:pPr>
-            <a:endParaRPr lang="en-US" sz="1400" b="1" dirty="0">
-              <a:solidFill>
-                <a:schemeClr val="accent2"/>
-              </a:solidFill>
-              <a:latin typeface="Courier New" pitchFamily="49" charset="0"/>
-              <a:cs typeface="Courier New" pitchFamily="49" charset="0"/>
-            </a:endParaRPr>
-          </a:p>
-          <a:p>
-            <a:pPr marL="0" indent="0">
-              <a:buNone/>
-            </a:pPr>
-            <a:r>
-              <a:rPr lang="en-US" sz="1400" b="1" dirty="0" err="1">
-                <a:solidFill>
-                  <a:schemeClr val="accent2"/>
-                </a:solidFill>
-                <a:latin typeface="Courier New" pitchFamily="49" charset="0"/>
-                <a:cs typeface="Courier New" pitchFamily="49" charset="0"/>
-              </a:rPr>
-              <a:t>myVar</a:t>
-            </a:r>
-            <a:r>
-              <a:rPr lang="en-US" sz="1400" b="1" dirty="0">
-                <a:solidFill>
-                  <a:schemeClr val="accent2"/>
-                </a:solidFill>
-                <a:latin typeface="Courier New" pitchFamily="49" charset="0"/>
-                <a:cs typeface="Courier New" pitchFamily="49" charset="0"/>
-              </a:rPr>
-              <a:t> += a;     </a:t>
-            </a:r>
-            <a:r>
-              <a:rPr lang="en-US" sz="1400" b="1" dirty="0">
-                <a:solidFill>
-                  <a:srgbClr val="00B050"/>
-                </a:solidFill>
-                <a:latin typeface="Courier New" pitchFamily="49" charset="0"/>
-                <a:cs typeface="Courier New" pitchFamily="49" charset="0"/>
-              </a:rPr>
-              <a:t>// </a:t>
-            </a:r>
-            <a:r>
-              <a:rPr lang="en-US" sz="1400" b="1" dirty="0" err="1">
-                <a:solidFill>
-                  <a:srgbClr val="00B050"/>
-                </a:solidFill>
-                <a:latin typeface="Courier New" pitchFamily="49" charset="0"/>
-                <a:cs typeface="Courier New" pitchFamily="49" charset="0"/>
-              </a:rPr>
-              <a:t>myVar</a:t>
-            </a:r>
-            <a:r>
-              <a:rPr lang="en-US" sz="1400" b="1" dirty="0">
-                <a:solidFill>
-                  <a:srgbClr val="00B050"/>
-                </a:solidFill>
-                <a:latin typeface="Courier New" pitchFamily="49" charset="0"/>
-                <a:cs typeface="Courier New" pitchFamily="49" charset="0"/>
-              </a:rPr>
-              <a:t> = </a:t>
-            </a:r>
-            <a:r>
-              <a:rPr lang="en-US" sz="1400" b="1" dirty="0" err="1">
-                <a:solidFill>
-                  <a:srgbClr val="00B050"/>
-                </a:solidFill>
-                <a:latin typeface="Courier New" pitchFamily="49" charset="0"/>
-                <a:cs typeface="Courier New" pitchFamily="49" charset="0"/>
-              </a:rPr>
-              <a:t>myVar</a:t>
-            </a:r>
-            <a:r>
-              <a:rPr lang="en-US" sz="1400" b="1" dirty="0">
-                <a:solidFill>
-                  <a:srgbClr val="00B050"/>
-                </a:solidFill>
-                <a:latin typeface="Courier New" pitchFamily="49" charset="0"/>
-                <a:cs typeface="Courier New" pitchFamily="49" charset="0"/>
-              </a:rPr>
-              <a:t> + a</a:t>
-            </a:r>
-          </a:p>
-          <a:p>
-            <a:pPr marL="0" indent="0">
-              <a:buNone/>
-            </a:pPr>
-            <a:r>
-              <a:rPr lang="en-US" sz="1400" b="1" dirty="0" err="1">
-                <a:solidFill>
-                  <a:schemeClr val="accent2"/>
-                </a:solidFill>
-                <a:latin typeface="Courier New" pitchFamily="49" charset="0"/>
-                <a:cs typeface="Courier New" pitchFamily="49" charset="0"/>
-              </a:rPr>
-              <a:t>myVar</a:t>
-            </a:r>
-            <a:r>
-              <a:rPr lang="en-US" sz="1400" b="1" dirty="0">
-                <a:solidFill>
-                  <a:schemeClr val="accent2"/>
-                </a:solidFill>
-                <a:latin typeface="Courier New" pitchFamily="49" charset="0"/>
-                <a:cs typeface="Courier New" pitchFamily="49" charset="0"/>
-              </a:rPr>
-              <a:t> -= a;     </a:t>
-            </a:r>
-            <a:r>
-              <a:rPr lang="en-US" sz="1400" b="1" dirty="0">
-                <a:solidFill>
-                  <a:srgbClr val="00B050"/>
-                </a:solidFill>
-                <a:latin typeface="Courier New" pitchFamily="49" charset="0"/>
-                <a:cs typeface="Courier New" pitchFamily="49" charset="0"/>
-              </a:rPr>
-              <a:t>// </a:t>
-            </a:r>
-            <a:r>
-              <a:rPr lang="en-US" sz="1400" b="1" dirty="0" err="1">
-                <a:solidFill>
-                  <a:srgbClr val="00B050"/>
-                </a:solidFill>
-                <a:latin typeface="Courier New" pitchFamily="49" charset="0"/>
-                <a:cs typeface="Courier New" pitchFamily="49" charset="0"/>
-              </a:rPr>
-              <a:t>myVar</a:t>
-            </a:r>
-            <a:r>
-              <a:rPr lang="en-US" sz="1400" b="1" dirty="0">
-                <a:solidFill>
-                  <a:srgbClr val="00B050"/>
-                </a:solidFill>
-                <a:latin typeface="Courier New" pitchFamily="49" charset="0"/>
-                <a:cs typeface="Courier New" pitchFamily="49" charset="0"/>
-              </a:rPr>
-              <a:t> = </a:t>
-            </a:r>
-            <a:r>
-              <a:rPr lang="en-US" sz="1400" b="1" dirty="0" err="1">
-                <a:solidFill>
-                  <a:srgbClr val="00B050"/>
-                </a:solidFill>
-                <a:latin typeface="Courier New" pitchFamily="49" charset="0"/>
-                <a:cs typeface="Courier New" pitchFamily="49" charset="0"/>
-              </a:rPr>
-              <a:t>myVar</a:t>
-            </a:r>
-            <a:r>
-              <a:rPr lang="en-US" sz="1400" b="1" dirty="0">
-                <a:solidFill>
-                  <a:srgbClr val="00B050"/>
-                </a:solidFill>
-                <a:latin typeface="Courier New" pitchFamily="49" charset="0"/>
-                <a:cs typeface="Courier New" pitchFamily="49" charset="0"/>
-              </a:rPr>
-              <a:t> - a</a:t>
-            </a:r>
-          </a:p>
-        </p:txBody>
-      </p:sp>
-    </p:spTree>
-    <p:extLst>
-      <p:ext uri="{BB962C8B-B14F-4D97-AF65-F5344CB8AC3E}">
-        <p14:creationId xmlns:p14="http://schemas.microsoft.com/office/powerpoint/2010/main" val="225650935"/>
       </p:ext>
     </p:extLst>
   </p:cSld>
@@ -9728,6 +9279,701 @@
         </p:nvSpPr>
         <p:spPr>
           <a:xfrm>
+            <a:off x="348339" y="1446769"/>
+            <a:ext cx="8625728" cy="5035231"/>
+          </a:xfrm>
+        </p:spPr>
+        <p:txBody>
+          <a:bodyPr/>
+          <a:lstStyle/>
+          <a:p>
+            <a:pPr marL="0" indent="0">
+              <a:buNone/>
+            </a:pPr>
+            <a:r>
+              <a:rPr lang="en-US" sz="1400" b="1" dirty="0"/>
+              <a:t>Assignment, Arithmetic </a:t>
+            </a:r>
+            <a:r>
+              <a:rPr lang="en-US" sz="1400" b="1" dirty="0" smtClean="0"/>
+              <a:t>Operators</a:t>
+            </a:r>
+          </a:p>
+          <a:p>
+            <a:pPr marL="0" indent="0">
+              <a:buNone/>
+            </a:pPr>
+            <a:endParaRPr lang="en-US" sz="1400" b="1" dirty="0" smtClean="0">
+              <a:solidFill>
+                <a:schemeClr val="accent2"/>
+              </a:solidFill>
+              <a:latin typeface="Courier New" pitchFamily="49" charset="0"/>
+              <a:cs typeface="Courier New" pitchFamily="49" charset="0"/>
+            </a:endParaRPr>
+          </a:p>
+          <a:p>
+            <a:pPr marL="0" indent="0">
+              <a:buNone/>
+            </a:pPr>
+            <a:r>
+              <a:rPr lang="en-US" sz="1400" b="1" dirty="0">
+                <a:solidFill>
+                  <a:schemeClr val="accent2"/>
+                </a:solidFill>
+                <a:latin typeface="Courier New" pitchFamily="49" charset="0"/>
+                <a:cs typeface="Courier New" pitchFamily="49" charset="0"/>
+              </a:rPr>
+              <a:t>char </a:t>
+            </a:r>
+            <a:r>
+              <a:rPr lang="en-US" sz="1400" b="1" dirty="0" err="1">
+                <a:solidFill>
+                  <a:schemeClr val="accent2"/>
+                </a:solidFill>
+                <a:latin typeface="Courier New" pitchFamily="49" charset="0"/>
+                <a:cs typeface="Courier New" pitchFamily="49" charset="0"/>
+              </a:rPr>
+              <a:t>myVar</a:t>
+            </a:r>
+            <a:r>
+              <a:rPr lang="en-US" sz="1400" b="1" dirty="0">
+                <a:solidFill>
+                  <a:schemeClr val="accent2"/>
+                </a:solidFill>
+                <a:latin typeface="Courier New" pitchFamily="49" charset="0"/>
+                <a:cs typeface="Courier New" pitchFamily="49" charset="0"/>
+              </a:rPr>
+              <a:t>, a, b;  </a:t>
+            </a:r>
+            <a:r>
+              <a:rPr lang="en-US" sz="1400" b="1" dirty="0">
+                <a:solidFill>
+                  <a:srgbClr val="00B050"/>
+                </a:solidFill>
+                <a:latin typeface="Courier New" pitchFamily="49" charset="0"/>
+                <a:cs typeface="Courier New" pitchFamily="49" charset="0"/>
+              </a:rPr>
+              <a:t>// variable </a:t>
+            </a:r>
+            <a:r>
+              <a:rPr lang="en-US" sz="1400" b="1" dirty="0" smtClean="0">
+                <a:solidFill>
+                  <a:srgbClr val="00B050"/>
+                </a:solidFill>
+                <a:latin typeface="Courier New" pitchFamily="49" charset="0"/>
+                <a:cs typeface="Courier New" pitchFamily="49" charset="0"/>
+              </a:rPr>
+              <a:t>declaration, </a:t>
+            </a:r>
+            <a:r>
+              <a:rPr lang="en-US" sz="1400" b="1" dirty="0" err="1" smtClean="0">
+                <a:solidFill>
+                  <a:srgbClr val="00B050"/>
+                </a:solidFill>
+                <a:latin typeface="Courier New" pitchFamily="49" charset="0"/>
+                <a:cs typeface="Courier New" pitchFamily="49" charset="0"/>
+              </a:rPr>
+              <a:t>gcc</a:t>
+            </a:r>
+            <a:r>
+              <a:rPr lang="en-US" sz="1400" b="1" dirty="0" smtClean="0">
+                <a:solidFill>
+                  <a:srgbClr val="00B050"/>
+                </a:solidFill>
+                <a:latin typeface="Courier New" pitchFamily="49" charset="0"/>
+                <a:cs typeface="Courier New" pitchFamily="49" charset="0"/>
+              </a:rPr>
+              <a:t> sets their value to 0</a:t>
+            </a:r>
+            <a:endParaRPr lang="en-US" sz="1400" b="1" dirty="0">
+              <a:solidFill>
+                <a:srgbClr val="00B050"/>
+              </a:solidFill>
+              <a:latin typeface="Courier New" pitchFamily="49" charset="0"/>
+              <a:cs typeface="Courier New" pitchFamily="49" charset="0"/>
+            </a:endParaRPr>
+          </a:p>
+          <a:p>
+            <a:pPr marL="0" indent="0">
+              <a:buNone/>
+            </a:pPr>
+            <a:endParaRPr lang="en-US" sz="1400" b="1" dirty="0">
+              <a:solidFill>
+                <a:schemeClr val="accent2"/>
+              </a:solidFill>
+              <a:latin typeface="Courier New" pitchFamily="49" charset="0"/>
+              <a:cs typeface="Courier New" pitchFamily="49" charset="0"/>
+            </a:endParaRPr>
+          </a:p>
+          <a:p>
+            <a:pPr marL="0" indent="0">
+              <a:buNone/>
+            </a:pPr>
+            <a:r>
+              <a:rPr lang="en-US" sz="1400" b="1" dirty="0" err="1">
+                <a:solidFill>
+                  <a:schemeClr val="accent2"/>
+                </a:solidFill>
+                <a:latin typeface="Courier New" pitchFamily="49" charset="0"/>
+                <a:cs typeface="Courier New" pitchFamily="49" charset="0"/>
+              </a:rPr>
+              <a:t>myVar</a:t>
+            </a:r>
+            <a:r>
+              <a:rPr lang="en-US" sz="1400" b="1" dirty="0">
+                <a:solidFill>
+                  <a:schemeClr val="accent2"/>
+                </a:solidFill>
+                <a:latin typeface="Courier New" pitchFamily="49" charset="0"/>
+                <a:cs typeface="Courier New" pitchFamily="49" charset="0"/>
+              </a:rPr>
+              <a:t> = a;  </a:t>
+            </a:r>
+            <a:r>
+              <a:rPr lang="en-US" sz="1400" b="1" dirty="0" smtClean="0">
+                <a:solidFill>
+                  <a:schemeClr val="accent2"/>
+                </a:solidFill>
+                <a:latin typeface="Courier New" pitchFamily="49" charset="0"/>
+                <a:cs typeface="Courier New" pitchFamily="49" charset="0"/>
+              </a:rPr>
+              <a:t>    </a:t>
+            </a:r>
+            <a:r>
+              <a:rPr lang="en-US" sz="1400" b="1" dirty="0" smtClean="0">
+                <a:solidFill>
+                  <a:srgbClr val="00B050"/>
+                </a:solidFill>
+                <a:latin typeface="Courier New" pitchFamily="49" charset="0"/>
+                <a:cs typeface="Courier New" pitchFamily="49" charset="0"/>
+              </a:rPr>
+              <a:t>// assignment</a:t>
+            </a:r>
+            <a:endParaRPr lang="en-US" sz="1400" b="1" dirty="0">
+              <a:solidFill>
+                <a:srgbClr val="00B050"/>
+              </a:solidFill>
+              <a:latin typeface="Courier New" pitchFamily="49" charset="0"/>
+              <a:cs typeface="Courier New" pitchFamily="49" charset="0"/>
+            </a:endParaRPr>
+          </a:p>
+          <a:p>
+            <a:pPr marL="0" indent="0">
+              <a:buNone/>
+            </a:pPr>
+            <a:endParaRPr lang="en-US" sz="1400" b="1" dirty="0">
+              <a:solidFill>
+                <a:schemeClr val="accent2"/>
+              </a:solidFill>
+              <a:latin typeface="Courier New" pitchFamily="49" charset="0"/>
+              <a:cs typeface="Courier New" pitchFamily="49" charset="0"/>
+            </a:endParaRPr>
+          </a:p>
+          <a:p>
+            <a:pPr marL="0" indent="0">
+              <a:buNone/>
+            </a:pPr>
+            <a:r>
+              <a:rPr lang="en-US" sz="1400" b="1" dirty="0" err="1">
+                <a:solidFill>
+                  <a:schemeClr val="accent2"/>
+                </a:solidFill>
+                <a:latin typeface="Courier New" pitchFamily="49" charset="0"/>
+                <a:cs typeface="Courier New" pitchFamily="49" charset="0"/>
+              </a:rPr>
+              <a:t>myVar</a:t>
+            </a:r>
+            <a:r>
+              <a:rPr lang="en-US" sz="1400" b="1" dirty="0">
+                <a:solidFill>
+                  <a:schemeClr val="accent2"/>
+                </a:solidFill>
+                <a:latin typeface="Courier New" pitchFamily="49" charset="0"/>
+                <a:cs typeface="Courier New" pitchFamily="49" charset="0"/>
+              </a:rPr>
+              <a:t> = a + b;  </a:t>
+            </a:r>
+            <a:r>
+              <a:rPr lang="en-US" sz="1400" b="1" dirty="0">
+                <a:solidFill>
+                  <a:srgbClr val="00B050"/>
+                </a:solidFill>
+                <a:latin typeface="Courier New" pitchFamily="49" charset="0"/>
+                <a:cs typeface="Courier New" pitchFamily="49" charset="0"/>
+              </a:rPr>
+              <a:t>// addition</a:t>
+            </a:r>
+          </a:p>
+          <a:p>
+            <a:pPr marL="0" indent="0">
+              <a:buNone/>
+            </a:pPr>
+            <a:r>
+              <a:rPr lang="en-US" sz="1400" b="1" dirty="0" err="1">
+                <a:solidFill>
+                  <a:schemeClr val="accent2"/>
+                </a:solidFill>
+                <a:latin typeface="Courier New" pitchFamily="49" charset="0"/>
+                <a:cs typeface="Courier New" pitchFamily="49" charset="0"/>
+              </a:rPr>
+              <a:t>myVar</a:t>
+            </a:r>
+            <a:r>
+              <a:rPr lang="en-US" sz="1400" b="1" dirty="0">
+                <a:solidFill>
+                  <a:schemeClr val="accent2"/>
+                </a:solidFill>
+                <a:latin typeface="Courier New" pitchFamily="49" charset="0"/>
+                <a:cs typeface="Courier New" pitchFamily="49" charset="0"/>
+              </a:rPr>
+              <a:t> = a - b;  </a:t>
+            </a:r>
+            <a:r>
+              <a:rPr lang="en-US" sz="1400" b="1" dirty="0">
+                <a:solidFill>
+                  <a:srgbClr val="00B050"/>
+                </a:solidFill>
+                <a:latin typeface="Courier New" pitchFamily="49" charset="0"/>
+                <a:cs typeface="Courier New" pitchFamily="49" charset="0"/>
+              </a:rPr>
+              <a:t>// subtraction</a:t>
+            </a:r>
+          </a:p>
+          <a:p>
+            <a:pPr marL="0" indent="0">
+              <a:buNone/>
+            </a:pPr>
+            <a:r>
+              <a:rPr lang="en-US" sz="1400" b="1" dirty="0" err="1">
+                <a:solidFill>
+                  <a:schemeClr val="accent2"/>
+                </a:solidFill>
+                <a:latin typeface="Courier New" pitchFamily="49" charset="0"/>
+                <a:cs typeface="Courier New" pitchFamily="49" charset="0"/>
+              </a:rPr>
+              <a:t>myVar</a:t>
+            </a:r>
+            <a:r>
+              <a:rPr lang="en-US" sz="1400" b="1" dirty="0">
+                <a:solidFill>
+                  <a:schemeClr val="accent2"/>
+                </a:solidFill>
+                <a:latin typeface="Courier New" pitchFamily="49" charset="0"/>
+                <a:cs typeface="Courier New" pitchFamily="49" charset="0"/>
+              </a:rPr>
+              <a:t> = a * b;  </a:t>
+            </a:r>
+            <a:r>
+              <a:rPr lang="en-US" sz="1400" b="1" dirty="0">
+                <a:solidFill>
+                  <a:srgbClr val="00B050"/>
+                </a:solidFill>
+                <a:latin typeface="Courier New" pitchFamily="49" charset="0"/>
+                <a:cs typeface="Courier New" pitchFamily="49" charset="0"/>
+              </a:rPr>
+              <a:t>// multiplication</a:t>
+            </a:r>
+          </a:p>
+          <a:p>
+            <a:pPr marL="0" indent="0">
+              <a:buNone/>
+            </a:pPr>
+            <a:r>
+              <a:rPr lang="en-US" sz="1400" b="1" dirty="0" err="1">
+                <a:solidFill>
+                  <a:schemeClr val="accent2"/>
+                </a:solidFill>
+                <a:latin typeface="Courier New" pitchFamily="49" charset="0"/>
+                <a:cs typeface="Courier New" pitchFamily="49" charset="0"/>
+              </a:rPr>
+              <a:t>myVar</a:t>
+            </a:r>
+            <a:r>
+              <a:rPr lang="en-US" sz="1400" b="1" dirty="0">
+                <a:solidFill>
+                  <a:schemeClr val="accent2"/>
+                </a:solidFill>
+                <a:latin typeface="Courier New" pitchFamily="49" charset="0"/>
+                <a:cs typeface="Courier New" pitchFamily="49" charset="0"/>
+              </a:rPr>
+              <a:t> = a / b;  </a:t>
+            </a:r>
+            <a:r>
+              <a:rPr lang="en-US" sz="1400" b="1" dirty="0">
+                <a:solidFill>
+                  <a:srgbClr val="00B050"/>
+                </a:solidFill>
+                <a:latin typeface="Courier New" pitchFamily="49" charset="0"/>
+                <a:cs typeface="Courier New" pitchFamily="49" charset="0"/>
+              </a:rPr>
+              <a:t>// division</a:t>
+            </a:r>
+          </a:p>
+          <a:p>
+            <a:pPr marL="0" indent="0">
+              <a:buNone/>
+            </a:pPr>
+            <a:endParaRPr lang="en-US" sz="1400" b="1" dirty="0">
+              <a:solidFill>
+                <a:schemeClr val="accent2"/>
+              </a:solidFill>
+              <a:latin typeface="Courier New" pitchFamily="49" charset="0"/>
+              <a:cs typeface="Courier New" pitchFamily="49" charset="0"/>
+            </a:endParaRPr>
+          </a:p>
+          <a:p>
+            <a:pPr marL="0" indent="0">
+              <a:buNone/>
+            </a:pPr>
+            <a:r>
+              <a:rPr lang="en-US" sz="1400" b="1" dirty="0" err="1">
+                <a:solidFill>
+                  <a:schemeClr val="accent2"/>
+                </a:solidFill>
+                <a:latin typeface="Courier New" pitchFamily="49" charset="0"/>
+                <a:cs typeface="Courier New" pitchFamily="49" charset="0"/>
+              </a:rPr>
+              <a:t>myVar</a:t>
+            </a:r>
+            <a:r>
+              <a:rPr lang="en-US" sz="1400" b="1" dirty="0">
+                <a:solidFill>
+                  <a:schemeClr val="accent2"/>
+                </a:solidFill>
+                <a:latin typeface="Courier New" pitchFamily="49" charset="0"/>
+                <a:cs typeface="Courier New" pitchFamily="49" charset="0"/>
+              </a:rPr>
+              <a:t> = a % b;  </a:t>
+            </a:r>
+            <a:r>
+              <a:rPr lang="en-US" sz="1400" b="1" dirty="0">
+                <a:solidFill>
+                  <a:srgbClr val="00B050"/>
+                </a:solidFill>
+                <a:latin typeface="Courier New" pitchFamily="49" charset="0"/>
+                <a:cs typeface="Courier New" pitchFamily="49" charset="0"/>
+              </a:rPr>
+              <a:t>// modulus (remainder)</a:t>
+            </a:r>
+          </a:p>
+          <a:p>
+            <a:pPr marL="0" indent="0">
+              <a:buNone/>
+            </a:pPr>
+            <a:endParaRPr lang="en-US" sz="1400" b="1" dirty="0">
+              <a:solidFill>
+                <a:schemeClr val="accent2"/>
+              </a:solidFill>
+              <a:latin typeface="Courier New" pitchFamily="49" charset="0"/>
+              <a:cs typeface="Courier New" pitchFamily="49" charset="0"/>
+            </a:endParaRPr>
+          </a:p>
+          <a:p>
+            <a:pPr marL="0" indent="0">
+              <a:buNone/>
+            </a:pPr>
+            <a:r>
+              <a:rPr lang="en-US" sz="1400" b="1" dirty="0" err="1">
+                <a:solidFill>
+                  <a:schemeClr val="accent2"/>
+                </a:solidFill>
+                <a:latin typeface="Courier New" pitchFamily="49" charset="0"/>
+                <a:cs typeface="Courier New" pitchFamily="49" charset="0"/>
+              </a:rPr>
+              <a:t>myVar</a:t>
+            </a:r>
+            <a:r>
+              <a:rPr lang="en-US" sz="1400" b="1" dirty="0">
+                <a:solidFill>
+                  <a:schemeClr val="accent2"/>
+                </a:solidFill>
+                <a:latin typeface="Courier New" pitchFamily="49" charset="0"/>
+                <a:cs typeface="Courier New" pitchFamily="49" charset="0"/>
+              </a:rPr>
+              <a:t>++;        </a:t>
+            </a:r>
+            <a:r>
+              <a:rPr lang="en-US" sz="1400" b="1" dirty="0">
+                <a:solidFill>
+                  <a:srgbClr val="00B050"/>
+                </a:solidFill>
+                <a:latin typeface="Courier New" pitchFamily="49" charset="0"/>
+                <a:cs typeface="Courier New" pitchFamily="49" charset="0"/>
+              </a:rPr>
+              <a:t>// increment</a:t>
+            </a:r>
+          </a:p>
+          <a:p>
+            <a:pPr marL="0" indent="0">
+              <a:buNone/>
+            </a:pPr>
+            <a:r>
+              <a:rPr lang="en-US" sz="1400" b="1" dirty="0" err="1">
+                <a:solidFill>
+                  <a:schemeClr val="accent2"/>
+                </a:solidFill>
+                <a:latin typeface="Courier New" pitchFamily="49" charset="0"/>
+                <a:cs typeface="Courier New" pitchFamily="49" charset="0"/>
+              </a:rPr>
+              <a:t>myVar</a:t>
+            </a:r>
+            <a:r>
+              <a:rPr lang="en-US" sz="1400" b="1" dirty="0">
+                <a:solidFill>
+                  <a:schemeClr val="accent2"/>
+                </a:solidFill>
+                <a:latin typeface="Courier New" pitchFamily="49" charset="0"/>
+                <a:cs typeface="Courier New" pitchFamily="49" charset="0"/>
+              </a:rPr>
+              <a:t>--;        </a:t>
+            </a:r>
+            <a:r>
+              <a:rPr lang="en-US" sz="1400" b="1" dirty="0">
+                <a:solidFill>
+                  <a:srgbClr val="00B050"/>
+                </a:solidFill>
+                <a:latin typeface="Courier New" pitchFamily="49" charset="0"/>
+                <a:cs typeface="Courier New" pitchFamily="49" charset="0"/>
+              </a:rPr>
+              <a:t>// decrement</a:t>
+            </a:r>
+          </a:p>
+          <a:p>
+            <a:pPr marL="0" indent="0">
+              <a:buNone/>
+            </a:pPr>
+            <a:endParaRPr lang="en-US" sz="1400" b="1" dirty="0">
+              <a:solidFill>
+                <a:schemeClr val="accent2"/>
+              </a:solidFill>
+              <a:latin typeface="Courier New" pitchFamily="49" charset="0"/>
+              <a:cs typeface="Courier New" pitchFamily="49" charset="0"/>
+            </a:endParaRPr>
+          </a:p>
+          <a:p>
+            <a:pPr marL="0" indent="0">
+              <a:buNone/>
+            </a:pPr>
+            <a:r>
+              <a:rPr lang="en-US" sz="1400" b="1" dirty="0" err="1">
+                <a:solidFill>
+                  <a:schemeClr val="accent2"/>
+                </a:solidFill>
+                <a:latin typeface="Courier New" pitchFamily="49" charset="0"/>
+                <a:cs typeface="Courier New" pitchFamily="49" charset="0"/>
+              </a:rPr>
+              <a:t>myVar</a:t>
+            </a:r>
+            <a:r>
+              <a:rPr lang="en-US" sz="1400" b="1" dirty="0">
+                <a:solidFill>
+                  <a:schemeClr val="accent2"/>
+                </a:solidFill>
+                <a:latin typeface="Courier New" pitchFamily="49" charset="0"/>
+                <a:cs typeface="Courier New" pitchFamily="49" charset="0"/>
+              </a:rPr>
+              <a:t> += a;     </a:t>
+            </a:r>
+            <a:r>
+              <a:rPr lang="en-US" sz="1400" b="1" dirty="0">
+                <a:solidFill>
+                  <a:srgbClr val="00B050"/>
+                </a:solidFill>
+                <a:latin typeface="Courier New" pitchFamily="49" charset="0"/>
+                <a:cs typeface="Courier New" pitchFamily="49" charset="0"/>
+              </a:rPr>
+              <a:t>// </a:t>
+            </a:r>
+            <a:r>
+              <a:rPr lang="en-US" sz="1400" b="1" dirty="0" err="1">
+                <a:solidFill>
+                  <a:srgbClr val="00B050"/>
+                </a:solidFill>
+                <a:latin typeface="Courier New" pitchFamily="49" charset="0"/>
+                <a:cs typeface="Courier New" pitchFamily="49" charset="0"/>
+              </a:rPr>
+              <a:t>myVar</a:t>
+            </a:r>
+            <a:r>
+              <a:rPr lang="en-US" sz="1400" b="1" dirty="0">
+                <a:solidFill>
+                  <a:srgbClr val="00B050"/>
+                </a:solidFill>
+                <a:latin typeface="Courier New" pitchFamily="49" charset="0"/>
+                <a:cs typeface="Courier New" pitchFamily="49" charset="0"/>
+              </a:rPr>
+              <a:t> = </a:t>
+            </a:r>
+            <a:r>
+              <a:rPr lang="en-US" sz="1400" b="1" dirty="0" err="1">
+                <a:solidFill>
+                  <a:srgbClr val="00B050"/>
+                </a:solidFill>
+                <a:latin typeface="Courier New" pitchFamily="49" charset="0"/>
+                <a:cs typeface="Courier New" pitchFamily="49" charset="0"/>
+              </a:rPr>
+              <a:t>myVar</a:t>
+            </a:r>
+            <a:r>
+              <a:rPr lang="en-US" sz="1400" b="1" dirty="0">
+                <a:solidFill>
+                  <a:srgbClr val="00B050"/>
+                </a:solidFill>
+                <a:latin typeface="Courier New" pitchFamily="49" charset="0"/>
+                <a:cs typeface="Courier New" pitchFamily="49" charset="0"/>
+              </a:rPr>
+              <a:t> + a</a:t>
+            </a:r>
+          </a:p>
+          <a:p>
+            <a:pPr marL="0" indent="0">
+              <a:buNone/>
+            </a:pPr>
+            <a:r>
+              <a:rPr lang="en-US" sz="1400" b="1" dirty="0" err="1">
+                <a:solidFill>
+                  <a:schemeClr val="accent2"/>
+                </a:solidFill>
+                <a:latin typeface="Courier New" pitchFamily="49" charset="0"/>
+                <a:cs typeface="Courier New" pitchFamily="49" charset="0"/>
+              </a:rPr>
+              <a:t>myVar</a:t>
+            </a:r>
+            <a:r>
+              <a:rPr lang="en-US" sz="1400" b="1" dirty="0">
+                <a:solidFill>
+                  <a:schemeClr val="accent2"/>
+                </a:solidFill>
+                <a:latin typeface="Courier New" pitchFamily="49" charset="0"/>
+                <a:cs typeface="Courier New" pitchFamily="49" charset="0"/>
+              </a:rPr>
+              <a:t> -= a;     </a:t>
+            </a:r>
+            <a:r>
+              <a:rPr lang="en-US" sz="1400" b="1" dirty="0">
+                <a:solidFill>
+                  <a:srgbClr val="00B050"/>
+                </a:solidFill>
+                <a:latin typeface="Courier New" pitchFamily="49" charset="0"/>
+                <a:cs typeface="Courier New" pitchFamily="49" charset="0"/>
+              </a:rPr>
+              <a:t>// </a:t>
+            </a:r>
+            <a:r>
+              <a:rPr lang="en-US" sz="1400" b="1" dirty="0" err="1">
+                <a:solidFill>
+                  <a:srgbClr val="00B050"/>
+                </a:solidFill>
+                <a:latin typeface="Courier New" pitchFamily="49" charset="0"/>
+                <a:cs typeface="Courier New" pitchFamily="49" charset="0"/>
+              </a:rPr>
+              <a:t>myVar</a:t>
+            </a:r>
+            <a:r>
+              <a:rPr lang="en-US" sz="1400" b="1" dirty="0">
+                <a:solidFill>
+                  <a:srgbClr val="00B050"/>
+                </a:solidFill>
+                <a:latin typeface="Courier New" pitchFamily="49" charset="0"/>
+                <a:cs typeface="Courier New" pitchFamily="49" charset="0"/>
+              </a:rPr>
+              <a:t> = </a:t>
+            </a:r>
+            <a:r>
+              <a:rPr lang="en-US" sz="1400" b="1" dirty="0" err="1">
+                <a:solidFill>
+                  <a:srgbClr val="00B050"/>
+                </a:solidFill>
+                <a:latin typeface="Courier New" pitchFamily="49" charset="0"/>
+                <a:cs typeface="Courier New" pitchFamily="49" charset="0"/>
+              </a:rPr>
+              <a:t>myVar</a:t>
+            </a:r>
+            <a:r>
+              <a:rPr lang="en-US" sz="1400" b="1" dirty="0">
+                <a:solidFill>
+                  <a:srgbClr val="00B050"/>
+                </a:solidFill>
+                <a:latin typeface="Courier New" pitchFamily="49" charset="0"/>
+                <a:cs typeface="Courier New" pitchFamily="49" charset="0"/>
+              </a:rPr>
+              <a:t> - a</a:t>
+            </a:r>
+          </a:p>
+        </p:txBody>
+      </p:sp>
+    </p:spTree>
+    <p:extLst>
+      <p:ext uri="{BB962C8B-B14F-4D97-AF65-F5344CB8AC3E}">
+        <p14:creationId xmlns:p14="http://schemas.microsoft.com/office/powerpoint/2010/main" val="225650935"/>
+      </p:ext>
+    </p:extLst>
+  </p:cSld>
+  <p:clrMapOvr>
+    <a:masterClrMapping/>
+  </p:clrMapOvr>
+  <p:timing>
+    <p:tnLst>
+      <p:par>
+        <p:cTn id="1" dur="indefinite" restart="never" nodeType="tmRoot"/>
+      </p:par>
+    </p:tnLst>
+  </p:timing>
+</p:sld>
+</file>
+
+<file path=ppt/slides/slide16.xml><?xml version="1.0" encoding="utf-8"?>
+<p:sld xmlns:a="http://schemas.openxmlformats.org/drawingml/2006/main" xmlns:r="http://schemas.openxmlformats.org/officeDocument/2006/relationships" xmlns:p="http://schemas.openxmlformats.org/presentationml/2006/main">
+  <p:cSld>
+    <p:spTree>
+      <p:nvGrpSpPr>
+        <p:cNvPr id="1" name=""/>
+        <p:cNvGrpSpPr/>
+        <p:nvPr/>
+      </p:nvGrpSpPr>
+      <p:grpSpPr>
+        <a:xfrm>
+          <a:off x="0" y="0"/>
+          <a:ext cx="0" cy="0"/>
+          <a:chOff x="0" y="0"/>
+          <a:chExt cx="0" cy="0"/>
+        </a:xfrm>
+      </p:grpSpPr>
+      <p:sp>
+        <p:nvSpPr>
+          <p:cNvPr id="2" name="Title 1"/>
+          <p:cNvSpPr>
+            <a:spLocks noGrp="1"/>
+          </p:cNvSpPr>
+          <p:nvPr>
+            <p:ph type="title"/>
+          </p:nvPr>
+        </p:nvSpPr>
+        <p:spPr/>
+        <p:txBody>
+          <a:bodyPr/>
+          <a:lstStyle/>
+          <a:p>
+            <a:r>
+              <a:rPr lang="en-US" b="1" dirty="0" smtClean="0"/>
+              <a:t>C Language:  Operators</a:t>
+            </a:r>
+            <a:endParaRPr lang="en-US" dirty="0"/>
+          </a:p>
+        </p:txBody>
+      </p:sp>
+      <p:sp>
+        <p:nvSpPr>
+          <p:cNvPr id="3" name="Content Placeholder 2"/>
+          <p:cNvSpPr>
+            <a:spLocks noGrp="1"/>
+          </p:cNvSpPr>
+          <p:nvPr>
+            <p:ph idx="1"/>
+          </p:nvPr>
+        </p:nvSpPr>
+        <p:spPr>
+          <a:xfrm>
             <a:off x="275129" y="1485112"/>
             <a:ext cx="8868871" cy="5222045"/>
           </a:xfrm>
@@ -11059,1327 +11305,6 @@
 </p:sld>
 </file>
 
-<file path=ppt/slides/slide16.xml><?xml version="1.0" encoding="utf-8"?>
-<p:sld xmlns:a="http://schemas.openxmlformats.org/drawingml/2006/main" xmlns:r="http://schemas.openxmlformats.org/officeDocument/2006/relationships" xmlns:p="http://schemas.openxmlformats.org/presentationml/2006/main">
-  <p:cSld>
-    <p:spTree>
-      <p:nvGrpSpPr>
-        <p:cNvPr id="1" name=""/>
-        <p:cNvGrpSpPr/>
-        <p:nvPr/>
-      </p:nvGrpSpPr>
-      <p:grpSpPr>
-        <a:xfrm>
-          <a:off x="0" y="0"/>
-          <a:ext cx="0" cy="0"/>
-          <a:chOff x="0" y="0"/>
-          <a:chExt cx="0" cy="0"/>
-        </a:xfrm>
-      </p:grpSpPr>
-      <p:sp>
-        <p:nvSpPr>
-          <p:cNvPr id="2" name="Title 1"/>
-          <p:cNvSpPr>
-            <a:spLocks noGrp="1"/>
-          </p:cNvSpPr>
-          <p:nvPr>
-            <p:ph type="title"/>
-          </p:nvPr>
-        </p:nvSpPr>
-        <p:spPr/>
-        <p:txBody>
-          <a:bodyPr/>
-          <a:lstStyle/>
-          <a:p>
-            <a:r>
-              <a:rPr lang="en-US" b="1" dirty="0" smtClean="0"/>
-              <a:t>C Language:  Operators</a:t>
-            </a:r>
-            <a:endParaRPr lang="en-US" dirty="0"/>
-          </a:p>
-        </p:txBody>
-      </p:sp>
-      <p:sp>
-        <p:nvSpPr>
-          <p:cNvPr id="3" name="Content Placeholder 2"/>
-          <p:cNvSpPr>
-            <a:spLocks noGrp="1"/>
-          </p:cNvSpPr>
-          <p:nvPr>
-            <p:ph idx="1"/>
-          </p:nvPr>
-        </p:nvSpPr>
-        <p:spPr>
-          <a:xfrm>
-            <a:off x="275129" y="1462533"/>
-            <a:ext cx="8868871" cy="5035231"/>
-          </a:xfrm>
-        </p:spPr>
-        <p:txBody>
-          <a:bodyPr>
-            <a:normAutofit lnSpcReduction="10000"/>
-          </a:bodyPr>
-          <a:lstStyle/>
-          <a:p>
-            <a:pPr marL="0" indent="0">
-              <a:buNone/>
-            </a:pPr>
-            <a:r>
-              <a:rPr lang="en-US" sz="1400" b="1" dirty="0"/>
-              <a:t>Bit-wise Operators</a:t>
-            </a:r>
-            <a:endParaRPr lang="en-US" sz="1400" b="1" dirty="0" smtClean="0">
-              <a:solidFill>
-                <a:schemeClr val="accent2"/>
-              </a:solidFill>
-              <a:latin typeface="Courier New" pitchFamily="49" charset="0"/>
-              <a:cs typeface="Courier New" pitchFamily="49" charset="0"/>
-            </a:endParaRPr>
-          </a:p>
-          <a:p>
-            <a:pPr marL="0" indent="0">
-              <a:buNone/>
-            </a:pPr>
-            <a:endParaRPr lang="en-US" sz="1400" b="1" dirty="0">
-              <a:solidFill>
-                <a:schemeClr val="accent2"/>
-              </a:solidFill>
-              <a:latin typeface="Courier New" pitchFamily="49" charset="0"/>
-              <a:cs typeface="Courier New" pitchFamily="49" charset="0"/>
-            </a:endParaRPr>
-          </a:p>
-          <a:p>
-            <a:pPr marL="0" indent="0">
-              <a:buNone/>
-            </a:pPr>
-            <a:r>
-              <a:rPr lang="en-US" sz="1400" dirty="0">
-                <a:solidFill>
-                  <a:schemeClr val="accent2"/>
-                </a:solidFill>
-                <a:latin typeface="Courier New" pitchFamily="49" charset="0"/>
-                <a:cs typeface="Courier New" pitchFamily="49" charset="0"/>
-              </a:rPr>
-              <a:t>u</a:t>
-            </a:r>
-            <a:r>
-              <a:rPr lang="en-US" sz="1400" b="1" dirty="0" smtClean="0">
-                <a:solidFill>
-                  <a:schemeClr val="accent2"/>
-                </a:solidFill>
-                <a:latin typeface="Courier New" pitchFamily="49" charset="0"/>
-                <a:cs typeface="Courier New" pitchFamily="49" charset="0"/>
-              </a:rPr>
-              <a:t>int8_t a = 5;</a:t>
-            </a:r>
-          </a:p>
-          <a:p>
-            <a:pPr marL="0" indent="0">
-              <a:buNone/>
-            </a:pPr>
-            <a:r>
-              <a:rPr lang="en-US" sz="1400" dirty="0" smtClean="0">
-                <a:solidFill>
-                  <a:schemeClr val="accent2"/>
-                </a:solidFill>
-                <a:latin typeface="Courier New" pitchFamily="49" charset="0"/>
-                <a:cs typeface="Courier New" pitchFamily="49" charset="0"/>
-              </a:rPr>
-              <a:t>uint8_t b = 5;</a:t>
-            </a:r>
-          </a:p>
-          <a:p>
-            <a:pPr marL="0" indent="0">
-              <a:buNone/>
-            </a:pPr>
-            <a:endParaRPr lang="en-US" sz="1400" b="1" dirty="0">
-              <a:solidFill>
-                <a:schemeClr val="accent2"/>
-              </a:solidFill>
-              <a:latin typeface="Courier New" pitchFamily="49" charset="0"/>
-              <a:cs typeface="Courier New" pitchFamily="49" charset="0"/>
-            </a:endParaRPr>
-          </a:p>
-          <a:p>
-            <a:pPr marL="0" indent="0">
-              <a:buNone/>
-            </a:pPr>
-            <a:r>
-              <a:rPr lang="en-US" sz="1400" dirty="0" smtClean="0">
-                <a:solidFill>
-                  <a:schemeClr val="accent2"/>
-                </a:solidFill>
-                <a:latin typeface="Courier New" pitchFamily="49" charset="0"/>
-                <a:cs typeface="Courier New" pitchFamily="49" charset="0"/>
-              </a:rPr>
-              <a:t>a &amp;= ~BIT2;</a:t>
-            </a:r>
-          </a:p>
-          <a:p>
-            <a:pPr marL="0" indent="0">
-              <a:buNone/>
-            </a:pPr>
-            <a:r>
-              <a:rPr lang="en-US" sz="1400" b="1" dirty="0" smtClean="0">
-                <a:solidFill>
-                  <a:schemeClr val="accent2"/>
-                </a:solidFill>
-                <a:latin typeface="Courier New" pitchFamily="49" charset="0"/>
-                <a:cs typeface="Courier New" pitchFamily="49" charset="0"/>
-              </a:rPr>
-              <a:t>B |= BIT2;</a:t>
-            </a:r>
-          </a:p>
-          <a:p>
-            <a:pPr marL="0" indent="0">
-              <a:buNone/>
-            </a:pPr>
-            <a:endParaRPr lang="en-US" sz="1400" b="1" dirty="0">
-              <a:solidFill>
-                <a:schemeClr val="accent2"/>
-              </a:solidFill>
-              <a:latin typeface="Courier New" pitchFamily="49" charset="0"/>
-              <a:cs typeface="Courier New" pitchFamily="49" charset="0"/>
-            </a:endParaRPr>
-          </a:p>
-          <a:p>
-            <a:pPr marL="0" indent="0">
-              <a:buNone/>
-            </a:pPr>
-            <a:endParaRPr lang="en-US" sz="1400" b="1" dirty="0" smtClean="0">
-              <a:solidFill>
-                <a:schemeClr val="accent2"/>
-              </a:solidFill>
-              <a:latin typeface="Courier New" pitchFamily="49" charset="0"/>
-              <a:cs typeface="Courier New" pitchFamily="49" charset="0"/>
-            </a:endParaRPr>
-          </a:p>
-          <a:p>
-            <a:pPr marL="0" indent="0">
-              <a:buNone/>
-            </a:pPr>
-            <a:endParaRPr lang="en-US" sz="1400" b="1" dirty="0">
-              <a:solidFill>
-                <a:schemeClr val="accent2"/>
-              </a:solidFill>
-              <a:latin typeface="Courier New" pitchFamily="49" charset="0"/>
-              <a:cs typeface="Courier New" pitchFamily="49" charset="0"/>
-            </a:endParaRPr>
-          </a:p>
-          <a:p>
-            <a:pPr marL="0" indent="0">
-              <a:buNone/>
-            </a:pPr>
-            <a:endParaRPr lang="en-US" sz="1400" b="1" dirty="0" smtClean="0">
-              <a:solidFill>
-                <a:schemeClr val="accent2"/>
-              </a:solidFill>
-              <a:latin typeface="Courier New" pitchFamily="49" charset="0"/>
-              <a:cs typeface="Courier New" pitchFamily="49" charset="0"/>
-            </a:endParaRPr>
-          </a:p>
-          <a:p>
-            <a:pPr marL="0" indent="0">
-              <a:buNone/>
-            </a:pPr>
-            <a:endParaRPr lang="en-US" sz="1400" b="1" dirty="0">
-              <a:solidFill>
-                <a:schemeClr val="accent2"/>
-              </a:solidFill>
-              <a:latin typeface="Courier New" pitchFamily="49" charset="0"/>
-              <a:cs typeface="Courier New" pitchFamily="49" charset="0"/>
-            </a:endParaRPr>
-          </a:p>
-          <a:p>
-            <a:pPr marL="0" indent="0">
-              <a:buNone/>
-            </a:pPr>
-            <a:endParaRPr lang="en-US" sz="1400" b="1" dirty="0" smtClean="0">
-              <a:solidFill>
-                <a:schemeClr val="accent2"/>
-              </a:solidFill>
-              <a:latin typeface="Courier New" pitchFamily="49" charset="0"/>
-              <a:cs typeface="Courier New" pitchFamily="49" charset="0"/>
-            </a:endParaRPr>
-          </a:p>
-          <a:p>
-            <a:pPr marL="0" indent="0">
-              <a:buNone/>
-            </a:pPr>
-            <a:endParaRPr lang="en-US" sz="1400" b="1" dirty="0">
-              <a:solidFill>
-                <a:schemeClr val="accent2"/>
-              </a:solidFill>
-              <a:latin typeface="Courier New" pitchFamily="49" charset="0"/>
-              <a:cs typeface="Courier New" pitchFamily="49" charset="0"/>
-            </a:endParaRPr>
-          </a:p>
-          <a:p>
-            <a:pPr marL="0" indent="0">
-              <a:buNone/>
-            </a:pPr>
-            <a:endParaRPr lang="en-US" sz="1400" b="1" dirty="0" smtClean="0">
-              <a:solidFill>
-                <a:schemeClr val="accent2"/>
-              </a:solidFill>
-              <a:latin typeface="Courier New" pitchFamily="49" charset="0"/>
-              <a:cs typeface="Courier New" pitchFamily="49" charset="0"/>
-            </a:endParaRPr>
-          </a:p>
-          <a:p>
-            <a:pPr marL="0" indent="0">
-              <a:buNone/>
-            </a:pPr>
-            <a:endParaRPr lang="en-US" sz="1400" b="1" dirty="0">
-              <a:solidFill>
-                <a:schemeClr val="accent2"/>
-              </a:solidFill>
-              <a:latin typeface="Courier New" pitchFamily="49" charset="0"/>
-              <a:cs typeface="Courier New" pitchFamily="49" charset="0"/>
-            </a:endParaRPr>
-          </a:p>
-          <a:p>
-            <a:pPr marL="0" indent="0">
-              <a:buNone/>
-            </a:pPr>
-            <a:r>
-              <a:rPr lang="en-US" sz="1400" b="1" dirty="0">
-                <a:solidFill>
-                  <a:srgbClr val="00B050"/>
-                </a:solidFill>
-                <a:latin typeface="Courier New" pitchFamily="49" charset="0"/>
-                <a:cs typeface="Courier New" pitchFamily="49" charset="0"/>
-              </a:rPr>
-              <a:t>// Example with SPI</a:t>
-            </a:r>
-          </a:p>
-          <a:p>
-            <a:pPr marL="0" indent="0">
-              <a:buNone/>
-            </a:pPr>
-            <a:endParaRPr lang="en-US" sz="1400" b="1" dirty="0">
-              <a:solidFill>
-                <a:schemeClr val="accent2"/>
-              </a:solidFill>
-              <a:latin typeface="Courier New" pitchFamily="49" charset="0"/>
-              <a:cs typeface="Courier New" pitchFamily="49" charset="0"/>
-            </a:endParaRPr>
-          </a:p>
-          <a:p>
-            <a:pPr marL="0" indent="0">
-              <a:buNone/>
-            </a:pPr>
-            <a:r>
-              <a:rPr lang="en-US" sz="1400" b="1" dirty="0">
-                <a:solidFill>
-                  <a:schemeClr val="accent2"/>
-                </a:solidFill>
-                <a:latin typeface="Courier New" pitchFamily="49" charset="0"/>
-                <a:cs typeface="Courier New" pitchFamily="49" charset="0"/>
-              </a:rPr>
-              <a:t>UCA0CTL1 </a:t>
-            </a:r>
-            <a:r>
-              <a:rPr lang="en-US" sz="1400" b="1" dirty="0" smtClean="0">
-                <a:solidFill>
-                  <a:schemeClr val="accent2"/>
-                </a:solidFill>
-                <a:latin typeface="Courier New" pitchFamily="49" charset="0"/>
-                <a:cs typeface="Courier New" pitchFamily="49" charset="0"/>
-              </a:rPr>
-              <a:t>&amp;= </a:t>
-            </a:r>
-            <a:r>
-              <a:rPr lang="en-US" sz="1400" b="1" dirty="0">
-                <a:solidFill>
-                  <a:schemeClr val="accent2"/>
-                </a:solidFill>
-                <a:latin typeface="Courier New" pitchFamily="49" charset="0"/>
-                <a:cs typeface="Courier New" pitchFamily="49" charset="0"/>
-              </a:rPr>
-              <a:t>~UCSWRST; </a:t>
-            </a:r>
-            <a:r>
-              <a:rPr lang="en-US" sz="1400" b="1" dirty="0" smtClean="0">
-                <a:solidFill>
-                  <a:srgbClr val="00B050"/>
-                </a:solidFill>
-                <a:latin typeface="Courier New" pitchFamily="49" charset="0"/>
-                <a:cs typeface="Courier New" pitchFamily="49" charset="0"/>
-              </a:rPr>
-              <a:t>// enable </a:t>
-            </a:r>
-            <a:r>
-              <a:rPr lang="en-US" sz="1400" b="1" dirty="0">
-                <a:solidFill>
-                  <a:srgbClr val="00B050"/>
-                </a:solidFill>
-                <a:latin typeface="Courier New" pitchFamily="49" charset="0"/>
-                <a:cs typeface="Courier New" pitchFamily="49" charset="0"/>
-              </a:rPr>
-              <a:t>the subsystem (AND UCA0CTL1 with NOT UCSWRST)</a:t>
-            </a:r>
-          </a:p>
-          <a:p>
-            <a:pPr marL="0" indent="0">
-              <a:buNone/>
-            </a:pPr>
-            <a:endParaRPr lang="en-US" sz="1400" b="1" dirty="0">
-              <a:solidFill>
-                <a:schemeClr val="accent2"/>
-              </a:solidFill>
-              <a:latin typeface="Courier New" pitchFamily="49" charset="0"/>
-              <a:cs typeface="Courier New" pitchFamily="49" charset="0"/>
-            </a:endParaRPr>
-          </a:p>
-          <a:p>
-            <a:pPr marL="0" indent="0">
-              <a:buNone/>
-            </a:pPr>
-            <a:r>
-              <a:rPr lang="en-US" sz="1400" b="1" dirty="0" smtClean="0">
-                <a:solidFill>
-                  <a:schemeClr val="accent2"/>
-                </a:solidFill>
-                <a:latin typeface="Courier New" pitchFamily="49" charset="0"/>
-                <a:cs typeface="Courier New" pitchFamily="49" charset="0"/>
-              </a:rPr>
-              <a:t>UCA0CTL1 |= </a:t>
-            </a:r>
-            <a:r>
-              <a:rPr lang="en-US" sz="1400" b="1" dirty="0">
-                <a:solidFill>
-                  <a:schemeClr val="accent2"/>
-                </a:solidFill>
-                <a:latin typeface="Courier New" pitchFamily="49" charset="0"/>
-                <a:cs typeface="Courier New" pitchFamily="49" charset="0"/>
-              </a:rPr>
-              <a:t>UCSWRST; </a:t>
-            </a:r>
-            <a:r>
-              <a:rPr lang="en-US" sz="1400" dirty="0">
-                <a:solidFill>
-                  <a:schemeClr val="accent2"/>
-                </a:solidFill>
-                <a:latin typeface="Courier New" pitchFamily="49" charset="0"/>
-                <a:cs typeface="Courier New" pitchFamily="49" charset="0"/>
-              </a:rPr>
-              <a:t> </a:t>
-            </a:r>
-            <a:r>
-              <a:rPr lang="en-US" sz="1400" b="1" dirty="0" smtClean="0">
-                <a:solidFill>
-                  <a:srgbClr val="00B050"/>
-                </a:solidFill>
-                <a:latin typeface="Courier New" pitchFamily="49" charset="0"/>
-                <a:cs typeface="Courier New" pitchFamily="49" charset="0"/>
-              </a:rPr>
-              <a:t>// disable </a:t>
-            </a:r>
-            <a:r>
-              <a:rPr lang="en-US" sz="1400" b="1" dirty="0">
-                <a:solidFill>
-                  <a:srgbClr val="00B050"/>
-                </a:solidFill>
-                <a:latin typeface="Courier New" pitchFamily="49" charset="0"/>
-                <a:cs typeface="Courier New" pitchFamily="49" charset="0"/>
-              </a:rPr>
-              <a:t>the subsystem (OR UCA0CTL1 with UCSWRST)</a:t>
-            </a:r>
-          </a:p>
-        </p:txBody>
-      </p:sp>
-      <p:graphicFrame>
-        <p:nvGraphicFramePr>
-          <p:cNvPr id="5" name="Table 4"/>
-          <p:cNvGraphicFramePr>
-            <a:graphicFrameLocks noGrp="1"/>
-          </p:cNvGraphicFramePr>
-          <p:nvPr>
-            <p:extLst>
-              <p:ext uri="{D42A27DB-BD31-4B8C-83A1-F6EECF244321}">
-                <p14:modId xmlns:p14="http://schemas.microsoft.com/office/powerpoint/2010/main" val="4220534432"/>
-              </p:ext>
-            </p:extLst>
-          </p:nvPr>
-        </p:nvGraphicFramePr>
-        <p:xfrm>
-          <a:off x="4519052" y="1628434"/>
-          <a:ext cx="4104685" cy="2560320"/>
-        </p:xfrm>
-        <a:graphic>
-          <a:graphicData uri="http://schemas.openxmlformats.org/drawingml/2006/table">
-            <a:tbl>
-              <a:tblPr/>
-              <a:tblGrid>
-                <a:gridCol w="1798455"/>
-                <a:gridCol w="2306230"/>
-              </a:tblGrid>
-              <a:tr h="0">
-                <a:tc>
-                  <a:txBody>
-                    <a:bodyPr/>
-                    <a:lstStyle/>
-                    <a:p>
-                      <a:pPr algn="ctr"/>
-                      <a:r>
-                        <a:rPr lang="en-US" dirty="0">
-                          <a:solidFill>
-                            <a:schemeClr val="bg1"/>
-                          </a:solidFill>
-                        </a:rPr>
-                        <a:t>Operator</a:t>
-                      </a:r>
-                    </a:p>
-                  </a:txBody>
-                  <a:tcPr anchor="ctr">
-                    <a:lnL w="12700" cap="flat" cmpd="sng" algn="ctr">
-                      <a:solidFill>
-                        <a:schemeClr val="tx1"/>
-                      </a:solidFill>
-                      <a:prstDash val="solid"/>
-                      <a:round/>
-                      <a:headEnd type="none" w="med" len="med"/>
-                      <a:tailEnd type="none" w="med" len="med"/>
-                    </a:lnL>
-                    <a:lnR w="12700" cap="flat" cmpd="sng" algn="ctr">
-                      <a:solidFill>
-                        <a:schemeClr val="tx1"/>
-                      </a:solidFill>
-                      <a:prstDash val="solid"/>
-                      <a:round/>
-                      <a:headEnd type="none" w="med" len="med"/>
-                      <a:tailEnd type="none" w="med" len="med"/>
-                    </a:lnR>
-                    <a:lnT w="12700" cap="flat" cmpd="sng" algn="ctr">
-                      <a:solidFill>
-                        <a:schemeClr val="tx1"/>
-                      </a:solidFill>
-                      <a:prstDash val="solid"/>
-                      <a:round/>
-                      <a:headEnd type="none" w="med" len="med"/>
-                      <a:tailEnd type="none" w="med" len="med"/>
-                    </a:lnT>
-                    <a:lnB w="12700" cap="flat" cmpd="sng" algn="ctr">
-                      <a:solidFill>
-                        <a:schemeClr val="tx1"/>
-                      </a:solidFill>
-                      <a:prstDash val="solid"/>
-                      <a:round/>
-                      <a:headEnd type="none" w="med" len="med"/>
-                      <a:tailEnd type="none" w="med" len="med"/>
-                    </a:lnB>
-                    <a:solidFill>
-                      <a:schemeClr val="bg1">
-                        <a:lumMod val="65000"/>
-                      </a:schemeClr>
-                    </a:solidFill>
-                  </a:tcPr>
-                </a:tc>
-                <a:tc>
-                  <a:txBody>
-                    <a:bodyPr/>
-                    <a:lstStyle/>
-                    <a:p>
-                      <a:pPr algn="ctr"/>
-                      <a:r>
-                        <a:rPr lang="en-US" dirty="0">
-                          <a:solidFill>
-                            <a:schemeClr val="bg1"/>
-                          </a:solidFill>
-                        </a:rPr>
-                        <a:t>Description</a:t>
-                      </a:r>
-                    </a:p>
-                  </a:txBody>
-                  <a:tcPr anchor="ctr">
-                    <a:lnL w="12700" cap="flat" cmpd="sng" algn="ctr">
-                      <a:solidFill>
-                        <a:schemeClr val="tx1"/>
-                      </a:solidFill>
-                      <a:prstDash val="solid"/>
-                      <a:round/>
-                      <a:headEnd type="none" w="med" len="med"/>
-                      <a:tailEnd type="none" w="med" len="med"/>
-                    </a:lnL>
-                    <a:lnR w="12700" cap="flat" cmpd="sng" algn="ctr">
-                      <a:solidFill>
-                        <a:schemeClr val="tx1"/>
-                      </a:solidFill>
-                      <a:prstDash val="solid"/>
-                      <a:round/>
-                      <a:headEnd type="none" w="med" len="med"/>
-                      <a:tailEnd type="none" w="med" len="med"/>
-                    </a:lnR>
-                    <a:lnT w="12700" cap="flat" cmpd="sng" algn="ctr">
-                      <a:solidFill>
-                        <a:schemeClr val="tx1"/>
-                      </a:solidFill>
-                      <a:prstDash val="solid"/>
-                      <a:round/>
-                      <a:headEnd type="none" w="med" len="med"/>
-                      <a:tailEnd type="none" w="med" len="med"/>
-                    </a:lnT>
-                    <a:lnB w="12700" cap="flat" cmpd="sng" algn="ctr">
-                      <a:solidFill>
-                        <a:schemeClr val="tx1"/>
-                      </a:solidFill>
-                      <a:prstDash val="solid"/>
-                      <a:round/>
-                      <a:headEnd type="none" w="med" len="med"/>
-                      <a:tailEnd type="none" w="med" len="med"/>
-                    </a:lnB>
-                    <a:solidFill>
-                      <a:schemeClr val="bg1">
-                        <a:lumMod val="65000"/>
-                      </a:schemeClr>
-                    </a:solidFill>
-                  </a:tcPr>
-                </a:tc>
-              </a:tr>
-              <a:tr h="0">
-                <a:tc>
-                  <a:txBody>
-                    <a:bodyPr/>
-                    <a:lstStyle/>
-                    <a:p>
-                      <a:pPr algn="ctr"/>
-                      <a:r>
-                        <a:rPr lang="en-US"/>
-                        <a:t>&amp;</a:t>
-                      </a:r>
-                    </a:p>
-                  </a:txBody>
-                  <a:tcPr anchor="ctr">
-                    <a:lnL w="12700" cap="flat" cmpd="sng" algn="ctr">
-                      <a:solidFill>
-                        <a:schemeClr val="tx1"/>
-                      </a:solidFill>
-                      <a:prstDash val="solid"/>
-                      <a:round/>
-                      <a:headEnd type="none" w="med" len="med"/>
-                      <a:tailEnd type="none" w="med" len="med"/>
-                    </a:lnL>
-                    <a:lnR w="12700" cap="flat" cmpd="sng" algn="ctr">
-                      <a:solidFill>
-                        <a:schemeClr val="tx1"/>
-                      </a:solidFill>
-                      <a:prstDash val="solid"/>
-                      <a:round/>
-                      <a:headEnd type="none" w="med" len="med"/>
-                      <a:tailEnd type="none" w="med" len="med"/>
-                    </a:lnR>
-                    <a:lnT w="12700" cap="flat" cmpd="sng" algn="ctr">
-                      <a:solidFill>
-                        <a:schemeClr val="tx1"/>
-                      </a:solidFill>
-                      <a:prstDash val="solid"/>
-                      <a:round/>
-                      <a:headEnd type="none" w="med" len="med"/>
-                      <a:tailEnd type="none" w="med" len="med"/>
-                    </a:lnT>
-                    <a:lnB w="12700" cap="flat" cmpd="sng" algn="ctr">
-                      <a:solidFill>
-                        <a:schemeClr val="tx1"/>
-                      </a:solidFill>
-                      <a:prstDash val="solid"/>
-                      <a:round/>
-                      <a:headEnd type="none" w="med" len="med"/>
-                      <a:tailEnd type="none" w="med" len="med"/>
-                    </a:lnB>
-                  </a:tcPr>
-                </a:tc>
-                <a:tc>
-                  <a:txBody>
-                    <a:bodyPr/>
-                    <a:lstStyle/>
-                    <a:p>
-                      <a:pPr algn="ctr"/>
-                      <a:r>
-                        <a:rPr lang="en-US" dirty="0"/>
-                        <a:t>AND</a:t>
-                      </a:r>
-                    </a:p>
-                  </a:txBody>
-                  <a:tcPr anchor="ctr">
-                    <a:lnL w="12700" cap="flat" cmpd="sng" algn="ctr">
-                      <a:solidFill>
-                        <a:schemeClr val="tx1"/>
-                      </a:solidFill>
-                      <a:prstDash val="solid"/>
-                      <a:round/>
-                      <a:headEnd type="none" w="med" len="med"/>
-                      <a:tailEnd type="none" w="med" len="med"/>
-                    </a:lnL>
-                    <a:lnR w="12700" cap="flat" cmpd="sng" algn="ctr">
-                      <a:solidFill>
-                        <a:schemeClr val="tx1"/>
-                      </a:solidFill>
-                      <a:prstDash val="solid"/>
-                      <a:round/>
-                      <a:headEnd type="none" w="med" len="med"/>
-                      <a:tailEnd type="none" w="med" len="med"/>
-                    </a:lnR>
-                    <a:lnT w="12700" cap="flat" cmpd="sng" algn="ctr">
-                      <a:solidFill>
-                        <a:schemeClr val="tx1"/>
-                      </a:solidFill>
-                      <a:prstDash val="solid"/>
-                      <a:round/>
-                      <a:headEnd type="none" w="med" len="med"/>
-                      <a:tailEnd type="none" w="med" len="med"/>
-                    </a:lnT>
-                    <a:lnB w="12700" cap="flat" cmpd="sng" algn="ctr">
-                      <a:solidFill>
-                        <a:schemeClr val="tx1"/>
-                      </a:solidFill>
-                      <a:prstDash val="solid"/>
-                      <a:round/>
-                      <a:headEnd type="none" w="med" len="med"/>
-                      <a:tailEnd type="none" w="med" len="med"/>
-                    </a:lnB>
-                  </a:tcPr>
-                </a:tc>
-              </a:tr>
-              <a:tr h="0">
-                <a:tc>
-                  <a:txBody>
-                    <a:bodyPr/>
-                    <a:lstStyle/>
-                    <a:p>
-                      <a:pPr algn="ctr"/>
-                      <a:r>
-                        <a:rPr lang="en-US" dirty="0" smtClean="0"/>
-                        <a:t>|</a:t>
-                      </a:r>
-                    </a:p>
-                  </a:txBody>
-                  <a:tcPr anchor="ctr">
-                    <a:lnL w="12700" cap="flat" cmpd="sng" algn="ctr">
-                      <a:solidFill>
-                        <a:schemeClr val="tx1"/>
-                      </a:solidFill>
-                      <a:prstDash val="solid"/>
-                      <a:round/>
-                      <a:headEnd type="none" w="med" len="med"/>
-                      <a:tailEnd type="none" w="med" len="med"/>
-                    </a:lnL>
-                    <a:lnR w="12700" cap="flat" cmpd="sng" algn="ctr">
-                      <a:solidFill>
-                        <a:schemeClr val="tx1"/>
-                      </a:solidFill>
-                      <a:prstDash val="solid"/>
-                      <a:round/>
-                      <a:headEnd type="none" w="med" len="med"/>
-                      <a:tailEnd type="none" w="med" len="med"/>
-                    </a:lnR>
-                    <a:lnT w="12700" cap="flat" cmpd="sng" algn="ctr">
-                      <a:solidFill>
-                        <a:schemeClr val="tx1"/>
-                      </a:solidFill>
-                      <a:prstDash val="solid"/>
-                      <a:round/>
-                      <a:headEnd type="none" w="med" len="med"/>
-                      <a:tailEnd type="none" w="med" len="med"/>
-                    </a:lnT>
-                    <a:lnB w="12700" cap="flat" cmpd="sng" algn="ctr">
-                      <a:solidFill>
-                        <a:schemeClr val="tx1"/>
-                      </a:solidFill>
-                      <a:prstDash val="solid"/>
-                      <a:round/>
-                      <a:headEnd type="none" w="med" len="med"/>
-                      <a:tailEnd type="none" w="med" len="med"/>
-                    </a:lnB>
-                  </a:tcPr>
-                </a:tc>
-                <a:tc>
-                  <a:txBody>
-                    <a:bodyPr/>
-                    <a:lstStyle/>
-                    <a:p>
-                      <a:pPr algn="ctr"/>
-                      <a:r>
-                        <a:rPr lang="en-US" dirty="0" smtClean="0"/>
-                        <a:t>OR</a:t>
-                      </a:r>
-                      <a:endParaRPr lang="en-US" dirty="0"/>
-                    </a:p>
-                  </a:txBody>
-                  <a:tcPr anchor="ctr">
-                    <a:lnL w="12700" cap="flat" cmpd="sng" algn="ctr">
-                      <a:solidFill>
-                        <a:schemeClr val="tx1"/>
-                      </a:solidFill>
-                      <a:prstDash val="solid"/>
-                      <a:round/>
-                      <a:headEnd type="none" w="med" len="med"/>
-                      <a:tailEnd type="none" w="med" len="med"/>
-                    </a:lnL>
-                    <a:lnR w="12700" cap="flat" cmpd="sng" algn="ctr">
-                      <a:solidFill>
-                        <a:schemeClr val="tx1"/>
-                      </a:solidFill>
-                      <a:prstDash val="solid"/>
-                      <a:round/>
-                      <a:headEnd type="none" w="med" len="med"/>
-                      <a:tailEnd type="none" w="med" len="med"/>
-                    </a:lnR>
-                    <a:lnT w="12700" cap="flat" cmpd="sng" algn="ctr">
-                      <a:solidFill>
-                        <a:schemeClr val="tx1"/>
-                      </a:solidFill>
-                      <a:prstDash val="solid"/>
-                      <a:round/>
-                      <a:headEnd type="none" w="med" len="med"/>
-                      <a:tailEnd type="none" w="med" len="med"/>
-                    </a:lnT>
-                    <a:lnB w="12700" cap="flat" cmpd="sng" algn="ctr">
-                      <a:solidFill>
-                        <a:schemeClr val="tx1"/>
-                      </a:solidFill>
-                      <a:prstDash val="solid"/>
-                      <a:round/>
-                      <a:headEnd type="none" w="med" len="med"/>
-                      <a:tailEnd type="none" w="med" len="med"/>
-                    </a:lnB>
-                  </a:tcPr>
-                </a:tc>
-              </a:tr>
-              <a:tr h="0">
-                <a:tc>
-                  <a:txBody>
-                    <a:bodyPr/>
-                    <a:lstStyle/>
-                    <a:p>
-                      <a:pPr algn="ctr"/>
-                      <a:r>
-                        <a:rPr lang="en-US"/>
-                        <a:t>^</a:t>
-                      </a:r>
-                    </a:p>
-                  </a:txBody>
-                  <a:tcPr anchor="ctr">
-                    <a:lnL w="12700" cap="flat" cmpd="sng" algn="ctr">
-                      <a:solidFill>
-                        <a:schemeClr val="tx1"/>
-                      </a:solidFill>
-                      <a:prstDash val="solid"/>
-                      <a:round/>
-                      <a:headEnd type="none" w="med" len="med"/>
-                      <a:tailEnd type="none" w="med" len="med"/>
-                    </a:lnL>
-                    <a:lnR w="12700" cap="flat" cmpd="sng" algn="ctr">
-                      <a:solidFill>
-                        <a:schemeClr val="tx1"/>
-                      </a:solidFill>
-                      <a:prstDash val="solid"/>
-                      <a:round/>
-                      <a:headEnd type="none" w="med" len="med"/>
-                      <a:tailEnd type="none" w="med" len="med"/>
-                    </a:lnR>
-                    <a:lnT w="12700" cap="flat" cmpd="sng" algn="ctr">
-                      <a:solidFill>
-                        <a:schemeClr val="tx1"/>
-                      </a:solidFill>
-                      <a:prstDash val="solid"/>
-                      <a:round/>
-                      <a:headEnd type="none" w="med" len="med"/>
-                      <a:tailEnd type="none" w="med" len="med"/>
-                    </a:lnT>
-                    <a:lnB w="12700" cap="flat" cmpd="sng" algn="ctr">
-                      <a:solidFill>
-                        <a:schemeClr val="tx1"/>
-                      </a:solidFill>
-                      <a:prstDash val="solid"/>
-                      <a:round/>
-                      <a:headEnd type="none" w="med" len="med"/>
-                      <a:tailEnd type="none" w="med" len="med"/>
-                    </a:lnB>
-                  </a:tcPr>
-                </a:tc>
-                <a:tc>
-                  <a:txBody>
-                    <a:bodyPr/>
-                    <a:lstStyle/>
-                    <a:p>
-                      <a:pPr algn="ctr"/>
-                      <a:r>
-                        <a:rPr lang="en-US"/>
-                        <a:t>XOR</a:t>
-                      </a:r>
-                    </a:p>
-                  </a:txBody>
-                  <a:tcPr anchor="ctr">
-                    <a:lnL w="12700" cap="flat" cmpd="sng" algn="ctr">
-                      <a:solidFill>
-                        <a:schemeClr val="tx1"/>
-                      </a:solidFill>
-                      <a:prstDash val="solid"/>
-                      <a:round/>
-                      <a:headEnd type="none" w="med" len="med"/>
-                      <a:tailEnd type="none" w="med" len="med"/>
-                    </a:lnL>
-                    <a:lnR w="12700" cap="flat" cmpd="sng" algn="ctr">
-                      <a:solidFill>
-                        <a:schemeClr val="tx1"/>
-                      </a:solidFill>
-                      <a:prstDash val="solid"/>
-                      <a:round/>
-                      <a:headEnd type="none" w="med" len="med"/>
-                      <a:tailEnd type="none" w="med" len="med"/>
-                    </a:lnR>
-                    <a:lnT w="12700" cap="flat" cmpd="sng" algn="ctr">
-                      <a:solidFill>
-                        <a:schemeClr val="tx1"/>
-                      </a:solidFill>
-                      <a:prstDash val="solid"/>
-                      <a:round/>
-                      <a:headEnd type="none" w="med" len="med"/>
-                      <a:tailEnd type="none" w="med" len="med"/>
-                    </a:lnT>
-                    <a:lnB w="12700" cap="flat" cmpd="sng" algn="ctr">
-                      <a:solidFill>
-                        <a:schemeClr val="tx1"/>
-                      </a:solidFill>
-                      <a:prstDash val="solid"/>
-                      <a:round/>
-                      <a:headEnd type="none" w="med" len="med"/>
-                      <a:tailEnd type="none" w="med" len="med"/>
-                    </a:lnB>
-                  </a:tcPr>
-                </a:tc>
-              </a:tr>
-              <a:tr h="0">
-                <a:tc>
-                  <a:txBody>
-                    <a:bodyPr/>
-                    <a:lstStyle/>
-                    <a:p>
-                      <a:pPr algn="ctr"/>
-                      <a:r>
-                        <a:rPr lang="en-US"/>
-                        <a:t>~</a:t>
-                      </a:r>
-                    </a:p>
-                  </a:txBody>
-                  <a:tcPr anchor="ctr">
-                    <a:lnL w="12700" cap="flat" cmpd="sng" algn="ctr">
-                      <a:solidFill>
-                        <a:schemeClr val="tx1"/>
-                      </a:solidFill>
-                      <a:prstDash val="solid"/>
-                      <a:round/>
-                      <a:headEnd type="none" w="med" len="med"/>
-                      <a:tailEnd type="none" w="med" len="med"/>
-                    </a:lnL>
-                    <a:lnR w="12700" cap="flat" cmpd="sng" algn="ctr">
-                      <a:solidFill>
-                        <a:schemeClr val="tx1"/>
-                      </a:solidFill>
-                      <a:prstDash val="solid"/>
-                      <a:round/>
-                      <a:headEnd type="none" w="med" len="med"/>
-                      <a:tailEnd type="none" w="med" len="med"/>
-                    </a:lnR>
-                    <a:lnT w="12700" cap="flat" cmpd="sng" algn="ctr">
-                      <a:solidFill>
-                        <a:schemeClr val="tx1"/>
-                      </a:solidFill>
-                      <a:prstDash val="solid"/>
-                      <a:round/>
-                      <a:headEnd type="none" w="med" len="med"/>
-                      <a:tailEnd type="none" w="med" len="med"/>
-                    </a:lnT>
-                    <a:lnB w="12700" cap="flat" cmpd="sng" algn="ctr">
-                      <a:solidFill>
-                        <a:schemeClr val="tx1"/>
-                      </a:solidFill>
-                      <a:prstDash val="solid"/>
-                      <a:round/>
-                      <a:headEnd type="none" w="med" len="med"/>
-                      <a:tailEnd type="none" w="med" len="med"/>
-                    </a:lnB>
-                  </a:tcPr>
-                </a:tc>
-                <a:tc>
-                  <a:txBody>
-                    <a:bodyPr/>
-                    <a:lstStyle/>
-                    <a:p>
-                      <a:pPr algn="ctr"/>
-                      <a:r>
-                        <a:rPr lang="en-US" dirty="0"/>
-                        <a:t>One's Complement</a:t>
-                      </a:r>
-                    </a:p>
-                  </a:txBody>
-                  <a:tcPr anchor="ctr">
-                    <a:lnL w="12700" cap="flat" cmpd="sng" algn="ctr">
-                      <a:solidFill>
-                        <a:schemeClr val="tx1"/>
-                      </a:solidFill>
-                      <a:prstDash val="solid"/>
-                      <a:round/>
-                      <a:headEnd type="none" w="med" len="med"/>
-                      <a:tailEnd type="none" w="med" len="med"/>
-                    </a:lnL>
-                    <a:lnR w="12700" cap="flat" cmpd="sng" algn="ctr">
-                      <a:solidFill>
-                        <a:schemeClr val="tx1"/>
-                      </a:solidFill>
-                      <a:prstDash val="solid"/>
-                      <a:round/>
-                      <a:headEnd type="none" w="med" len="med"/>
-                      <a:tailEnd type="none" w="med" len="med"/>
-                    </a:lnR>
-                    <a:lnT w="12700" cap="flat" cmpd="sng" algn="ctr">
-                      <a:solidFill>
-                        <a:schemeClr val="tx1"/>
-                      </a:solidFill>
-                      <a:prstDash val="solid"/>
-                      <a:round/>
-                      <a:headEnd type="none" w="med" len="med"/>
-                      <a:tailEnd type="none" w="med" len="med"/>
-                    </a:lnT>
-                    <a:lnB w="12700" cap="flat" cmpd="sng" algn="ctr">
-                      <a:solidFill>
-                        <a:schemeClr val="tx1"/>
-                      </a:solidFill>
-                      <a:prstDash val="solid"/>
-                      <a:round/>
-                      <a:headEnd type="none" w="med" len="med"/>
-                      <a:tailEnd type="none" w="med" len="med"/>
-                    </a:lnB>
-                  </a:tcPr>
-                </a:tc>
-              </a:tr>
-              <a:tr h="0">
-                <a:tc>
-                  <a:txBody>
-                    <a:bodyPr/>
-                    <a:lstStyle/>
-                    <a:p>
-                      <a:pPr algn="ctr"/>
-                      <a:r>
-                        <a:rPr lang="en-US"/>
-                        <a:t>&gt;&gt;</a:t>
-                      </a:r>
-                    </a:p>
-                  </a:txBody>
-                  <a:tcPr anchor="ctr">
-                    <a:lnL w="12700" cap="flat" cmpd="sng" algn="ctr">
-                      <a:solidFill>
-                        <a:schemeClr val="tx1"/>
-                      </a:solidFill>
-                      <a:prstDash val="solid"/>
-                      <a:round/>
-                      <a:headEnd type="none" w="med" len="med"/>
-                      <a:tailEnd type="none" w="med" len="med"/>
-                    </a:lnL>
-                    <a:lnR w="12700" cap="flat" cmpd="sng" algn="ctr">
-                      <a:solidFill>
-                        <a:schemeClr val="tx1"/>
-                      </a:solidFill>
-                      <a:prstDash val="solid"/>
-                      <a:round/>
-                      <a:headEnd type="none" w="med" len="med"/>
-                      <a:tailEnd type="none" w="med" len="med"/>
-                    </a:lnR>
-                    <a:lnT w="12700" cap="flat" cmpd="sng" algn="ctr">
-                      <a:solidFill>
-                        <a:schemeClr val="tx1"/>
-                      </a:solidFill>
-                      <a:prstDash val="solid"/>
-                      <a:round/>
-                      <a:headEnd type="none" w="med" len="med"/>
-                      <a:tailEnd type="none" w="med" len="med"/>
-                    </a:lnT>
-                    <a:lnB w="12700" cap="flat" cmpd="sng" algn="ctr">
-                      <a:solidFill>
-                        <a:schemeClr val="tx1"/>
-                      </a:solidFill>
-                      <a:prstDash val="solid"/>
-                      <a:round/>
-                      <a:headEnd type="none" w="med" len="med"/>
-                      <a:tailEnd type="none" w="med" len="med"/>
-                    </a:lnB>
-                  </a:tcPr>
-                </a:tc>
-                <a:tc>
-                  <a:txBody>
-                    <a:bodyPr/>
-                    <a:lstStyle/>
-                    <a:p>
-                      <a:pPr algn="ctr"/>
-                      <a:r>
-                        <a:rPr lang="en-US" dirty="0"/>
-                        <a:t>Bit-shift right</a:t>
-                      </a:r>
-                    </a:p>
-                  </a:txBody>
-                  <a:tcPr anchor="ctr">
-                    <a:lnL w="12700" cap="flat" cmpd="sng" algn="ctr">
-                      <a:solidFill>
-                        <a:schemeClr val="tx1"/>
-                      </a:solidFill>
-                      <a:prstDash val="solid"/>
-                      <a:round/>
-                      <a:headEnd type="none" w="med" len="med"/>
-                      <a:tailEnd type="none" w="med" len="med"/>
-                    </a:lnL>
-                    <a:lnR w="12700" cap="flat" cmpd="sng" algn="ctr">
-                      <a:solidFill>
-                        <a:schemeClr val="tx1"/>
-                      </a:solidFill>
-                      <a:prstDash val="solid"/>
-                      <a:round/>
-                      <a:headEnd type="none" w="med" len="med"/>
-                      <a:tailEnd type="none" w="med" len="med"/>
-                    </a:lnR>
-                    <a:lnT w="12700" cap="flat" cmpd="sng" algn="ctr">
-                      <a:solidFill>
-                        <a:schemeClr val="tx1"/>
-                      </a:solidFill>
-                      <a:prstDash val="solid"/>
-                      <a:round/>
-                      <a:headEnd type="none" w="med" len="med"/>
-                      <a:tailEnd type="none" w="med" len="med"/>
-                    </a:lnT>
-                    <a:lnB w="12700" cap="flat" cmpd="sng" algn="ctr">
-                      <a:solidFill>
-                        <a:schemeClr val="tx1"/>
-                      </a:solidFill>
-                      <a:prstDash val="solid"/>
-                      <a:round/>
-                      <a:headEnd type="none" w="med" len="med"/>
-                      <a:tailEnd type="none" w="med" len="med"/>
-                    </a:lnB>
-                  </a:tcPr>
-                </a:tc>
-              </a:tr>
-              <a:tr h="0">
-                <a:tc>
-                  <a:txBody>
-                    <a:bodyPr/>
-                    <a:lstStyle/>
-                    <a:p>
-                      <a:pPr algn="ctr"/>
-                      <a:r>
-                        <a:rPr lang="en-US"/>
-                        <a:t>&lt;&lt;</a:t>
-                      </a:r>
-                    </a:p>
-                  </a:txBody>
-                  <a:tcPr anchor="ctr">
-                    <a:lnL w="12700" cap="flat" cmpd="sng" algn="ctr">
-                      <a:solidFill>
-                        <a:schemeClr val="tx1"/>
-                      </a:solidFill>
-                      <a:prstDash val="solid"/>
-                      <a:round/>
-                      <a:headEnd type="none" w="med" len="med"/>
-                      <a:tailEnd type="none" w="med" len="med"/>
-                    </a:lnL>
-                    <a:lnR w="12700" cap="flat" cmpd="sng" algn="ctr">
-                      <a:solidFill>
-                        <a:schemeClr val="tx1"/>
-                      </a:solidFill>
-                      <a:prstDash val="solid"/>
-                      <a:round/>
-                      <a:headEnd type="none" w="med" len="med"/>
-                      <a:tailEnd type="none" w="med" len="med"/>
-                    </a:lnR>
-                    <a:lnT w="12700" cap="flat" cmpd="sng" algn="ctr">
-                      <a:solidFill>
-                        <a:schemeClr val="tx1"/>
-                      </a:solidFill>
-                      <a:prstDash val="solid"/>
-                      <a:round/>
-                      <a:headEnd type="none" w="med" len="med"/>
-                      <a:tailEnd type="none" w="med" len="med"/>
-                    </a:lnT>
-                    <a:lnB w="12700" cap="flat" cmpd="sng" algn="ctr">
-                      <a:solidFill>
-                        <a:schemeClr val="tx1"/>
-                      </a:solidFill>
-                      <a:prstDash val="solid"/>
-                      <a:round/>
-                      <a:headEnd type="none" w="med" len="med"/>
-                      <a:tailEnd type="none" w="med" len="med"/>
-                    </a:lnB>
-                  </a:tcPr>
-                </a:tc>
-                <a:tc>
-                  <a:txBody>
-                    <a:bodyPr/>
-                    <a:lstStyle/>
-                    <a:p>
-                      <a:pPr algn="ctr"/>
-                      <a:r>
-                        <a:rPr lang="en-US" dirty="0"/>
-                        <a:t>Bit-shift left</a:t>
-                      </a:r>
-                    </a:p>
-                  </a:txBody>
-                  <a:tcPr anchor="ctr">
-                    <a:lnL w="12700" cap="flat" cmpd="sng" algn="ctr">
-                      <a:solidFill>
-                        <a:schemeClr val="tx1"/>
-                      </a:solidFill>
-                      <a:prstDash val="solid"/>
-                      <a:round/>
-                      <a:headEnd type="none" w="med" len="med"/>
-                      <a:tailEnd type="none" w="med" len="med"/>
-                    </a:lnL>
-                    <a:lnR w="12700" cap="flat" cmpd="sng" algn="ctr">
-                      <a:solidFill>
-                        <a:schemeClr val="tx1"/>
-                      </a:solidFill>
-                      <a:prstDash val="solid"/>
-                      <a:round/>
-                      <a:headEnd type="none" w="med" len="med"/>
-                      <a:tailEnd type="none" w="med" len="med"/>
-                    </a:lnR>
-                    <a:lnT w="12700" cap="flat" cmpd="sng" algn="ctr">
-                      <a:solidFill>
-                        <a:schemeClr val="tx1"/>
-                      </a:solidFill>
-                      <a:prstDash val="solid"/>
-                      <a:round/>
-                      <a:headEnd type="none" w="med" len="med"/>
-                      <a:tailEnd type="none" w="med" len="med"/>
-                    </a:lnT>
-                    <a:lnB w="12700" cap="flat" cmpd="sng" algn="ctr">
-                      <a:solidFill>
-                        <a:schemeClr val="tx1"/>
-                      </a:solidFill>
-                      <a:prstDash val="solid"/>
-                      <a:round/>
-                      <a:headEnd type="none" w="med" len="med"/>
-                      <a:tailEnd type="none" w="med" len="med"/>
-                    </a:lnB>
-                  </a:tcPr>
-                </a:tc>
-              </a:tr>
-            </a:tbl>
-          </a:graphicData>
-        </a:graphic>
-      </p:graphicFrame>
-      <p:sp>
-        <p:nvSpPr>
-          <p:cNvPr id="4" name="TextBox 3"/>
-          <p:cNvSpPr txBox="1"/>
-          <p:nvPr/>
-        </p:nvSpPr>
-        <p:spPr>
-          <a:xfrm>
-            <a:off x="1828800" y="2467303"/>
-            <a:ext cx="2492990" cy="3231654"/>
-          </a:xfrm>
-          <a:prstGeom prst="rect">
-            <a:avLst/>
-          </a:prstGeom>
-          <a:noFill/>
-        </p:spPr>
-        <p:txBody>
-          <a:bodyPr wrap="none" rtlCol="0">
-            <a:spAutoFit/>
-          </a:bodyPr>
-          <a:lstStyle/>
-          <a:p>
-            <a:r>
-              <a:rPr lang="en-US" dirty="0" smtClean="0"/>
-              <a:t>BIT2: 00000100</a:t>
-            </a:r>
-          </a:p>
-          <a:p>
-            <a:r>
-              <a:rPr lang="en-US" dirty="0" smtClean="0"/>
-              <a:t>~BIT2: 11111011</a:t>
-            </a:r>
-          </a:p>
-          <a:p>
-            <a:endParaRPr lang="en-US" dirty="0"/>
-          </a:p>
-          <a:p>
-            <a:r>
-              <a:rPr lang="en-US" dirty="0" smtClean="0"/>
-              <a:t>a &amp; b:   00000101</a:t>
-            </a:r>
-          </a:p>
-          <a:p>
-            <a:r>
-              <a:rPr lang="en-US" dirty="0"/>
-              <a:t> </a:t>
-            </a:r>
-            <a:r>
-              <a:rPr lang="en-US" dirty="0" smtClean="0"/>
-              <a:t>            </a:t>
-            </a:r>
-            <a:r>
-              <a:rPr lang="en-US" dirty="0"/>
-              <a:t>11111011</a:t>
-            </a:r>
-          </a:p>
-          <a:p>
-            <a:r>
-              <a:rPr lang="en-US" dirty="0" smtClean="0"/>
-              <a:t>             0 0 0 0 0 1</a:t>
-            </a:r>
-            <a:endParaRPr lang="en-US" dirty="0"/>
-          </a:p>
-        </p:txBody>
-      </p:sp>
-      <p:cxnSp>
-        <p:nvCxnSpPr>
-          <p:cNvPr id="7" name="Straight Connector 6"/>
-          <p:cNvCxnSpPr/>
-          <p:nvPr/>
-        </p:nvCxnSpPr>
-        <p:spPr bwMode="auto">
-          <a:xfrm flipV="1">
-            <a:off x="2451538" y="5147441"/>
-            <a:ext cx="2067514" cy="7883"/>
-          </a:xfrm>
-          <a:prstGeom prst="line">
-            <a:avLst/>
-          </a:prstGeom>
-          <a:solidFill>
-            <a:srgbClr val="0C2D83"/>
-          </a:solidFill>
-          <a:ln w="12700" cap="flat" cmpd="sng" algn="ctr">
-            <a:solidFill>
-              <a:schemeClr val="tx1"/>
-            </a:solidFill>
-            <a:prstDash val="solid"/>
-            <a:round/>
-            <a:headEnd type="none" w="med" len="med"/>
-            <a:tailEnd type="none" w="med" len="med"/>
-          </a:ln>
-          <a:effectLst/>
-        </p:spPr>
-      </p:cxnSp>
-    </p:spTree>
-    <p:extLst>
-      <p:ext uri="{BB962C8B-B14F-4D97-AF65-F5344CB8AC3E}">
-        <p14:creationId xmlns:p14="http://schemas.microsoft.com/office/powerpoint/2010/main" val="809555275"/>
-      </p:ext>
-    </p:extLst>
-  </p:cSld>
-  <p:clrMapOvr>
-    <a:masterClrMapping/>
-  </p:clrMapOvr>
-  <p:timing>
-    <p:tnLst>
-      <p:par>
-        <p:cTn id="1" dur="indefinite" restart="never" nodeType="tmRoot"/>
-      </p:par>
-    </p:tnLst>
-  </p:timing>
-</p:sld>
-</file>
-
 <file path=ppt/slides/slide17.xml><?xml version="1.0" encoding="utf-8"?>
 <p:sld xmlns:a="http://schemas.openxmlformats.org/drawingml/2006/main" xmlns:r="http://schemas.openxmlformats.org/officeDocument/2006/relationships" xmlns:p="http://schemas.openxmlformats.org/presentationml/2006/main">
   <p:cSld>
@@ -12413,6 +11338,1159 @@
           <a:lstStyle/>
           <a:p>
             <a:r>
+              <a:rPr lang="en-US" b="1" dirty="0" smtClean="0"/>
+              <a:t>C Language:  Operators</a:t>
+            </a:r>
+            <a:endParaRPr lang="en-US" dirty="0"/>
+          </a:p>
+        </p:txBody>
+      </p:sp>
+      <p:sp>
+        <p:nvSpPr>
+          <p:cNvPr id="3" name="Content Placeholder 2"/>
+          <p:cNvSpPr>
+            <a:spLocks noGrp="1"/>
+          </p:cNvSpPr>
+          <p:nvPr>
+            <p:ph idx="1"/>
+          </p:nvPr>
+        </p:nvSpPr>
+        <p:spPr>
+          <a:xfrm>
+            <a:off x="275129" y="1462533"/>
+            <a:ext cx="8868871" cy="5035231"/>
+          </a:xfrm>
+        </p:spPr>
+        <p:txBody>
+          <a:bodyPr>
+            <a:normAutofit/>
+          </a:bodyPr>
+          <a:lstStyle/>
+          <a:p>
+            <a:pPr marL="0" indent="0">
+              <a:buNone/>
+            </a:pPr>
+            <a:r>
+              <a:rPr lang="en-US" sz="1400" b="1" dirty="0"/>
+              <a:t>Bit-wise Operators</a:t>
+            </a:r>
+            <a:endParaRPr lang="en-US" sz="1400" b="1" dirty="0" smtClean="0">
+              <a:solidFill>
+                <a:schemeClr val="accent2"/>
+              </a:solidFill>
+              <a:latin typeface="Courier New" pitchFamily="49" charset="0"/>
+              <a:cs typeface="Courier New" pitchFamily="49" charset="0"/>
+            </a:endParaRPr>
+          </a:p>
+          <a:p>
+            <a:pPr marL="0" indent="0">
+              <a:buNone/>
+            </a:pPr>
+            <a:endParaRPr lang="en-US" sz="1400" b="1" dirty="0">
+              <a:solidFill>
+                <a:schemeClr val="accent2"/>
+              </a:solidFill>
+              <a:latin typeface="Courier New" pitchFamily="49" charset="0"/>
+              <a:cs typeface="Courier New" pitchFamily="49" charset="0"/>
+            </a:endParaRPr>
+          </a:p>
+          <a:p>
+            <a:pPr marL="0" indent="0">
+              <a:buNone/>
+            </a:pPr>
+            <a:r>
+              <a:rPr lang="en-US" sz="1400" dirty="0">
+                <a:solidFill>
+                  <a:schemeClr val="accent2"/>
+                </a:solidFill>
+                <a:latin typeface="Courier New" pitchFamily="49" charset="0"/>
+                <a:cs typeface="Courier New" pitchFamily="49" charset="0"/>
+              </a:rPr>
+              <a:t>u</a:t>
+            </a:r>
+            <a:r>
+              <a:rPr lang="en-US" sz="1400" b="1" dirty="0" smtClean="0">
+                <a:solidFill>
+                  <a:schemeClr val="accent2"/>
+                </a:solidFill>
+                <a:latin typeface="Courier New" pitchFamily="49" charset="0"/>
+                <a:cs typeface="Courier New" pitchFamily="49" charset="0"/>
+              </a:rPr>
+              <a:t>int8_t a = 5;</a:t>
+            </a:r>
+          </a:p>
+          <a:p>
+            <a:pPr marL="0" indent="0">
+              <a:buNone/>
+            </a:pPr>
+            <a:r>
+              <a:rPr lang="en-US" sz="1400" dirty="0" smtClean="0">
+                <a:solidFill>
+                  <a:schemeClr val="accent2"/>
+                </a:solidFill>
+                <a:latin typeface="Courier New" pitchFamily="49" charset="0"/>
+                <a:cs typeface="Courier New" pitchFamily="49" charset="0"/>
+              </a:rPr>
+              <a:t>uint8_t b = 5;</a:t>
+            </a:r>
+          </a:p>
+          <a:p>
+            <a:pPr marL="0" indent="0">
+              <a:buNone/>
+            </a:pPr>
+            <a:endParaRPr lang="en-US" sz="1400" b="1" dirty="0">
+              <a:solidFill>
+                <a:schemeClr val="accent2"/>
+              </a:solidFill>
+              <a:latin typeface="Courier New" pitchFamily="49" charset="0"/>
+              <a:cs typeface="Courier New" pitchFamily="49" charset="0"/>
+            </a:endParaRPr>
+          </a:p>
+          <a:p>
+            <a:pPr marL="0" indent="0">
+              <a:buNone/>
+            </a:pPr>
+            <a:r>
+              <a:rPr lang="en-US" sz="1400" dirty="0" smtClean="0">
+                <a:solidFill>
+                  <a:schemeClr val="accent2"/>
+                </a:solidFill>
+                <a:latin typeface="Courier New" pitchFamily="49" charset="0"/>
+                <a:cs typeface="Courier New" pitchFamily="49" charset="0"/>
+              </a:rPr>
+              <a:t>a &amp;= ~BIT2;  </a:t>
+            </a:r>
+            <a:r>
+              <a:rPr lang="en-US" sz="1400" dirty="0" smtClean="0">
+                <a:solidFill>
+                  <a:srgbClr val="00B050"/>
+                </a:solidFill>
+                <a:latin typeface="Courier New" pitchFamily="49" charset="0"/>
+                <a:cs typeface="Courier New" pitchFamily="49" charset="0"/>
+              </a:rPr>
+              <a:t>// a = a &amp;&amp; ~BIT2</a:t>
+            </a:r>
+          </a:p>
+          <a:p>
+            <a:pPr marL="0" indent="0">
+              <a:buNone/>
+            </a:pPr>
+            <a:r>
+              <a:rPr lang="en-US" sz="1400" dirty="0">
+                <a:solidFill>
+                  <a:schemeClr val="accent2"/>
+                </a:solidFill>
+                <a:latin typeface="Courier New" pitchFamily="49" charset="0"/>
+                <a:cs typeface="Courier New" pitchFamily="49" charset="0"/>
+              </a:rPr>
+              <a:t>b</a:t>
+            </a:r>
+            <a:r>
+              <a:rPr lang="en-US" sz="1400" b="1" dirty="0" smtClean="0">
+                <a:solidFill>
+                  <a:schemeClr val="accent2"/>
+                </a:solidFill>
+                <a:latin typeface="Courier New" pitchFamily="49" charset="0"/>
+                <a:cs typeface="Courier New" pitchFamily="49" charset="0"/>
+              </a:rPr>
+              <a:t> |= BIT2;   </a:t>
+            </a:r>
+            <a:r>
+              <a:rPr lang="en-US" sz="1400" b="1" dirty="0" smtClean="0">
+                <a:solidFill>
+                  <a:srgbClr val="00B050"/>
+                </a:solidFill>
+                <a:latin typeface="Courier New" pitchFamily="49" charset="0"/>
+                <a:cs typeface="Courier New" pitchFamily="49" charset="0"/>
+              </a:rPr>
+              <a:t>// b = b || BIT2</a:t>
+            </a:r>
+          </a:p>
+          <a:p>
+            <a:pPr marL="0" indent="0">
+              <a:buNone/>
+            </a:pPr>
+            <a:endParaRPr lang="en-US" sz="1400" dirty="0">
+              <a:solidFill>
+                <a:srgbClr val="00B050"/>
+              </a:solidFill>
+              <a:latin typeface="Courier New" pitchFamily="49" charset="0"/>
+              <a:cs typeface="Courier New" pitchFamily="49" charset="0"/>
+            </a:endParaRPr>
+          </a:p>
+          <a:p>
+            <a:pPr marL="0" indent="0">
+              <a:buNone/>
+            </a:pPr>
+            <a:endParaRPr lang="en-US" sz="1400" b="1" dirty="0" smtClean="0">
+              <a:solidFill>
+                <a:schemeClr val="accent2"/>
+              </a:solidFill>
+              <a:latin typeface="Courier New" pitchFamily="49" charset="0"/>
+              <a:cs typeface="Courier New" pitchFamily="49" charset="0"/>
+            </a:endParaRPr>
+          </a:p>
+          <a:p>
+            <a:pPr marL="0" indent="0">
+              <a:buNone/>
+            </a:pPr>
+            <a:endParaRPr lang="en-US" sz="1400" b="1" dirty="0">
+              <a:solidFill>
+                <a:schemeClr val="accent2"/>
+              </a:solidFill>
+              <a:latin typeface="Courier New" pitchFamily="49" charset="0"/>
+              <a:cs typeface="Courier New" pitchFamily="49" charset="0"/>
+            </a:endParaRPr>
+          </a:p>
+          <a:p>
+            <a:pPr marL="0" indent="0">
+              <a:buNone/>
+            </a:pPr>
+            <a:endParaRPr lang="en-US" sz="1400" b="1" dirty="0" smtClean="0">
+              <a:solidFill>
+                <a:schemeClr val="accent2"/>
+              </a:solidFill>
+              <a:latin typeface="Courier New" pitchFamily="49" charset="0"/>
+              <a:cs typeface="Courier New" pitchFamily="49" charset="0"/>
+            </a:endParaRPr>
+          </a:p>
+          <a:p>
+            <a:pPr marL="0" indent="0">
+              <a:buNone/>
+            </a:pPr>
+            <a:endParaRPr lang="en-US" sz="1400" b="1" dirty="0">
+              <a:solidFill>
+                <a:schemeClr val="accent2"/>
+              </a:solidFill>
+              <a:latin typeface="Courier New" pitchFamily="49" charset="0"/>
+              <a:cs typeface="Courier New" pitchFamily="49" charset="0"/>
+            </a:endParaRPr>
+          </a:p>
+          <a:p>
+            <a:pPr marL="0" indent="0">
+              <a:buNone/>
+            </a:pPr>
+            <a:endParaRPr lang="en-US" sz="1400" b="1" dirty="0" smtClean="0">
+              <a:solidFill>
+                <a:schemeClr val="accent2"/>
+              </a:solidFill>
+              <a:latin typeface="Courier New" pitchFamily="49" charset="0"/>
+              <a:cs typeface="Courier New" pitchFamily="49" charset="0"/>
+            </a:endParaRPr>
+          </a:p>
+          <a:p>
+            <a:pPr marL="0" indent="0">
+              <a:buNone/>
+            </a:pPr>
+            <a:endParaRPr lang="en-US" sz="1400" b="1" dirty="0">
+              <a:solidFill>
+                <a:schemeClr val="accent2"/>
+              </a:solidFill>
+              <a:latin typeface="Courier New" pitchFamily="49" charset="0"/>
+              <a:cs typeface="Courier New" pitchFamily="49" charset="0"/>
+            </a:endParaRPr>
+          </a:p>
+          <a:p>
+            <a:pPr marL="0" indent="0">
+              <a:buNone/>
+            </a:pPr>
+            <a:endParaRPr lang="en-US" sz="1400" b="1" dirty="0" smtClean="0">
+              <a:solidFill>
+                <a:schemeClr val="accent2"/>
+              </a:solidFill>
+              <a:latin typeface="Courier New" pitchFamily="49" charset="0"/>
+              <a:cs typeface="Courier New" pitchFamily="49" charset="0"/>
+            </a:endParaRPr>
+          </a:p>
+          <a:p>
+            <a:pPr marL="0" indent="0">
+              <a:buNone/>
+            </a:pPr>
+            <a:endParaRPr lang="en-US" sz="1400" b="1" dirty="0">
+              <a:solidFill>
+                <a:schemeClr val="accent2"/>
+              </a:solidFill>
+              <a:latin typeface="Courier New" pitchFamily="49" charset="0"/>
+              <a:cs typeface="Courier New" pitchFamily="49" charset="0"/>
+            </a:endParaRPr>
+          </a:p>
+        </p:txBody>
+      </p:sp>
+      <p:graphicFrame>
+        <p:nvGraphicFramePr>
+          <p:cNvPr id="5" name="Table 4"/>
+          <p:cNvGraphicFramePr>
+            <a:graphicFrameLocks noGrp="1"/>
+          </p:cNvGraphicFramePr>
+          <p:nvPr>
+            <p:extLst>
+              <p:ext uri="{D42A27DB-BD31-4B8C-83A1-F6EECF244321}">
+                <p14:modId xmlns:p14="http://schemas.microsoft.com/office/powerpoint/2010/main" val="3715414813"/>
+              </p:ext>
+            </p:extLst>
+          </p:nvPr>
+        </p:nvGraphicFramePr>
+        <p:xfrm>
+          <a:off x="4621528" y="2451394"/>
+          <a:ext cx="4104685" cy="2560320"/>
+        </p:xfrm>
+        <a:graphic>
+          <a:graphicData uri="http://schemas.openxmlformats.org/drawingml/2006/table">
+            <a:tbl>
+              <a:tblPr/>
+              <a:tblGrid>
+                <a:gridCol w="1798455"/>
+                <a:gridCol w="2306230"/>
+              </a:tblGrid>
+              <a:tr h="0">
+                <a:tc>
+                  <a:txBody>
+                    <a:bodyPr/>
+                    <a:lstStyle/>
+                    <a:p>
+                      <a:pPr algn="ctr"/>
+                      <a:r>
+                        <a:rPr lang="en-US" dirty="0">
+                          <a:solidFill>
+                            <a:schemeClr val="bg1"/>
+                          </a:solidFill>
+                        </a:rPr>
+                        <a:t>Operator</a:t>
+                      </a:r>
+                    </a:p>
+                  </a:txBody>
+                  <a:tcPr anchor="ctr">
+                    <a:lnL w="12700" cap="flat" cmpd="sng" algn="ctr">
+                      <a:solidFill>
+                        <a:schemeClr val="tx1"/>
+                      </a:solidFill>
+                      <a:prstDash val="solid"/>
+                      <a:round/>
+                      <a:headEnd type="none" w="med" len="med"/>
+                      <a:tailEnd type="none" w="med" len="med"/>
+                    </a:lnL>
+                    <a:lnR w="12700" cap="flat" cmpd="sng" algn="ctr">
+                      <a:solidFill>
+                        <a:schemeClr val="tx1"/>
+                      </a:solidFill>
+                      <a:prstDash val="solid"/>
+                      <a:round/>
+                      <a:headEnd type="none" w="med" len="med"/>
+                      <a:tailEnd type="none" w="med" len="med"/>
+                    </a:lnR>
+                    <a:lnT w="12700" cap="flat" cmpd="sng" algn="ctr">
+                      <a:solidFill>
+                        <a:schemeClr val="tx1"/>
+                      </a:solidFill>
+                      <a:prstDash val="solid"/>
+                      <a:round/>
+                      <a:headEnd type="none" w="med" len="med"/>
+                      <a:tailEnd type="none" w="med" len="med"/>
+                    </a:lnT>
+                    <a:lnB w="12700" cap="flat" cmpd="sng" algn="ctr">
+                      <a:solidFill>
+                        <a:schemeClr val="tx1"/>
+                      </a:solidFill>
+                      <a:prstDash val="solid"/>
+                      <a:round/>
+                      <a:headEnd type="none" w="med" len="med"/>
+                      <a:tailEnd type="none" w="med" len="med"/>
+                    </a:lnB>
+                    <a:solidFill>
+                      <a:schemeClr val="bg1">
+                        <a:lumMod val="65000"/>
+                      </a:schemeClr>
+                    </a:solidFill>
+                  </a:tcPr>
+                </a:tc>
+                <a:tc>
+                  <a:txBody>
+                    <a:bodyPr/>
+                    <a:lstStyle/>
+                    <a:p>
+                      <a:pPr algn="ctr"/>
+                      <a:r>
+                        <a:rPr lang="en-US" dirty="0">
+                          <a:solidFill>
+                            <a:schemeClr val="bg1"/>
+                          </a:solidFill>
+                        </a:rPr>
+                        <a:t>Description</a:t>
+                      </a:r>
+                    </a:p>
+                  </a:txBody>
+                  <a:tcPr anchor="ctr">
+                    <a:lnL w="12700" cap="flat" cmpd="sng" algn="ctr">
+                      <a:solidFill>
+                        <a:schemeClr val="tx1"/>
+                      </a:solidFill>
+                      <a:prstDash val="solid"/>
+                      <a:round/>
+                      <a:headEnd type="none" w="med" len="med"/>
+                      <a:tailEnd type="none" w="med" len="med"/>
+                    </a:lnL>
+                    <a:lnR w="12700" cap="flat" cmpd="sng" algn="ctr">
+                      <a:solidFill>
+                        <a:schemeClr val="tx1"/>
+                      </a:solidFill>
+                      <a:prstDash val="solid"/>
+                      <a:round/>
+                      <a:headEnd type="none" w="med" len="med"/>
+                      <a:tailEnd type="none" w="med" len="med"/>
+                    </a:lnR>
+                    <a:lnT w="12700" cap="flat" cmpd="sng" algn="ctr">
+                      <a:solidFill>
+                        <a:schemeClr val="tx1"/>
+                      </a:solidFill>
+                      <a:prstDash val="solid"/>
+                      <a:round/>
+                      <a:headEnd type="none" w="med" len="med"/>
+                      <a:tailEnd type="none" w="med" len="med"/>
+                    </a:lnT>
+                    <a:lnB w="12700" cap="flat" cmpd="sng" algn="ctr">
+                      <a:solidFill>
+                        <a:schemeClr val="tx1"/>
+                      </a:solidFill>
+                      <a:prstDash val="solid"/>
+                      <a:round/>
+                      <a:headEnd type="none" w="med" len="med"/>
+                      <a:tailEnd type="none" w="med" len="med"/>
+                    </a:lnB>
+                    <a:solidFill>
+                      <a:schemeClr val="bg1">
+                        <a:lumMod val="65000"/>
+                      </a:schemeClr>
+                    </a:solidFill>
+                  </a:tcPr>
+                </a:tc>
+              </a:tr>
+              <a:tr h="0">
+                <a:tc>
+                  <a:txBody>
+                    <a:bodyPr/>
+                    <a:lstStyle/>
+                    <a:p>
+                      <a:pPr algn="ctr"/>
+                      <a:r>
+                        <a:rPr lang="en-US"/>
+                        <a:t>&amp;</a:t>
+                      </a:r>
+                    </a:p>
+                  </a:txBody>
+                  <a:tcPr anchor="ctr">
+                    <a:lnL w="12700" cap="flat" cmpd="sng" algn="ctr">
+                      <a:solidFill>
+                        <a:schemeClr val="tx1"/>
+                      </a:solidFill>
+                      <a:prstDash val="solid"/>
+                      <a:round/>
+                      <a:headEnd type="none" w="med" len="med"/>
+                      <a:tailEnd type="none" w="med" len="med"/>
+                    </a:lnL>
+                    <a:lnR w="12700" cap="flat" cmpd="sng" algn="ctr">
+                      <a:solidFill>
+                        <a:schemeClr val="tx1"/>
+                      </a:solidFill>
+                      <a:prstDash val="solid"/>
+                      <a:round/>
+                      <a:headEnd type="none" w="med" len="med"/>
+                      <a:tailEnd type="none" w="med" len="med"/>
+                    </a:lnR>
+                    <a:lnT w="12700" cap="flat" cmpd="sng" algn="ctr">
+                      <a:solidFill>
+                        <a:schemeClr val="tx1"/>
+                      </a:solidFill>
+                      <a:prstDash val="solid"/>
+                      <a:round/>
+                      <a:headEnd type="none" w="med" len="med"/>
+                      <a:tailEnd type="none" w="med" len="med"/>
+                    </a:lnT>
+                    <a:lnB w="12700" cap="flat" cmpd="sng" algn="ctr">
+                      <a:solidFill>
+                        <a:schemeClr val="tx1"/>
+                      </a:solidFill>
+                      <a:prstDash val="solid"/>
+                      <a:round/>
+                      <a:headEnd type="none" w="med" len="med"/>
+                      <a:tailEnd type="none" w="med" len="med"/>
+                    </a:lnB>
+                  </a:tcPr>
+                </a:tc>
+                <a:tc>
+                  <a:txBody>
+                    <a:bodyPr/>
+                    <a:lstStyle/>
+                    <a:p>
+                      <a:pPr algn="ctr"/>
+                      <a:r>
+                        <a:rPr lang="en-US" dirty="0"/>
+                        <a:t>AND</a:t>
+                      </a:r>
+                    </a:p>
+                  </a:txBody>
+                  <a:tcPr anchor="ctr">
+                    <a:lnL w="12700" cap="flat" cmpd="sng" algn="ctr">
+                      <a:solidFill>
+                        <a:schemeClr val="tx1"/>
+                      </a:solidFill>
+                      <a:prstDash val="solid"/>
+                      <a:round/>
+                      <a:headEnd type="none" w="med" len="med"/>
+                      <a:tailEnd type="none" w="med" len="med"/>
+                    </a:lnL>
+                    <a:lnR w="12700" cap="flat" cmpd="sng" algn="ctr">
+                      <a:solidFill>
+                        <a:schemeClr val="tx1"/>
+                      </a:solidFill>
+                      <a:prstDash val="solid"/>
+                      <a:round/>
+                      <a:headEnd type="none" w="med" len="med"/>
+                      <a:tailEnd type="none" w="med" len="med"/>
+                    </a:lnR>
+                    <a:lnT w="12700" cap="flat" cmpd="sng" algn="ctr">
+                      <a:solidFill>
+                        <a:schemeClr val="tx1"/>
+                      </a:solidFill>
+                      <a:prstDash val="solid"/>
+                      <a:round/>
+                      <a:headEnd type="none" w="med" len="med"/>
+                      <a:tailEnd type="none" w="med" len="med"/>
+                    </a:lnT>
+                    <a:lnB w="12700" cap="flat" cmpd="sng" algn="ctr">
+                      <a:solidFill>
+                        <a:schemeClr val="tx1"/>
+                      </a:solidFill>
+                      <a:prstDash val="solid"/>
+                      <a:round/>
+                      <a:headEnd type="none" w="med" len="med"/>
+                      <a:tailEnd type="none" w="med" len="med"/>
+                    </a:lnB>
+                  </a:tcPr>
+                </a:tc>
+              </a:tr>
+              <a:tr h="0">
+                <a:tc>
+                  <a:txBody>
+                    <a:bodyPr/>
+                    <a:lstStyle/>
+                    <a:p>
+                      <a:pPr algn="ctr"/>
+                      <a:r>
+                        <a:rPr lang="en-US" dirty="0" smtClean="0"/>
+                        <a:t>|</a:t>
+                      </a:r>
+                    </a:p>
+                  </a:txBody>
+                  <a:tcPr anchor="ctr">
+                    <a:lnL w="12700" cap="flat" cmpd="sng" algn="ctr">
+                      <a:solidFill>
+                        <a:schemeClr val="tx1"/>
+                      </a:solidFill>
+                      <a:prstDash val="solid"/>
+                      <a:round/>
+                      <a:headEnd type="none" w="med" len="med"/>
+                      <a:tailEnd type="none" w="med" len="med"/>
+                    </a:lnL>
+                    <a:lnR w="12700" cap="flat" cmpd="sng" algn="ctr">
+                      <a:solidFill>
+                        <a:schemeClr val="tx1"/>
+                      </a:solidFill>
+                      <a:prstDash val="solid"/>
+                      <a:round/>
+                      <a:headEnd type="none" w="med" len="med"/>
+                      <a:tailEnd type="none" w="med" len="med"/>
+                    </a:lnR>
+                    <a:lnT w="12700" cap="flat" cmpd="sng" algn="ctr">
+                      <a:solidFill>
+                        <a:schemeClr val="tx1"/>
+                      </a:solidFill>
+                      <a:prstDash val="solid"/>
+                      <a:round/>
+                      <a:headEnd type="none" w="med" len="med"/>
+                      <a:tailEnd type="none" w="med" len="med"/>
+                    </a:lnT>
+                    <a:lnB w="12700" cap="flat" cmpd="sng" algn="ctr">
+                      <a:solidFill>
+                        <a:schemeClr val="tx1"/>
+                      </a:solidFill>
+                      <a:prstDash val="solid"/>
+                      <a:round/>
+                      <a:headEnd type="none" w="med" len="med"/>
+                      <a:tailEnd type="none" w="med" len="med"/>
+                    </a:lnB>
+                  </a:tcPr>
+                </a:tc>
+                <a:tc>
+                  <a:txBody>
+                    <a:bodyPr/>
+                    <a:lstStyle/>
+                    <a:p>
+                      <a:pPr algn="ctr"/>
+                      <a:r>
+                        <a:rPr lang="en-US" dirty="0" smtClean="0"/>
+                        <a:t>OR</a:t>
+                      </a:r>
+                      <a:endParaRPr lang="en-US" dirty="0"/>
+                    </a:p>
+                  </a:txBody>
+                  <a:tcPr anchor="ctr">
+                    <a:lnL w="12700" cap="flat" cmpd="sng" algn="ctr">
+                      <a:solidFill>
+                        <a:schemeClr val="tx1"/>
+                      </a:solidFill>
+                      <a:prstDash val="solid"/>
+                      <a:round/>
+                      <a:headEnd type="none" w="med" len="med"/>
+                      <a:tailEnd type="none" w="med" len="med"/>
+                    </a:lnL>
+                    <a:lnR w="12700" cap="flat" cmpd="sng" algn="ctr">
+                      <a:solidFill>
+                        <a:schemeClr val="tx1"/>
+                      </a:solidFill>
+                      <a:prstDash val="solid"/>
+                      <a:round/>
+                      <a:headEnd type="none" w="med" len="med"/>
+                      <a:tailEnd type="none" w="med" len="med"/>
+                    </a:lnR>
+                    <a:lnT w="12700" cap="flat" cmpd="sng" algn="ctr">
+                      <a:solidFill>
+                        <a:schemeClr val="tx1"/>
+                      </a:solidFill>
+                      <a:prstDash val="solid"/>
+                      <a:round/>
+                      <a:headEnd type="none" w="med" len="med"/>
+                      <a:tailEnd type="none" w="med" len="med"/>
+                    </a:lnT>
+                    <a:lnB w="12700" cap="flat" cmpd="sng" algn="ctr">
+                      <a:solidFill>
+                        <a:schemeClr val="tx1"/>
+                      </a:solidFill>
+                      <a:prstDash val="solid"/>
+                      <a:round/>
+                      <a:headEnd type="none" w="med" len="med"/>
+                      <a:tailEnd type="none" w="med" len="med"/>
+                    </a:lnB>
+                  </a:tcPr>
+                </a:tc>
+              </a:tr>
+              <a:tr h="0">
+                <a:tc>
+                  <a:txBody>
+                    <a:bodyPr/>
+                    <a:lstStyle/>
+                    <a:p>
+                      <a:pPr algn="ctr"/>
+                      <a:r>
+                        <a:rPr lang="en-US"/>
+                        <a:t>^</a:t>
+                      </a:r>
+                    </a:p>
+                  </a:txBody>
+                  <a:tcPr anchor="ctr">
+                    <a:lnL w="12700" cap="flat" cmpd="sng" algn="ctr">
+                      <a:solidFill>
+                        <a:schemeClr val="tx1"/>
+                      </a:solidFill>
+                      <a:prstDash val="solid"/>
+                      <a:round/>
+                      <a:headEnd type="none" w="med" len="med"/>
+                      <a:tailEnd type="none" w="med" len="med"/>
+                    </a:lnL>
+                    <a:lnR w="12700" cap="flat" cmpd="sng" algn="ctr">
+                      <a:solidFill>
+                        <a:schemeClr val="tx1"/>
+                      </a:solidFill>
+                      <a:prstDash val="solid"/>
+                      <a:round/>
+                      <a:headEnd type="none" w="med" len="med"/>
+                      <a:tailEnd type="none" w="med" len="med"/>
+                    </a:lnR>
+                    <a:lnT w="12700" cap="flat" cmpd="sng" algn="ctr">
+                      <a:solidFill>
+                        <a:schemeClr val="tx1"/>
+                      </a:solidFill>
+                      <a:prstDash val="solid"/>
+                      <a:round/>
+                      <a:headEnd type="none" w="med" len="med"/>
+                      <a:tailEnd type="none" w="med" len="med"/>
+                    </a:lnT>
+                    <a:lnB w="12700" cap="flat" cmpd="sng" algn="ctr">
+                      <a:solidFill>
+                        <a:schemeClr val="tx1"/>
+                      </a:solidFill>
+                      <a:prstDash val="solid"/>
+                      <a:round/>
+                      <a:headEnd type="none" w="med" len="med"/>
+                      <a:tailEnd type="none" w="med" len="med"/>
+                    </a:lnB>
+                  </a:tcPr>
+                </a:tc>
+                <a:tc>
+                  <a:txBody>
+                    <a:bodyPr/>
+                    <a:lstStyle/>
+                    <a:p>
+                      <a:pPr algn="ctr"/>
+                      <a:r>
+                        <a:rPr lang="en-US"/>
+                        <a:t>XOR</a:t>
+                      </a:r>
+                    </a:p>
+                  </a:txBody>
+                  <a:tcPr anchor="ctr">
+                    <a:lnL w="12700" cap="flat" cmpd="sng" algn="ctr">
+                      <a:solidFill>
+                        <a:schemeClr val="tx1"/>
+                      </a:solidFill>
+                      <a:prstDash val="solid"/>
+                      <a:round/>
+                      <a:headEnd type="none" w="med" len="med"/>
+                      <a:tailEnd type="none" w="med" len="med"/>
+                    </a:lnL>
+                    <a:lnR w="12700" cap="flat" cmpd="sng" algn="ctr">
+                      <a:solidFill>
+                        <a:schemeClr val="tx1"/>
+                      </a:solidFill>
+                      <a:prstDash val="solid"/>
+                      <a:round/>
+                      <a:headEnd type="none" w="med" len="med"/>
+                      <a:tailEnd type="none" w="med" len="med"/>
+                    </a:lnR>
+                    <a:lnT w="12700" cap="flat" cmpd="sng" algn="ctr">
+                      <a:solidFill>
+                        <a:schemeClr val="tx1"/>
+                      </a:solidFill>
+                      <a:prstDash val="solid"/>
+                      <a:round/>
+                      <a:headEnd type="none" w="med" len="med"/>
+                      <a:tailEnd type="none" w="med" len="med"/>
+                    </a:lnT>
+                    <a:lnB w="12700" cap="flat" cmpd="sng" algn="ctr">
+                      <a:solidFill>
+                        <a:schemeClr val="tx1"/>
+                      </a:solidFill>
+                      <a:prstDash val="solid"/>
+                      <a:round/>
+                      <a:headEnd type="none" w="med" len="med"/>
+                      <a:tailEnd type="none" w="med" len="med"/>
+                    </a:lnB>
+                  </a:tcPr>
+                </a:tc>
+              </a:tr>
+              <a:tr h="0">
+                <a:tc>
+                  <a:txBody>
+                    <a:bodyPr/>
+                    <a:lstStyle/>
+                    <a:p>
+                      <a:pPr algn="ctr"/>
+                      <a:r>
+                        <a:rPr lang="en-US"/>
+                        <a:t>~</a:t>
+                      </a:r>
+                    </a:p>
+                  </a:txBody>
+                  <a:tcPr anchor="ctr">
+                    <a:lnL w="12700" cap="flat" cmpd="sng" algn="ctr">
+                      <a:solidFill>
+                        <a:schemeClr val="tx1"/>
+                      </a:solidFill>
+                      <a:prstDash val="solid"/>
+                      <a:round/>
+                      <a:headEnd type="none" w="med" len="med"/>
+                      <a:tailEnd type="none" w="med" len="med"/>
+                    </a:lnL>
+                    <a:lnR w="12700" cap="flat" cmpd="sng" algn="ctr">
+                      <a:solidFill>
+                        <a:schemeClr val="tx1"/>
+                      </a:solidFill>
+                      <a:prstDash val="solid"/>
+                      <a:round/>
+                      <a:headEnd type="none" w="med" len="med"/>
+                      <a:tailEnd type="none" w="med" len="med"/>
+                    </a:lnR>
+                    <a:lnT w="12700" cap="flat" cmpd="sng" algn="ctr">
+                      <a:solidFill>
+                        <a:schemeClr val="tx1"/>
+                      </a:solidFill>
+                      <a:prstDash val="solid"/>
+                      <a:round/>
+                      <a:headEnd type="none" w="med" len="med"/>
+                      <a:tailEnd type="none" w="med" len="med"/>
+                    </a:lnT>
+                    <a:lnB w="12700" cap="flat" cmpd="sng" algn="ctr">
+                      <a:solidFill>
+                        <a:schemeClr val="tx1"/>
+                      </a:solidFill>
+                      <a:prstDash val="solid"/>
+                      <a:round/>
+                      <a:headEnd type="none" w="med" len="med"/>
+                      <a:tailEnd type="none" w="med" len="med"/>
+                    </a:lnB>
+                  </a:tcPr>
+                </a:tc>
+                <a:tc>
+                  <a:txBody>
+                    <a:bodyPr/>
+                    <a:lstStyle/>
+                    <a:p>
+                      <a:pPr algn="ctr"/>
+                      <a:r>
+                        <a:rPr lang="en-US" dirty="0"/>
+                        <a:t>One's Complement</a:t>
+                      </a:r>
+                    </a:p>
+                  </a:txBody>
+                  <a:tcPr anchor="ctr">
+                    <a:lnL w="12700" cap="flat" cmpd="sng" algn="ctr">
+                      <a:solidFill>
+                        <a:schemeClr val="tx1"/>
+                      </a:solidFill>
+                      <a:prstDash val="solid"/>
+                      <a:round/>
+                      <a:headEnd type="none" w="med" len="med"/>
+                      <a:tailEnd type="none" w="med" len="med"/>
+                    </a:lnL>
+                    <a:lnR w="12700" cap="flat" cmpd="sng" algn="ctr">
+                      <a:solidFill>
+                        <a:schemeClr val="tx1"/>
+                      </a:solidFill>
+                      <a:prstDash val="solid"/>
+                      <a:round/>
+                      <a:headEnd type="none" w="med" len="med"/>
+                      <a:tailEnd type="none" w="med" len="med"/>
+                    </a:lnR>
+                    <a:lnT w="12700" cap="flat" cmpd="sng" algn="ctr">
+                      <a:solidFill>
+                        <a:schemeClr val="tx1"/>
+                      </a:solidFill>
+                      <a:prstDash val="solid"/>
+                      <a:round/>
+                      <a:headEnd type="none" w="med" len="med"/>
+                      <a:tailEnd type="none" w="med" len="med"/>
+                    </a:lnT>
+                    <a:lnB w="12700" cap="flat" cmpd="sng" algn="ctr">
+                      <a:solidFill>
+                        <a:schemeClr val="tx1"/>
+                      </a:solidFill>
+                      <a:prstDash val="solid"/>
+                      <a:round/>
+                      <a:headEnd type="none" w="med" len="med"/>
+                      <a:tailEnd type="none" w="med" len="med"/>
+                    </a:lnB>
+                  </a:tcPr>
+                </a:tc>
+              </a:tr>
+              <a:tr h="0">
+                <a:tc>
+                  <a:txBody>
+                    <a:bodyPr/>
+                    <a:lstStyle/>
+                    <a:p>
+                      <a:pPr algn="ctr"/>
+                      <a:r>
+                        <a:rPr lang="en-US"/>
+                        <a:t>&gt;&gt;</a:t>
+                      </a:r>
+                    </a:p>
+                  </a:txBody>
+                  <a:tcPr anchor="ctr">
+                    <a:lnL w="12700" cap="flat" cmpd="sng" algn="ctr">
+                      <a:solidFill>
+                        <a:schemeClr val="tx1"/>
+                      </a:solidFill>
+                      <a:prstDash val="solid"/>
+                      <a:round/>
+                      <a:headEnd type="none" w="med" len="med"/>
+                      <a:tailEnd type="none" w="med" len="med"/>
+                    </a:lnL>
+                    <a:lnR w="12700" cap="flat" cmpd="sng" algn="ctr">
+                      <a:solidFill>
+                        <a:schemeClr val="tx1"/>
+                      </a:solidFill>
+                      <a:prstDash val="solid"/>
+                      <a:round/>
+                      <a:headEnd type="none" w="med" len="med"/>
+                      <a:tailEnd type="none" w="med" len="med"/>
+                    </a:lnR>
+                    <a:lnT w="12700" cap="flat" cmpd="sng" algn="ctr">
+                      <a:solidFill>
+                        <a:schemeClr val="tx1"/>
+                      </a:solidFill>
+                      <a:prstDash val="solid"/>
+                      <a:round/>
+                      <a:headEnd type="none" w="med" len="med"/>
+                      <a:tailEnd type="none" w="med" len="med"/>
+                    </a:lnT>
+                    <a:lnB w="12700" cap="flat" cmpd="sng" algn="ctr">
+                      <a:solidFill>
+                        <a:schemeClr val="tx1"/>
+                      </a:solidFill>
+                      <a:prstDash val="solid"/>
+                      <a:round/>
+                      <a:headEnd type="none" w="med" len="med"/>
+                      <a:tailEnd type="none" w="med" len="med"/>
+                    </a:lnB>
+                  </a:tcPr>
+                </a:tc>
+                <a:tc>
+                  <a:txBody>
+                    <a:bodyPr/>
+                    <a:lstStyle/>
+                    <a:p>
+                      <a:pPr algn="ctr"/>
+                      <a:r>
+                        <a:rPr lang="en-US" dirty="0"/>
+                        <a:t>Bit-shift right</a:t>
+                      </a:r>
+                    </a:p>
+                  </a:txBody>
+                  <a:tcPr anchor="ctr">
+                    <a:lnL w="12700" cap="flat" cmpd="sng" algn="ctr">
+                      <a:solidFill>
+                        <a:schemeClr val="tx1"/>
+                      </a:solidFill>
+                      <a:prstDash val="solid"/>
+                      <a:round/>
+                      <a:headEnd type="none" w="med" len="med"/>
+                      <a:tailEnd type="none" w="med" len="med"/>
+                    </a:lnL>
+                    <a:lnR w="12700" cap="flat" cmpd="sng" algn="ctr">
+                      <a:solidFill>
+                        <a:schemeClr val="tx1"/>
+                      </a:solidFill>
+                      <a:prstDash val="solid"/>
+                      <a:round/>
+                      <a:headEnd type="none" w="med" len="med"/>
+                      <a:tailEnd type="none" w="med" len="med"/>
+                    </a:lnR>
+                    <a:lnT w="12700" cap="flat" cmpd="sng" algn="ctr">
+                      <a:solidFill>
+                        <a:schemeClr val="tx1"/>
+                      </a:solidFill>
+                      <a:prstDash val="solid"/>
+                      <a:round/>
+                      <a:headEnd type="none" w="med" len="med"/>
+                      <a:tailEnd type="none" w="med" len="med"/>
+                    </a:lnT>
+                    <a:lnB w="12700" cap="flat" cmpd="sng" algn="ctr">
+                      <a:solidFill>
+                        <a:schemeClr val="tx1"/>
+                      </a:solidFill>
+                      <a:prstDash val="solid"/>
+                      <a:round/>
+                      <a:headEnd type="none" w="med" len="med"/>
+                      <a:tailEnd type="none" w="med" len="med"/>
+                    </a:lnB>
+                  </a:tcPr>
+                </a:tc>
+              </a:tr>
+              <a:tr h="0">
+                <a:tc>
+                  <a:txBody>
+                    <a:bodyPr/>
+                    <a:lstStyle/>
+                    <a:p>
+                      <a:pPr algn="ctr"/>
+                      <a:r>
+                        <a:rPr lang="en-US"/>
+                        <a:t>&lt;&lt;</a:t>
+                      </a:r>
+                    </a:p>
+                  </a:txBody>
+                  <a:tcPr anchor="ctr">
+                    <a:lnL w="12700" cap="flat" cmpd="sng" algn="ctr">
+                      <a:solidFill>
+                        <a:schemeClr val="tx1"/>
+                      </a:solidFill>
+                      <a:prstDash val="solid"/>
+                      <a:round/>
+                      <a:headEnd type="none" w="med" len="med"/>
+                      <a:tailEnd type="none" w="med" len="med"/>
+                    </a:lnL>
+                    <a:lnR w="12700" cap="flat" cmpd="sng" algn="ctr">
+                      <a:solidFill>
+                        <a:schemeClr val="tx1"/>
+                      </a:solidFill>
+                      <a:prstDash val="solid"/>
+                      <a:round/>
+                      <a:headEnd type="none" w="med" len="med"/>
+                      <a:tailEnd type="none" w="med" len="med"/>
+                    </a:lnR>
+                    <a:lnT w="12700" cap="flat" cmpd="sng" algn="ctr">
+                      <a:solidFill>
+                        <a:schemeClr val="tx1"/>
+                      </a:solidFill>
+                      <a:prstDash val="solid"/>
+                      <a:round/>
+                      <a:headEnd type="none" w="med" len="med"/>
+                      <a:tailEnd type="none" w="med" len="med"/>
+                    </a:lnT>
+                    <a:lnB w="12700" cap="flat" cmpd="sng" algn="ctr">
+                      <a:solidFill>
+                        <a:schemeClr val="tx1"/>
+                      </a:solidFill>
+                      <a:prstDash val="solid"/>
+                      <a:round/>
+                      <a:headEnd type="none" w="med" len="med"/>
+                      <a:tailEnd type="none" w="med" len="med"/>
+                    </a:lnB>
+                  </a:tcPr>
+                </a:tc>
+                <a:tc>
+                  <a:txBody>
+                    <a:bodyPr/>
+                    <a:lstStyle/>
+                    <a:p>
+                      <a:pPr algn="ctr"/>
+                      <a:r>
+                        <a:rPr lang="en-US" dirty="0"/>
+                        <a:t>Bit-shift left</a:t>
+                      </a:r>
+                    </a:p>
+                  </a:txBody>
+                  <a:tcPr anchor="ctr">
+                    <a:lnL w="12700" cap="flat" cmpd="sng" algn="ctr">
+                      <a:solidFill>
+                        <a:schemeClr val="tx1"/>
+                      </a:solidFill>
+                      <a:prstDash val="solid"/>
+                      <a:round/>
+                      <a:headEnd type="none" w="med" len="med"/>
+                      <a:tailEnd type="none" w="med" len="med"/>
+                    </a:lnL>
+                    <a:lnR w="12700" cap="flat" cmpd="sng" algn="ctr">
+                      <a:solidFill>
+                        <a:schemeClr val="tx1"/>
+                      </a:solidFill>
+                      <a:prstDash val="solid"/>
+                      <a:round/>
+                      <a:headEnd type="none" w="med" len="med"/>
+                      <a:tailEnd type="none" w="med" len="med"/>
+                    </a:lnR>
+                    <a:lnT w="12700" cap="flat" cmpd="sng" algn="ctr">
+                      <a:solidFill>
+                        <a:schemeClr val="tx1"/>
+                      </a:solidFill>
+                      <a:prstDash val="solid"/>
+                      <a:round/>
+                      <a:headEnd type="none" w="med" len="med"/>
+                      <a:tailEnd type="none" w="med" len="med"/>
+                    </a:lnT>
+                    <a:lnB w="12700" cap="flat" cmpd="sng" algn="ctr">
+                      <a:solidFill>
+                        <a:schemeClr val="tx1"/>
+                      </a:solidFill>
+                      <a:prstDash val="solid"/>
+                      <a:round/>
+                      <a:headEnd type="none" w="med" len="med"/>
+                      <a:tailEnd type="none" w="med" len="med"/>
+                    </a:lnB>
+                  </a:tcPr>
+                </a:tc>
+              </a:tr>
+            </a:tbl>
+          </a:graphicData>
+        </a:graphic>
+      </p:graphicFrame>
+      <p:sp>
+        <p:nvSpPr>
+          <p:cNvPr id="4" name="TextBox 3"/>
+          <p:cNvSpPr txBox="1"/>
+          <p:nvPr/>
+        </p:nvSpPr>
+        <p:spPr>
+          <a:xfrm>
+            <a:off x="1237593" y="3920741"/>
+            <a:ext cx="2143536" cy="1323439"/>
+          </a:xfrm>
+          <a:prstGeom prst="rect">
+            <a:avLst/>
+          </a:prstGeom>
+          <a:noFill/>
+        </p:spPr>
+        <p:txBody>
+          <a:bodyPr wrap="none" rtlCol="0">
+            <a:spAutoFit/>
+          </a:bodyPr>
+          <a:lstStyle/>
+          <a:p>
+            <a:r>
+              <a:rPr lang="en-US" sz="2000" dirty="0" smtClean="0"/>
+              <a:t>Remember:</a:t>
+            </a:r>
+          </a:p>
+          <a:p>
+            <a:r>
+              <a:rPr lang="en-US" sz="2000" dirty="0"/>
+              <a:t> </a:t>
+            </a:r>
+            <a:r>
+              <a:rPr lang="en-US" sz="2000" dirty="0" smtClean="0"/>
+              <a:t>   BIT2: 00000100</a:t>
+            </a:r>
+          </a:p>
+          <a:p>
+            <a:r>
+              <a:rPr lang="en-US" sz="2000" dirty="0" smtClean="0"/>
+              <a:t>  ~BIT2: 11111011</a:t>
+            </a:r>
+          </a:p>
+        </p:txBody>
+      </p:sp>
+    </p:spTree>
+    <p:extLst>
+      <p:ext uri="{BB962C8B-B14F-4D97-AF65-F5344CB8AC3E}">
+        <p14:creationId xmlns:p14="http://schemas.microsoft.com/office/powerpoint/2010/main" val="809555275"/>
+      </p:ext>
+    </p:extLst>
+  </p:cSld>
+  <p:clrMapOvr>
+    <a:masterClrMapping/>
+  </p:clrMapOvr>
+  <p:timing>
+    <p:tnLst>
+      <p:par>
+        <p:cTn id="1" dur="indefinite" restart="never" nodeType="tmRoot"/>
+      </p:par>
+    </p:tnLst>
+  </p:timing>
+</p:sld>
+</file>
+
+<file path=ppt/slides/slide18.xml><?xml version="1.0" encoding="utf-8"?>
+<p:sld xmlns:a="http://schemas.openxmlformats.org/drawingml/2006/main" xmlns:r="http://schemas.openxmlformats.org/officeDocument/2006/relationships" xmlns:p="http://schemas.openxmlformats.org/presentationml/2006/main">
+  <p:cSld>
+    <p:spTree>
+      <p:nvGrpSpPr>
+        <p:cNvPr id="1" name=""/>
+        <p:cNvGrpSpPr/>
+        <p:nvPr/>
+      </p:nvGrpSpPr>
+      <p:grpSpPr>
+        <a:xfrm>
+          <a:off x="0" y="0"/>
+          <a:ext cx="0" cy="0"/>
+          <a:chOff x="0" y="0"/>
+          <a:chExt cx="0" cy="0"/>
+        </a:xfrm>
+      </p:grpSpPr>
+      <p:sp>
+        <p:nvSpPr>
+          <p:cNvPr id="2" name="Title 1"/>
+          <p:cNvSpPr>
+            <a:spLocks noGrp="1"/>
+          </p:cNvSpPr>
+          <p:nvPr>
+            <p:ph type="title"/>
+          </p:nvPr>
+        </p:nvSpPr>
+        <p:spPr/>
+        <p:txBody>
+          <a:bodyPr/>
+          <a:lstStyle/>
+          <a:p>
+            <a:r>
               <a:rPr lang="en-US" dirty="0" smtClean="0"/>
               <a:t>BIS and BIC in C</a:t>
             </a:r>
@@ -12429,7 +12507,7 @@
         <p:spPr>
           <a:xfrm>
             <a:off x="1400952" y="3119227"/>
-            <a:ext cx="2595582" cy="3170099"/>
+            <a:ext cx="2604496" cy="3170099"/>
           </a:xfrm>
           <a:prstGeom prst="rect">
             <a:avLst/>
@@ -12454,7 +12532,7 @@
           <a:p>
             <a:r>
               <a:rPr lang="en-US" sz="2000" dirty="0" smtClean="0"/>
-              <a:t>BIT2: 00000100</a:t>
+              <a:t>  BIT2: 00000100</a:t>
             </a:r>
           </a:p>
           <a:p>
@@ -12479,12 +12557,9 @@
             </a:r>
             <a:r>
               <a:rPr lang="en-US" sz="2000" dirty="0" smtClean="0"/>
-              <a:t>                     </a:t>
-            </a:r>
-            <a:r>
-              <a:rPr lang="en-US" sz="2000" dirty="0"/>
-              <a:t>11111011</a:t>
-            </a:r>
+              <a:t>           AND  11111011</a:t>
+            </a:r>
+            <a:endParaRPr lang="en-US" sz="2000" dirty="0"/>
           </a:p>
           <a:p>
             <a:r>
@@ -12666,7 +12741,7 @@
         </p:nvCxnSpPr>
         <p:spPr bwMode="auto">
           <a:xfrm flipV="1">
-            <a:off x="2306091" y="5856888"/>
+            <a:off x="2038077" y="5856888"/>
             <a:ext cx="2067514" cy="7883"/>
           </a:xfrm>
           <a:prstGeom prst="line">
@@ -12696,7 +12771,7 @@
         <p:spPr>
           <a:xfrm>
             <a:off x="5239426" y="3119227"/>
-            <a:ext cx="2345770" cy="1785104"/>
+            <a:ext cx="2401619" cy="1785104"/>
           </a:xfrm>
           <a:prstGeom prst="rect">
             <a:avLst/>
@@ -12731,7 +12806,7 @@
             </a:r>
             <a:r>
               <a:rPr lang="en-US" sz="2000" dirty="0" smtClean="0"/>
-              <a:t>                00000010</a:t>
+              <a:t>       OR    00000010</a:t>
             </a:r>
             <a:endParaRPr lang="en-US" sz="2000" dirty="0"/>
           </a:p>
@@ -12827,502 +12902,6 @@
 </p:sld>
 </file>
 
-<file path=ppt/slides/slide18.xml><?xml version="1.0" encoding="utf-8"?>
-<p:sld xmlns:a="http://schemas.openxmlformats.org/drawingml/2006/main" xmlns:r="http://schemas.openxmlformats.org/officeDocument/2006/relationships" xmlns:p="http://schemas.openxmlformats.org/presentationml/2006/main">
-  <p:cSld>
-    <p:spTree>
-      <p:nvGrpSpPr>
-        <p:cNvPr id="1" name=""/>
-        <p:cNvGrpSpPr/>
-        <p:nvPr/>
-      </p:nvGrpSpPr>
-      <p:grpSpPr>
-        <a:xfrm>
-          <a:off x="0" y="0"/>
-          <a:ext cx="0" cy="0"/>
-          <a:chOff x="0" y="0"/>
-          <a:chExt cx="0" cy="0"/>
-        </a:xfrm>
-      </p:grpSpPr>
-      <p:sp>
-        <p:nvSpPr>
-          <p:cNvPr id="2" name="Title 1"/>
-          <p:cNvSpPr>
-            <a:spLocks noGrp="1"/>
-          </p:cNvSpPr>
-          <p:nvPr>
-            <p:ph type="title"/>
-          </p:nvPr>
-        </p:nvSpPr>
-        <p:spPr/>
-        <p:txBody>
-          <a:bodyPr/>
-          <a:lstStyle/>
-          <a:p>
-            <a:r>
-              <a:rPr lang="en-US" b="1" dirty="0" smtClean="0"/>
-              <a:t>If Statement</a:t>
-            </a:r>
-            <a:endParaRPr lang="en-US" dirty="0"/>
-          </a:p>
-        </p:txBody>
-      </p:sp>
-      <p:sp>
-        <p:nvSpPr>
-          <p:cNvPr id="3" name="Content Placeholder 2"/>
-          <p:cNvSpPr>
-            <a:spLocks noGrp="1"/>
-          </p:cNvSpPr>
-          <p:nvPr>
-            <p:ph idx="1"/>
-          </p:nvPr>
-        </p:nvSpPr>
-        <p:spPr>
-          <a:xfrm>
-            <a:off x="385487" y="1543594"/>
-            <a:ext cx="8868871" cy="5035231"/>
-          </a:xfrm>
-        </p:spPr>
-        <p:txBody>
-          <a:bodyPr>
-            <a:normAutofit lnSpcReduction="10000"/>
-          </a:bodyPr>
-          <a:lstStyle/>
-          <a:p>
-            <a:pPr marL="400050" lvl="1" indent="0">
-              <a:buNone/>
-            </a:pPr>
-            <a:r>
-              <a:rPr lang="en-US" sz="1400" b="1" dirty="0">
-                <a:solidFill>
-                  <a:srgbClr val="00B050"/>
-                </a:solidFill>
-                <a:latin typeface="Courier New" pitchFamily="49" charset="0"/>
-                <a:cs typeface="Courier New" pitchFamily="49" charset="0"/>
-              </a:rPr>
-              <a:t>if (logical expression</a:t>
-            </a:r>
-            <a:r>
-              <a:rPr lang="en-US" sz="1400" b="1" dirty="0" smtClean="0">
-                <a:solidFill>
-                  <a:srgbClr val="00B050"/>
-                </a:solidFill>
-                <a:latin typeface="Courier New" pitchFamily="49" charset="0"/>
-                <a:cs typeface="Courier New" pitchFamily="49" charset="0"/>
-              </a:rPr>
-              <a:t>){</a:t>
-            </a:r>
-            <a:endParaRPr lang="en-US" sz="1400" b="1" dirty="0">
-              <a:solidFill>
-                <a:srgbClr val="00B050"/>
-              </a:solidFill>
-              <a:latin typeface="Courier New" pitchFamily="49" charset="0"/>
-              <a:cs typeface="Courier New" pitchFamily="49" charset="0"/>
-            </a:endParaRPr>
-          </a:p>
-          <a:p>
-            <a:pPr marL="400050" lvl="1" indent="0">
-              <a:buNone/>
-            </a:pPr>
-            <a:r>
-              <a:rPr lang="en-US" sz="1400" b="1" dirty="0">
-                <a:solidFill>
-                  <a:srgbClr val="00B050"/>
-                </a:solidFill>
-                <a:latin typeface="Courier New" pitchFamily="49" charset="0"/>
-                <a:cs typeface="Courier New" pitchFamily="49" charset="0"/>
-              </a:rPr>
-              <a:t>    statements;</a:t>
-            </a:r>
-          </a:p>
-          <a:p>
-            <a:pPr marL="400050" lvl="1" indent="0">
-              <a:buNone/>
-            </a:pPr>
-            <a:r>
-              <a:rPr lang="en-US" sz="1400" b="1" dirty="0">
-                <a:solidFill>
-                  <a:srgbClr val="00B050"/>
-                </a:solidFill>
-                <a:latin typeface="Courier New" pitchFamily="49" charset="0"/>
-                <a:cs typeface="Courier New" pitchFamily="49" charset="0"/>
-              </a:rPr>
-              <a:t>} </a:t>
-            </a:r>
-            <a:endParaRPr lang="en-US" sz="1400" b="1" dirty="0" smtClean="0">
-              <a:solidFill>
-                <a:srgbClr val="00B050"/>
-              </a:solidFill>
-              <a:latin typeface="Courier New" pitchFamily="49" charset="0"/>
-              <a:cs typeface="Courier New" pitchFamily="49" charset="0"/>
-            </a:endParaRPr>
-          </a:p>
-          <a:p>
-            <a:pPr marL="400050" lvl="1" indent="0">
-              <a:buNone/>
-            </a:pPr>
-            <a:r>
-              <a:rPr lang="en-US" sz="1400" b="1" dirty="0" smtClean="0">
-                <a:solidFill>
-                  <a:srgbClr val="00B050"/>
-                </a:solidFill>
-                <a:latin typeface="Courier New" pitchFamily="49" charset="0"/>
-                <a:cs typeface="Courier New" pitchFamily="49" charset="0"/>
-              </a:rPr>
-              <a:t>else </a:t>
-            </a:r>
-            <a:r>
-              <a:rPr lang="en-US" sz="1400" b="1" dirty="0">
-                <a:solidFill>
-                  <a:srgbClr val="00B050"/>
-                </a:solidFill>
-                <a:latin typeface="Courier New" pitchFamily="49" charset="0"/>
-                <a:cs typeface="Courier New" pitchFamily="49" charset="0"/>
-              </a:rPr>
-              <a:t>if (logical expression</a:t>
-            </a:r>
-            <a:r>
-              <a:rPr lang="en-US" sz="1400" b="1" dirty="0" smtClean="0">
-                <a:solidFill>
-                  <a:srgbClr val="00B050"/>
-                </a:solidFill>
-                <a:latin typeface="Courier New" pitchFamily="49" charset="0"/>
-                <a:cs typeface="Courier New" pitchFamily="49" charset="0"/>
-              </a:rPr>
-              <a:t>){</a:t>
-            </a:r>
-            <a:endParaRPr lang="en-US" sz="1400" b="1" dirty="0">
-              <a:solidFill>
-                <a:srgbClr val="00B050"/>
-              </a:solidFill>
-              <a:latin typeface="Courier New" pitchFamily="49" charset="0"/>
-              <a:cs typeface="Courier New" pitchFamily="49" charset="0"/>
-            </a:endParaRPr>
-          </a:p>
-          <a:p>
-            <a:pPr marL="400050" lvl="1" indent="0">
-              <a:buNone/>
-            </a:pPr>
-            <a:r>
-              <a:rPr lang="en-US" sz="1400" b="1" dirty="0">
-                <a:solidFill>
-                  <a:srgbClr val="00B050"/>
-                </a:solidFill>
-                <a:latin typeface="Courier New" pitchFamily="49" charset="0"/>
-                <a:cs typeface="Courier New" pitchFamily="49" charset="0"/>
-              </a:rPr>
-              <a:t>    statements;</a:t>
-            </a:r>
-          </a:p>
-          <a:p>
-            <a:pPr marL="400050" lvl="1" indent="0">
-              <a:buNone/>
-            </a:pPr>
-            <a:r>
-              <a:rPr lang="en-US" sz="1400" b="1" dirty="0">
-                <a:solidFill>
-                  <a:srgbClr val="00B050"/>
-                </a:solidFill>
-                <a:latin typeface="Courier New" pitchFamily="49" charset="0"/>
-                <a:cs typeface="Courier New" pitchFamily="49" charset="0"/>
-              </a:rPr>
-              <a:t>}</a:t>
-            </a:r>
-          </a:p>
-          <a:p>
-            <a:pPr marL="400050" lvl="1" indent="0">
-              <a:buNone/>
-            </a:pPr>
-            <a:r>
-              <a:rPr lang="en-US" sz="1400" b="1" dirty="0">
-                <a:solidFill>
-                  <a:srgbClr val="00B050"/>
-                </a:solidFill>
-                <a:latin typeface="Courier New" pitchFamily="49" charset="0"/>
-                <a:cs typeface="Courier New" pitchFamily="49" charset="0"/>
-              </a:rPr>
-              <a:t>...</a:t>
-            </a:r>
-          </a:p>
-          <a:p>
-            <a:pPr marL="400050" lvl="1" indent="0">
-              <a:buNone/>
-            </a:pPr>
-            <a:r>
-              <a:rPr lang="en-US" sz="1400" b="1" dirty="0" smtClean="0">
-                <a:solidFill>
-                  <a:srgbClr val="00B050"/>
-                </a:solidFill>
-                <a:latin typeface="Courier New" pitchFamily="49" charset="0"/>
-                <a:cs typeface="Courier New" pitchFamily="49" charset="0"/>
-              </a:rPr>
-              <a:t>else{</a:t>
-            </a:r>
-            <a:endParaRPr lang="en-US" sz="1400" b="1" dirty="0">
-              <a:solidFill>
-                <a:srgbClr val="00B050"/>
-              </a:solidFill>
-              <a:latin typeface="Courier New" pitchFamily="49" charset="0"/>
-              <a:cs typeface="Courier New" pitchFamily="49" charset="0"/>
-            </a:endParaRPr>
-          </a:p>
-          <a:p>
-            <a:pPr marL="400050" lvl="1" indent="0">
-              <a:buNone/>
-            </a:pPr>
-            <a:r>
-              <a:rPr lang="en-US" sz="1400" b="1" dirty="0">
-                <a:solidFill>
-                  <a:srgbClr val="00B050"/>
-                </a:solidFill>
-                <a:latin typeface="Courier New" pitchFamily="49" charset="0"/>
-                <a:cs typeface="Courier New" pitchFamily="49" charset="0"/>
-              </a:rPr>
-              <a:t>    statements;</a:t>
-            </a:r>
-          </a:p>
-          <a:p>
-            <a:pPr marL="400050" lvl="1" indent="0">
-              <a:buNone/>
-            </a:pPr>
-            <a:r>
-              <a:rPr lang="en-US" sz="1400" b="1" dirty="0" smtClean="0">
-                <a:solidFill>
-                  <a:srgbClr val="00B050"/>
-                </a:solidFill>
-                <a:latin typeface="Courier New" pitchFamily="49" charset="0"/>
-                <a:cs typeface="Courier New" pitchFamily="49" charset="0"/>
-              </a:rPr>
-              <a:t>}</a:t>
-            </a:r>
-          </a:p>
-          <a:p>
-            <a:pPr marL="0" indent="0">
-              <a:buNone/>
-            </a:pPr>
-            <a:r>
-              <a:rPr lang="en-US" sz="1400" b="1" dirty="0" smtClean="0">
-                <a:latin typeface="Courier New" pitchFamily="49" charset="0"/>
-                <a:cs typeface="Courier New" pitchFamily="49" charset="0"/>
-              </a:rPr>
-              <a:t>Example:</a:t>
-            </a:r>
-          </a:p>
-          <a:p>
-            <a:pPr marL="400050" lvl="1" indent="0">
-              <a:buNone/>
-            </a:pPr>
-            <a:r>
-              <a:rPr lang="en-US" sz="1400" b="1" dirty="0">
-                <a:solidFill>
-                  <a:schemeClr val="accent2"/>
-                </a:solidFill>
-                <a:latin typeface="Courier New" pitchFamily="49" charset="0"/>
-                <a:cs typeface="Courier New" pitchFamily="49" charset="0"/>
-              </a:rPr>
-              <a:t>if (temp &lt; MIN_TEMP) </a:t>
-            </a:r>
-            <a:r>
-              <a:rPr lang="en-US" sz="1400" b="1" dirty="0" smtClean="0">
-                <a:solidFill>
-                  <a:schemeClr val="accent2"/>
-                </a:solidFill>
-                <a:latin typeface="Courier New" pitchFamily="49" charset="0"/>
-                <a:cs typeface="Courier New" pitchFamily="49" charset="0"/>
-              </a:rPr>
-              <a:t>{</a:t>
-            </a:r>
-            <a:endParaRPr lang="en-US" sz="1400" b="1" dirty="0">
-              <a:solidFill>
-                <a:schemeClr val="accent2"/>
-              </a:solidFill>
-              <a:latin typeface="Courier New" pitchFamily="49" charset="0"/>
-              <a:cs typeface="Courier New" pitchFamily="49" charset="0"/>
-            </a:endParaRPr>
-          </a:p>
-          <a:p>
-            <a:pPr marL="400050" lvl="1" indent="0">
-              <a:buNone/>
-            </a:pPr>
-            <a:r>
-              <a:rPr lang="en-US" sz="1400" b="1" dirty="0">
-                <a:solidFill>
-                  <a:schemeClr val="accent2"/>
-                </a:solidFill>
-                <a:latin typeface="Courier New" pitchFamily="49" charset="0"/>
-                <a:cs typeface="Courier New" pitchFamily="49" charset="0"/>
-              </a:rPr>
-              <a:t>    flag = TOO_LOW;</a:t>
-            </a:r>
-          </a:p>
-          <a:p>
-            <a:pPr marL="400050" lvl="1" indent="0">
-              <a:buNone/>
-            </a:pPr>
-            <a:r>
-              <a:rPr lang="en-US" sz="1400" b="1" dirty="0">
-                <a:solidFill>
-                  <a:schemeClr val="accent2"/>
-                </a:solidFill>
-                <a:latin typeface="Courier New" pitchFamily="49" charset="0"/>
-                <a:cs typeface="Courier New" pitchFamily="49" charset="0"/>
-              </a:rPr>
-              <a:t>} </a:t>
-            </a:r>
-            <a:endParaRPr lang="en-US" sz="1400" b="1" dirty="0" smtClean="0">
-              <a:solidFill>
-                <a:schemeClr val="accent2"/>
-              </a:solidFill>
-              <a:latin typeface="Courier New" pitchFamily="49" charset="0"/>
-              <a:cs typeface="Courier New" pitchFamily="49" charset="0"/>
-            </a:endParaRPr>
-          </a:p>
-          <a:p>
-            <a:pPr marL="400050" lvl="1" indent="0">
-              <a:buNone/>
-            </a:pPr>
-            <a:r>
-              <a:rPr lang="en-US" sz="1400" b="1" dirty="0" smtClean="0">
-                <a:solidFill>
-                  <a:schemeClr val="accent2"/>
-                </a:solidFill>
-                <a:latin typeface="Courier New" pitchFamily="49" charset="0"/>
-                <a:cs typeface="Courier New" pitchFamily="49" charset="0"/>
-              </a:rPr>
-              <a:t>else </a:t>
-            </a:r>
-            <a:r>
-              <a:rPr lang="en-US" sz="1400" b="1" dirty="0">
-                <a:solidFill>
-                  <a:schemeClr val="accent2"/>
-                </a:solidFill>
-                <a:latin typeface="Courier New" pitchFamily="49" charset="0"/>
-                <a:cs typeface="Courier New" pitchFamily="49" charset="0"/>
-              </a:rPr>
-              <a:t>if (temp &gt; MAX_TEMP</a:t>
-            </a:r>
-            <a:r>
-              <a:rPr lang="en-US" sz="1400" b="1" dirty="0" smtClean="0">
-                <a:solidFill>
-                  <a:schemeClr val="accent2"/>
-                </a:solidFill>
-                <a:latin typeface="Courier New" pitchFamily="49" charset="0"/>
-                <a:cs typeface="Courier New" pitchFamily="49" charset="0"/>
-              </a:rPr>
-              <a:t>){</a:t>
-            </a:r>
-            <a:endParaRPr lang="en-US" sz="1400" b="1" dirty="0">
-              <a:solidFill>
-                <a:schemeClr val="accent2"/>
-              </a:solidFill>
-              <a:latin typeface="Courier New" pitchFamily="49" charset="0"/>
-              <a:cs typeface="Courier New" pitchFamily="49" charset="0"/>
-            </a:endParaRPr>
-          </a:p>
-          <a:p>
-            <a:pPr marL="400050" lvl="1" indent="0">
-              <a:buNone/>
-            </a:pPr>
-            <a:r>
-              <a:rPr lang="en-US" sz="1400" b="1" dirty="0">
-                <a:solidFill>
-                  <a:schemeClr val="accent2"/>
-                </a:solidFill>
-                <a:latin typeface="Courier New" pitchFamily="49" charset="0"/>
-                <a:cs typeface="Courier New" pitchFamily="49" charset="0"/>
-              </a:rPr>
-              <a:t>    flag = TOO_HIGH;</a:t>
-            </a:r>
-          </a:p>
-          <a:p>
-            <a:pPr marL="400050" lvl="1" indent="0">
-              <a:buNone/>
-            </a:pPr>
-            <a:r>
-              <a:rPr lang="en-US" sz="1400" b="1" dirty="0">
-                <a:solidFill>
-                  <a:schemeClr val="accent2"/>
-                </a:solidFill>
-                <a:latin typeface="Courier New" pitchFamily="49" charset="0"/>
-                <a:cs typeface="Courier New" pitchFamily="49" charset="0"/>
-              </a:rPr>
-              <a:t>}</a:t>
-            </a:r>
-          </a:p>
-          <a:p>
-            <a:pPr marL="400050" lvl="1" indent="0">
-              <a:buNone/>
-            </a:pPr>
-            <a:r>
-              <a:rPr lang="en-US" sz="1400" b="1" dirty="0" smtClean="0">
-                <a:solidFill>
-                  <a:schemeClr val="accent2"/>
-                </a:solidFill>
-                <a:latin typeface="Courier New" pitchFamily="49" charset="0"/>
-                <a:cs typeface="Courier New" pitchFamily="49" charset="0"/>
-              </a:rPr>
-              <a:t>else{</a:t>
-            </a:r>
-            <a:endParaRPr lang="en-US" sz="1400" b="1" dirty="0">
-              <a:solidFill>
-                <a:schemeClr val="accent2"/>
-              </a:solidFill>
-              <a:latin typeface="Courier New" pitchFamily="49" charset="0"/>
-              <a:cs typeface="Courier New" pitchFamily="49" charset="0"/>
-            </a:endParaRPr>
-          </a:p>
-          <a:p>
-            <a:pPr marL="400050" lvl="1" indent="0">
-              <a:buNone/>
-            </a:pPr>
-            <a:r>
-              <a:rPr lang="en-US" sz="1400" b="1" dirty="0">
-                <a:solidFill>
-                  <a:schemeClr val="accent2"/>
-                </a:solidFill>
-                <a:latin typeface="Courier New" pitchFamily="49" charset="0"/>
-                <a:cs typeface="Courier New" pitchFamily="49" charset="0"/>
-              </a:rPr>
-              <a:t>    flag = JUST_RIGHT;</a:t>
-            </a:r>
-          </a:p>
-          <a:p>
-            <a:pPr marL="400050" lvl="1" indent="0">
-              <a:buNone/>
-            </a:pPr>
-            <a:r>
-              <a:rPr lang="en-US" sz="1400" b="1" dirty="0">
-                <a:solidFill>
-                  <a:schemeClr val="accent2"/>
-                </a:solidFill>
-                <a:latin typeface="Courier New" pitchFamily="49" charset="0"/>
-                <a:cs typeface="Courier New" pitchFamily="49" charset="0"/>
-              </a:rPr>
-              <a:t>}</a:t>
-            </a:r>
-          </a:p>
-        </p:txBody>
-      </p:sp>
-    </p:spTree>
-    <p:extLst>
-      <p:ext uri="{BB962C8B-B14F-4D97-AF65-F5344CB8AC3E}">
-        <p14:creationId xmlns:p14="http://schemas.microsoft.com/office/powerpoint/2010/main" val="308132004"/>
-      </p:ext>
-    </p:extLst>
-  </p:cSld>
-  <p:clrMapOvr>
-    <a:masterClrMapping/>
-  </p:clrMapOvr>
-  <p:timing>
-    <p:tnLst>
-      <p:par>
-        <p:cTn id="1" dur="indefinite" restart="never" nodeType="tmRoot"/>
-      </p:par>
-    </p:tnLst>
-  </p:timing>
-</p:sld>
-</file>
-
 <file path=ppt/slides/slide19.xml><?xml version="1.0" encoding="utf-8"?>
 <p:sld xmlns:a="http://schemas.openxmlformats.org/drawingml/2006/main" xmlns:r="http://schemas.openxmlformats.org/officeDocument/2006/relationships" xmlns:p="http://schemas.openxmlformats.org/presentationml/2006/main">
   <p:cSld>
@@ -13357,7 +12936,7 @@
           <a:p>
             <a:r>
               <a:rPr lang="en-US" b="1" dirty="0" smtClean="0"/>
-              <a:t>Switch Statement</a:t>
+              <a:t>If Statement</a:t>
             </a:r>
             <a:endParaRPr lang="en-US" dirty="0"/>
           </a:p>
@@ -13375,13 +12954,13 @@
         </p:nvSpPr>
         <p:spPr>
           <a:xfrm>
-            <a:off x="275129" y="1535573"/>
+            <a:off x="385487" y="1543594"/>
             <a:ext cx="8868871" cy="5035231"/>
           </a:xfrm>
         </p:spPr>
         <p:txBody>
           <a:bodyPr>
-            <a:normAutofit fontScale="92500" lnSpcReduction="10000"/>
+            <a:normAutofit lnSpcReduction="10000"/>
           </a:bodyPr>
           <a:lstStyle/>
           <a:p>
@@ -13389,17 +12968,17 @@
               <a:buNone/>
             </a:pPr>
             <a:r>
-              <a:rPr lang="en-US" sz="1200" b="1" dirty="0">
+              <a:rPr lang="en-US" sz="1400" b="1" dirty="0">
                 <a:solidFill>
                   <a:srgbClr val="00B050"/>
                 </a:solidFill>
                 <a:latin typeface="Courier New" pitchFamily="49" charset="0"/>
                 <a:cs typeface="Courier New" pitchFamily="49" charset="0"/>
               </a:rPr>
-              <a:t>switch (value</a:t>
-            </a:r>
-            <a:r>
-              <a:rPr lang="en-US" sz="1200" b="1" dirty="0" smtClean="0">
+              <a:t>if (logical expression</a:t>
+            </a:r>
+            <a:r>
+              <a:rPr lang="en-US" sz="1400" b="1" dirty="0" smtClean="0">
                 <a:solidFill>
                   <a:srgbClr val="00B050"/>
                 </a:solidFill>
@@ -13408,7 +12987,7 @@
               </a:rPr>
               <a:t>){</a:t>
             </a:r>
-            <a:endParaRPr lang="en-US" sz="1200" b="1" dirty="0">
+            <a:endParaRPr lang="en-US" sz="1400" b="1" dirty="0">
               <a:solidFill>
                 <a:srgbClr val="00B050"/>
               </a:solidFill>
@@ -13421,14 +13000,14 @@
               <a:buNone/>
             </a:pPr>
             <a:r>
-              <a:rPr lang="en-US" sz="1200" b="1" dirty="0">
+              <a:rPr lang="en-US" sz="1400" b="1" dirty="0">
                 <a:solidFill>
                   <a:srgbClr val="00B050"/>
                 </a:solidFill>
                 <a:latin typeface="Courier New" pitchFamily="49" charset="0"/>
                 <a:cs typeface="Courier New" pitchFamily="49" charset="0"/>
               </a:rPr>
-              <a:t>    case constant-expression1:</a:t>
+              <a:t>    statements;</a:t>
             </a:r>
           </a:p>
           <a:p>
@@ -13436,44 +13015,78 @@
               <a:buNone/>
             </a:pPr>
             <a:r>
-              <a:rPr lang="en-US" sz="1200" b="1" dirty="0">
+              <a:rPr lang="en-US" sz="1400" b="1" dirty="0">
                 <a:solidFill>
                   <a:srgbClr val="00B050"/>
                 </a:solidFill>
                 <a:latin typeface="Courier New" pitchFamily="49" charset="0"/>
                 <a:cs typeface="Courier New" pitchFamily="49" charset="0"/>
               </a:rPr>
-              <a:t>        statements;</a:t>
-            </a:r>
+              <a:t>} </a:t>
+            </a:r>
+            <a:endParaRPr lang="en-US" sz="1400" b="1" dirty="0" smtClean="0">
+              <a:solidFill>
+                <a:srgbClr val="00B050"/>
+              </a:solidFill>
+              <a:latin typeface="Courier New" pitchFamily="49" charset="0"/>
+              <a:cs typeface="Courier New" pitchFamily="49" charset="0"/>
+            </a:endParaRPr>
           </a:p>
           <a:p>
             <a:pPr marL="400050" lvl="1" indent="0">
               <a:buNone/>
             </a:pPr>
             <a:r>
-              <a:rPr lang="en-US" sz="1200" b="1" dirty="0">
+              <a:rPr lang="en-US" sz="1400" b="1" dirty="0" smtClean="0">
                 <a:solidFill>
                   <a:srgbClr val="00B050"/>
                 </a:solidFill>
                 <a:latin typeface="Courier New" pitchFamily="49" charset="0"/>
                 <a:cs typeface="Courier New" pitchFamily="49" charset="0"/>
               </a:rPr>
-              <a:t>        break;</a:t>
-            </a:r>
+              <a:t>else </a:t>
+            </a:r>
+            <a:r>
+              <a:rPr lang="en-US" sz="1400" b="1" dirty="0">
+                <a:solidFill>
+                  <a:srgbClr val="00B050"/>
+                </a:solidFill>
+                <a:latin typeface="Courier New" pitchFamily="49" charset="0"/>
+                <a:cs typeface="Courier New" pitchFamily="49" charset="0"/>
+              </a:rPr>
+              <a:t>if (logical expression</a:t>
+            </a:r>
+            <a:r>
+              <a:rPr lang="en-US" sz="1400" b="1" dirty="0" smtClean="0">
+                <a:solidFill>
+                  <a:srgbClr val="00B050"/>
+                </a:solidFill>
+                <a:latin typeface="Courier New" pitchFamily="49" charset="0"/>
+                <a:cs typeface="Courier New" pitchFamily="49" charset="0"/>
+              </a:rPr>
+              <a:t>){</a:t>
+            </a:r>
+            <a:endParaRPr lang="en-US" sz="1400" b="1" dirty="0">
+              <a:solidFill>
+                <a:srgbClr val="00B050"/>
+              </a:solidFill>
+              <a:latin typeface="Courier New" pitchFamily="49" charset="0"/>
+              <a:cs typeface="Courier New" pitchFamily="49" charset="0"/>
+            </a:endParaRPr>
           </a:p>
           <a:p>
             <a:pPr marL="400050" lvl="1" indent="0">
               <a:buNone/>
             </a:pPr>
             <a:r>
-              <a:rPr lang="en-US" sz="1200" b="1" dirty="0">
+              <a:rPr lang="en-US" sz="1400" b="1" dirty="0">
                 <a:solidFill>
                   <a:srgbClr val="00B050"/>
                 </a:solidFill>
                 <a:latin typeface="Courier New" pitchFamily="49" charset="0"/>
                 <a:cs typeface="Courier New" pitchFamily="49" charset="0"/>
               </a:rPr>
-              <a:t>    case constant-expression2:</a:t>
+              <a:t>    statements;</a:t>
             </a:r>
           </a:p>
           <a:p>
@@ -13481,14 +13094,14 @@
               <a:buNone/>
             </a:pPr>
             <a:r>
-              <a:rPr lang="en-US" sz="1200" b="1" dirty="0">
+              <a:rPr lang="en-US" sz="1400" b="1" dirty="0">
                 <a:solidFill>
                   <a:srgbClr val="00B050"/>
                 </a:solidFill>
                 <a:latin typeface="Courier New" pitchFamily="49" charset="0"/>
                 <a:cs typeface="Courier New" pitchFamily="49" charset="0"/>
               </a:rPr>
-              <a:t>        statements;</a:t>
+              <a:t>}</a:t>
             </a:r>
           </a:p>
           <a:p>
@@ -13496,14 +13109,14 @@
               <a:buNone/>
             </a:pPr>
             <a:r>
-              <a:rPr lang="en-US" sz="1200" b="1" dirty="0">
+              <a:rPr lang="en-US" sz="1400" b="1" dirty="0">
                 <a:solidFill>
                   <a:srgbClr val="00B050"/>
                 </a:solidFill>
                 <a:latin typeface="Courier New" pitchFamily="49" charset="0"/>
                 <a:cs typeface="Courier New" pitchFamily="49" charset="0"/>
               </a:rPr>
-              <a:t>        break;</a:t>
+              <a:t>...</a:t>
             </a:r>
           </a:p>
           <a:p>
@@ -13511,29 +13124,36 @@
               <a:buNone/>
             </a:pPr>
             <a:r>
-              <a:rPr lang="en-US" sz="1200" b="1" dirty="0">
+              <a:rPr lang="en-US" sz="1400" b="1" dirty="0" smtClean="0">
                 <a:solidFill>
                   <a:srgbClr val="00B050"/>
                 </a:solidFill>
                 <a:latin typeface="Courier New" pitchFamily="49" charset="0"/>
                 <a:cs typeface="Courier New" pitchFamily="49" charset="0"/>
               </a:rPr>
-              <a:t>    default:</a:t>
-            </a:r>
+              <a:t>else{</a:t>
+            </a:r>
+            <a:endParaRPr lang="en-US" sz="1400" b="1" dirty="0">
+              <a:solidFill>
+                <a:srgbClr val="00B050"/>
+              </a:solidFill>
+              <a:latin typeface="Courier New" pitchFamily="49" charset="0"/>
+              <a:cs typeface="Courier New" pitchFamily="49" charset="0"/>
+            </a:endParaRPr>
           </a:p>
           <a:p>
             <a:pPr marL="400050" lvl="1" indent="0">
               <a:buNone/>
             </a:pPr>
             <a:r>
-              <a:rPr lang="en-US" sz="1200" b="1" dirty="0">
+              <a:rPr lang="en-US" sz="1400" b="1" dirty="0">
                 <a:solidFill>
                   <a:srgbClr val="00B050"/>
                 </a:solidFill>
                 <a:latin typeface="Courier New" pitchFamily="49" charset="0"/>
                 <a:cs typeface="Courier New" pitchFamily="49" charset="0"/>
               </a:rPr>
-              <a:t>        // gets executed if no other case hits</a:t>
+              <a:t>    statements;</a:t>
             </a:r>
           </a:p>
           <a:p>
@@ -13541,14 +13161,26 @@
               <a:buNone/>
             </a:pPr>
             <a:r>
-              <a:rPr lang="en-US" sz="1200" b="1" dirty="0">
+              <a:rPr lang="en-US" sz="1400" b="1" dirty="0" smtClean="0">
                 <a:solidFill>
                   <a:srgbClr val="00B050"/>
                 </a:solidFill>
                 <a:latin typeface="Courier New" pitchFamily="49" charset="0"/>
                 <a:cs typeface="Courier New" pitchFamily="49" charset="0"/>
               </a:rPr>
-              <a:t>        statements;</a:t>
+              <a:t>}</a:t>
+            </a:r>
+          </a:p>
+          <a:p>
+            <a:pPr marL="0" indent="0">
+              <a:buNone/>
+            </a:pPr>
+            <a:r>
+              <a:rPr lang="en-US" sz="1400" b="1" dirty="0" smtClean="0">
+                <a:latin typeface="Courier New" pitchFamily="49" charset="0"/>
+                <a:cs typeface="Courier New" pitchFamily="49" charset="0"/>
+              </a:rPr>
+              <a:t>Example:</a:t>
             </a:r>
           </a:p>
           <a:p>
@@ -13556,66 +13188,24 @@
               <a:buNone/>
             </a:pPr>
             <a:r>
-              <a:rPr lang="en-US" sz="1200" b="1" dirty="0">
-                <a:solidFill>
-                  <a:srgbClr val="00B050"/>
-                </a:solidFill>
-                <a:latin typeface="Courier New" pitchFamily="49" charset="0"/>
-                <a:cs typeface="Courier New" pitchFamily="49" charset="0"/>
-              </a:rPr>
-              <a:t>        break;</a:t>
-            </a:r>
-          </a:p>
-          <a:p>
-            <a:pPr marL="400050" lvl="1" indent="0">
-              <a:buNone/>
-            </a:pPr>
-            <a:r>
-              <a:rPr lang="en-US" sz="1200" b="1" dirty="0" smtClean="0">
-                <a:solidFill>
-                  <a:srgbClr val="00B050"/>
-                </a:solidFill>
-                <a:latin typeface="Courier New" pitchFamily="49" charset="0"/>
-                <a:cs typeface="Courier New" pitchFamily="49" charset="0"/>
-              </a:rPr>
-              <a:t>}</a:t>
-            </a:r>
-          </a:p>
-          <a:p>
-            <a:pPr marL="0" indent="0">
-              <a:buNone/>
-            </a:pPr>
+              <a:rPr lang="en-US" sz="1400" b="1" dirty="0">
+                <a:solidFill>
+                  <a:schemeClr val="accent2"/>
+                </a:solidFill>
+                <a:latin typeface="Courier New" pitchFamily="49" charset="0"/>
+                <a:cs typeface="Courier New" pitchFamily="49" charset="0"/>
+              </a:rPr>
+              <a:t>if (temp &lt; MIN_TEMP) </a:t>
+            </a:r>
             <a:r>
               <a:rPr lang="en-US" sz="1400" b="1" dirty="0" smtClean="0">
-                <a:latin typeface="Courier New" pitchFamily="49" charset="0"/>
-                <a:cs typeface="Courier New" pitchFamily="49" charset="0"/>
-              </a:rPr>
-              <a:t>Example:</a:t>
-            </a:r>
-          </a:p>
-          <a:p>
-            <a:pPr marL="400050" lvl="1" indent="0">
-              <a:buNone/>
-            </a:pPr>
-            <a:r>
-              <a:rPr lang="en-US" sz="1400" b="1" dirty="0">
                 <a:solidFill>
                   <a:schemeClr val="accent2"/>
                 </a:solidFill>
                 <a:latin typeface="Courier New" pitchFamily="49" charset="0"/>
                 <a:cs typeface="Courier New" pitchFamily="49" charset="0"/>
               </a:rPr>
-              <a:t>switch (GAME_STATE</a:t>
-            </a:r>
-            <a:r>
-              <a:rPr lang="en-US" sz="1400" b="1" dirty="0" smtClean="0">
-                <a:solidFill>
-                  <a:schemeClr val="accent2"/>
-                </a:solidFill>
-                <a:latin typeface="Courier New" pitchFamily="49" charset="0"/>
-                <a:cs typeface="Courier New" pitchFamily="49" charset="0"/>
-              </a:rPr>
-              <a:t>){</a:t>
+              <a:t>{</a:t>
             </a:r>
             <a:endParaRPr lang="en-US" sz="1400" b="1" dirty="0">
               <a:solidFill>
@@ -13637,7 +13227,7 @@
                 <a:latin typeface="Courier New" pitchFamily="49" charset="0"/>
                 <a:cs typeface="Courier New" pitchFamily="49" charset="0"/>
               </a:rPr>
-              <a:t>    case MENU:</a:t>
+              <a:t>    flag = TOO_LOW;</a:t>
             </a:r>
           </a:p>
           <a:p>
@@ -13652,17 +13242,29 @@
                 <a:latin typeface="Courier New" pitchFamily="49" charset="0"/>
                 <a:cs typeface="Courier New" pitchFamily="49" charset="0"/>
               </a:rPr>
-              <a:t>        </a:t>
-            </a:r>
-            <a:r>
-              <a:rPr lang="en-US" sz="1400" b="1" dirty="0" err="1">
+              <a:t>} </a:t>
+            </a:r>
+            <a:endParaRPr lang="en-US" sz="1400" b="1" dirty="0" smtClean="0">
+              <a:solidFill>
+                <a:schemeClr val="accent2"/>
+              </a:solidFill>
+              <a:latin typeface="Courier New" pitchFamily="49" charset="0"/>
+              <a:cs typeface="Courier New" pitchFamily="49" charset="0"/>
+            </a:endParaRPr>
+          </a:p>
+          <a:p>
+            <a:pPr marL="400050" lvl="1" indent="0">
+              <a:buNone/>
+            </a:pPr>
+            <a:r>
+              <a:rPr lang="en-US" sz="1400" b="1" dirty="0" smtClean="0">
                 <a:solidFill>
                   <a:schemeClr val="accent2"/>
                 </a:solidFill>
                 <a:latin typeface="Courier New" pitchFamily="49" charset="0"/>
                 <a:cs typeface="Courier New" pitchFamily="49" charset="0"/>
               </a:rPr>
-              <a:t>displayMenu</a:t>
+              <a:t>else </a:t>
             </a:r>
             <a:r>
               <a:rPr lang="en-US" sz="1400" b="1" dirty="0">
@@ -13672,8 +13274,25 @@
                 <a:latin typeface="Courier New" pitchFamily="49" charset="0"/>
                 <a:cs typeface="Courier New" pitchFamily="49" charset="0"/>
               </a:rPr>
-              <a:t>();</a:t>
-            </a:r>
+              <a:t>if (temp &gt; MAX_TEMP</a:t>
+            </a:r>
+            <a:r>
+              <a:rPr lang="en-US" sz="1400" b="1" dirty="0" smtClean="0">
+                <a:solidFill>
+                  <a:schemeClr val="accent2"/>
+                </a:solidFill>
+                <a:latin typeface="Courier New" pitchFamily="49" charset="0"/>
+                <a:cs typeface="Courier New" pitchFamily="49" charset="0"/>
+              </a:rPr>
+              <a:t>){</a:t>
+            </a:r>
+            <a:endParaRPr lang="en-US" sz="1400" b="1" dirty="0">
+              <a:solidFill>
+                <a:schemeClr val="accent2"/>
+              </a:solidFill>
+              <a:latin typeface="Courier New" pitchFamily="49" charset="0"/>
+              <a:cs typeface="Courier New" pitchFamily="49" charset="0"/>
+            </a:endParaRPr>
           </a:p>
           <a:p>
             <a:pPr marL="400050" lvl="1" indent="0">
@@ -13687,7 +13306,7 @@
                 <a:latin typeface="Courier New" pitchFamily="49" charset="0"/>
                 <a:cs typeface="Courier New" pitchFamily="49" charset="0"/>
               </a:rPr>
-              <a:t>        break;</a:t>
+              <a:t>    flag = TOO_HIGH;</a:t>
             </a:r>
           </a:p>
           <a:p>
@@ -13702,7 +13321,7 @@
                 <a:latin typeface="Courier New" pitchFamily="49" charset="0"/>
                 <a:cs typeface="Courier New" pitchFamily="49" charset="0"/>
               </a:rPr>
-              <a:t>    case PLAYING:</a:t>
+              <a:t>}</a:t>
             </a:r>
           </a:p>
           <a:p>
@@ -13710,6 +13329,28 @@
               <a:buNone/>
             </a:pPr>
             <a:r>
+              <a:rPr lang="en-US" sz="1400" b="1" dirty="0" smtClean="0">
+                <a:solidFill>
+                  <a:schemeClr val="accent2"/>
+                </a:solidFill>
+                <a:latin typeface="Courier New" pitchFamily="49" charset="0"/>
+                <a:cs typeface="Courier New" pitchFamily="49" charset="0"/>
+              </a:rPr>
+              <a:t>else{</a:t>
+            </a:r>
+            <a:endParaRPr lang="en-US" sz="1400" b="1" dirty="0">
+              <a:solidFill>
+                <a:schemeClr val="accent2"/>
+              </a:solidFill>
+              <a:latin typeface="Courier New" pitchFamily="49" charset="0"/>
+              <a:cs typeface="Courier New" pitchFamily="49" charset="0"/>
+            </a:endParaRPr>
+          </a:p>
+          <a:p>
+            <a:pPr marL="400050" lvl="1" indent="0">
+              <a:buNone/>
+            </a:pPr>
+            <a:r>
               <a:rPr lang="en-US" sz="1400" b="1" dirty="0">
                 <a:solidFill>
                   <a:schemeClr val="accent2"/>
@@ -13717,107 +13358,7 @@
                 <a:latin typeface="Courier New" pitchFamily="49" charset="0"/>
                 <a:cs typeface="Courier New" pitchFamily="49" charset="0"/>
               </a:rPr>
-              <a:t>        </a:t>
-            </a:r>
-            <a:r>
-              <a:rPr lang="en-US" sz="1400" b="1" dirty="0" err="1">
-                <a:solidFill>
-                  <a:schemeClr val="accent2"/>
-                </a:solidFill>
-                <a:latin typeface="Courier New" pitchFamily="49" charset="0"/>
-                <a:cs typeface="Courier New" pitchFamily="49" charset="0"/>
-              </a:rPr>
-              <a:t>updateState</a:t>
-            </a:r>
-            <a:r>
-              <a:rPr lang="en-US" sz="1400" b="1" dirty="0">
-                <a:solidFill>
-                  <a:schemeClr val="accent2"/>
-                </a:solidFill>
-                <a:latin typeface="Courier New" pitchFamily="49" charset="0"/>
-                <a:cs typeface="Courier New" pitchFamily="49" charset="0"/>
-              </a:rPr>
-              <a:t>();</a:t>
-            </a:r>
-          </a:p>
-          <a:p>
-            <a:pPr marL="400050" lvl="1" indent="0">
-              <a:buNone/>
-            </a:pPr>
-            <a:r>
-              <a:rPr lang="en-US" sz="1400" b="1" dirty="0">
-                <a:solidFill>
-                  <a:schemeClr val="accent2"/>
-                </a:solidFill>
-                <a:latin typeface="Courier New" pitchFamily="49" charset="0"/>
-                <a:cs typeface="Courier New" pitchFamily="49" charset="0"/>
-              </a:rPr>
-              <a:t>        break;</a:t>
-            </a:r>
-          </a:p>
-          <a:p>
-            <a:pPr marL="400050" lvl="1" indent="0">
-              <a:buNone/>
-            </a:pPr>
-            <a:r>
-              <a:rPr lang="en-US" sz="1400" b="1" dirty="0">
-                <a:solidFill>
-                  <a:schemeClr val="accent2"/>
-                </a:solidFill>
-                <a:latin typeface="Courier New" pitchFamily="49" charset="0"/>
-                <a:cs typeface="Courier New" pitchFamily="49" charset="0"/>
-              </a:rPr>
-              <a:t>    case LOST:</a:t>
-            </a:r>
-          </a:p>
-          <a:p>
-            <a:pPr marL="400050" lvl="1" indent="0">
-              <a:buNone/>
-            </a:pPr>
-            <a:r>
-              <a:rPr lang="en-US" sz="1400" b="1" dirty="0">
-                <a:solidFill>
-                  <a:schemeClr val="accent2"/>
-                </a:solidFill>
-                <a:latin typeface="Courier New" pitchFamily="49" charset="0"/>
-                <a:cs typeface="Courier New" pitchFamily="49" charset="0"/>
-              </a:rPr>
-              <a:t>        </a:t>
-            </a:r>
-            <a:r>
-              <a:rPr lang="en-US" sz="1400" b="1" dirty="0" err="1">
-                <a:solidFill>
-                  <a:schemeClr val="accent2"/>
-                </a:solidFill>
-                <a:latin typeface="Courier New" pitchFamily="49" charset="0"/>
-                <a:cs typeface="Courier New" pitchFamily="49" charset="0"/>
-              </a:rPr>
-              <a:t>displayLost</a:t>
-            </a:r>
-            <a:r>
-              <a:rPr lang="en-US" sz="1400" b="1" dirty="0">
-                <a:solidFill>
-                  <a:schemeClr val="accent2"/>
-                </a:solidFill>
-                <a:latin typeface="Courier New" pitchFamily="49" charset="0"/>
-                <a:cs typeface="Courier New" pitchFamily="49" charset="0"/>
-              </a:rPr>
-              <a:t>();</a:t>
-            </a:r>
-          </a:p>
-          <a:p>
-            <a:pPr marL="400050" lvl="1" indent="0">
-              <a:buNone/>
-            </a:pPr>
-            <a:r>
-              <a:rPr lang="en-US" sz="1400" b="1" dirty="0">
-                <a:solidFill>
-                  <a:schemeClr val="accent2"/>
-                </a:solidFill>
-                <a:latin typeface="Courier New" pitchFamily="49" charset="0"/>
-                <a:cs typeface="Courier New" pitchFamily="49" charset="0"/>
-              </a:rPr>
-              <a:t>        break;</a:t>
+              <a:t>    flag = JUST_RIGHT;</a:t>
             </a:r>
           </a:p>
           <a:p>
@@ -13840,7 +13381,7 @@
     </p:spTree>
     <p:extLst>
       <p:ext uri="{BB962C8B-B14F-4D97-AF65-F5344CB8AC3E}">
-        <p14:creationId xmlns:p14="http://schemas.microsoft.com/office/powerpoint/2010/main" val="3057391464"/>
+        <p14:creationId xmlns:p14="http://schemas.microsoft.com/office/powerpoint/2010/main" val="308132004"/>
       </p:ext>
     </p:extLst>
   </p:cSld>
@@ -14105,7 +13646,7 @@
           <a:p>
             <a:r>
               <a:rPr lang="en-US" b="1" dirty="0" smtClean="0"/>
-              <a:t>For Loop</a:t>
+              <a:t>Switch Statement</a:t>
             </a:r>
             <a:endParaRPr lang="en-US" dirty="0"/>
           </a:p>
@@ -14123,29 +13664,31 @@
         </p:nvSpPr>
         <p:spPr>
           <a:xfrm>
-            <a:off x="212067" y="1504180"/>
+            <a:off x="275129" y="1535573"/>
             <a:ext cx="8868871" cy="5035231"/>
           </a:xfrm>
         </p:spPr>
         <p:txBody>
-          <a:bodyPr/>
+          <a:bodyPr>
+            <a:normAutofit fontScale="92500" lnSpcReduction="10000"/>
+          </a:bodyPr>
           <a:lstStyle/>
           <a:p>
             <a:pPr marL="400050" lvl="1" indent="0">
               <a:buNone/>
             </a:pPr>
             <a:r>
-              <a:rPr lang="en-US" sz="1400" b="1" dirty="0">
+              <a:rPr lang="en-US" sz="1200" b="1" dirty="0">
                 <a:solidFill>
                   <a:srgbClr val="00B050"/>
                 </a:solidFill>
                 <a:latin typeface="Courier New" pitchFamily="49" charset="0"/>
                 <a:cs typeface="Courier New" pitchFamily="49" charset="0"/>
               </a:rPr>
-              <a:t>for (initial; continue; increment</a:t>
-            </a:r>
-            <a:r>
-              <a:rPr lang="en-US" sz="1400" b="1" dirty="0" smtClean="0">
+              <a:t>switch (value</a:t>
+            </a:r>
+            <a:r>
+              <a:rPr lang="en-US" sz="1200" b="1" dirty="0" smtClean="0">
                 <a:solidFill>
                   <a:srgbClr val="00B050"/>
                 </a:solidFill>
@@ -14154,7 +13697,7 @@
               </a:rPr>
               <a:t>){</a:t>
             </a:r>
-            <a:endParaRPr lang="en-US" sz="1400" b="1" dirty="0">
+            <a:endParaRPr lang="en-US" sz="1200" b="1" dirty="0">
               <a:solidFill>
                 <a:srgbClr val="00B050"/>
               </a:solidFill>
@@ -14167,230 +13710,201 @@
               <a:buNone/>
             </a:pPr>
             <a:r>
+              <a:rPr lang="en-US" sz="1200" b="1" dirty="0">
+                <a:solidFill>
+                  <a:srgbClr val="00B050"/>
+                </a:solidFill>
+                <a:latin typeface="Courier New" pitchFamily="49" charset="0"/>
+                <a:cs typeface="Courier New" pitchFamily="49" charset="0"/>
+              </a:rPr>
+              <a:t>    case constant-expression1:</a:t>
+            </a:r>
+          </a:p>
+          <a:p>
+            <a:pPr marL="400050" lvl="1" indent="0">
+              <a:buNone/>
+            </a:pPr>
+            <a:r>
+              <a:rPr lang="en-US" sz="1200" b="1" dirty="0">
+                <a:solidFill>
+                  <a:srgbClr val="00B050"/>
+                </a:solidFill>
+                <a:latin typeface="Courier New" pitchFamily="49" charset="0"/>
+                <a:cs typeface="Courier New" pitchFamily="49" charset="0"/>
+              </a:rPr>
+              <a:t>        statements;</a:t>
+            </a:r>
+          </a:p>
+          <a:p>
+            <a:pPr marL="400050" lvl="1" indent="0">
+              <a:buNone/>
+            </a:pPr>
+            <a:r>
+              <a:rPr lang="en-US" sz="1200" b="1" dirty="0">
+                <a:solidFill>
+                  <a:srgbClr val="00B050"/>
+                </a:solidFill>
+                <a:latin typeface="Courier New" pitchFamily="49" charset="0"/>
+                <a:cs typeface="Courier New" pitchFamily="49" charset="0"/>
+              </a:rPr>
+              <a:t>        break;</a:t>
+            </a:r>
+          </a:p>
+          <a:p>
+            <a:pPr marL="400050" lvl="1" indent="0">
+              <a:buNone/>
+            </a:pPr>
+            <a:r>
+              <a:rPr lang="en-US" sz="1200" b="1" dirty="0">
+                <a:solidFill>
+                  <a:srgbClr val="00B050"/>
+                </a:solidFill>
+                <a:latin typeface="Courier New" pitchFamily="49" charset="0"/>
+                <a:cs typeface="Courier New" pitchFamily="49" charset="0"/>
+              </a:rPr>
+              <a:t>    case constant-expression2:</a:t>
+            </a:r>
+          </a:p>
+          <a:p>
+            <a:pPr marL="400050" lvl="1" indent="0">
+              <a:buNone/>
+            </a:pPr>
+            <a:r>
+              <a:rPr lang="en-US" sz="1200" b="1" dirty="0">
+                <a:solidFill>
+                  <a:srgbClr val="00B050"/>
+                </a:solidFill>
+                <a:latin typeface="Courier New" pitchFamily="49" charset="0"/>
+                <a:cs typeface="Courier New" pitchFamily="49" charset="0"/>
+              </a:rPr>
+              <a:t>        statements;</a:t>
+            </a:r>
+          </a:p>
+          <a:p>
+            <a:pPr marL="400050" lvl="1" indent="0">
+              <a:buNone/>
+            </a:pPr>
+            <a:r>
+              <a:rPr lang="en-US" sz="1200" b="1" dirty="0">
+                <a:solidFill>
+                  <a:srgbClr val="00B050"/>
+                </a:solidFill>
+                <a:latin typeface="Courier New" pitchFamily="49" charset="0"/>
+                <a:cs typeface="Courier New" pitchFamily="49" charset="0"/>
+              </a:rPr>
+              <a:t>        break;</a:t>
+            </a:r>
+          </a:p>
+          <a:p>
+            <a:pPr marL="400050" lvl="1" indent="0">
+              <a:buNone/>
+            </a:pPr>
+            <a:r>
+              <a:rPr lang="en-US" sz="1200" b="1" dirty="0">
+                <a:solidFill>
+                  <a:srgbClr val="00B050"/>
+                </a:solidFill>
+                <a:latin typeface="Courier New" pitchFamily="49" charset="0"/>
+                <a:cs typeface="Courier New" pitchFamily="49" charset="0"/>
+              </a:rPr>
+              <a:t>    default:</a:t>
+            </a:r>
+          </a:p>
+          <a:p>
+            <a:pPr marL="400050" lvl="1" indent="0">
+              <a:buNone/>
+            </a:pPr>
+            <a:r>
+              <a:rPr lang="en-US" sz="1200" b="1" dirty="0">
+                <a:solidFill>
+                  <a:srgbClr val="00B050"/>
+                </a:solidFill>
+                <a:latin typeface="Courier New" pitchFamily="49" charset="0"/>
+                <a:cs typeface="Courier New" pitchFamily="49" charset="0"/>
+              </a:rPr>
+              <a:t>        // gets executed if no other case hits</a:t>
+            </a:r>
+          </a:p>
+          <a:p>
+            <a:pPr marL="400050" lvl="1" indent="0">
+              <a:buNone/>
+            </a:pPr>
+            <a:r>
+              <a:rPr lang="en-US" sz="1200" b="1" dirty="0">
+                <a:solidFill>
+                  <a:srgbClr val="00B050"/>
+                </a:solidFill>
+                <a:latin typeface="Courier New" pitchFamily="49" charset="0"/>
+                <a:cs typeface="Courier New" pitchFamily="49" charset="0"/>
+              </a:rPr>
+              <a:t>        statements;</a:t>
+            </a:r>
+          </a:p>
+          <a:p>
+            <a:pPr marL="400050" lvl="1" indent="0">
+              <a:buNone/>
+            </a:pPr>
+            <a:r>
+              <a:rPr lang="en-US" sz="1200" b="1" dirty="0">
+                <a:solidFill>
+                  <a:srgbClr val="00B050"/>
+                </a:solidFill>
+                <a:latin typeface="Courier New" pitchFamily="49" charset="0"/>
+                <a:cs typeface="Courier New" pitchFamily="49" charset="0"/>
+              </a:rPr>
+              <a:t>        break;</a:t>
+            </a:r>
+          </a:p>
+          <a:p>
+            <a:pPr marL="400050" lvl="1" indent="0">
+              <a:buNone/>
+            </a:pPr>
+            <a:r>
+              <a:rPr lang="en-US" sz="1200" b="1" dirty="0" smtClean="0">
+                <a:solidFill>
+                  <a:srgbClr val="00B050"/>
+                </a:solidFill>
+                <a:latin typeface="Courier New" pitchFamily="49" charset="0"/>
+                <a:cs typeface="Courier New" pitchFamily="49" charset="0"/>
+              </a:rPr>
+              <a:t>}</a:t>
+            </a:r>
+          </a:p>
+          <a:p>
+            <a:pPr marL="0" indent="0">
+              <a:buNone/>
+            </a:pPr>
+            <a:r>
+              <a:rPr lang="en-US" sz="1400" b="1" dirty="0" smtClean="0">
+                <a:latin typeface="Courier New" pitchFamily="49" charset="0"/>
+                <a:cs typeface="Courier New" pitchFamily="49" charset="0"/>
+              </a:rPr>
+              <a:t>Example:</a:t>
+            </a:r>
+          </a:p>
+          <a:p>
+            <a:pPr marL="400050" lvl="1" indent="0">
+              <a:buNone/>
+            </a:pPr>
+            <a:r>
               <a:rPr lang="en-US" sz="1400" b="1" dirty="0">
                 <a:solidFill>
-                  <a:srgbClr val="00B050"/>
-                </a:solidFill>
-                <a:latin typeface="Courier New" pitchFamily="49" charset="0"/>
-                <a:cs typeface="Courier New" pitchFamily="49" charset="0"/>
-              </a:rPr>
-              <a:t>    statements;</a:t>
-            </a:r>
-          </a:p>
-          <a:p>
-            <a:pPr marL="400050" lvl="1" indent="0">
-              <a:buNone/>
-            </a:pPr>
+                  <a:schemeClr val="accent2"/>
+                </a:solidFill>
+                <a:latin typeface="Courier New" pitchFamily="49" charset="0"/>
+                <a:cs typeface="Courier New" pitchFamily="49" charset="0"/>
+              </a:rPr>
+              <a:t>switch (GAME_STATE</a:t>
+            </a:r>
             <a:r>
               <a:rPr lang="en-US" sz="1400" b="1" dirty="0" smtClean="0">
                 <a:solidFill>
-                  <a:srgbClr val="00B050"/>
-                </a:solidFill>
-                <a:latin typeface="Courier New" pitchFamily="49" charset="0"/>
-                <a:cs typeface="Courier New" pitchFamily="49" charset="0"/>
-              </a:rPr>
-              <a:t>}</a:t>
-            </a:r>
-          </a:p>
-          <a:p>
-            <a:r>
-              <a:rPr lang="en-US" sz="1800" dirty="0">
-                <a:solidFill>
-                  <a:srgbClr val="0070C0"/>
-                </a:solidFill>
-              </a:rPr>
-              <a:t>initial </a:t>
-            </a:r>
-            <a:r>
-              <a:rPr lang="en-US" sz="1800" dirty="0" smtClean="0"/>
-              <a:t>– initializes variable to the starting value</a:t>
-            </a:r>
-            <a:endParaRPr lang="en-US" sz="1800" dirty="0"/>
-          </a:p>
-          <a:p>
-            <a:r>
-              <a:rPr lang="en-US" sz="1800" dirty="0">
-                <a:solidFill>
-                  <a:srgbClr val="0070C0"/>
-                </a:solidFill>
-              </a:rPr>
-              <a:t>continue</a:t>
-            </a:r>
-            <a:r>
-              <a:rPr lang="en-US" sz="1800" dirty="0"/>
-              <a:t> </a:t>
-            </a:r>
-            <a:r>
-              <a:rPr lang="en-US" sz="1800" dirty="0" smtClean="0"/>
-              <a:t>– continues looping while condition is true</a:t>
-            </a:r>
-            <a:endParaRPr lang="en-US" sz="1800" dirty="0"/>
-          </a:p>
-          <a:p>
-            <a:r>
-              <a:rPr lang="en-US" sz="1800" dirty="0">
-                <a:solidFill>
-                  <a:srgbClr val="0070C0"/>
-                </a:solidFill>
-              </a:rPr>
-              <a:t>increment</a:t>
-            </a:r>
-            <a:r>
-              <a:rPr lang="en-US" sz="1800" dirty="0"/>
-              <a:t> - </a:t>
-            </a:r>
-            <a:r>
-              <a:rPr lang="en-US" sz="1800" dirty="0" smtClean="0"/>
-              <a:t>usually </a:t>
-            </a:r>
-            <a:r>
-              <a:rPr lang="en-US" sz="1800" dirty="0"/>
-              <a:t>used to increment / decrement a </a:t>
-            </a:r>
-            <a:r>
-              <a:rPr lang="en-US" sz="1800" dirty="0" smtClean="0"/>
-              <a:t>variable</a:t>
-            </a:r>
-            <a:endParaRPr lang="en-US" sz="1800" dirty="0"/>
-          </a:p>
-          <a:p>
-            <a:pPr marL="0" indent="0">
-              <a:buNone/>
-            </a:pPr>
-            <a:endParaRPr lang="en-US" sz="1800" b="1" dirty="0" smtClean="0">
-              <a:latin typeface="Courier New" pitchFamily="49" charset="0"/>
-              <a:cs typeface="Courier New" pitchFamily="49" charset="0"/>
-            </a:endParaRPr>
-          </a:p>
-          <a:p>
-            <a:pPr marL="0" indent="0">
-              <a:buNone/>
-            </a:pPr>
-            <a:r>
-              <a:rPr lang="en-US" sz="1800" b="1" dirty="0" smtClean="0">
-                <a:latin typeface="Courier New" pitchFamily="49" charset="0"/>
-                <a:cs typeface="Courier New" pitchFamily="49" charset="0"/>
-              </a:rPr>
-              <a:t>Example:</a:t>
-            </a:r>
-          </a:p>
-          <a:p>
-            <a:pPr marL="400050" lvl="1" indent="0">
-              <a:buNone/>
-            </a:pPr>
-            <a:endParaRPr lang="nn-NO" sz="1400" dirty="0">
-              <a:solidFill>
-                <a:srgbClr val="00B050"/>
-              </a:solidFill>
-              <a:latin typeface="Courier New" pitchFamily="49" charset="0"/>
-              <a:cs typeface="Courier New" pitchFamily="49" charset="0"/>
-            </a:endParaRPr>
-          </a:p>
-          <a:p>
-            <a:pPr marL="400050" lvl="1" indent="0">
-              <a:buNone/>
-            </a:pPr>
-            <a:r>
-              <a:rPr lang="nn-NO" sz="1400" dirty="0">
-                <a:solidFill>
                   <a:schemeClr val="accent2"/>
                 </a:solidFill>
                 <a:latin typeface="Courier New" pitchFamily="49" charset="0"/>
                 <a:cs typeface="Courier New" pitchFamily="49" charset="0"/>
               </a:rPr>
-              <a:t>i</a:t>
-            </a:r>
-            <a:r>
-              <a:rPr lang="nn-NO" sz="1400" b="1" dirty="0" smtClean="0">
-                <a:solidFill>
-                  <a:schemeClr val="accent2"/>
-                </a:solidFill>
-                <a:latin typeface="Courier New" pitchFamily="49" charset="0"/>
-                <a:cs typeface="Courier New" pitchFamily="49" charset="0"/>
-              </a:rPr>
-              <a:t>nt sum = 0;  </a:t>
-            </a:r>
-            <a:r>
-              <a:rPr lang="nn-NO" sz="1400" b="1" dirty="0" smtClean="0">
-                <a:solidFill>
-                  <a:srgbClr val="00B050"/>
-                </a:solidFill>
-                <a:latin typeface="Courier New" pitchFamily="49" charset="0"/>
-                <a:cs typeface="Courier New" pitchFamily="49" charset="0"/>
-              </a:rPr>
-              <a:t>// good form to ALWAYS initialize your variables</a:t>
-            </a:r>
-          </a:p>
-          <a:p>
-            <a:pPr marL="400050" lvl="1" indent="0">
-              <a:buNone/>
-            </a:pPr>
-            <a:r>
-              <a:rPr lang="nn-NO" sz="1400" b="1" dirty="0" smtClean="0">
-                <a:solidFill>
-                  <a:schemeClr val="accent2"/>
-                </a:solidFill>
-                <a:latin typeface="Courier New" pitchFamily="49" charset="0"/>
-                <a:cs typeface="Courier New" pitchFamily="49" charset="0"/>
-              </a:rPr>
-              <a:t>for (int i </a:t>
-            </a:r>
-            <a:r>
-              <a:rPr lang="nn-NO" sz="1400" b="1" dirty="0">
-                <a:solidFill>
-                  <a:schemeClr val="accent2"/>
-                </a:solidFill>
-                <a:latin typeface="Courier New" pitchFamily="49" charset="0"/>
-                <a:cs typeface="Courier New" pitchFamily="49" charset="0"/>
-              </a:rPr>
-              <a:t>= 1; i &lt;= 20; i</a:t>
-            </a:r>
-            <a:r>
-              <a:rPr lang="nn-NO" sz="1400" b="1" dirty="0" smtClean="0">
-                <a:solidFill>
-                  <a:schemeClr val="accent2"/>
-                </a:solidFill>
-                <a:latin typeface="Courier New" pitchFamily="49" charset="0"/>
-                <a:cs typeface="Courier New" pitchFamily="49" charset="0"/>
-              </a:rPr>
-              <a:t>++){</a:t>
-            </a:r>
-            <a:endParaRPr lang="nn-NO" sz="1400" b="1" dirty="0">
-              <a:solidFill>
-                <a:schemeClr val="accent2"/>
-              </a:solidFill>
-              <a:latin typeface="Courier New" pitchFamily="49" charset="0"/>
-              <a:cs typeface="Courier New" pitchFamily="49" charset="0"/>
-            </a:endParaRPr>
-          </a:p>
-          <a:p>
-            <a:pPr marL="400050" lvl="1" indent="0">
-              <a:buNone/>
-            </a:pPr>
-            <a:r>
-              <a:rPr lang="nn-NO" sz="1400" b="1" dirty="0">
-                <a:solidFill>
-                  <a:schemeClr val="accent2"/>
-                </a:solidFill>
-                <a:latin typeface="Courier New" pitchFamily="49" charset="0"/>
-                <a:cs typeface="Courier New" pitchFamily="49" charset="0"/>
-              </a:rPr>
-              <a:t>    sum += i;</a:t>
-            </a:r>
-          </a:p>
-          <a:p>
-            <a:pPr marL="400050" lvl="1" indent="0">
-              <a:buNone/>
-            </a:pPr>
-            <a:r>
-              <a:rPr lang="nn-NO" sz="1400" b="1" dirty="0">
-                <a:solidFill>
-                  <a:schemeClr val="accent2"/>
-                </a:solidFill>
-                <a:latin typeface="Courier New" pitchFamily="49" charset="0"/>
-                <a:cs typeface="Courier New" pitchFamily="49" charset="0"/>
-              </a:rPr>
-              <a:t>}</a:t>
+              <a:t>){</a:t>
             </a:r>
             <a:endParaRPr lang="en-US" sz="1400" b="1" dirty="0">
               <a:solidFill>
@@ -14400,12 +13914,222 @@
               <a:cs typeface="Courier New" pitchFamily="49" charset="0"/>
             </a:endParaRPr>
           </a:p>
+          <a:p>
+            <a:pPr marL="400050" lvl="1" indent="0">
+              <a:buNone/>
+            </a:pPr>
+            <a:r>
+              <a:rPr lang="en-US" sz="1400" b="1" dirty="0">
+                <a:solidFill>
+                  <a:schemeClr val="accent2"/>
+                </a:solidFill>
+                <a:latin typeface="Courier New" pitchFamily="49" charset="0"/>
+                <a:cs typeface="Courier New" pitchFamily="49" charset="0"/>
+              </a:rPr>
+              <a:t>    case MENU:</a:t>
+            </a:r>
+          </a:p>
+          <a:p>
+            <a:pPr marL="400050" lvl="1" indent="0">
+              <a:buNone/>
+            </a:pPr>
+            <a:r>
+              <a:rPr lang="en-US" sz="1400" b="1" dirty="0">
+                <a:solidFill>
+                  <a:schemeClr val="accent2"/>
+                </a:solidFill>
+                <a:latin typeface="Courier New" pitchFamily="49" charset="0"/>
+                <a:cs typeface="Courier New" pitchFamily="49" charset="0"/>
+              </a:rPr>
+              <a:t>        </a:t>
+            </a:r>
+            <a:r>
+              <a:rPr lang="en-US" sz="1400" b="1" dirty="0" err="1">
+                <a:solidFill>
+                  <a:schemeClr val="accent2"/>
+                </a:solidFill>
+                <a:latin typeface="Courier New" pitchFamily="49" charset="0"/>
+                <a:cs typeface="Courier New" pitchFamily="49" charset="0"/>
+              </a:rPr>
+              <a:t>displayMenu</a:t>
+            </a:r>
+            <a:r>
+              <a:rPr lang="en-US" sz="1400" b="1" dirty="0">
+                <a:solidFill>
+                  <a:schemeClr val="accent2"/>
+                </a:solidFill>
+                <a:latin typeface="Courier New" pitchFamily="49" charset="0"/>
+                <a:cs typeface="Courier New" pitchFamily="49" charset="0"/>
+              </a:rPr>
+              <a:t>();</a:t>
+            </a:r>
+          </a:p>
+          <a:p>
+            <a:pPr marL="400050" lvl="1" indent="0">
+              <a:buNone/>
+            </a:pPr>
+            <a:r>
+              <a:rPr lang="en-US" sz="1400" b="1" dirty="0">
+                <a:solidFill>
+                  <a:schemeClr val="accent2"/>
+                </a:solidFill>
+                <a:latin typeface="Courier New" pitchFamily="49" charset="0"/>
+                <a:cs typeface="Courier New" pitchFamily="49" charset="0"/>
+              </a:rPr>
+              <a:t>        break;</a:t>
+            </a:r>
+          </a:p>
+          <a:p>
+            <a:pPr marL="400050" lvl="1" indent="0">
+              <a:buNone/>
+            </a:pPr>
+            <a:r>
+              <a:rPr lang="en-US" sz="1400" b="1" dirty="0">
+                <a:solidFill>
+                  <a:schemeClr val="accent2"/>
+                </a:solidFill>
+                <a:latin typeface="Courier New" pitchFamily="49" charset="0"/>
+                <a:cs typeface="Courier New" pitchFamily="49" charset="0"/>
+              </a:rPr>
+              <a:t>    case PLAYING:</a:t>
+            </a:r>
+          </a:p>
+          <a:p>
+            <a:pPr marL="400050" lvl="1" indent="0">
+              <a:buNone/>
+            </a:pPr>
+            <a:r>
+              <a:rPr lang="en-US" sz="1400" b="1" dirty="0">
+                <a:solidFill>
+                  <a:schemeClr val="accent2"/>
+                </a:solidFill>
+                <a:latin typeface="Courier New" pitchFamily="49" charset="0"/>
+                <a:cs typeface="Courier New" pitchFamily="49" charset="0"/>
+              </a:rPr>
+              <a:t>        </a:t>
+            </a:r>
+            <a:r>
+              <a:rPr lang="en-US" sz="1400" b="1" dirty="0" err="1">
+                <a:solidFill>
+                  <a:schemeClr val="accent2"/>
+                </a:solidFill>
+                <a:latin typeface="Courier New" pitchFamily="49" charset="0"/>
+                <a:cs typeface="Courier New" pitchFamily="49" charset="0"/>
+              </a:rPr>
+              <a:t>updateState</a:t>
+            </a:r>
+            <a:r>
+              <a:rPr lang="en-US" sz="1400" b="1" dirty="0">
+                <a:solidFill>
+                  <a:schemeClr val="accent2"/>
+                </a:solidFill>
+                <a:latin typeface="Courier New" pitchFamily="49" charset="0"/>
+                <a:cs typeface="Courier New" pitchFamily="49" charset="0"/>
+              </a:rPr>
+              <a:t>();</a:t>
+            </a:r>
+          </a:p>
+          <a:p>
+            <a:pPr marL="400050" lvl="1" indent="0">
+              <a:buNone/>
+            </a:pPr>
+            <a:r>
+              <a:rPr lang="en-US" sz="1400" b="1" dirty="0">
+                <a:solidFill>
+                  <a:schemeClr val="accent2"/>
+                </a:solidFill>
+                <a:latin typeface="Courier New" pitchFamily="49" charset="0"/>
+                <a:cs typeface="Courier New" pitchFamily="49" charset="0"/>
+              </a:rPr>
+              <a:t>        break;</a:t>
+            </a:r>
+          </a:p>
+          <a:p>
+            <a:pPr marL="400050" lvl="1" indent="0">
+              <a:buNone/>
+            </a:pPr>
+            <a:r>
+              <a:rPr lang="en-US" sz="1400" b="1" dirty="0">
+                <a:solidFill>
+                  <a:schemeClr val="accent2"/>
+                </a:solidFill>
+                <a:latin typeface="Courier New" pitchFamily="49" charset="0"/>
+                <a:cs typeface="Courier New" pitchFamily="49" charset="0"/>
+              </a:rPr>
+              <a:t>    case LOST:</a:t>
+            </a:r>
+          </a:p>
+          <a:p>
+            <a:pPr marL="400050" lvl="1" indent="0">
+              <a:buNone/>
+            </a:pPr>
+            <a:r>
+              <a:rPr lang="en-US" sz="1400" b="1" dirty="0">
+                <a:solidFill>
+                  <a:schemeClr val="accent2"/>
+                </a:solidFill>
+                <a:latin typeface="Courier New" pitchFamily="49" charset="0"/>
+                <a:cs typeface="Courier New" pitchFamily="49" charset="0"/>
+              </a:rPr>
+              <a:t>        </a:t>
+            </a:r>
+            <a:r>
+              <a:rPr lang="en-US" sz="1400" b="1" dirty="0" err="1">
+                <a:solidFill>
+                  <a:schemeClr val="accent2"/>
+                </a:solidFill>
+                <a:latin typeface="Courier New" pitchFamily="49" charset="0"/>
+                <a:cs typeface="Courier New" pitchFamily="49" charset="0"/>
+              </a:rPr>
+              <a:t>displayLost</a:t>
+            </a:r>
+            <a:r>
+              <a:rPr lang="en-US" sz="1400" b="1" dirty="0">
+                <a:solidFill>
+                  <a:schemeClr val="accent2"/>
+                </a:solidFill>
+                <a:latin typeface="Courier New" pitchFamily="49" charset="0"/>
+                <a:cs typeface="Courier New" pitchFamily="49" charset="0"/>
+              </a:rPr>
+              <a:t>();</a:t>
+            </a:r>
+          </a:p>
+          <a:p>
+            <a:pPr marL="400050" lvl="1" indent="0">
+              <a:buNone/>
+            </a:pPr>
+            <a:r>
+              <a:rPr lang="en-US" sz="1400" b="1" dirty="0">
+                <a:solidFill>
+                  <a:schemeClr val="accent2"/>
+                </a:solidFill>
+                <a:latin typeface="Courier New" pitchFamily="49" charset="0"/>
+                <a:cs typeface="Courier New" pitchFamily="49" charset="0"/>
+              </a:rPr>
+              <a:t>        break;</a:t>
+            </a:r>
+          </a:p>
+          <a:p>
+            <a:pPr marL="400050" lvl="1" indent="0">
+              <a:buNone/>
+            </a:pPr>
+            <a:r>
+              <a:rPr lang="en-US" sz="1400" b="1" dirty="0">
+                <a:solidFill>
+                  <a:schemeClr val="accent2"/>
+                </a:solidFill>
+                <a:latin typeface="Courier New" pitchFamily="49" charset="0"/>
+                <a:cs typeface="Courier New" pitchFamily="49" charset="0"/>
+              </a:rPr>
+              <a:t>}</a:t>
+            </a:r>
+          </a:p>
         </p:txBody>
       </p:sp>
     </p:spTree>
     <p:extLst>
       <p:ext uri="{BB962C8B-B14F-4D97-AF65-F5344CB8AC3E}">
-        <p14:creationId xmlns:p14="http://schemas.microsoft.com/office/powerpoint/2010/main" val="279249906"/>
+        <p14:creationId xmlns:p14="http://schemas.microsoft.com/office/powerpoint/2010/main" val="3057391464"/>
       </p:ext>
     </p:extLst>
   </p:cSld>
@@ -14456,7 +14180,7 @@
           <a:p>
             <a:r>
               <a:rPr lang="en-US" b="1" dirty="0" smtClean="0"/>
-              <a:t>While / Do While Loop</a:t>
+              <a:t>For Loop</a:t>
             </a:r>
             <a:endParaRPr lang="en-US" dirty="0"/>
           </a:p>
@@ -14474,14 +14198,12 @@
         </p:nvSpPr>
         <p:spPr>
           <a:xfrm>
-            <a:off x="275129" y="1464766"/>
+            <a:off x="212067" y="1504180"/>
             <a:ext cx="8868871" cy="5035231"/>
           </a:xfrm>
         </p:spPr>
         <p:txBody>
-          <a:bodyPr>
-            <a:normAutofit lnSpcReduction="10000"/>
-          </a:bodyPr>
+          <a:bodyPr/>
           <a:lstStyle/>
           <a:p>
             <a:pPr marL="400050" lvl="1" indent="0">
@@ -14495,81 +14217,17 @@
                 <a:latin typeface="Courier New" pitchFamily="49" charset="0"/>
                 <a:cs typeface="Courier New" pitchFamily="49" charset="0"/>
               </a:rPr>
-              <a:t>while (condition) {</a:t>
-            </a:r>
-          </a:p>
-          <a:p>
-            <a:pPr marL="400050" lvl="1" indent="0">
-              <a:buNone/>
-            </a:pPr>
-            <a:r>
-              <a:rPr lang="en-US" sz="1400" b="1" dirty="0">
+              <a:t>for (initial; continue; increment</a:t>
+            </a:r>
+            <a:r>
+              <a:rPr lang="en-US" sz="1400" b="1" dirty="0" smtClean="0">
                 <a:solidFill>
                   <a:srgbClr val="00B050"/>
                 </a:solidFill>
                 <a:latin typeface="Courier New" pitchFamily="49" charset="0"/>
                 <a:cs typeface="Courier New" pitchFamily="49" charset="0"/>
               </a:rPr>
-              <a:t>    statements;</a:t>
-            </a:r>
-          </a:p>
-          <a:p>
-            <a:pPr marL="400050" lvl="1" indent="0">
-              <a:buNone/>
-            </a:pPr>
-            <a:r>
-              <a:rPr lang="en-US" sz="1400" b="1" dirty="0">
-                <a:solidFill>
-                  <a:srgbClr val="00B050"/>
-                </a:solidFill>
-                <a:latin typeface="Courier New" pitchFamily="49" charset="0"/>
-                <a:cs typeface="Courier New" pitchFamily="49" charset="0"/>
-              </a:rPr>
-              <a:t>}</a:t>
-            </a:r>
-          </a:p>
-          <a:p>
-            <a:pPr marL="400050" lvl="1" indent="0">
-              <a:buNone/>
-            </a:pPr>
-            <a:r>
-              <a:rPr lang="en-US" sz="1400" i="1" dirty="0" smtClean="0"/>
-              <a:t>		do </a:t>
-            </a:r>
-            <a:r>
-              <a:rPr lang="en-US" sz="1400" i="1" dirty="0"/>
-              <a:t>while</a:t>
-            </a:r>
-            <a:r>
-              <a:rPr lang="en-US" sz="1400" dirty="0"/>
-              <a:t> is guaranteed to be executed once, </a:t>
-            </a:r>
-            <a:r>
-              <a:rPr lang="en-US" sz="1400" i="1" dirty="0"/>
-              <a:t>while</a:t>
-            </a:r>
-            <a:r>
-              <a:rPr lang="en-US" sz="1400" dirty="0"/>
-              <a:t> isn't.</a:t>
-            </a:r>
-            <a:endParaRPr lang="en-US" sz="1400" b="1" dirty="0">
-              <a:latin typeface="Courier New" pitchFamily="49" charset="0"/>
-              <a:cs typeface="Courier New" pitchFamily="49" charset="0"/>
-            </a:endParaRPr>
-          </a:p>
-          <a:p>
-            <a:pPr marL="400050" lvl="1" indent="0">
-              <a:buNone/>
-            </a:pPr>
-            <a:r>
-              <a:rPr lang="en-US" sz="1400" b="1" dirty="0" smtClean="0">
-                <a:solidFill>
-                  <a:srgbClr val="00B050"/>
-                </a:solidFill>
-                <a:latin typeface="Courier New" pitchFamily="49" charset="0"/>
-                <a:cs typeface="Courier New" pitchFamily="49" charset="0"/>
-              </a:rPr>
-              <a:t>do</a:t>
+              <a:t>){</a:t>
             </a:r>
             <a:endParaRPr lang="en-US" sz="1400" b="1" dirty="0">
               <a:solidFill>
@@ -14591,7 +14249,7 @@
                 <a:latin typeface="Courier New" pitchFamily="49" charset="0"/>
                 <a:cs typeface="Courier New" pitchFamily="49" charset="0"/>
               </a:rPr>
-              <a:t>{</a:t>
+              <a:t>    statements;</a:t>
             </a:r>
           </a:p>
           <a:p>
@@ -14599,57 +14257,143 @@
               <a:buNone/>
             </a:pPr>
             <a:r>
-              <a:rPr lang="en-US" sz="1400" b="1" dirty="0">
+              <a:rPr lang="en-US" sz="1400" b="1" dirty="0" smtClean="0">
                 <a:solidFill>
                   <a:srgbClr val="00B050"/>
                 </a:solidFill>
                 <a:latin typeface="Courier New" pitchFamily="49" charset="0"/>
                 <a:cs typeface="Courier New" pitchFamily="49" charset="0"/>
               </a:rPr>
-              <a:t>    statements;</a:t>
+              <a:t>}</a:t>
+            </a:r>
+          </a:p>
+          <a:p>
+            <a:r>
+              <a:rPr lang="en-US" sz="1800" dirty="0">
+                <a:solidFill>
+                  <a:srgbClr val="0070C0"/>
+                </a:solidFill>
+              </a:rPr>
+              <a:t>initial </a:t>
+            </a:r>
+            <a:r>
+              <a:rPr lang="en-US" sz="1800" dirty="0" smtClean="0"/>
+              <a:t>– initializes variable to the starting value</a:t>
+            </a:r>
+            <a:endParaRPr lang="en-US" sz="1800" dirty="0"/>
+          </a:p>
+          <a:p>
+            <a:r>
+              <a:rPr lang="en-US" sz="1800" dirty="0">
+                <a:solidFill>
+                  <a:srgbClr val="0070C0"/>
+                </a:solidFill>
+              </a:rPr>
+              <a:t>continue</a:t>
+            </a:r>
+            <a:r>
+              <a:rPr lang="en-US" sz="1800" dirty="0"/>
+              <a:t> </a:t>
+            </a:r>
+            <a:r>
+              <a:rPr lang="en-US" sz="1800" dirty="0" smtClean="0"/>
+              <a:t>– continues looping while condition is true</a:t>
+            </a:r>
+            <a:endParaRPr lang="en-US" sz="1800" dirty="0"/>
+          </a:p>
+          <a:p>
+            <a:r>
+              <a:rPr lang="en-US" sz="1800" dirty="0">
+                <a:solidFill>
+                  <a:srgbClr val="0070C0"/>
+                </a:solidFill>
+              </a:rPr>
+              <a:t>increment</a:t>
+            </a:r>
+            <a:r>
+              <a:rPr lang="en-US" sz="1800" dirty="0"/>
+              <a:t> - </a:t>
+            </a:r>
+            <a:r>
+              <a:rPr lang="en-US" sz="1800" dirty="0" smtClean="0"/>
+              <a:t>usually </a:t>
+            </a:r>
+            <a:r>
+              <a:rPr lang="en-US" sz="1800" dirty="0"/>
+              <a:t>used to increment / decrement a </a:t>
+            </a:r>
+            <a:r>
+              <a:rPr lang="en-US" sz="1800" dirty="0" smtClean="0"/>
+              <a:t>variable</a:t>
+            </a:r>
+            <a:endParaRPr lang="en-US" sz="1800" dirty="0"/>
+          </a:p>
+          <a:p>
+            <a:pPr marL="0" indent="0">
+              <a:buNone/>
+            </a:pPr>
+            <a:endParaRPr lang="en-US" sz="1800" b="1" dirty="0" smtClean="0">
+              <a:latin typeface="Courier New" pitchFamily="49" charset="0"/>
+              <a:cs typeface="Courier New" pitchFamily="49" charset="0"/>
+            </a:endParaRPr>
+          </a:p>
+          <a:p>
+            <a:pPr marL="0" indent="0">
+              <a:buNone/>
+            </a:pPr>
+            <a:r>
+              <a:rPr lang="en-US" sz="1800" b="1" dirty="0" smtClean="0">
+                <a:latin typeface="Courier New" pitchFamily="49" charset="0"/>
+                <a:cs typeface="Courier New" pitchFamily="49" charset="0"/>
+              </a:rPr>
+              <a:t>Example:</a:t>
             </a:r>
           </a:p>
           <a:p>
             <a:pPr marL="400050" lvl="1" indent="0">
               <a:buNone/>
             </a:pPr>
-            <a:r>
-              <a:rPr lang="en-US" sz="1400" b="1" dirty="0">
+            <a:endParaRPr lang="nn-NO" sz="1400" dirty="0">
+              <a:solidFill>
+                <a:srgbClr val="00B050"/>
+              </a:solidFill>
+              <a:latin typeface="Courier New" pitchFamily="49" charset="0"/>
+              <a:cs typeface="Courier New" pitchFamily="49" charset="0"/>
+            </a:endParaRPr>
+          </a:p>
+          <a:p>
+            <a:pPr marL="400050" lvl="1" indent="0">
+              <a:buNone/>
+            </a:pPr>
+            <a:r>
+              <a:rPr lang="nn-NO" sz="1400" dirty="0">
+                <a:solidFill>
+                  <a:schemeClr val="accent2"/>
+                </a:solidFill>
+                <a:latin typeface="Courier New" pitchFamily="49" charset="0"/>
+                <a:cs typeface="Courier New" pitchFamily="49" charset="0"/>
+              </a:rPr>
+              <a:t>i</a:t>
+            </a:r>
+            <a:r>
+              <a:rPr lang="nn-NO" sz="1400" b="1" dirty="0" smtClean="0">
+                <a:solidFill>
+                  <a:schemeClr val="accent2"/>
+                </a:solidFill>
+                <a:latin typeface="Courier New" pitchFamily="49" charset="0"/>
+                <a:cs typeface="Courier New" pitchFamily="49" charset="0"/>
+              </a:rPr>
+              <a:t>nt sum = 0;  </a:t>
+            </a:r>
+            <a:r>
+              <a:rPr lang="nn-NO" sz="1400" b="1" dirty="0" smtClean="0">
                 <a:solidFill>
                   <a:srgbClr val="00B050"/>
                 </a:solidFill>
                 <a:latin typeface="Courier New" pitchFamily="49" charset="0"/>
                 <a:cs typeface="Courier New" pitchFamily="49" charset="0"/>
               </a:rPr>
-              <a:t>} while (condition</a:t>
-            </a:r>
-            <a:r>
-              <a:rPr lang="en-US" sz="1400" b="1" dirty="0" smtClean="0">
-                <a:solidFill>
-                  <a:srgbClr val="00B050"/>
-                </a:solidFill>
-                <a:latin typeface="Courier New" pitchFamily="49" charset="0"/>
-                <a:cs typeface="Courier New" pitchFamily="49" charset="0"/>
-              </a:rPr>
-              <a:t>);</a:t>
-            </a:r>
-          </a:p>
-          <a:p>
-            <a:pPr marL="0" indent="0">
-              <a:buNone/>
-            </a:pPr>
-            <a:endParaRPr lang="en-US" sz="1800" i="1" dirty="0" smtClean="0"/>
-          </a:p>
-          <a:p>
-            <a:pPr marL="0" indent="0">
-              <a:buNone/>
-            </a:pPr>
-            <a:r>
-              <a:rPr lang="en-US" sz="1800" b="1" dirty="0" smtClean="0">
-                <a:latin typeface="Courier New" pitchFamily="49" charset="0"/>
-                <a:cs typeface="Courier New" pitchFamily="49" charset="0"/>
-              </a:rPr>
-              <a:t>Example:</a:t>
+              <a:t>// good form to ALWAYS initialize your variables</a:t>
             </a:r>
           </a:p>
           <a:p>
@@ -14657,40 +14401,72 @@
               <a:buNone/>
             </a:pPr>
             <a:r>
-              <a:rPr lang="en-US" sz="1400" b="1" dirty="0">
+              <a:rPr lang="nn-NO" sz="1400" b="1" dirty="0" smtClean="0">
                 <a:solidFill>
                   <a:schemeClr val="accent2"/>
                 </a:solidFill>
                 <a:latin typeface="Courier New" pitchFamily="49" charset="0"/>
                 <a:cs typeface="Courier New" pitchFamily="49" charset="0"/>
               </a:rPr>
-              <a:t>int </a:t>
-            </a:r>
-            <a:r>
-              <a:rPr lang="en-US" sz="1400" b="1" dirty="0" err="1">
+              <a:t>for (int i </a:t>
+            </a:r>
+            <a:r>
+              <a:rPr lang="nn-NO" sz="1400" b="1" dirty="0">
                 <a:solidFill>
                   <a:schemeClr val="accent2"/>
                 </a:solidFill>
                 <a:latin typeface="Courier New" pitchFamily="49" charset="0"/>
                 <a:cs typeface="Courier New" pitchFamily="49" charset="0"/>
               </a:rPr>
-              <a:t>i</a:t>
-            </a:r>
-            <a:r>
-              <a:rPr lang="en-US" sz="1400" b="1" dirty="0">
+              <a:t>= 1; i &lt;= 20; i</a:t>
+            </a:r>
+            <a:r>
+              <a:rPr lang="nn-NO" sz="1400" b="1" dirty="0" smtClean="0">
                 <a:solidFill>
                   <a:schemeClr val="accent2"/>
                 </a:solidFill>
                 <a:latin typeface="Courier New" pitchFamily="49" charset="0"/>
                 <a:cs typeface="Courier New" pitchFamily="49" charset="0"/>
               </a:rPr>
-              <a:t> = 5;</a:t>
-            </a:r>
+              <a:t>++){</a:t>
+            </a:r>
+            <a:endParaRPr lang="nn-NO" sz="1400" b="1" dirty="0">
+              <a:solidFill>
+                <a:schemeClr val="accent2"/>
+              </a:solidFill>
+              <a:latin typeface="Courier New" pitchFamily="49" charset="0"/>
+              <a:cs typeface="Courier New" pitchFamily="49" charset="0"/>
+            </a:endParaRPr>
           </a:p>
           <a:p>
             <a:pPr marL="400050" lvl="1" indent="0">
               <a:buNone/>
             </a:pPr>
+            <a:r>
+              <a:rPr lang="nn-NO" sz="1400" b="1" dirty="0">
+                <a:solidFill>
+                  <a:schemeClr val="accent2"/>
+                </a:solidFill>
+                <a:latin typeface="Courier New" pitchFamily="49" charset="0"/>
+                <a:cs typeface="Courier New" pitchFamily="49" charset="0"/>
+              </a:rPr>
+              <a:t>    sum += i;</a:t>
+            </a:r>
+          </a:p>
+          <a:p>
+            <a:pPr marL="400050" lvl="1" indent="0">
+              <a:buNone/>
+            </a:pPr>
+            <a:r>
+              <a:rPr lang="nn-NO" sz="1400" b="1" dirty="0">
+                <a:solidFill>
+                  <a:schemeClr val="accent2"/>
+                </a:solidFill>
+                <a:latin typeface="Courier New" pitchFamily="49" charset="0"/>
+                <a:cs typeface="Courier New" pitchFamily="49" charset="0"/>
+              </a:rPr>
+              <a:t>}</a:t>
+            </a:r>
             <a:endParaRPr lang="en-US" sz="1400" b="1" dirty="0">
               <a:solidFill>
                 <a:schemeClr val="accent2"/>
@@ -14699,469 +14475,12 @@
               <a:cs typeface="Courier New" pitchFamily="49" charset="0"/>
             </a:endParaRPr>
           </a:p>
-          <a:p>
-            <a:pPr marL="400050" lvl="1" indent="0">
-              <a:buNone/>
-            </a:pPr>
-            <a:r>
-              <a:rPr lang="en-US" sz="1400" b="1" dirty="0">
-                <a:solidFill>
-                  <a:schemeClr val="accent2"/>
-                </a:solidFill>
-                <a:latin typeface="Courier New" pitchFamily="49" charset="0"/>
-                <a:cs typeface="Courier New" pitchFamily="49" charset="0"/>
-              </a:rPr>
-              <a:t>while (</a:t>
-            </a:r>
-            <a:r>
-              <a:rPr lang="en-US" sz="1400" b="1" dirty="0" err="1">
-                <a:solidFill>
-                  <a:schemeClr val="accent2"/>
-                </a:solidFill>
-                <a:latin typeface="Courier New" pitchFamily="49" charset="0"/>
-                <a:cs typeface="Courier New" pitchFamily="49" charset="0"/>
-              </a:rPr>
-              <a:t>i</a:t>
-            </a:r>
-            <a:r>
-              <a:rPr lang="en-US" sz="1400" b="1" dirty="0">
-                <a:solidFill>
-                  <a:schemeClr val="accent2"/>
-                </a:solidFill>
-                <a:latin typeface="Courier New" pitchFamily="49" charset="0"/>
-                <a:cs typeface="Courier New" pitchFamily="49" charset="0"/>
-              </a:rPr>
-              <a:t> &lt; 10</a:t>
-            </a:r>
-            <a:r>
-              <a:rPr lang="en-US" sz="1400" b="1" dirty="0" smtClean="0">
-                <a:solidFill>
-                  <a:schemeClr val="accent2"/>
-                </a:solidFill>
-                <a:latin typeface="Courier New" pitchFamily="49" charset="0"/>
-                <a:cs typeface="Courier New" pitchFamily="49" charset="0"/>
-              </a:rPr>
-              <a:t>){</a:t>
-            </a:r>
-            <a:r>
-              <a:rPr lang="en-US" sz="1400" b="1" dirty="0" err="1" smtClean="0">
-                <a:solidFill>
-                  <a:schemeClr val="accent2"/>
-                </a:solidFill>
-                <a:latin typeface="Courier New" pitchFamily="49" charset="0"/>
-                <a:cs typeface="Courier New" pitchFamily="49" charset="0"/>
-              </a:rPr>
-              <a:t>i</a:t>
-            </a:r>
-            <a:r>
-              <a:rPr lang="en-US" sz="1400" b="1" dirty="0" smtClean="0">
-                <a:solidFill>
-                  <a:schemeClr val="accent2"/>
-                </a:solidFill>
-                <a:latin typeface="Courier New" pitchFamily="49" charset="0"/>
-                <a:cs typeface="Courier New" pitchFamily="49" charset="0"/>
-              </a:rPr>
-              <a:t>++;}</a:t>
-            </a:r>
-            <a:endParaRPr lang="en-US" sz="1400" b="1" dirty="0">
-              <a:solidFill>
-                <a:schemeClr val="accent2"/>
-              </a:solidFill>
-              <a:latin typeface="Courier New" pitchFamily="49" charset="0"/>
-              <a:cs typeface="Courier New" pitchFamily="49" charset="0"/>
-            </a:endParaRPr>
-          </a:p>
-          <a:p>
-            <a:pPr marL="400050" lvl="1" indent="0">
-              <a:buNone/>
-            </a:pPr>
-            <a:endParaRPr lang="en-US" sz="1400" b="1" dirty="0">
-              <a:solidFill>
-                <a:schemeClr val="accent2"/>
-              </a:solidFill>
-              <a:latin typeface="Courier New" pitchFamily="49" charset="0"/>
-              <a:cs typeface="Courier New" pitchFamily="49" charset="0"/>
-            </a:endParaRPr>
-          </a:p>
-          <a:p>
-            <a:pPr marL="400050" lvl="1" indent="0">
-              <a:buNone/>
-            </a:pPr>
-            <a:r>
-              <a:rPr lang="en-US" sz="1400" b="1" dirty="0">
-                <a:solidFill>
-                  <a:schemeClr val="accent2"/>
-                </a:solidFill>
-                <a:latin typeface="Courier New" pitchFamily="49" charset="0"/>
-                <a:cs typeface="Courier New" pitchFamily="49" charset="0"/>
-              </a:rPr>
-              <a:t>do {</a:t>
-            </a:r>
-          </a:p>
-          <a:p>
-            <a:pPr marL="400050" lvl="1" indent="0">
-              <a:buNone/>
-            </a:pPr>
-            <a:r>
-              <a:rPr lang="en-US" sz="1400" b="1" dirty="0">
-                <a:solidFill>
-                  <a:schemeClr val="accent2"/>
-                </a:solidFill>
-                <a:latin typeface="Courier New" pitchFamily="49" charset="0"/>
-                <a:cs typeface="Courier New" pitchFamily="49" charset="0"/>
-              </a:rPr>
-              <a:t>    </a:t>
-            </a:r>
-            <a:r>
-              <a:rPr lang="en-US" sz="1400" b="1" dirty="0" err="1">
-                <a:solidFill>
-                  <a:schemeClr val="accent2"/>
-                </a:solidFill>
-                <a:latin typeface="Courier New" pitchFamily="49" charset="0"/>
-                <a:cs typeface="Courier New" pitchFamily="49" charset="0"/>
-              </a:rPr>
-              <a:t>i</a:t>
-            </a:r>
-            <a:r>
-              <a:rPr lang="en-US" sz="1400" b="1" dirty="0" smtClean="0">
-                <a:solidFill>
-                  <a:schemeClr val="accent2"/>
-                </a:solidFill>
-                <a:latin typeface="Courier New" pitchFamily="49" charset="0"/>
-                <a:cs typeface="Courier New" pitchFamily="49" charset="0"/>
-              </a:rPr>
-              <a:t>++;</a:t>
-            </a:r>
-            <a:endParaRPr lang="en-US" sz="1400" b="1" dirty="0">
-              <a:solidFill>
-                <a:schemeClr val="accent2"/>
-              </a:solidFill>
-              <a:latin typeface="Courier New" pitchFamily="49" charset="0"/>
-              <a:cs typeface="Courier New" pitchFamily="49" charset="0"/>
-            </a:endParaRPr>
-          </a:p>
-          <a:p>
-            <a:pPr marL="400050" lvl="1" indent="0">
-              <a:buNone/>
-            </a:pPr>
-            <a:r>
-              <a:rPr lang="en-US" sz="1400" b="1" dirty="0">
-                <a:solidFill>
-                  <a:schemeClr val="accent2"/>
-                </a:solidFill>
-                <a:latin typeface="Courier New" pitchFamily="49" charset="0"/>
-                <a:cs typeface="Courier New" pitchFamily="49" charset="0"/>
-              </a:rPr>
-              <a:t>} while (</a:t>
-            </a:r>
-            <a:r>
-              <a:rPr lang="en-US" sz="1400" b="1" dirty="0" err="1">
-                <a:solidFill>
-                  <a:schemeClr val="accent2"/>
-                </a:solidFill>
-                <a:latin typeface="Courier New" pitchFamily="49" charset="0"/>
-                <a:cs typeface="Courier New" pitchFamily="49" charset="0"/>
-              </a:rPr>
-              <a:t>i</a:t>
-            </a:r>
-            <a:r>
-              <a:rPr lang="en-US" sz="1400" b="1" dirty="0">
-                <a:solidFill>
-                  <a:schemeClr val="accent2"/>
-                </a:solidFill>
-                <a:latin typeface="Courier New" pitchFamily="49" charset="0"/>
-                <a:cs typeface="Courier New" pitchFamily="49" charset="0"/>
-              </a:rPr>
-              <a:t> &lt; 10);</a:t>
-            </a:r>
-          </a:p>
-          <a:p>
-            <a:pPr marL="400050" lvl="1" indent="0">
-              <a:buNone/>
-            </a:pPr>
-            <a:endParaRPr lang="en-US" sz="1400" b="1" dirty="0">
-              <a:solidFill>
-                <a:schemeClr val="accent2"/>
-              </a:solidFill>
-              <a:latin typeface="Courier New" pitchFamily="49" charset="0"/>
-              <a:cs typeface="Courier New" pitchFamily="49" charset="0"/>
-            </a:endParaRPr>
-          </a:p>
-          <a:p>
-            <a:pPr marL="400050" lvl="1" indent="0">
-              <a:buNone/>
-            </a:pPr>
-            <a:r>
-              <a:rPr lang="en-US" sz="1400" b="1" dirty="0">
-                <a:solidFill>
-                  <a:srgbClr val="00B050"/>
-                </a:solidFill>
-                <a:latin typeface="Courier New" pitchFamily="49" charset="0"/>
-                <a:cs typeface="Courier New" pitchFamily="49" charset="0"/>
-              </a:rPr>
-              <a:t>// final value of </a:t>
-            </a:r>
-            <a:r>
-              <a:rPr lang="en-US" sz="1400" b="1" dirty="0" err="1">
-                <a:solidFill>
-                  <a:srgbClr val="00B050"/>
-                </a:solidFill>
-                <a:latin typeface="Courier New" pitchFamily="49" charset="0"/>
-                <a:cs typeface="Courier New" pitchFamily="49" charset="0"/>
-              </a:rPr>
-              <a:t>i</a:t>
-            </a:r>
-            <a:r>
-              <a:rPr lang="en-US" sz="1400" b="1" dirty="0">
-                <a:solidFill>
-                  <a:srgbClr val="00B050"/>
-                </a:solidFill>
-                <a:latin typeface="Courier New" pitchFamily="49" charset="0"/>
-                <a:cs typeface="Courier New" pitchFamily="49" charset="0"/>
-              </a:rPr>
-              <a:t> is 11</a:t>
-            </a:r>
-          </a:p>
-        </p:txBody>
-      </p:sp>
-      <p:sp>
-        <p:nvSpPr>
-          <p:cNvPr id="6" name="Rectangle 5"/>
-          <p:cNvSpPr/>
-          <p:nvPr/>
-        </p:nvSpPr>
-        <p:spPr bwMode="auto">
-          <a:xfrm>
-            <a:off x="4580709" y="5138057"/>
-            <a:ext cx="1994263" cy="830997"/>
-          </a:xfrm>
-          <a:prstGeom prst="rect">
-            <a:avLst/>
-          </a:prstGeom>
-          <a:solidFill>
-            <a:schemeClr val="bg1">
-              <a:lumMod val="95000"/>
-            </a:schemeClr>
-          </a:solidFill>
-          <a:ln w="9525" cap="flat" cmpd="sng" algn="ctr">
-            <a:noFill/>
-            <a:prstDash val="solid"/>
-            <a:round/>
-            <a:headEnd type="none" w="med" len="med"/>
-            <a:tailEnd type="none" w="med" len="med"/>
-          </a:ln>
-          <a:effectLst/>
-        </p:spPr>
-        <p:txBody>
-          <a:bodyPr vert="horz" wrap="square" lIns="91440" tIns="45720" rIns="91440" bIns="45720" numCol="1" rtlCol="0" anchor="t" anchorCtr="0" compatLnSpc="1">
-            <a:prstTxWarp prst="textNoShape">
-              <a:avLst/>
-            </a:prstTxWarp>
-            <a:spAutoFit/>
-          </a:bodyPr>
-          <a:lstStyle/>
-          <a:p>
-            <a:pPr marL="0" marR="0" indent="0" algn="l" defTabSz="914400" rtl="0" eaLnBrk="1" fontAlgn="base" latinLnBrk="0" hangingPunct="1">
-              <a:lnSpc>
-                <a:spcPct val="100000"/>
-              </a:lnSpc>
-              <a:spcBef>
-                <a:spcPct val="50000"/>
-              </a:spcBef>
-              <a:spcAft>
-                <a:spcPct val="0"/>
-              </a:spcAft>
-              <a:buClrTx/>
-              <a:buSzTx/>
-              <a:buFontTx/>
-              <a:buNone/>
-              <a:tabLst/>
-            </a:pPr>
-            <a:r>
-              <a:rPr kumimoji="0" lang="en-US" sz="2400" b="0" i="0" u="none" strike="noStrike" cap="none" normalizeH="0" baseline="0" dirty="0" smtClean="0">
-                <a:ln>
-                  <a:noFill/>
-                </a:ln>
-                <a:solidFill>
-                  <a:schemeClr val="tx1"/>
-                </a:solidFill>
-                <a:effectLst/>
-                <a:latin typeface="Times New Roman" pitchFamily="18" charset="0"/>
-                <a:sym typeface="Wingdings" pitchFamily="2" charset="2"/>
-              </a:rPr>
-              <a:t>Will execute at least once!</a:t>
-            </a:r>
-          </a:p>
-        </p:txBody>
-      </p:sp>
-      <p:sp>
-        <p:nvSpPr>
-          <p:cNvPr id="7" name="Left Arrow 6"/>
-          <p:cNvSpPr/>
-          <p:nvPr/>
-        </p:nvSpPr>
-        <p:spPr bwMode="auto">
-          <a:xfrm>
-            <a:off x="2981559" y="5246576"/>
-            <a:ext cx="1454331" cy="409303"/>
-          </a:xfrm>
-          <a:prstGeom prst="leftArrow">
-            <a:avLst/>
-          </a:prstGeom>
-          <a:solidFill>
-            <a:schemeClr val="bg1">
-              <a:lumMod val="50000"/>
-            </a:schemeClr>
-          </a:solidFill>
-          <a:ln w="9525" cap="flat" cmpd="sng" algn="ctr">
-            <a:noFill/>
-            <a:prstDash val="solid"/>
-            <a:round/>
-            <a:headEnd type="none" w="med" len="med"/>
-            <a:tailEnd type="none" w="med" len="med"/>
-          </a:ln>
-          <a:effectLst/>
-        </p:spPr>
-        <p:txBody>
-          <a:bodyPr vert="horz" wrap="square" lIns="91440" tIns="45720" rIns="91440" bIns="45720" numCol="1" rtlCol="0" anchor="t" anchorCtr="0" compatLnSpc="1">
-            <a:prstTxWarp prst="textNoShape">
-              <a:avLst/>
-            </a:prstTxWarp>
-            <a:spAutoFit/>
-          </a:bodyPr>
-          <a:lstStyle/>
-          <a:p>
-            <a:pPr marL="0" marR="0" indent="0" algn="l" defTabSz="914400" rtl="0" eaLnBrk="1" fontAlgn="base" latinLnBrk="0" hangingPunct="1">
-              <a:lnSpc>
-                <a:spcPct val="100000"/>
-              </a:lnSpc>
-              <a:spcBef>
-                <a:spcPct val="50000"/>
-              </a:spcBef>
-              <a:spcAft>
-                <a:spcPct val="0"/>
-              </a:spcAft>
-              <a:buClrTx/>
-              <a:buSzTx/>
-              <a:buFontTx/>
-              <a:buNone/>
-              <a:tabLst/>
-            </a:pPr>
-            <a:endParaRPr kumimoji="0" lang="en-US" sz="2400" b="0" i="0" u="none" strike="noStrike" cap="none" normalizeH="0" baseline="0" smtClean="0">
-              <a:ln>
-                <a:noFill/>
-              </a:ln>
-              <a:solidFill>
-                <a:schemeClr val="tx1"/>
-              </a:solidFill>
-              <a:effectLst/>
-              <a:latin typeface="Times New Roman" pitchFamily="18" charset="0"/>
-              <a:sym typeface="Wingdings" pitchFamily="2" charset="2"/>
-            </a:endParaRPr>
-          </a:p>
-        </p:txBody>
-      </p:sp>
-      <p:sp>
-        <p:nvSpPr>
-          <p:cNvPr id="8" name="Left Arrow 7"/>
-          <p:cNvSpPr/>
-          <p:nvPr/>
-        </p:nvSpPr>
-        <p:spPr bwMode="auto">
-          <a:xfrm>
-            <a:off x="2981560" y="4402460"/>
-            <a:ext cx="1454331" cy="409303"/>
-          </a:xfrm>
-          <a:prstGeom prst="leftArrow">
-            <a:avLst/>
-          </a:prstGeom>
-          <a:solidFill>
-            <a:schemeClr val="bg1">
-              <a:lumMod val="50000"/>
-            </a:schemeClr>
-          </a:solidFill>
-          <a:ln w="9525" cap="flat" cmpd="sng" algn="ctr">
-            <a:noFill/>
-            <a:prstDash val="solid"/>
-            <a:round/>
-            <a:headEnd type="none" w="med" len="med"/>
-            <a:tailEnd type="none" w="med" len="med"/>
-          </a:ln>
-          <a:effectLst/>
-        </p:spPr>
-        <p:txBody>
-          <a:bodyPr vert="horz" wrap="square" lIns="91440" tIns="45720" rIns="91440" bIns="45720" numCol="1" rtlCol="0" anchor="t" anchorCtr="0" compatLnSpc="1">
-            <a:prstTxWarp prst="textNoShape">
-              <a:avLst/>
-            </a:prstTxWarp>
-            <a:spAutoFit/>
-          </a:bodyPr>
-          <a:lstStyle/>
-          <a:p>
-            <a:pPr marL="0" marR="0" indent="0" algn="l" defTabSz="914400" rtl="0" eaLnBrk="1" fontAlgn="base" latinLnBrk="0" hangingPunct="1">
-              <a:lnSpc>
-                <a:spcPct val="100000"/>
-              </a:lnSpc>
-              <a:spcBef>
-                <a:spcPct val="50000"/>
-              </a:spcBef>
-              <a:spcAft>
-                <a:spcPct val="0"/>
-              </a:spcAft>
-              <a:buClrTx/>
-              <a:buSzTx/>
-              <a:buFontTx/>
-              <a:buNone/>
-              <a:tabLst/>
-            </a:pPr>
-            <a:endParaRPr kumimoji="0" lang="en-US" sz="2400" b="0" i="0" u="none" strike="noStrike" cap="none" normalizeH="0" baseline="0" smtClean="0">
-              <a:ln>
-                <a:noFill/>
-              </a:ln>
-              <a:solidFill>
-                <a:schemeClr val="tx1"/>
-              </a:solidFill>
-              <a:effectLst/>
-              <a:latin typeface="Times New Roman" pitchFamily="18" charset="0"/>
-              <a:sym typeface="Wingdings" pitchFamily="2" charset="2"/>
-            </a:endParaRPr>
-          </a:p>
-        </p:txBody>
-      </p:sp>
-      <p:sp>
-        <p:nvSpPr>
-          <p:cNvPr id="4" name="TextBox 3"/>
-          <p:cNvSpPr txBox="1"/>
-          <p:nvPr/>
-        </p:nvSpPr>
-        <p:spPr>
-          <a:xfrm>
-            <a:off x="4580709" y="3753122"/>
-            <a:ext cx="4031784" cy="1200329"/>
-          </a:xfrm>
-          <a:prstGeom prst="rect">
-            <a:avLst/>
-          </a:prstGeom>
-          <a:noFill/>
-        </p:spPr>
-        <p:txBody>
-          <a:bodyPr wrap="square" rtlCol="0">
-            <a:spAutoFit/>
-          </a:bodyPr>
-          <a:lstStyle/>
-          <a:p>
-            <a:r>
-              <a:rPr lang="en-US" dirty="0" smtClean="0"/>
-              <a:t>Is this valid? … yes! You could write your entire program on one line … but please don’t!!</a:t>
-            </a:r>
-            <a:endParaRPr lang="en-US" dirty="0"/>
-          </a:p>
         </p:txBody>
       </p:sp>
     </p:spTree>
     <p:extLst>
       <p:ext uri="{BB962C8B-B14F-4D97-AF65-F5344CB8AC3E}">
-        <p14:creationId xmlns:p14="http://schemas.microsoft.com/office/powerpoint/2010/main" val="755079974"/>
+        <p14:creationId xmlns:p14="http://schemas.microsoft.com/office/powerpoint/2010/main" val="279249906"/>
       </p:ext>
     </p:extLst>
   </p:cSld>
@@ -15212,7 +14531,7 @@
           <a:p>
             <a:r>
               <a:rPr lang="en-US" b="1" dirty="0" smtClean="0"/>
-              <a:t>Basic C Program Structure</a:t>
+              <a:t>While / Do While Loop</a:t>
             </a:r>
             <a:endParaRPr lang="en-US" dirty="0"/>
           </a:p>
@@ -15230,13 +14549,13 @@
         </p:nvSpPr>
         <p:spPr>
           <a:xfrm>
-            <a:off x="275129" y="1503490"/>
-            <a:ext cx="8868871" cy="4801058"/>
+            <a:off x="275129" y="1464766"/>
+            <a:ext cx="8868871" cy="5035231"/>
           </a:xfrm>
         </p:spPr>
         <p:txBody>
           <a:bodyPr>
-            <a:normAutofit fontScale="77500" lnSpcReduction="20000"/>
+            <a:normAutofit lnSpcReduction="10000"/>
           </a:bodyPr>
           <a:lstStyle/>
           <a:p>
@@ -15251,7 +14570,7 @@
                 <a:latin typeface="Courier New" pitchFamily="49" charset="0"/>
                 <a:cs typeface="Courier New" pitchFamily="49" charset="0"/>
               </a:rPr>
-              <a:t>// #include statements</a:t>
+              <a:t>while (condition) {</a:t>
             </a:r>
           </a:p>
           <a:p>
@@ -15266,8 +14585,57 @@
                 <a:latin typeface="Courier New" pitchFamily="49" charset="0"/>
                 <a:cs typeface="Courier New" pitchFamily="49" charset="0"/>
               </a:rPr>
-              <a:t>// #define </a:t>
-            </a:r>
+              <a:t>    statements;</a:t>
+            </a:r>
+          </a:p>
+          <a:p>
+            <a:pPr marL="400050" lvl="1" indent="0">
+              <a:buNone/>
+            </a:pPr>
+            <a:r>
+              <a:rPr lang="en-US" sz="1400" b="1" dirty="0">
+                <a:solidFill>
+                  <a:srgbClr val="00B050"/>
+                </a:solidFill>
+                <a:latin typeface="Courier New" pitchFamily="49" charset="0"/>
+                <a:cs typeface="Courier New" pitchFamily="49" charset="0"/>
+              </a:rPr>
+              <a:t>}</a:t>
+            </a:r>
+          </a:p>
+          <a:p>
+            <a:pPr marL="400050" lvl="1" indent="0">
+              <a:buNone/>
+            </a:pPr>
+            <a:r>
+              <a:rPr lang="en-US" sz="1400" i="1" dirty="0" smtClean="0"/>
+              <a:t>		do </a:t>
+            </a:r>
+            <a:r>
+              <a:rPr lang="en-US" sz="1400" i="1" dirty="0"/>
+              <a:t>while</a:t>
+            </a:r>
+            <a:r>
+              <a:rPr lang="en-US" sz="1400" dirty="0"/>
+              <a:t> is guaranteed to be executed once, </a:t>
+            </a:r>
+            <a:r>
+              <a:rPr lang="en-US" sz="1400" i="1" dirty="0"/>
+              <a:t>while</a:t>
+            </a:r>
+            <a:r>
+              <a:rPr lang="en-US" sz="1400" dirty="0"/>
+              <a:t> isn't.</a:t>
+            </a:r>
+            <a:endParaRPr lang="en-US" sz="1400" b="1" dirty="0">
+              <a:latin typeface="Courier New" pitchFamily="49" charset="0"/>
+              <a:cs typeface="Courier New" pitchFamily="49" charset="0"/>
+            </a:endParaRPr>
+          </a:p>
+          <a:p>
+            <a:pPr marL="400050" lvl="1" indent="0">
+              <a:buNone/>
+            </a:pPr>
             <a:r>
               <a:rPr lang="en-US" sz="1400" b="1" dirty="0" smtClean="0">
                 <a:solidFill>
@@ -15276,7 +14644,7 @@
                 <a:latin typeface="Courier New" pitchFamily="49" charset="0"/>
                 <a:cs typeface="Courier New" pitchFamily="49" charset="0"/>
               </a:rPr>
-              <a:t>statements</a:t>
+              <a:t>do</a:t>
             </a:r>
             <a:endParaRPr lang="en-US" sz="1400" b="1" dirty="0">
               <a:solidFill>
@@ -15298,7 +14666,37 @@
                 <a:latin typeface="Courier New" pitchFamily="49" charset="0"/>
                 <a:cs typeface="Courier New" pitchFamily="49" charset="0"/>
               </a:rPr>
-              <a:t>// global </a:t>
+              <a:t>{</a:t>
+            </a:r>
+          </a:p>
+          <a:p>
+            <a:pPr marL="400050" lvl="1" indent="0">
+              <a:buNone/>
+            </a:pPr>
+            <a:r>
+              <a:rPr lang="en-US" sz="1400" b="1" dirty="0">
+                <a:solidFill>
+                  <a:srgbClr val="00B050"/>
+                </a:solidFill>
+                <a:latin typeface="Courier New" pitchFamily="49" charset="0"/>
+                <a:cs typeface="Courier New" pitchFamily="49" charset="0"/>
+              </a:rPr>
+              <a:t>    statements;</a:t>
+            </a:r>
+          </a:p>
+          <a:p>
+            <a:pPr marL="400050" lvl="1" indent="0">
+              <a:buNone/>
+            </a:pPr>
+            <a:r>
+              <a:rPr lang="en-US" sz="1400" b="1" dirty="0">
+                <a:solidFill>
+                  <a:srgbClr val="00B050"/>
+                </a:solidFill>
+                <a:latin typeface="Courier New" pitchFamily="49" charset="0"/>
+                <a:cs typeface="Courier New" pitchFamily="49" charset="0"/>
+              </a:rPr>
+              <a:t>} while (condition</a:t>
             </a:r>
             <a:r>
               <a:rPr lang="en-US" sz="1400" b="1" dirty="0" smtClean="0">
@@ -15308,244 +14706,61 @@
                 <a:latin typeface="Courier New" pitchFamily="49" charset="0"/>
                 <a:cs typeface="Courier New" pitchFamily="49" charset="0"/>
               </a:rPr>
-              <a:t>variables &lt;- NOOOOOO!</a:t>
-            </a:r>
-            <a:endParaRPr lang="en-US" sz="1400" b="1" dirty="0">
-              <a:solidFill>
-                <a:srgbClr val="00B050"/>
-              </a:solidFill>
-              <a:latin typeface="Courier New" pitchFamily="49" charset="0"/>
-              <a:cs typeface="Courier New" pitchFamily="49" charset="0"/>
-            </a:endParaRPr>
+              <a:t>);</a:t>
+            </a:r>
+          </a:p>
+          <a:p>
+            <a:pPr marL="0" indent="0">
+              <a:buNone/>
+            </a:pPr>
+            <a:endParaRPr lang="en-US" sz="1800" i="1" dirty="0" smtClean="0"/>
+          </a:p>
+          <a:p>
+            <a:pPr marL="0" indent="0">
+              <a:buNone/>
+            </a:pPr>
+            <a:r>
+              <a:rPr lang="en-US" sz="1800" b="1" dirty="0" smtClean="0">
+                <a:latin typeface="Courier New" pitchFamily="49" charset="0"/>
+                <a:cs typeface="Courier New" pitchFamily="49" charset="0"/>
+              </a:rPr>
+              <a:t>Example:</a:t>
+            </a:r>
           </a:p>
           <a:p>
             <a:pPr marL="400050" lvl="1" indent="0">
               <a:buNone/>
             </a:pPr>
-            <a:endParaRPr lang="en-US" sz="1400" b="1" dirty="0">
-              <a:solidFill>
-                <a:srgbClr val="00B050"/>
-              </a:solidFill>
-              <a:latin typeface="Courier New" pitchFamily="49" charset="0"/>
-              <a:cs typeface="Courier New" pitchFamily="49" charset="0"/>
-            </a:endParaRPr>
-          </a:p>
-          <a:p>
-            <a:pPr marL="400050" lvl="1" indent="0">
-              <a:buNone/>
-            </a:pPr>
             <a:r>
               <a:rPr lang="en-US" sz="1400" b="1" dirty="0">
                 <a:solidFill>
-                  <a:srgbClr val="00B050"/>
-                </a:solidFill>
-                <a:latin typeface="Courier New" pitchFamily="49" charset="0"/>
-                <a:cs typeface="Courier New" pitchFamily="49" charset="0"/>
-              </a:rPr>
-              <a:t>void main(void)</a:t>
-            </a:r>
-          </a:p>
-          <a:p>
-            <a:pPr marL="400050" lvl="1" indent="0">
-              <a:buNone/>
-            </a:pPr>
+                  <a:schemeClr val="accent2"/>
+                </a:solidFill>
+                <a:latin typeface="Courier New" pitchFamily="49" charset="0"/>
+                <a:cs typeface="Courier New" pitchFamily="49" charset="0"/>
+              </a:rPr>
+              <a:t>int </a:t>
+            </a:r>
+            <a:r>
+              <a:rPr lang="en-US" sz="1400" b="1" dirty="0" err="1">
+                <a:solidFill>
+                  <a:schemeClr val="accent2"/>
+                </a:solidFill>
+                <a:latin typeface="Courier New" pitchFamily="49" charset="0"/>
+                <a:cs typeface="Courier New" pitchFamily="49" charset="0"/>
+              </a:rPr>
+              <a:t>i</a:t>
+            </a:r>
             <a:r>
               <a:rPr lang="en-US" sz="1400" b="1" dirty="0">
                 <a:solidFill>
-                  <a:srgbClr val="00B050"/>
-                </a:solidFill>
-                <a:latin typeface="Courier New" pitchFamily="49" charset="0"/>
-                <a:cs typeface="Courier New" pitchFamily="49" charset="0"/>
-              </a:rPr>
-              <a:t>{</a:t>
-            </a:r>
-          </a:p>
-          <a:p>
-            <a:pPr marL="400050" lvl="1" indent="0">
-              <a:buNone/>
-            </a:pPr>
-            <a:r>
-              <a:rPr lang="en-US" sz="1400" b="1" dirty="0">
-                <a:solidFill>
-                  <a:srgbClr val="00B050"/>
-                </a:solidFill>
-                <a:latin typeface="Courier New" pitchFamily="49" charset="0"/>
-                <a:cs typeface="Courier New" pitchFamily="49" charset="0"/>
-              </a:rPr>
-              <a:t>    // Variable declarations</a:t>
-            </a:r>
-          </a:p>
-          <a:p>
-            <a:pPr marL="400050" lvl="1" indent="0">
-              <a:buNone/>
-            </a:pPr>
-            <a:r>
-              <a:rPr lang="en-US" sz="1400" b="1" dirty="0">
-                <a:solidFill>
-                  <a:srgbClr val="00B050"/>
-                </a:solidFill>
-                <a:latin typeface="Courier New" pitchFamily="49" charset="0"/>
-                <a:cs typeface="Courier New" pitchFamily="49" charset="0"/>
-              </a:rPr>
-              <a:t>    // Useful </a:t>
-            </a:r>
-            <a:r>
-              <a:rPr lang="en-US" sz="1400" b="1" dirty="0" smtClean="0">
-                <a:solidFill>
-                  <a:srgbClr val="00B050"/>
-                </a:solidFill>
-                <a:latin typeface="Courier New" pitchFamily="49" charset="0"/>
-                <a:cs typeface="Courier New" pitchFamily="49" charset="0"/>
-              </a:rPr>
-              <a:t>code</a:t>
-            </a:r>
-            <a:endParaRPr lang="en-US" sz="1400" b="1" dirty="0">
-              <a:solidFill>
-                <a:srgbClr val="00B050"/>
-              </a:solidFill>
-              <a:latin typeface="Courier New" pitchFamily="49" charset="0"/>
-              <a:cs typeface="Courier New" pitchFamily="49" charset="0"/>
-            </a:endParaRPr>
-          </a:p>
-          <a:p>
-            <a:pPr marL="400050" lvl="1" indent="0">
-              <a:buNone/>
-            </a:pPr>
-            <a:r>
-              <a:rPr lang="en-US" sz="1400" b="1" dirty="0">
-                <a:solidFill>
-                  <a:srgbClr val="00B050"/>
-                </a:solidFill>
-                <a:latin typeface="Courier New" pitchFamily="49" charset="0"/>
-                <a:cs typeface="Courier New" pitchFamily="49" charset="0"/>
-              </a:rPr>
-              <a:t>    while (1) </a:t>
-            </a:r>
-            <a:r>
-              <a:rPr lang="en-US" sz="1400" b="1" dirty="0" smtClean="0">
-                <a:solidFill>
-                  <a:srgbClr val="00B050"/>
-                </a:solidFill>
-                <a:latin typeface="Courier New" pitchFamily="49" charset="0"/>
-                <a:cs typeface="Courier New" pitchFamily="49" charset="0"/>
-              </a:rPr>
-              <a:t>{;}        </a:t>
-            </a:r>
-            <a:r>
-              <a:rPr lang="en-US" sz="1400" b="1" dirty="0">
-                <a:solidFill>
-                  <a:srgbClr val="00B050"/>
-                </a:solidFill>
-                <a:latin typeface="Courier New" pitchFamily="49" charset="0"/>
-                <a:cs typeface="Courier New" pitchFamily="49" charset="0"/>
-              </a:rPr>
-              <a:t>// trap the CPU</a:t>
-            </a:r>
-          </a:p>
-          <a:p>
-            <a:pPr marL="400050" lvl="1" indent="0">
-              <a:buNone/>
-            </a:pPr>
-            <a:r>
-              <a:rPr lang="en-US" sz="1400" b="1" dirty="0">
-                <a:solidFill>
-                  <a:srgbClr val="00B050"/>
-                </a:solidFill>
-                <a:latin typeface="Courier New" pitchFamily="49" charset="0"/>
-                <a:cs typeface="Courier New" pitchFamily="49" charset="0"/>
-              </a:rPr>
-              <a:t>}</a:t>
-            </a:r>
-            <a:endParaRPr lang="en-US" sz="1800" i="1" dirty="0" smtClean="0"/>
-          </a:p>
-          <a:p>
-            <a:pPr marL="0" indent="0">
-              <a:buNone/>
-            </a:pPr>
-            <a:r>
-              <a:rPr lang="en-US" sz="1800" b="1" dirty="0" smtClean="0">
-                <a:latin typeface="Courier New" pitchFamily="49" charset="0"/>
-                <a:cs typeface="Courier New" pitchFamily="49" charset="0"/>
-              </a:rPr>
-              <a:t>Example:</a:t>
-            </a:r>
-          </a:p>
-          <a:p>
-            <a:pPr marL="400050" lvl="1" indent="0">
-              <a:buNone/>
-            </a:pPr>
-            <a:r>
-              <a:rPr lang="en-US" sz="1400" b="1" dirty="0" smtClean="0">
-                <a:solidFill>
                   <a:schemeClr val="accent2"/>
                 </a:solidFill>
                 <a:latin typeface="Courier New" pitchFamily="49" charset="0"/>
                 <a:cs typeface="Courier New" pitchFamily="49" charset="0"/>
               </a:rPr>
-              <a:t>#include &lt;</a:t>
-            </a:r>
-            <a:r>
-              <a:rPr lang="en-US" sz="1400" b="1" dirty="0" err="1" smtClean="0">
-                <a:solidFill>
-                  <a:schemeClr val="accent2"/>
-                </a:solidFill>
-                <a:latin typeface="Courier New" pitchFamily="49" charset="0"/>
-                <a:cs typeface="Courier New" pitchFamily="49" charset="0"/>
-              </a:rPr>
-              <a:t>stdio.h</a:t>
-            </a:r>
-            <a:r>
-              <a:rPr lang="en-US" sz="1400" b="1" dirty="0" smtClean="0">
-                <a:solidFill>
-                  <a:schemeClr val="accent2"/>
-                </a:solidFill>
-                <a:latin typeface="Courier New" pitchFamily="49" charset="0"/>
-                <a:cs typeface="Courier New" pitchFamily="49" charset="0"/>
-              </a:rPr>
-              <a:t>&gt;</a:t>
-            </a:r>
-          </a:p>
-          <a:p>
-            <a:pPr marL="400050" lvl="1" indent="0">
-              <a:buNone/>
-            </a:pPr>
-            <a:r>
-              <a:rPr lang="en-US" sz="1400" dirty="0">
-                <a:solidFill>
-                  <a:schemeClr val="accent2"/>
-                </a:solidFill>
-                <a:latin typeface="Courier New" pitchFamily="49" charset="0"/>
-                <a:cs typeface="Courier New" pitchFamily="49" charset="0"/>
-              </a:rPr>
-              <a:t>#include &lt;</a:t>
-            </a:r>
-            <a:r>
-              <a:rPr lang="en-US" sz="1400" dirty="0" err="1">
-                <a:solidFill>
-                  <a:schemeClr val="accent2"/>
-                </a:solidFill>
-                <a:latin typeface="Courier New" pitchFamily="49" charset="0"/>
-                <a:cs typeface="Courier New" pitchFamily="49" charset="0"/>
-              </a:rPr>
-              <a:t>stdint.h</a:t>
-            </a:r>
-            <a:r>
-              <a:rPr lang="en-US" sz="1400" dirty="0" smtClean="0">
-                <a:solidFill>
-                  <a:schemeClr val="accent2"/>
-                </a:solidFill>
-                <a:latin typeface="Courier New" pitchFamily="49" charset="0"/>
-                <a:cs typeface="Courier New" pitchFamily="49" charset="0"/>
-              </a:rPr>
-              <a:t>&gt;</a:t>
-            </a:r>
-            <a:endParaRPr lang="en-US" sz="1400" b="1" dirty="0" smtClean="0">
-              <a:solidFill>
-                <a:schemeClr val="accent2"/>
-              </a:solidFill>
-              <a:latin typeface="Courier New" pitchFamily="49" charset="0"/>
-              <a:cs typeface="Courier New" pitchFamily="49" charset="0"/>
-            </a:endParaRPr>
+              <a:t> = 5;</a:t>
+            </a:r>
           </a:p>
           <a:p>
             <a:pPr marL="400050" lvl="1" indent="0">
@@ -15564,24 +14779,34 @@
               <a:buNone/>
             </a:pPr>
             <a:r>
-              <a:rPr lang="en-US" sz="1400" dirty="0" err="1" smtClean="0">
+              <a:rPr lang="en-US" sz="1400" b="1" dirty="0">
                 <a:solidFill>
                   <a:schemeClr val="accent2"/>
                 </a:solidFill>
                 <a:latin typeface="Courier New" pitchFamily="49" charset="0"/>
                 <a:cs typeface="Courier New" pitchFamily="49" charset="0"/>
               </a:rPr>
-              <a:t>const</a:t>
-            </a:r>
-            <a:r>
-              <a:rPr lang="en-US" sz="1400" dirty="0" smtClean="0">
+              <a:t>while (</a:t>
+            </a:r>
+            <a:r>
+              <a:rPr lang="en-US" sz="1400" b="1" dirty="0" err="1">
                 <a:solidFill>
                   <a:schemeClr val="accent2"/>
                 </a:solidFill>
                 <a:latin typeface="Courier New" pitchFamily="49" charset="0"/>
                 <a:cs typeface="Courier New" pitchFamily="49" charset="0"/>
               </a:rPr>
-              <a:t> unint8_t </a:t>
+              <a:t>i</a:t>
+            </a:r>
+            <a:r>
+              <a:rPr lang="en-US" sz="1400" b="1" dirty="0">
+                <a:solidFill>
+                  <a:schemeClr val="accent2"/>
+                </a:solidFill>
+                <a:latin typeface="Courier New" pitchFamily="49" charset="0"/>
+                <a:cs typeface="Courier New" pitchFamily="49" charset="0"/>
+              </a:rPr>
+              <a:t> &lt; 10</a:t>
             </a:r>
             <a:r>
               <a:rPr lang="en-US" sz="1400" b="1" dirty="0" smtClean="0">
@@ -15591,13 +14816,28 @@
                 <a:latin typeface="Courier New" pitchFamily="49" charset="0"/>
                 <a:cs typeface="Courier New" pitchFamily="49" charset="0"/>
               </a:rPr>
-              <a:t>NUM_LOOPS = 23;</a:t>
-            </a:r>
-          </a:p>
-          <a:p>
-            <a:pPr marL="400050" lvl="1" indent="0">
-              <a:buNone/>
-            </a:pPr>
+              <a:t>){</a:t>
+            </a:r>
+            <a:r>
+              <a:rPr lang="en-US" sz="1400" b="1" dirty="0" err="1" smtClean="0">
+                <a:solidFill>
+                  <a:schemeClr val="accent2"/>
+                </a:solidFill>
+                <a:latin typeface="Courier New" pitchFamily="49" charset="0"/>
+                <a:cs typeface="Courier New" pitchFamily="49" charset="0"/>
+              </a:rPr>
+              <a:t>i</a:t>
+            </a:r>
+            <a:r>
+              <a:rPr lang="en-US" sz="1400" b="1" dirty="0" smtClean="0">
+                <a:solidFill>
+                  <a:schemeClr val="accent2"/>
+                </a:solidFill>
+                <a:latin typeface="Courier New" pitchFamily="49" charset="0"/>
+                <a:cs typeface="Courier New" pitchFamily="49" charset="0"/>
+              </a:rPr>
+              <a:t>++;}</a:t>
+            </a:r>
             <a:endParaRPr lang="en-US" sz="1400" b="1" dirty="0">
               <a:solidFill>
                 <a:schemeClr val="accent2"/>
@@ -15610,91 +14850,6 @@
             <a:pPr marL="400050" lvl="1" indent="0">
               <a:buNone/>
             </a:pPr>
-            <a:r>
-              <a:rPr lang="en-US" sz="1400" b="1" dirty="0">
-                <a:solidFill>
-                  <a:schemeClr val="accent2"/>
-                </a:solidFill>
-                <a:latin typeface="Courier New" pitchFamily="49" charset="0"/>
-                <a:cs typeface="Courier New" pitchFamily="49" charset="0"/>
-              </a:rPr>
-              <a:t>void main(void)</a:t>
-            </a:r>
-          </a:p>
-          <a:p>
-            <a:pPr marL="400050" lvl="1" indent="0">
-              <a:buNone/>
-            </a:pPr>
-            <a:r>
-              <a:rPr lang="en-US" sz="1400" b="1" dirty="0">
-                <a:solidFill>
-                  <a:schemeClr val="accent2"/>
-                </a:solidFill>
-                <a:latin typeface="Courier New" pitchFamily="49" charset="0"/>
-                <a:cs typeface="Courier New" pitchFamily="49" charset="0"/>
-              </a:rPr>
-              <a:t>{</a:t>
-            </a:r>
-          </a:p>
-          <a:p>
-            <a:pPr marL="400050" lvl="1" indent="0">
-              <a:buNone/>
-            </a:pPr>
-            <a:r>
-              <a:rPr lang="en-US" sz="1400" b="1" dirty="0">
-                <a:solidFill>
-                  <a:schemeClr val="accent2"/>
-                </a:solidFill>
-                <a:latin typeface="Courier New" pitchFamily="49" charset="0"/>
-                <a:cs typeface="Courier New" pitchFamily="49" charset="0"/>
-              </a:rPr>
-              <a:t>    unsigned char </a:t>
-            </a:r>
-            <a:r>
-              <a:rPr lang="en-US" sz="1400" b="1" dirty="0" err="1">
-                <a:solidFill>
-                  <a:schemeClr val="accent2"/>
-                </a:solidFill>
-                <a:latin typeface="Courier New" pitchFamily="49" charset="0"/>
-                <a:cs typeface="Courier New" pitchFamily="49" charset="0"/>
-              </a:rPr>
-              <a:t>i</a:t>
-            </a:r>
-            <a:r>
-              <a:rPr lang="en-US" sz="1400" b="1" dirty="0">
-                <a:solidFill>
-                  <a:schemeClr val="accent2"/>
-                </a:solidFill>
-                <a:latin typeface="Courier New" pitchFamily="49" charset="0"/>
-                <a:cs typeface="Courier New" pitchFamily="49" charset="0"/>
-              </a:rPr>
-              <a:t>;</a:t>
-            </a:r>
-          </a:p>
-          <a:p>
-            <a:pPr marL="400050" lvl="1" indent="0">
-              <a:buNone/>
-            </a:pPr>
-            <a:r>
-              <a:rPr lang="en-US" sz="1400" b="1" dirty="0">
-                <a:solidFill>
-                  <a:schemeClr val="accent2"/>
-                </a:solidFill>
-                <a:latin typeface="Courier New" pitchFamily="49" charset="0"/>
-                <a:cs typeface="Courier New" pitchFamily="49" charset="0"/>
-              </a:rPr>
-              <a:t>    unsigned int summation = 0</a:t>
-            </a:r>
-            <a:r>
-              <a:rPr lang="en-US" sz="1400" b="1" dirty="0" smtClean="0">
-                <a:solidFill>
-                  <a:schemeClr val="accent2"/>
-                </a:solidFill>
-                <a:latin typeface="Courier New" pitchFamily="49" charset="0"/>
-                <a:cs typeface="Courier New" pitchFamily="49" charset="0"/>
-              </a:rPr>
-              <a:t>;</a:t>
-            </a:r>
             <a:endParaRPr lang="en-US" sz="1400" b="1" dirty="0">
               <a:solidFill>
                 <a:schemeClr val="accent2"/>
@@ -15715,7 +14870,22 @@
                 <a:latin typeface="Courier New" pitchFamily="49" charset="0"/>
                 <a:cs typeface="Courier New" pitchFamily="49" charset="0"/>
               </a:rPr>
-              <a:t>    for (</a:t>
+              <a:t>do {</a:t>
+            </a:r>
+          </a:p>
+          <a:p>
+            <a:pPr marL="400050" lvl="1" indent="0">
+              <a:buNone/>
+            </a:pPr>
+            <a:r>
+              <a:rPr lang="en-US" sz="1400" b="1" dirty="0">
+                <a:solidFill>
+                  <a:schemeClr val="accent2"/>
+                </a:solidFill>
+                <a:latin typeface="Courier New" pitchFamily="49" charset="0"/>
+                <a:cs typeface="Courier New" pitchFamily="49" charset="0"/>
+              </a:rPr>
+              <a:t>    </a:t>
             </a:r>
             <a:r>
               <a:rPr lang="en-US" sz="1400" b="1" dirty="0" err="1">
@@ -15728,129 +14898,14 @@
               <a:t>i</a:t>
             </a:r>
             <a:r>
-              <a:rPr lang="en-US" sz="1400" b="1" dirty="0">
+              <a:rPr lang="en-US" sz="1400" b="1" dirty="0" smtClean="0">
                 <a:solidFill>
                   <a:schemeClr val="accent2"/>
                 </a:solidFill>
                 <a:latin typeface="Courier New" pitchFamily="49" charset="0"/>
                 <a:cs typeface="Courier New" pitchFamily="49" charset="0"/>
               </a:rPr>
-              <a:t> = 1; </a:t>
-            </a:r>
-            <a:r>
-              <a:rPr lang="en-US" sz="1400" b="1" dirty="0" err="1">
-                <a:solidFill>
-                  <a:schemeClr val="accent2"/>
-                </a:solidFill>
-                <a:latin typeface="Courier New" pitchFamily="49" charset="0"/>
-                <a:cs typeface="Courier New" pitchFamily="49" charset="0"/>
-              </a:rPr>
-              <a:t>i</a:t>
-            </a:r>
-            <a:r>
-              <a:rPr lang="en-US" sz="1400" b="1" dirty="0">
-                <a:solidFill>
-                  <a:schemeClr val="accent2"/>
-                </a:solidFill>
-                <a:latin typeface="Courier New" pitchFamily="49" charset="0"/>
-                <a:cs typeface="Courier New" pitchFamily="49" charset="0"/>
-              </a:rPr>
-              <a:t> &lt;= NUM_LOOPS; </a:t>
-            </a:r>
-            <a:r>
-              <a:rPr lang="en-US" sz="1400" b="1" dirty="0" err="1">
-                <a:solidFill>
-                  <a:schemeClr val="accent2"/>
-                </a:solidFill>
-                <a:latin typeface="Courier New" pitchFamily="49" charset="0"/>
-                <a:cs typeface="Courier New" pitchFamily="49" charset="0"/>
-              </a:rPr>
-              <a:t>i</a:t>
-            </a:r>
-            <a:r>
-              <a:rPr lang="en-US" sz="1400" b="1" dirty="0">
-                <a:solidFill>
-                  <a:schemeClr val="accent2"/>
-                </a:solidFill>
-                <a:latin typeface="Courier New" pitchFamily="49" charset="0"/>
-                <a:cs typeface="Courier New" pitchFamily="49" charset="0"/>
-              </a:rPr>
-              <a:t>++)</a:t>
-            </a:r>
-          </a:p>
-          <a:p>
-            <a:pPr marL="400050" lvl="1" indent="0">
-              <a:buNone/>
-            </a:pPr>
-            <a:r>
-              <a:rPr lang="en-US" sz="1400" b="1" dirty="0">
-                <a:solidFill>
-                  <a:schemeClr val="accent2"/>
-                </a:solidFill>
-                <a:latin typeface="Courier New" pitchFamily="49" charset="0"/>
-                <a:cs typeface="Courier New" pitchFamily="49" charset="0"/>
-              </a:rPr>
-              <a:t>    {</a:t>
-            </a:r>
-          </a:p>
-          <a:p>
-            <a:pPr marL="400050" lvl="1" indent="0">
-              <a:buNone/>
-            </a:pPr>
-            <a:r>
-              <a:rPr lang="en-US" sz="1400" b="1" dirty="0">
-                <a:solidFill>
-                  <a:schemeClr val="accent2"/>
-                </a:solidFill>
-                <a:latin typeface="Courier New" pitchFamily="49" charset="0"/>
-                <a:cs typeface="Courier New" pitchFamily="49" charset="0"/>
-              </a:rPr>
-              <a:t>        summation += </a:t>
-            </a:r>
-            <a:r>
-              <a:rPr lang="en-US" sz="1400" b="1" dirty="0" err="1">
-                <a:solidFill>
-                  <a:schemeClr val="accent2"/>
-                </a:solidFill>
-                <a:latin typeface="Courier New" pitchFamily="49" charset="0"/>
-                <a:cs typeface="Courier New" pitchFamily="49" charset="0"/>
-              </a:rPr>
-              <a:t>i</a:t>
-            </a:r>
-            <a:r>
-              <a:rPr lang="en-US" sz="1400" b="1" dirty="0">
-                <a:solidFill>
-                  <a:schemeClr val="accent2"/>
-                </a:solidFill>
-                <a:latin typeface="Courier New" pitchFamily="49" charset="0"/>
-                <a:cs typeface="Courier New" pitchFamily="49" charset="0"/>
-              </a:rPr>
-              <a:t>;</a:t>
-            </a:r>
-          </a:p>
-          <a:p>
-            <a:pPr marL="400050" lvl="1" indent="0">
-              <a:buNone/>
-            </a:pPr>
-            <a:r>
-              <a:rPr lang="en-US" sz="1400" b="1" dirty="0">
-                <a:solidFill>
-                  <a:schemeClr val="accent2"/>
-                </a:solidFill>
-                <a:latin typeface="Courier New" pitchFamily="49" charset="0"/>
-                <a:cs typeface="Courier New" pitchFamily="49" charset="0"/>
-              </a:rPr>
-              <a:t>    </a:t>
-            </a:r>
-            <a:r>
-              <a:rPr lang="en-US" sz="1400" b="1" dirty="0" smtClean="0">
-                <a:solidFill>
-                  <a:schemeClr val="accent2"/>
-                </a:solidFill>
-                <a:latin typeface="Courier New" pitchFamily="49" charset="0"/>
-                <a:cs typeface="Courier New" pitchFamily="49" charset="0"/>
-              </a:rPr>
-              <a:t>}</a:t>
+              <a:t>++;</a:t>
             </a:r>
             <a:endParaRPr lang="en-US" sz="1400" b="1" dirty="0">
               <a:solidFill>
@@ -15872,41 +14927,36 @@
                 <a:latin typeface="Courier New" pitchFamily="49" charset="0"/>
                 <a:cs typeface="Courier New" pitchFamily="49" charset="0"/>
               </a:rPr>
-              <a:t>    while (1) </a:t>
-            </a:r>
-            <a:r>
-              <a:rPr lang="en-US" sz="1400" b="1" dirty="0" smtClean="0">
+              <a:t>} while (</a:t>
+            </a:r>
+            <a:r>
+              <a:rPr lang="en-US" sz="1400" b="1" dirty="0" err="1">
                 <a:solidFill>
                   <a:schemeClr val="accent2"/>
                 </a:solidFill>
                 <a:latin typeface="Courier New" pitchFamily="49" charset="0"/>
                 <a:cs typeface="Courier New" pitchFamily="49" charset="0"/>
               </a:rPr>
-              <a:t>{;}        </a:t>
+              <a:t>i</a:t>
             </a:r>
             <a:r>
               <a:rPr lang="en-US" sz="1400" b="1" dirty="0">
                 <a:solidFill>
-                  <a:srgbClr val="00B050"/>
-                </a:solidFill>
-                <a:latin typeface="Courier New" pitchFamily="49" charset="0"/>
-                <a:cs typeface="Courier New" pitchFamily="49" charset="0"/>
-              </a:rPr>
-              <a:t>// trap the </a:t>
-            </a:r>
-            <a:r>
-              <a:rPr lang="en-US" sz="1400" b="1" dirty="0" smtClean="0">
-                <a:solidFill>
-                  <a:srgbClr val="00B050"/>
-                </a:solidFill>
-                <a:latin typeface="Courier New" pitchFamily="49" charset="0"/>
-                <a:cs typeface="Courier New" pitchFamily="49" charset="0"/>
-              </a:rPr>
-              <a:t>CPU</a:t>
-            </a:r>
+                  <a:schemeClr val="accent2"/>
+                </a:solidFill>
+                <a:latin typeface="Courier New" pitchFamily="49" charset="0"/>
+                <a:cs typeface="Courier New" pitchFamily="49" charset="0"/>
+              </a:rPr>
+              <a:t> &lt; 10);</a:t>
+            </a:r>
+          </a:p>
+          <a:p>
+            <a:pPr marL="400050" lvl="1" indent="0">
+              <a:buNone/>
+            </a:pPr>
             <a:endParaRPr lang="en-US" sz="1400" b="1" dirty="0">
               <a:solidFill>
-                <a:srgbClr val="00B050"/>
+                <a:schemeClr val="accent2"/>
               </a:solidFill>
               <a:latin typeface="Courier New" pitchFamily="49" charset="0"/>
               <a:cs typeface="Courier New" pitchFamily="49" charset="0"/>
@@ -15919,20 +14969,274 @@
             <a:r>
               <a:rPr lang="en-US" sz="1400" b="1" dirty="0">
                 <a:solidFill>
-                  <a:schemeClr val="accent2"/>
-                </a:solidFill>
-                <a:latin typeface="Courier New" pitchFamily="49" charset="0"/>
-                <a:cs typeface="Courier New" pitchFamily="49" charset="0"/>
-              </a:rPr>
-              <a:t>}</a:t>
-            </a:r>
+                  <a:srgbClr val="00B050"/>
+                </a:solidFill>
+                <a:latin typeface="Courier New" pitchFamily="49" charset="0"/>
+                <a:cs typeface="Courier New" pitchFamily="49" charset="0"/>
+              </a:rPr>
+              <a:t>// final value of </a:t>
+            </a:r>
+            <a:r>
+              <a:rPr lang="en-US" sz="1400" b="1" dirty="0" err="1">
+                <a:solidFill>
+                  <a:srgbClr val="00B050"/>
+                </a:solidFill>
+                <a:latin typeface="Courier New" pitchFamily="49" charset="0"/>
+                <a:cs typeface="Courier New" pitchFamily="49" charset="0"/>
+              </a:rPr>
+              <a:t>i</a:t>
+            </a:r>
+            <a:r>
+              <a:rPr lang="en-US" sz="1400" b="1" dirty="0">
+                <a:solidFill>
+                  <a:srgbClr val="00B050"/>
+                </a:solidFill>
+                <a:latin typeface="Courier New" pitchFamily="49" charset="0"/>
+                <a:cs typeface="Courier New" pitchFamily="49" charset="0"/>
+              </a:rPr>
+              <a:t> is 11</a:t>
+            </a:r>
+          </a:p>
+        </p:txBody>
+      </p:sp>
+      <p:sp>
+        <p:nvSpPr>
+          <p:cNvPr id="6" name="Rectangle 5"/>
+          <p:cNvSpPr/>
+          <p:nvPr/>
+        </p:nvSpPr>
+        <p:spPr bwMode="auto">
+          <a:xfrm>
+            <a:off x="4580709" y="5138057"/>
+            <a:ext cx="1994263" cy="830997"/>
+          </a:xfrm>
+          <a:prstGeom prst="rect">
+            <a:avLst/>
+          </a:prstGeom>
+          <a:solidFill>
+            <a:schemeClr val="bg1">
+              <a:lumMod val="95000"/>
+            </a:schemeClr>
+          </a:solidFill>
+          <a:ln w="9525" cap="flat" cmpd="sng" algn="ctr">
+            <a:noFill/>
+            <a:prstDash val="solid"/>
+            <a:round/>
+            <a:headEnd type="none" w="med" len="med"/>
+            <a:tailEnd type="none" w="med" len="med"/>
+          </a:ln>
+          <a:effectLst/>
+        </p:spPr>
+        <p:txBody>
+          <a:bodyPr vert="horz" wrap="square" lIns="91440" tIns="45720" rIns="91440" bIns="45720" numCol="1" rtlCol="0" anchor="t" anchorCtr="0" compatLnSpc="1">
+            <a:prstTxWarp prst="textNoShape">
+              <a:avLst/>
+            </a:prstTxWarp>
+            <a:spAutoFit/>
+          </a:bodyPr>
+          <a:lstStyle/>
+          <a:p>
+            <a:pPr marL="0" marR="0" indent="0" algn="l" defTabSz="914400" rtl="0" eaLnBrk="1" fontAlgn="base" latinLnBrk="0" hangingPunct="1">
+              <a:lnSpc>
+                <a:spcPct val="100000"/>
+              </a:lnSpc>
+              <a:spcBef>
+                <a:spcPct val="50000"/>
+              </a:spcBef>
+              <a:spcAft>
+                <a:spcPct val="0"/>
+              </a:spcAft>
+              <a:buClrTx/>
+              <a:buSzTx/>
+              <a:buFontTx/>
+              <a:buNone/>
+              <a:tabLst/>
+            </a:pPr>
+            <a:r>
+              <a:rPr kumimoji="0" lang="en-US" sz="2400" b="0" i="0" u="none" strike="noStrike" cap="none" normalizeH="0" baseline="0" dirty="0" smtClean="0">
+                <a:ln>
+                  <a:noFill/>
+                </a:ln>
+                <a:solidFill>
+                  <a:schemeClr val="tx1"/>
+                </a:solidFill>
+                <a:effectLst/>
+                <a:latin typeface="Times New Roman" pitchFamily="18" charset="0"/>
+                <a:sym typeface="Wingdings" pitchFamily="2" charset="2"/>
+              </a:rPr>
+              <a:t>Will execute at least once!</a:t>
+            </a:r>
+          </a:p>
+        </p:txBody>
+      </p:sp>
+      <p:sp>
+        <p:nvSpPr>
+          <p:cNvPr id="7" name="Left Arrow 6"/>
+          <p:cNvSpPr/>
+          <p:nvPr/>
+        </p:nvSpPr>
+        <p:spPr bwMode="auto">
+          <a:xfrm>
+            <a:off x="2981559" y="5246576"/>
+            <a:ext cx="1454331" cy="409303"/>
+          </a:xfrm>
+          <a:prstGeom prst="leftArrow">
+            <a:avLst/>
+          </a:prstGeom>
+          <a:solidFill>
+            <a:schemeClr val="bg1">
+              <a:lumMod val="50000"/>
+            </a:schemeClr>
+          </a:solidFill>
+          <a:ln w="9525" cap="flat" cmpd="sng" algn="ctr">
+            <a:noFill/>
+            <a:prstDash val="solid"/>
+            <a:round/>
+            <a:headEnd type="none" w="med" len="med"/>
+            <a:tailEnd type="none" w="med" len="med"/>
+          </a:ln>
+          <a:effectLst/>
+        </p:spPr>
+        <p:txBody>
+          <a:bodyPr vert="horz" wrap="square" lIns="91440" tIns="45720" rIns="91440" bIns="45720" numCol="1" rtlCol="0" anchor="t" anchorCtr="0" compatLnSpc="1">
+            <a:prstTxWarp prst="textNoShape">
+              <a:avLst/>
+            </a:prstTxWarp>
+            <a:spAutoFit/>
+          </a:bodyPr>
+          <a:lstStyle/>
+          <a:p>
+            <a:pPr marL="0" marR="0" indent="0" algn="l" defTabSz="914400" rtl="0" eaLnBrk="1" fontAlgn="base" latinLnBrk="0" hangingPunct="1">
+              <a:lnSpc>
+                <a:spcPct val="100000"/>
+              </a:lnSpc>
+              <a:spcBef>
+                <a:spcPct val="50000"/>
+              </a:spcBef>
+              <a:spcAft>
+                <a:spcPct val="0"/>
+              </a:spcAft>
+              <a:buClrTx/>
+              <a:buSzTx/>
+              <a:buFontTx/>
+              <a:buNone/>
+              <a:tabLst/>
+            </a:pPr>
+            <a:endParaRPr kumimoji="0" lang="en-US" sz="2400" b="0" i="0" u="none" strike="noStrike" cap="none" normalizeH="0" baseline="0" smtClean="0">
+              <a:ln>
+                <a:noFill/>
+              </a:ln>
+              <a:solidFill>
+                <a:schemeClr val="tx1"/>
+              </a:solidFill>
+              <a:effectLst/>
+              <a:latin typeface="Times New Roman" pitchFamily="18" charset="0"/>
+              <a:sym typeface="Wingdings" pitchFamily="2" charset="2"/>
+            </a:endParaRPr>
+          </a:p>
+        </p:txBody>
+      </p:sp>
+      <p:sp>
+        <p:nvSpPr>
+          <p:cNvPr id="8" name="Left Arrow 7"/>
+          <p:cNvSpPr/>
+          <p:nvPr/>
+        </p:nvSpPr>
+        <p:spPr bwMode="auto">
+          <a:xfrm>
+            <a:off x="2981560" y="4402460"/>
+            <a:ext cx="1454331" cy="409303"/>
+          </a:xfrm>
+          <a:prstGeom prst="leftArrow">
+            <a:avLst/>
+          </a:prstGeom>
+          <a:solidFill>
+            <a:schemeClr val="bg1">
+              <a:lumMod val="50000"/>
+            </a:schemeClr>
+          </a:solidFill>
+          <a:ln w="9525" cap="flat" cmpd="sng" algn="ctr">
+            <a:noFill/>
+            <a:prstDash val="solid"/>
+            <a:round/>
+            <a:headEnd type="none" w="med" len="med"/>
+            <a:tailEnd type="none" w="med" len="med"/>
+          </a:ln>
+          <a:effectLst/>
+        </p:spPr>
+        <p:txBody>
+          <a:bodyPr vert="horz" wrap="square" lIns="91440" tIns="45720" rIns="91440" bIns="45720" numCol="1" rtlCol="0" anchor="t" anchorCtr="0" compatLnSpc="1">
+            <a:prstTxWarp prst="textNoShape">
+              <a:avLst/>
+            </a:prstTxWarp>
+            <a:spAutoFit/>
+          </a:bodyPr>
+          <a:lstStyle/>
+          <a:p>
+            <a:pPr marL="0" marR="0" indent="0" algn="l" defTabSz="914400" rtl="0" eaLnBrk="1" fontAlgn="base" latinLnBrk="0" hangingPunct="1">
+              <a:lnSpc>
+                <a:spcPct val="100000"/>
+              </a:lnSpc>
+              <a:spcBef>
+                <a:spcPct val="50000"/>
+              </a:spcBef>
+              <a:spcAft>
+                <a:spcPct val="0"/>
+              </a:spcAft>
+              <a:buClrTx/>
+              <a:buSzTx/>
+              <a:buFontTx/>
+              <a:buNone/>
+              <a:tabLst/>
+            </a:pPr>
+            <a:endParaRPr kumimoji="0" lang="en-US" sz="2400" b="0" i="0" u="none" strike="noStrike" cap="none" normalizeH="0" baseline="0" smtClean="0">
+              <a:ln>
+                <a:noFill/>
+              </a:ln>
+              <a:solidFill>
+                <a:schemeClr val="tx1"/>
+              </a:solidFill>
+              <a:effectLst/>
+              <a:latin typeface="Times New Roman" pitchFamily="18" charset="0"/>
+              <a:sym typeface="Wingdings" pitchFamily="2" charset="2"/>
+            </a:endParaRPr>
+          </a:p>
+        </p:txBody>
+      </p:sp>
+      <p:sp>
+        <p:nvSpPr>
+          <p:cNvPr id="4" name="TextBox 3"/>
+          <p:cNvSpPr txBox="1"/>
+          <p:nvPr/>
+        </p:nvSpPr>
+        <p:spPr>
+          <a:xfrm>
+            <a:off x="4580709" y="3753122"/>
+            <a:ext cx="4031784" cy="1200329"/>
+          </a:xfrm>
+          <a:prstGeom prst="rect">
+            <a:avLst/>
+          </a:prstGeom>
+          <a:noFill/>
+        </p:spPr>
+        <p:txBody>
+          <a:bodyPr wrap="square" rtlCol="0">
+            <a:spAutoFit/>
+          </a:bodyPr>
+          <a:lstStyle/>
+          <a:p>
+            <a:r>
+              <a:rPr lang="en-US" dirty="0" smtClean="0"/>
+              <a:t>Is this valid? … yes! You could write your entire program on one line … but please don’t!!</a:t>
+            </a:r>
+            <a:endParaRPr lang="en-US" dirty="0"/>
           </a:p>
         </p:txBody>
       </p:sp>
     </p:spTree>
     <p:extLst>
       <p:ext uri="{BB962C8B-B14F-4D97-AF65-F5344CB8AC3E}">
-        <p14:creationId xmlns:p14="http://schemas.microsoft.com/office/powerpoint/2010/main" val="1003012573"/>
+        <p14:creationId xmlns:p14="http://schemas.microsoft.com/office/powerpoint/2010/main" val="755079974"/>
       </p:ext>
     </p:extLst>
   </p:cSld>
@@ -15982,6 +15286,777 @@
           <a:lstStyle/>
           <a:p>
             <a:r>
+              <a:rPr lang="en-US" b="1" dirty="0" smtClean="0"/>
+              <a:t>Basic C Program Structure</a:t>
+            </a:r>
+            <a:endParaRPr lang="en-US" dirty="0"/>
+          </a:p>
+        </p:txBody>
+      </p:sp>
+      <p:sp>
+        <p:nvSpPr>
+          <p:cNvPr id="3" name="Content Placeholder 2"/>
+          <p:cNvSpPr>
+            <a:spLocks noGrp="1"/>
+          </p:cNvSpPr>
+          <p:nvPr>
+            <p:ph idx="1"/>
+          </p:nvPr>
+        </p:nvSpPr>
+        <p:spPr>
+          <a:xfrm>
+            <a:off x="275129" y="1503490"/>
+            <a:ext cx="8868871" cy="4801058"/>
+          </a:xfrm>
+        </p:spPr>
+        <p:txBody>
+          <a:bodyPr>
+            <a:normAutofit fontScale="77500" lnSpcReduction="20000"/>
+          </a:bodyPr>
+          <a:lstStyle/>
+          <a:p>
+            <a:pPr marL="400050" lvl="1" indent="0">
+              <a:buNone/>
+            </a:pPr>
+            <a:r>
+              <a:rPr lang="en-US" sz="1400" b="1" dirty="0">
+                <a:solidFill>
+                  <a:srgbClr val="00B050"/>
+                </a:solidFill>
+                <a:latin typeface="Courier New" pitchFamily="49" charset="0"/>
+                <a:cs typeface="Courier New" pitchFamily="49" charset="0"/>
+              </a:rPr>
+              <a:t>// #include statements</a:t>
+            </a:r>
+          </a:p>
+          <a:p>
+            <a:pPr marL="400050" lvl="1" indent="0">
+              <a:buNone/>
+            </a:pPr>
+            <a:r>
+              <a:rPr lang="en-US" sz="1400" b="1" dirty="0">
+                <a:solidFill>
+                  <a:srgbClr val="00B050"/>
+                </a:solidFill>
+                <a:latin typeface="Courier New" pitchFamily="49" charset="0"/>
+                <a:cs typeface="Courier New" pitchFamily="49" charset="0"/>
+              </a:rPr>
+              <a:t>// #define </a:t>
+            </a:r>
+            <a:r>
+              <a:rPr lang="en-US" sz="1400" b="1" dirty="0" smtClean="0">
+                <a:solidFill>
+                  <a:srgbClr val="00B050"/>
+                </a:solidFill>
+                <a:latin typeface="Courier New" pitchFamily="49" charset="0"/>
+                <a:cs typeface="Courier New" pitchFamily="49" charset="0"/>
+              </a:rPr>
+              <a:t>statements</a:t>
+            </a:r>
+            <a:endParaRPr lang="en-US" sz="1400" b="1" dirty="0">
+              <a:solidFill>
+                <a:srgbClr val="00B050"/>
+              </a:solidFill>
+              <a:latin typeface="Courier New" pitchFamily="49" charset="0"/>
+              <a:cs typeface="Courier New" pitchFamily="49" charset="0"/>
+            </a:endParaRPr>
+          </a:p>
+          <a:p>
+            <a:pPr marL="400050" lvl="1" indent="0">
+              <a:buNone/>
+            </a:pPr>
+            <a:r>
+              <a:rPr lang="en-US" sz="1400" b="1" dirty="0">
+                <a:solidFill>
+                  <a:srgbClr val="00B050"/>
+                </a:solidFill>
+                <a:latin typeface="Courier New" pitchFamily="49" charset="0"/>
+                <a:cs typeface="Courier New" pitchFamily="49" charset="0"/>
+              </a:rPr>
+              <a:t>// global </a:t>
+            </a:r>
+            <a:r>
+              <a:rPr lang="en-US" sz="1400" b="1" dirty="0" smtClean="0">
+                <a:solidFill>
+                  <a:srgbClr val="00B050"/>
+                </a:solidFill>
+                <a:latin typeface="Courier New" pitchFamily="49" charset="0"/>
+                <a:cs typeface="Courier New" pitchFamily="49" charset="0"/>
+              </a:rPr>
+              <a:t>variables &lt;- NOOOOOO!</a:t>
+            </a:r>
+            <a:endParaRPr lang="en-US" sz="1400" b="1" dirty="0">
+              <a:solidFill>
+                <a:srgbClr val="00B050"/>
+              </a:solidFill>
+              <a:latin typeface="Courier New" pitchFamily="49" charset="0"/>
+              <a:cs typeface="Courier New" pitchFamily="49" charset="0"/>
+            </a:endParaRPr>
+          </a:p>
+          <a:p>
+            <a:pPr marL="400050" lvl="1" indent="0">
+              <a:buNone/>
+            </a:pPr>
+            <a:endParaRPr lang="en-US" sz="1400" b="1" dirty="0">
+              <a:solidFill>
+                <a:srgbClr val="00B050"/>
+              </a:solidFill>
+              <a:latin typeface="Courier New" pitchFamily="49" charset="0"/>
+              <a:cs typeface="Courier New" pitchFamily="49" charset="0"/>
+            </a:endParaRPr>
+          </a:p>
+          <a:p>
+            <a:pPr marL="400050" lvl="1" indent="0">
+              <a:buNone/>
+            </a:pPr>
+            <a:r>
+              <a:rPr lang="en-US" sz="1400" b="1" dirty="0">
+                <a:solidFill>
+                  <a:srgbClr val="00B050"/>
+                </a:solidFill>
+                <a:latin typeface="Courier New" pitchFamily="49" charset="0"/>
+                <a:cs typeface="Courier New" pitchFamily="49" charset="0"/>
+              </a:rPr>
+              <a:t>void main(void)</a:t>
+            </a:r>
+          </a:p>
+          <a:p>
+            <a:pPr marL="400050" lvl="1" indent="0">
+              <a:buNone/>
+            </a:pPr>
+            <a:r>
+              <a:rPr lang="en-US" sz="1400" b="1" dirty="0">
+                <a:solidFill>
+                  <a:srgbClr val="00B050"/>
+                </a:solidFill>
+                <a:latin typeface="Courier New" pitchFamily="49" charset="0"/>
+                <a:cs typeface="Courier New" pitchFamily="49" charset="0"/>
+              </a:rPr>
+              <a:t>{</a:t>
+            </a:r>
+          </a:p>
+          <a:p>
+            <a:pPr marL="400050" lvl="1" indent="0">
+              <a:buNone/>
+            </a:pPr>
+            <a:r>
+              <a:rPr lang="en-US" sz="1400" b="1" dirty="0">
+                <a:solidFill>
+                  <a:srgbClr val="00B050"/>
+                </a:solidFill>
+                <a:latin typeface="Courier New" pitchFamily="49" charset="0"/>
+                <a:cs typeface="Courier New" pitchFamily="49" charset="0"/>
+              </a:rPr>
+              <a:t>    // Variable declarations</a:t>
+            </a:r>
+          </a:p>
+          <a:p>
+            <a:pPr marL="400050" lvl="1" indent="0">
+              <a:buNone/>
+            </a:pPr>
+            <a:r>
+              <a:rPr lang="en-US" sz="1400" b="1" dirty="0">
+                <a:solidFill>
+                  <a:srgbClr val="00B050"/>
+                </a:solidFill>
+                <a:latin typeface="Courier New" pitchFamily="49" charset="0"/>
+                <a:cs typeface="Courier New" pitchFamily="49" charset="0"/>
+              </a:rPr>
+              <a:t>    // Useful </a:t>
+            </a:r>
+            <a:r>
+              <a:rPr lang="en-US" sz="1400" b="1" dirty="0" smtClean="0">
+                <a:solidFill>
+                  <a:srgbClr val="00B050"/>
+                </a:solidFill>
+                <a:latin typeface="Courier New" pitchFamily="49" charset="0"/>
+                <a:cs typeface="Courier New" pitchFamily="49" charset="0"/>
+              </a:rPr>
+              <a:t>code</a:t>
+            </a:r>
+            <a:endParaRPr lang="en-US" sz="1400" b="1" dirty="0">
+              <a:solidFill>
+                <a:srgbClr val="00B050"/>
+              </a:solidFill>
+              <a:latin typeface="Courier New" pitchFamily="49" charset="0"/>
+              <a:cs typeface="Courier New" pitchFamily="49" charset="0"/>
+            </a:endParaRPr>
+          </a:p>
+          <a:p>
+            <a:pPr marL="400050" lvl="1" indent="0">
+              <a:buNone/>
+            </a:pPr>
+            <a:r>
+              <a:rPr lang="en-US" sz="1400" b="1" dirty="0">
+                <a:solidFill>
+                  <a:srgbClr val="00B050"/>
+                </a:solidFill>
+                <a:latin typeface="Courier New" pitchFamily="49" charset="0"/>
+                <a:cs typeface="Courier New" pitchFamily="49" charset="0"/>
+              </a:rPr>
+              <a:t>    while (1) </a:t>
+            </a:r>
+            <a:r>
+              <a:rPr lang="en-US" sz="1400" b="1" dirty="0" smtClean="0">
+                <a:solidFill>
+                  <a:srgbClr val="00B050"/>
+                </a:solidFill>
+                <a:latin typeface="Courier New" pitchFamily="49" charset="0"/>
+                <a:cs typeface="Courier New" pitchFamily="49" charset="0"/>
+              </a:rPr>
+              <a:t>{;}        </a:t>
+            </a:r>
+            <a:r>
+              <a:rPr lang="en-US" sz="1400" b="1" dirty="0">
+                <a:solidFill>
+                  <a:srgbClr val="00B050"/>
+                </a:solidFill>
+                <a:latin typeface="Courier New" pitchFamily="49" charset="0"/>
+                <a:cs typeface="Courier New" pitchFamily="49" charset="0"/>
+              </a:rPr>
+              <a:t>// trap the CPU</a:t>
+            </a:r>
+          </a:p>
+          <a:p>
+            <a:pPr marL="400050" lvl="1" indent="0">
+              <a:buNone/>
+            </a:pPr>
+            <a:r>
+              <a:rPr lang="en-US" sz="1400" b="1" dirty="0">
+                <a:solidFill>
+                  <a:srgbClr val="00B050"/>
+                </a:solidFill>
+                <a:latin typeface="Courier New" pitchFamily="49" charset="0"/>
+                <a:cs typeface="Courier New" pitchFamily="49" charset="0"/>
+              </a:rPr>
+              <a:t>}</a:t>
+            </a:r>
+            <a:endParaRPr lang="en-US" sz="1800" i="1" dirty="0" smtClean="0"/>
+          </a:p>
+          <a:p>
+            <a:pPr marL="0" indent="0">
+              <a:buNone/>
+            </a:pPr>
+            <a:r>
+              <a:rPr lang="en-US" sz="1800" b="1" dirty="0" smtClean="0">
+                <a:latin typeface="Courier New" pitchFamily="49" charset="0"/>
+                <a:cs typeface="Courier New" pitchFamily="49" charset="0"/>
+              </a:rPr>
+              <a:t>Example:</a:t>
+            </a:r>
+          </a:p>
+          <a:p>
+            <a:pPr marL="400050" lvl="1" indent="0">
+              <a:buNone/>
+            </a:pPr>
+            <a:r>
+              <a:rPr lang="en-US" sz="1400" b="1" dirty="0" smtClean="0">
+                <a:solidFill>
+                  <a:schemeClr val="accent2"/>
+                </a:solidFill>
+                <a:latin typeface="Courier New" pitchFamily="49" charset="0"/>
+                <a:cs typeface="Courier New" pitchFamily="49" charset="0"/>
+              </a:rPr>
+              <a:t>#include &lt;</a:t>
+            </a:r>
+            <a:r>
+              <a:rPr lang="en-US" sz="1400" b="1" dirty="0" err="1" smtClean="0">
+                <a:solidFill>
+                  <a:schemeClr val="accent2"/>
+                </a:solidFill>
+                <a:latin typeface="Courier New" pitchFamily="49" charset="0"/>
+                <a:cs typeface="Courier New" pitchFamily="49" charset="0"/>
+              </a:rPr>
+              <a:t>stdio.h</a:t>
+            </a:r>
+            <a:r>
+              <a:rPr lang="en-US" sz="1400" b="1" dirty="0" smtClean="0">
+                <a:solidFill>
+                  <a:schemeClr val="accent2"/>
+                </a:solidFill>
+                <a:latin typeface="Courier New" pitchFamily="49" charset="0"/>
+                <a:cs typeface="Courier New" pitchFamily="49" charset="0"/>
+              </a:rPr>
+              <a:t>&gt;</a:t>
+            </a:r>
+          </a:p>
+          <a:p>
+            <a:pPr marL="400050" lvl="1" indent="0">
+              <a:buNone/>
+            </a:pPr>
+            <a:r>
+              <a:rPr lang="en-US" sz="1400" dirty="0">
+                <a:solidFill>
+                  <a:schemeClr val="accent2"/>
+                </a:solidFill>
+                <a:latin typeface="Courier New" pitchFamily="49" charset="0"/>
+                <a:cs typeface="Courier New" pitchFamily="49" charset="0"/>
+              </a:rPr>
+              <a:t>#include &lt;</a:t>
+            </a:r>
+            <a:r>
+              <a:rPr lang="en-US" sz="1400" dirty="0" err="1">
+                <a:solidFill>
+                  <a:schemeClr val="accent2"/>
+                </a:solidFill>
+                <a:latin typeface="Courier New" pitchFamily="49" charset="0"/>
+                <a:cs typeface="Courier New" pitchFamily="49" charset="0"/>
+              </a:rPr>
+              <a:t>stdint.h</a:t>
+            </a:r>
+            <a:r>
+              <a:rPr lang="en-US" sz="1400" dirty="0" smtClean="0">
+                <a:solidFill>
+                  <a:schemeClr val="accent2"/>
+                </a:solidFill>
+                <a:latin typeface="Courier New" pitchFamily="49" charset="0"/>
+                <a:cs typeface="Courier New" pitchFamily="49" charset="0"/>
+              </a:rPr>
+              <a:t>&gt;</a:t>
+            </a:r>
+            <a:endParaRPr lang="en-US" sz="1400" b="1" dirty="0" smtClean="0">
+              <a:solidFill>
+                <a:schemeClr val="accent2"/>
+              </a:solidFill>
+              <a:latin typeface="Courier New" pitchFamily="49" charset="0"/>
+              <a:cs typeface="Courier New" pitchFamily="49" charset="0"/>
+            </a:endParaRPr>
+          </a:p>
+          <a:p>
+            <a:pPr marL="400050" lvl="1" indent="0">
+              <a:buNone/>
+            </a:pPr>
+            <a:endParaRPr lang="en-US" sz="1400" b="1" dirty="0">
+              <a:solidFill>
+                <a:schemeClr val="accent2"/>
+              </a:solidFill>
+              <a:latin typeface="Courier New" pitchFamily="49" charset="0"/>
+              <a:cs typeface="Courier New" pitchFamily="49" charset="0"/>
+            </a:endParaRPr>
+          </a:p>
+          <a:p>
+            <a:pPr marL="400050" lvl="1" indent="0">
+              <a:buNone/>
+            </a:pPr>
+            <a:r>
+              <a:rPr lang="en-US" sz="1400" dirty="0" err="1" smtClean="0">
+                <a:solidFill>
+                  <a:schemeClr val="accent2"/>
+                </a:solidFill>
+                <a:latin typeface="Courier New" pitchFamily="49" charset="0"/>
+                <a:cs typeface="Courier New" pitchFamily="49" charset="0"/>
+              </a:rPr>
+              <a:t>const</a:t>
+            </a:r>
+            <a:r>
+              <a:rPr lang="en-US" sz="1400" dirty="0" smtClean="0">
+                <a:solidFill>
+                  <a:schemeClr val="accent2"/>
+                </a:solidFill>
+                <a:latin typeface="Courier New" pitchFamily="49" charset="0"/>
+                <a:cs typeface="Courier New" pitchFamily="49" charset="0"/>
+              </a:rPr>
+              <a:t> unint8_t </a:t>
+            </a:r>
+            <a:r>
+              <a:rPr lang="en-US" sz="1400" b="1" dirty="0" smtClean="0">
+                <a:solidFill>
+                  <a:schemeClr val="accent2"/>
+                </a:solidFill>
+                <a:latin typeface="Courier New" pitchFamily="49" charset="0"/>
+                <a:cs typeface="Courier New" pitchFamily="49" charset="0"/>
+              </a:rPr>
+              <a:t>NUM_LOOPS = 23;</a:t>
+            </a:r>
+          </a:p>
+          <a:p>
+            <a:pPr marL="400050" lvl="1" indent="0">
+              <a:buNone/>
+            </a:pPr>
+            <a:endParaRPr lang="en-US" sz="1400" b="1" dirty="0">
+              <a:solidFill>
+                <a:schemeClr val="accent2"/>
+              </a:solidFill>
+              <a:latin typeface="Courier New" pitchFamily="49" charset="0"/>
+              <a:cs typeface="Courier New" pitchFamily="49" charset="0"/>
+            </a:endParaRPr>
+          </a:p>
+          <a:p>
+            <a:pPr marL="400050" lvl="1" indent="0">
+              <a:buNone/>
+            </a:pPr>
+            <a:r>
+              <a:rPr lang="en-US" sz="1400" b="1" dirty="0">
+                <a:solidFill>
+                  <a:schemeClr val="accent2"/>
+                </a:solidFill>
+                <a:latin typeface="Courier New" pitchFamily="49" charset="0"/>
+                <a:cs typeface="Courier New" pitchFamily="49" charset="0"/>
+              </a:rPr>
+              <a:t>void main(void)</a:t>
+            </a:r>
+          </a:p>
+          <a:p>
+            <a:pPr marL="400050" lvl="1" indent="0">
+              <a:buNone/>
+            </a:pPr>
+            <a:r>
+              <a:rPr lang="en-US" sz="1400" b="1" dirty="0">
+                <a:solidFill>
+                  <a:schemeClr val="accent2"/>
+                </a:solidFill>
+                <a:latin typeface="Courier New" pitchFamily="49" charset="0"/>
+                <a:cs typeface="Courier New" pitchFamily="49" charset="0"/>
+              </a:rPr>
+              <a:t>{</a:t>
+            </a:r>
+          </a:p>
+          <a:p>
+            <a:pPr marL="400050" lvl="1" indent="0">
+              <a:buNone/>
+            </a:pPr>
+            <a:r>
+              <a:rPr lang="en-US" sz="1400" b="1" dirty="0">
+                <a:solidFill>
+                  <a:schemeClr val="accent2"/>
+                </a:solidFill>
+                <a:latin typeface="Courier New" pitchFamily="49" charset="0"/>
+                <a:cs typeface="Courier New" pitchFamily="49" charset="0"/>
+              </a:rPr>
+              <a:t>    unsigned char </a:t>
+            </a:r>
+            <a:r>
+              <a:rPr lang="en-US" sz="1400" b="1" dirty="0" err="1">
+                <a:solidFill>
+                  <a:schemeClr val="accent2"/>
+                </a:solidFill>
+                <a:latin typeface="Courier New" pitchFamily="49" charset="0"/>
+                <a:cs typeface="Courier New" pitchFamily="49" charset="0"/>
+              </a:rPr>
+              <a:t>i</a:t>
+            </a:r>
+            <a:r>
+              <a:rPr lang="en-US" sz="1400" b="1" dirty="0">
+                <a:solidFill>
+                  <a:schemeClr val="accent2"/>
+                </a:solidFill>
+                <a:latin typeface="Courier New" pitchFamily="49" charset="0"/>
+                <a:cs typeface="Courier New" pitchFamily="49" charset="0"/>
+              </a:rPr>
+              <a:t>;</a:t>
+            </a:r>
+          </a:p>
+          <a:p>
+            <a:pPr marL="400050" lvl="1" indent="0">
+              <a:buNone/>
+            </a:pPr>
+            <a:r>
+              <a:rPr lang="en-US" sz="1400" b="1" dirty="0">
+                <a:solidFill>
+                  <a:schemeClr val="accent2"/>
+                </a:solidFill>
+                <a:latin typeface="Courier New" pitchFamily="49" charset="0"/>
+                <a:cs typeface="Courier New" pitchFamily="49" charset="0"/>
+              </a:rPr>
+              <a:t>    unsigned int summation = 0</a:t>
+            </a:r>
+            <a:r>
+              <a:rPr lang="en-US" sz="1400" b="1" dirty="0" smtClean="0">
+                <a:solidFill>
+                  <a:schemeClr val="accent2"/>
+                </a:solidFill>
+                <a:latin typeface="Courier New" pitchFamily="49" charset="0"/>
+                <a:cs typeface="Courier New" pitchFamily="49" charset="0"/>
+              </a:rPr>
+              <a:t>;</a:t>
+            </a:r>
+            <a:endParaRPr lang="en-US" sz="1400" b="1" dirty="0">
+              <a:solidFill>
+                <a:schemeClr val="accent2"/>
+              </a:solidFill>
+              <a:latin typeface="Courier New" pitchFamily="49" charset="0"/>
+              <a:cs typeface="Courier New" pitchFamily="49" charset="0"/>
+            </a:endParaRPr>
+          </a:p>
+          <a:p>
+            <a:pPr marL="400050" lvl="1" indent="0">
+              <a:buNone/>
+            </a:pPr>
+            <a:r>
+              <a:rPr lang="en-US" sz="1400" b="1" dirty="0">
+                <a:solidFill>
+                  <a:schemeClr val="accent2"/>
+                </a:solidFill>
+                <a:latin typeface="Courier New" pitchFamily="49" charset="0"/>
+                <a:cs typeface="Courier New" pitchFamily="49" charset="0"/>
+              </a:rPr>
+              <a:t>    for (</a:t>
+            </a:r>
+            <a:r>
+              <a:rPr lang="en-US" sz="1400" b="1" dirty="0" err="1">
+                <a:solidFill>
+                  <a:schemeClr val="accent2"/>
+                </a:solidFill>
+                <a:latin typeface="Courier New" pitchFamily="49" charset="0"/>
+                <a:cs typeface="Courier New" pitchFamily="49" charset="0"/>
+              </a:rPr>
+              <a:t>i</a:t>
+            </a:r>
+            <a:r>
+              <a:rPr lang="en-US" sz="1400" b="1" dirty="0">
+                <a:solidFill>
+                  <a:schemeClr val="accent2"/>
+                </a:solidFill>
+                <a:latin typeface="Courier New" pitchFamily="49" charset="0"/>
+                <a:cs typeface="Courier New" pitchFamily="49" charset="0"/>
+              </a:rPr>
+              <a:t> = 1; </a:t>
+            </a:r>
+            <a:r>
+              <a:rPr lang="en-US" sz="1400" b="1" dirty="0" err="1">
+                <a:solidFill>
+                  <a:schemeClr val="accent2"/>
+                </a:solidFill>
+                <a:latin typeface="Courier New" pitchFamily="49" charset="0"/>
+                <a:cs typeface="Courier New" pitchFamily="49" charset="0"/>
+              </a:rPr>
+              <a:t>i</a:t>
+            </a:r>
+            <a:r>
+              <a:rPr lang="en-US" sz="1400" b="1" dirty="0">
+                <a:solidFill>
+                  <a:schemeClr val="accent2"/>
+                </a:solidFill>
+                <a:latin typeface="Courier New" pitchFamily="49" charset="0"/>
+                <a:cs typeface="Courier New" pitchFamily="49" charset="0"/>
+              </a:rPr>
+              <a:t> &lt;= NUM_LOOPS; </a:t>
+            </a:r>
+            <a:r>
+              <a:rPr lang="en-US" sz="1400" b="1" dirty="0" err="1">
+                <a:solidFill>
+                  <a:schemeClr val="accent2"/>
+                </a:solidFill>
+                <a:latin typeface="Courier New" pitchFamily="49" charset="0"/>
+                <a:cs typeface="Courier New" pitchFamily="49" charset="0"/>
+              </a:rPr>
+              <a:t>i</a:t>
+            </a:r>
+            <a:r>
+              <a:rPr lang="en-US" sz="1400" b="1" dirty="0">
+                <a:solidFill>
+                  <a:schemeClr val="accent2"/>
+                </a:solidFill>
+                <a:latin typeface="Courier New" pitchFamily="49" charset="0"/>
+                <a:cs typeface="Courier New" pitchFamily="49" charset="0"/>
+              </a:rPr>
+              <a:t>++)</a:t>
+            </a:r>
+          </a:p>
+          <a:p>
+            <a:pPr marL="400050" lvl="1" indent="0">
+              <a:buNone/>
+            </a:pPr>
+            <a:r>
+              <a:rPr lang="en-US" sz="1400" b="1" dirty="0">
+                <a:solidFill>
+                  <a:schemeClr val="accent2"/>
+                </a:solidFill>
+                <a:latin typeface="Courier New" pitchFamily="49" charset="0"/>
+                <a:cs typeface="Courier New" pitchFamily="49" charset="0"/>
+              </a:rPr>
+              <a:t>    {</a:t>
+            </a:r>
+          </a:p>
+          <a:p>
+            <a:pPr marL="400050" lvl="1" indent="0">
+              <a:buNone/>
+            </a:pPr>
+            <a:r>
+              <a:rPr lang="en-US" sz="1400" b="1" dirty="0">
+                <a:solidFill>
+                  <a:schemeClr val="accent2"/>
+                </a:solidFill>
+                <a:latin typeface="Courier New" pitchFamily="49" charset="0"/>
+                <a:cs typeface="Courier New" pitchFamily="49" charset="0"/>
+              </a:rPr>
+              <a:t>        summation += </a:t>
+            </a:r>
+            <a:r>
+              <a:rPr lang="en-US" sz="1400" b="1" dirty="0" err="1">
+                <a:solidFill>
+                  <a:schemeClr val="accent2"/>
+                </a:solidFill>
+                <a:latin typeface="Courier New" pitchFamily="49" charset="0"/>
+                <a:cs typeface="Courier New" pitchFamily="49" charset="0"/>
+              </a:rPr>
+              <a:t>i</a:t>
+            </a:r>
+            <a:r>
+              <a:rPr lang="en-US" sz="1400" b="1" dirty="0">
+                <a:solidFill>
+                  <a:schemeClr val="accent2"/>
+                </a:solidFill>
+                <a:latin typeface="Courier New" pitchFamily="49" charset="0"/>
+                <a:cs typeface="Courier New" pitchFamily="49" charset="0"/>
+              </a:rPr>
+              <a:t>;</a:t>
+            </a:r>
+          </a:p>
+          <a:p>
+            <a:pPr marL="400050" lvl="1" indent="0">
+              <a:buNone/>
+            </a:pPr>
+            <a:r>
+              <a:rPr lang="en-US" sz="1400" b="1" dirty="0">
+                <a:solidFill>
+                  <a:schemeClr val="accent2"/>
+                </a:solidFill>
+                <a:latin typeface="Courier New" pitchFamily="49" charset="0"/>
+                <a:cs typeface="Courier New" pitchFamily="49" charset="0"/>
+              </a:rPr>
+              <a:t>    </a:t>
+            </a:r>
+            <a:r>
+              <a:rPr lang="en-US" sz="1400" b="1" dirty="0" smtClean="0">
+                <a:solidFill>
+                  <a:schemeClr val="accent2"/>
+                </a:solidFill>
+                <a:latin typeface="Courier New" pitchFamily="49" charset="0"/>
+                <a:cs typeface="Courier New" pitchFamily="49" charset="0"/>
+              </a:rPr>
+              <a:t>}</a:t>
+            </a:r>
+            <a:endParaRPr lang="en-US" sz="1400" b="1" dirty="0">
+              <a:solidFill>
+                <a:schemeClr val="accent2"/>
+              </a:solidFill>
+              <a:latin typeface="Courier New" pitchFamily="49" charset="0"/>
+              <a:cs typeface="Courier New" pitchFamily="49" charset="0"/>
+            </a:endParaRPr>
+          </a:p>
+          <a:p>
+            <a:pPr marL="400050" lvl="1" indent="0">
+              <a:buNone/>
+            </a:pPr>
+            <a:r>
+              <a:rPr lang="en-US" sz="1400" b="1" dirty="0">
+                <a:solidFill>
+                  <a:schemeClr val="accent2"/>
+                </a:solidFill>
+                <a:latin typeface="Courier New" pitchFamily="49" charset="0"/>
+                <a:cs typeface="Courier New" pitchFamily="49" charset="0"/>
+              </a:rPr>
+              <a:t>    while (1) </a:t>
+            </a:r>
+            <a:r>
+              <a:rPr lang="en-US" sz="1400" b="1" dirty="0" smtClean="0">
+                <a:solidFill>
+                  <a:schemeClr val="accent2"/>
+                </a:solidFill>
+                <a:latin typeface="Courier New" pitchFamily="49" charset="0"/>
+                <a:cs typeface="Courier New" pitchFamily="49" charset="0"/>
+              </a:rPr>
+              <a:t>{;}        </a:t>
+            </a:r>
+            <a:r>
+              <a:rPr lang="en-US" sz="1400" b="1" dirty="0">
+                <a:solidFill>
+                  <a:srgbClr val="00B050"/>
+                </a:solidFill>
+                <a:latin typeface="Courier New" pitchFamily="49" charset="0"/>
+                <a:cs typeface="Courier New" pitchFamily="49" charset="0"/>
+              </a:rPr>
+              <a:t>// trap the </a:t>
+            </a:r>
+            <a:r>
+              <a:rPr lang="en-US" sz="1400" b="1" dirty="0" smtClean="0">
+                <a:solidFill>
+                  <a:srgbClr val="00B050"/>
+                </a:solidFill>
+                <a:latin typeface="Courier New" pitchFamily="49" charset="0"/>
+                <a:cs typeface="Courier New" pitchFamily="49" charset="0"/>
+              </a:rPr>
+              <a:t>CPU</a:t>
+            </a:r>
+            <a:endParaRPr lang="en-US" sz="1400" b="1" dirty="0">
+              <a:solidFill>
+                <a:srgbClr val="00B050"/>
+              </a:solidFill>
+              <a:latin typeface="Courier New" pitchFamily="49" charset="0"/>
+              <a:cs typeface="Courier New" pitchFamily="49" charset="0"/>
+            </a:endParaRPr>
+          </a:p>
+          <a:p>
+            <a:pPr marL="400050" lvl="1" indent="0">
+              <a:buNone/>
+            </a:pPr>
+            <a:r>
+              <a:rPr lang="en-US" sz="1400" b="1" dirty="0">
+                <a:solidFill>
+                  <a:schemeClr val="accent2"/>
+                </a:solidFill>
+                <a:latin typeface="Courier New" pitchFamily="49" charset="0"/>
+                <a:cs typeface="Courier New" pitchFamily="49" charset="0"/>
+              </a:rPr>
+              <a:t>}</a:t>
+            </a:r>
+          </a:p>
+        </p:txBody>
+      </p:sp>
+    </p:spTree>
+    <p:extLst>
+      <p:ext uri="{BB962C8B-B14F-4D97-AF65-F5344CB8AC3E}">
+        <p14:creationId xmlns:p14="http://schemas.microsoft.com/office/powerpoint/2010/main" val="1003012573"/>
+      </p:ext>
+    </p:extLst>
+  </p:cSld>
+  <p:clrMapOvr>
+    <a:masterClrMapping/>
+  </p:clrMapOvr>
+  <p:timing>
+    <p:tnLst>
+      <p:par>
+        <p:cTn id="1" dur="indefinite" restart="never" nodeType="tmRoot"/>
+      </p:par>
+    </p:tnLst>
+  </p:timing>
+</p:sld>
+</file>
+
+<file path=ppt/slides/slide24.xml><?xml version="1.0" encoding="utf-8"?>
+<p:sld xmlns:a="http://schemas.openxmlformats.org/drawingml/2006/main" xmlns:r="http://schemas.openxmlformats.org/officeDocument/2006/relationships" xmlns:p="http://schemas.openxmlformats.org/presentationml/2006/main">
+  <p:cSld>
+    <p:spTree>
+      <p:nvGrpSpPr>
+        <p:cNvPr id="1" name=""/>
+        <p:cNvGrpSpPr/>
+        <p:nvPr/>
+      </p:nvGrpSpPr>
+      <p:grpSpPr>
+        <a:xfrm>
+          <a:off x="0" y="0"/>
+          <a:ext cx="0" cy="0"/>
+          <a:chOff x="0" y="0"/>
+          <a:chExt cx="0" cy="0"/>
+        </a:xfrm>
+      </p:grpSpPr>
+      <p:sp>
+        <p:nvSpPr>
+          <p:cNvPr id="2" name="Title 1"/>
+          <p:cNvSpPr>
+            <a:spLocks noGrp="1"/>
+          </p:cNvSpPr>
+          <p:nvPr>
+            <p:ph type="title"/>
+          </p:nvPr>
+        </p:nvSpPr>
+        <p:spPr/>
+        <p:txBody>
+          <a:bodyPr/>
+          <a:lstStyle/>
+          <a:p>
+            <a:r>
               <a:rPr lang="en-US" dirty="0" err="1" smtClean="0"/>
               <a:t>m</a:t>
             </a:r>
@@ -16395,38 +16470,7 @@
                 </a:solidFill>
                 <a:latin typeface="Arial" charset="0"/>
               </a:rPr>
-              <a:t>In accordance with the Faculty Operating Instruction, y</a:t>
-            </a:r>
-            <a:r>
-              <a:rPr kumimoji="0" lang="en-US" sz="1600" b="0" i="0" u="none" strike="noStrike" cap="none" normalizeH="0" baseline="0" dirty="0" smtClean="0">
-                <a:ln>
-                  <a:noFill/>
-                </a:ln>
-                <a:solidFill>
-                  <a:schemeClr val="bg1"/>
-                </a:solidFill>
-                <a:effectLst/>
-                <a:latin typeface="Arial" charset="0"/>
-              </a:rPr>
-              <a:t>our code is LATE (25% per day) if you do not have this </a:t>
-            </a:r>
-            <a:r>
-              <a:rPr lang="en-US" sz="1600" dirty="0" smtClean="0">
-                <a:solidFill>
-                  <a:schemeClr val="bg1"/>
-                </a:solidFill>
-                <a:latin typeface="Arial" charset="0"/>
-              </a:rPr>
-              <a:t>at the top of </a:t>
-            </a:r>
-            <a:r>
-              <a:rPr lang="en-US" sz="1600" dirty="0" err="1" smtClean="0">
-                <a:solidFill>
-                  <a:schemeClr val="bg1"/>
-                </a:solidFill>
-                <a:latin typeface="Arial" charset="0"/>
-              </a:rPr>
-              <a:t>main.c</a:t>
+              <a:t>Remember to put the correct header on your code!</a:t>
             </a:r>
             <a:endParaRPr kumimoji="0" lang="en-US" sz="1600" b="0" i="0" u="none" strike="noStrike" cap="none" normalizeH="0" baseline="0" dirty="0" smtClean="0">
               <a:ln>
@@ -16461,7 +16505,7 @@
 </p:sld>
 </file>
 
-<file path=ppt/slides/slide24.xml><?xml version="1.0" encoding="utf-8"?>
+<file path=ppt/slides/slide25.xml><?xml version="1.0" encoding="utf-8"?>
 <p:sld xmlns:a="http://schemas.openxmlformats.org/drawingml/2006/main" xmlns:r="http://schemas.openxmlformats.org/officeDocument/2006/relationships" xmlns:p="http://schemas.openxmlformats.org/presentationml/2006/main">
   <p:cSld>
     <p:spTree>
@@ -16574,6 +16618,100 @@
           <a:lstStyle/>
           <a:p>
             <a:r>
+              <a:rPr lang="en-US" dirty="0" smtClean="0"/>
+              <a:t>There be monsters ahead</a:t>
+            </a:r>
+            <a:endParaRPr lang="en-US" dirty="0"/>
+          </a:p>
+        </p:txBody>
+      </p:sp>
+      <p:pic>
+        <p:nvPicPr>
+          <p:cNvPr id="1026" name="Picture 2" descr="Related image"/>
+          <p:cNvPicPr>
+            <a:picLocks noChangeAspect="1" noChangeArrowheads="1"/>
+          </p:cNvPicPr>
+          <p:nvPr/>
+        </p:nvPicPr>
+        <p:blipFill>
+          <a:blip r:embed="rId2">
+            <a:extLst>
+              <a:ext uri="{28A0092B-C50C-407E-A947-70E740481C1C}">
+                <a14:useLocalDpi xmlns:a14="http://schemas.microsoft.com/office/drawing/2010/main" val="0"/>
+              </a:ext>
+            </a:extLst>
+          </a:blip>
+          <a:srcRect/>
+          <a:stretch>
+            <a:fillRect/>
+          </a:stretch>
+        </p:blipFill>
+        <p:spPr bwMode="auto">
+          <a:xfrm>
+            <a:off x="275895" y="2191364"/>
+            <a:ext cx="8671081" cy="3341918"/>
+          </a:xfrm>
+          <a:prstGeom prst="rect">
+            <a:avLst/>
+          </a:prstGeom>
+          <a:noFill/>
+          <a:extLst>
+            <a:ext uri="{909E8E84-426E-40DD-AFC4-6F175D3DCCD1}">
+              <a14:hiddenFill xmlns:a14="http://schemas.microsoft.com/office/drawing/2010/main">
+                <a:solidFill>
+                  <a:srgbClr val="FFFFFF"/>
+                </a:solidFill>
+              </a14:hiddenFill>
+            </a:ext>
+          </a:extLst>
+        </p:spPr>
+      </p:pic>
+    </p:spTree>
+    <p:extLst>
+      <p:ext uri="{BB962C8B-B14F-4D97-AF65-F5344CB8AC3E}">
+        <p14:creationId xmlns:p14="http://schemas.microsoft.com/office/powerpoint/2010/main" val="2290394711"/>
+      </p:ext>
+    </p:extLst>
+  </p:cSld>
+  <p:clrMapOvr>
+    <a:masterClrMapping/>
+  </p:clrMapOvr>
+</p:sld>
+</file>
+
+<file path=ppt/slides/slide4.xml><?xml version="1.0" encoding="utf-8"?>
+<p:sld xmlns:a="http://schemas.openxmlformats.org/drawingml/2006/main" xmlns:r="http://schemas.openxmlformats.org/officeDocument/2006/relationships" xmlns:p="http://schemas.openxmlformats.org/presentationml/2006/main">
+  <p:cSld>
+    <p:spTree>
+      <p:nvGrpSpPr>
+        <p:cNvPr id="1" name=""/>
+        <p:cNvGrpSpPr/>
+        <p:nvPr/>
+      </p:nvGrpSpPr>
+      <p:grpSpPr>
+        <a:xfrm>
+          <a:off x="0" y="0"/>
+          <a:ext cx="0" cy="0"/>
+          <a:chOff x="0" y="0"/>
+          <a:chExt cx="0" cy="0"/>
+        </a:xfrm>
+      </p:grpSpPr>
+      <p:sp>
+        <p:nvSpPr>
+          <p:cNvPr id="2" name="Title 1"/>
+          <p:cNvSpPr>
+            <a:spLocks noGrp="1"/>
+          </p:cNvSpPr>
+          <p:nvPr>
+            <p:ph type="title"/>
+          </p:nvPr>
+        </p:nvSpPr>
+        <p:spPr/>
+        <p:txBody>
+          <a:bodyPr/>
+          <a:lstStyle/>
+          <a:p>
+            <a:r>
               <a:rPr lang="en-US" b="1" dirty="0" smtClean="0"/>
               <a:t>C Language:  Comments</a:t>
             </a:r>
@@ -16808,7 +16946,7 @@
 </p:sld>
 </file>
 
-<file path=ppt/slides/slide4.xml><?xml version="1.0" encoding="utf-8"?>
+<file path=ppt/slides/slide5.xml><?xml version="1.0" encoding="utf-8"?>
 <p:sld xmlns:a="http://schemas.openxmlformats.org/drawingml/2006/main" xmlns:r="http://schemas.openxmlformats.org/officeDocument/2006/relationships" xmlns:p="http://schemas.openxmlformats.org/presentationml/2006/main">
   <p:cSld>
     <p:spTree>
@@ -18016,21 +18154,7 @@
                 <a:latin typeface="inherit"/>
                 <a:cs typeface="Arial" pitchFamily="34" charset="0"/>
               </a:rPr>
-              <a:t>Variable </a:t>
-            </a:r>
-            <a:r>
-              <a:rPr kumimoji="0" lang="en-US" sz="1800" b="1" i="0" u="none" strike="noStrike" cap="none" normalizeH="0" baseline="0" dirty="0" smtClean="0">
-                <a:ln>
-                  <a:noFill/>
-                </a:ln>
-                <a:solidFill>
-                  <a:schemeClr val="accent2"/>
-                </a:solidFill>
-                <a:effectLst/>
-                <a:latin typeface="inherit"/>
-                <a:cs typeface="Arial" pitchFamily="34" charset="0"/>
-              </a:rPr>
-              <a:t>Types: </a:t>
+              <a:t>Variable Types: </a:t>
             </a:r>
             <a:r>
               <a:rPr kumimoji="0" lang="en-US" sz="1800" b="1" i="0" u="none" strike="noStrike" cap="none" normalizeH="0" baseline="0" dirty="0" err="1" smtClean="0">
@@ -18054,14 +18178,6 @@
               </a:rPr>
               <a:t> a;</a:t>
             </a:r>
-            <a:endParaRPr kumimoji="0" lang="en-US" sz="1800" b="1" i="0" u="none" strike="noStrike" cap="none" normalizeH="0" baseline="0" dirty="0" smtClean="0">
-              <a:ln>
-                <a:noFill/>
-              </a:ln>
-              <a:effectLst/>
-              <a:latin typeface="inherit"/>
-              <a:cs typeface="Arial" pitchFamily="34" charset="0"/>
-            </a:endParaRPr>
           </a:p>
         </p:txBody>
       </p:sp>
@@ -18085,7 +18201,7 @@
 </p:sld>
 </file>
 
-<file path=ppt/slides/slide5.xml><?xml version="1.0" encoding="utf-8"?>
+<file path=ppt/slides/slide6.xml><?xml version="1.0" encoding="utf-8"?>
 <p:sld xmlns:a="http://schemas.openxmlformats.org/drawingml/2006/main" xmlns:r="http://schemas.openxmlformats.org/officeDocument/2006/relationships" xmlns:p="http://schemas.openxmlformats.org/presentationml/2006/main">
   <p:cSld>
     <p:spTree>
@@ -18282,21 +18398,7 @@
                 <a:latin typeface="inherit"/>
                 <a:cs typeface="Arial" pitchFamily="34" charset="0"/>
               </a:rPr>
-              <a:t>Variable </a:t>
-            </a:r>
-            <a:r>
-              <a:rPr kumimoji="0" lang="en-US" sz="1800" b="1" i="0" u="none" strike="noStrike" cap="none" normalizeH="0" baseline="0" dirty="0" smtClean="0">
-                <a:ln>
-                  <a:noFill/>
-                </a:ln>
-                <a:solidFill>
-                  <a:schemeClr val="accent2"/>
-                </a:solidFill>
-                <a:effectLst/>
-                <a:latin typeface="inherit"/>
-                <a:cs typeface="Arial" pitchFamily="34" charset="0"/>
-              </a:rPr>
-              <a:t>Modifiers: </a:t>
+              <a:t>Variable Modifiers: </a:t>
             </a:r>
             <a:r>
               <a:rPr kumimoji="0" lang="en-US" sz="1800" b="1" i="0" u="none" strike="noStrike" cap="none" normalizeH="0" baseline="0" dirty="0" smtClean="0">
@@ -18331,14 +18433,6 @@
               </a:rPr>
               <a:t> a;</a:t>
             </a:r>
-            <a:endParaRPr kumimoji="0" lang="en-US" sz="1800" b="1" i="0" u="none" strike="noStrike" cap="none" normalizeH="0" baseline="0" dirty="0" smtClean="0">
-              <a:ln>
-                <a:noFill/>
-              </a:ln>
-              <a:effectLst/>
-              <a:latin typeface="inherit"/>
-              <a:cs typeface="Arial" pitchFamily="34" charset="0"/>
-            </a:endParaRPr>
           </a:p>
           <a:p>
             <a:pPr marL="0" marR="0" lvl="0" indent="0" algn="l" defTabSz="914400" rtl="0" eaLnBrk="0" fontAlgn="base" latinLnBrk="0" hangingPunct="0">
@@ -19275,7 +19369,7 @@
 </p:sld>
 </file>
 
-<file path=ppt/slides/slide6.xml><?xml version="1.0" encoding="utf-8"?>
+<file path=ppt/slides/slide7.xml><?xml version="1.0" encoding="utf-8"?>
 <p:sld xmlns:a="http://schemas.openxmlformats.org/drawingml/2006/main" xmlns:r="http://schemas.openxmlformats.org/officeDocument/2006/relationships" xmlns:p="http://schemas.openxmlformats.org/presentationml/2006/main">
   <p:cSld>
     <p:spTree>
@@ -19893,7 +19987,7 @@
 </p:sld>
 </file>
 
-<file path=ppt/slides/slide7.xml><?xml version="1.0" encoding="utf-8"?>
+<file path=ppt/slides/slide8.xml><?xml version="1.0" encoding="utf-8"?>
 <p:sld xmlns:a="http://schemas.openxmlformats.org/drawingml/2006/main" xmlns:r="http://schemas.openxmlformats.org/officeDocument/2006/relationships" xmlns:p="http://schemas.openxmlformats.org/presentationml/2006/main">
   <p:cSld>
     <p:spTree>
@@ -20415,7 +20509,7 @@
 </p:sld>
 </file>
 
-<file path=ppt/slides/slide8.xml><?xml version="1.0" encoding="utf-8"?>
+<file path=ppt/slides/slide9.xml><?xml version="1.0" encoding="utf-8"?>
 <p:sld xmlns:a="http://schemas.openxmlformats.org/drawingml/2006/main" xmlns:r="http://schemas.openxmlformats.org/officeDocument/2006/relationships" xmlns:p="http://schemas.openxmlformats.org/presentationml/2006/main">
   <p:cSld>
     <p:spTree>
@@ -20692,256 +20786,6 @@
     <p:bldLst>
       <p:bldP spid="6" grpId="0" animBg="1"/>
     </p:bldLst>
-  </p:timing>
-</p:sld>
-</file>
-
-<file path=ppt/slides/slide9.xml><?xml version="1.0" encoding="utf-8"?>
-<p:sld xmlns:a="http://schemas.openxmlformats.org/drawingml/2006/main" xmlns:r="http://schemas.openxmlformats.org/officeDocument/2006/relationships" xmlns:p="http://schemas.openxmlformats.org/presentationml/2006/main">
-  <p:cSld>
-    <p:spTree>
-      <p:nvGrpSpPr>
-        <p:cNvPr id="1" name=""/>
-        <p:cNvGrpSpPr/>
-        <p:nvPr/>
-      </p:nvGrpSpPr>
-      <p:grpSpPr>
-        <a:xfrm>
-          <a:off x="0" y="0"/>
-          <a:ext cx="0" cy="0"/>
-          <a:chOff x="0" y="0"/>
-          <a:chExt cx="0" cy="0"/>
-        </a:xfrm>
-      </p:grpSpPr>
-      <p:sp>
-        <p:nvSpPr>
-          <p:cNvPr id="2" name="Title 1"/>
-          <p:cNvSpPr>
-            <a:spLocks noGrp="1"/>
-          </p:cNvSpPr>
-          <p:nvPr>
-            <p:ph type="title"/>
-          </p:nvPr>
-        </p:nvSpPr>
-        <p:spPr/>
-        <p:txBody>
-          <a:bodyPr/>
-          <a:lstStyle/>
-          <a:p>
-            <a:r>
-              <a:rPr lang="en-US" dirty="0" smtClean="0"/>
-              <a:t>Others</a:t>
-            </a:r>
-            <a:endParaRPr lang="en-US" dirty="0"/>
-          </a:p>
-        </p:txBody>
-      </p:sp>
-      <p:sp>
-        <p:nvSpPr>
-          <p:cNvPr id="3" name="Content Placeholder 2"/>
-          <p:cNvSpPr>
-            <a:spLocks noGrp="1"/>
-          </p:cNvSpPr>
-          <p:nvPr>
-            <p:ph idx="1"/>
-          </p:nvPr>
-        </p:nvSpPr>
-        <p:spPr/>
-        <p:txBody>
-          <a:bodyPr>
-            <a:normAutofit lnSpcReduction="10000"/>
-          </a:bodyPr>
-          <a:lstStyle/>
-          <a:p>
-            <a:r>
-              <a:rPr lang="en-US" b="1" dirty="0"/>
-              <a:t>#include &lt;</a:t>
-            </a:r>
-            <a:r>
-              <a:rPr lang="en-US" b="1" dirty="0" err="1" smtClean="0"/>
-              <a:t>stdbool.h</a:t>
-            </a:r>
-            <a:r>
-              <a:rPr lang="en-US" b="1" dirty="0" smtClean="0"/>
-              <a:t>&gt; </a:t>
-            </a:r>
-            <a:r>
-              <a:rPr lang="en-US" dirty="0" smtClean="0"/>
-              <a:t>defines </a:t>
-            </a:r>
-            <a:r>
-              <a:rPr lang="en-US" dirty="0" err="1" smtClean="0"/>
-              <a:t>booleans</a:t>
-            </a:r>
-            <a:endParaRPr lang="en-US" dirty="0" smtClean="0"/>
-          </a:p>
-          <a:p>
-            <a:pPr lvl="1"/>
-            <a:r>
-              <a:rPr lang="en-US" dirty="0" smtClean="0"/>
-              <a:t>true = 1</a:t>
-            </a:r>
-          </a:p>
-          <a:p>
-            <a:pPr lvl="1"/>
-            <a:r>
-              <a:rPr lang="en-US" dirty="0" smtClean="0"/>
-              <a:t>false = 0</a:t>
-            </a:r>
-          </a:p>
-          <a:p>
-            <a:pPr lvl="1"/>
-            <a:r>
-              <a:rPr lang="en-US" dirty="0" smtClean="0">
-                <a:solidFill>
-                  <a:srgbClr val="0070C0"/>
-                </a:solidFill>
-              </a:rPr>
-              <a:t>bool</a:t>
-            </a:r>
-            <a:r>
-              <a:rPr lang="en-US" dirty="0" smtClean="0"/>
-              <a:t> is a valid data type</a:t>
-            </a:r>
-          </a:p>
-          <a:p>
-            <a:endParaRPr lang="en-US" dirty="0" smtClean="0"/>
-          </a:p>
-          <a:p>
-            <a:r>
-              <a:rPr lang="en-US" b="1" dirty="0" smtClean="0"/>
-              <a:t>#include &lt;</a:t>
-            </a:r>
-            <a:r>
-              <a:rPr lang="en-US" b="1" dirty="0" err="1" smtClean="0"/>
-              <a:t>math.h</a:t>
-            </a:r>
-            <a:r>
-              <a:rPr lang="en-US" b="1" dirty="0" smtClean="0"/>
-              <a:t>&gt; </a:t>
-            </a:r>
-            <a:r>
-              <a:rPr lang="en-US" dirty="0" smtClean="0"/>
-              <a:t>defines things like:</a:t>
-            </a:r>
-          </a:p>
-          <a:p>
-            <a:pPr lvl="1"/>
-            <a:r>
-              <a:rPr lang="en-US" dirty="0"/>
-              <a:t>#define	M_PI	</a:t>
-            </a:r>
-            <a:r>
-              <a:rPr lang="en-US" dirty="0" smtClean="0"/>
-              <a:t>   3.14159265358979323846 </a:t>
-            </a:r>
-            <a:r>
-              <a:rPr lang="en-US" dirty="0">
-                <a:solidFill>
-                  <a:srgbClr val="00B050"/>
-                </a:solidFill>
-              </a:rPr>
-              <a:t>/* pi */</a:t>
-            </a:r>
-            <a:endParaRPr lang="en-US" dirty="0" smtClean="0">
-              <a:solidFill>
-                <a:srgbClr val="00B050"/>
-              </a:solidFill>
-            </a:endParaRPr>
-          </a:p>
-          <a:p>
-            <a:pPr lvl="1"/>
-            <a:r>
-              <a:rPr lang="en-US" dirty="0"/>
-              <a:t>#define	</a:t>
-            </a:r>
-            <a:r>
-              <a:rPr lang="en-US" dirty="0" smtClean="0"/>
-              <a:t>M_PI_2  1.57079632679489661923 </a:t>
-            </a:r>
-            <a:r>
-              <a:rPr lang="en-US" dirty="0">
-                <a:solidFill>
-                  <a:srgbClr val="00B050"/>
-                </a:solidFill>
-              </a:rPr>
-              <a:t>/* pi/2 </a:t>
-            </a:r>
-            <a:r>
-              <a:rPr lang="en-US" dirty="0" smtClean="0">
-                <a:solidFill>
-                  <a:srgbClr val="00B050"/>
-                </a:solidFill>
-              </a:rPr>
-              <a:t>*/</a:t>
-            </a:r>
-          </a:p>
-          <a:p>
-            <a:pPr lvl="1"/>
-            <a:r>
-              <a:rPr lang="en-US" dirty="0" err="1" smtClean="0"/>
-              <a:t>sqrtf</a:t>
-            </a:r>
-            <a:r>
-              <a:rPr lang="en-US" dirty="0" smtClean="0"/>
-              <a:t>()    square root float</a:t>
-            </a:r>
-          </a:p>
-          <a:p>
-            <a:pPr lvl="1"/>
-            <a:r>
-              <a:rPr lang="en-US" dirty="0" err="1" smtClean="0"/>
-              <a:t>sqrt</a:t>
-            </a:r>
-            <a:r>
-              <a:rPr lang="en-US" dirty="0" smtClean="0"/>
-              <a:t>()     square root double (default)</a:t>
-            </a:r>
-          </a:p>
-          <a:p>
-            <a:pPr lvl="1"/>
-            <a:r>
-              <a:rPr lang="en-US" dirty="0" err="1" smtClean="0"/>
-              <a:t>cosf</a:t>
-            </a:r>
-            <a:r>
-              <a:rPr lang="en-US" dirty="0" smtClean="0"/>
-              <a:t>()     cosine float</a:t>
-            </a:r>
-          </a:p>
-          <a:p>
-            <a:pPr lvl="1"/>
-            <a:r>
-              <a:rPr lang="en-US" dirty="0" smtClean="0"/>
-              <a:t>cos()      cosine double (default)</a:t>
-            </a:r>
-          </a:p>
-          <a:p>
-            <a:pPr lvl="1"/>
-            <a:r>
-              <a:rPr lang="en-US" dirty="0" err="1" smtClean="0"/>
-              <a:t>etc</a:t>
-            </a:r>
-            <a:endParaRPr lang="en-US" dirty="0"/>
-          </a:p>
-        </p:txBody>
-      </p:sp>
-    </p:spTree>
-    <p:extLst>
-      <p:ext uri="{BB962C8B-B14F-4D97-AF65-F5344CB8AC3E}">
-        <p14:creationId xmlns:p14="http://schemas.microsoft.com/office/powerpoint/2010/main" val="3375374689"/>
-      </p:ext>
-    </p:extLst>
-  </p:cSld>
-  <p:clrMapOvr>
-    <a:masterClrMapping/>
-  </p:clrMapOvr>
-  <p:timing>
-    <p:tnLst>
-      <p:par>
-        <p:cTn id="1" dur="indefinite" restart="never" nodeType="tmRoot"/>
-      </p:par>
-    </p:tnLst>
   </p:timing>
 </p:sld>
 </file>
